--- a/about_me/Visual Listening In_Draft_LS.pptx
+++ b/about_me/Visual Listening In_Draft_LS.pptx
@@ -14590,6 +14590,107 @@
       </p:grpSpPr>
       <p:sp>
         <p:nvSpPr>
+          <p:cNvPr id="2" name="Slide Image Placeholder 1"/>
+          <p:cNvSpPr>
+            <a:spLocks noGrp="1" noRot="1" noChangeAspect="1"/>
+          </p:cNvSpPr>
+          <p:nvPr>
+            <p:ph type="sldImg"/>
+          </p:nvPr>
+        </p:nvSpPr>
+        <p:spPr/>
+      </p:sp>
+      <p:sp>
+        <p:nvSpPr>
+          <p:cNvPr id="3" name="Notes Placeholder 2"/>
+          <p:cNvSpPr>
+            <a:spLocks noGrp="1"/>
+          </p:cNvSpPr>
+          <p:nvPr>
+            <p:ph type="body" idx="1"/>
+          </p:nvPr>
+        </p:nvSpPr>
+        <p:spPr/>
+        <p:txBody>
+          <a:bodyPr/>
+          <a:lstStyle/>
+          <a:p>
+            <a:r>
+              <a:rPr lang="de-CH" smtClean="0"/>
+              <a:t>Welcome to our presentation of the project about Visual Listening or Extracting Brand</a:t>
+            </a:r>
+            <a:r>
+              <a:rPr lang="de-CH" baseline="0" smtClean="0"/>
+              <a:t> Image Portrayed on Social Media. </a:t>
+            </a:r>
+          </a:p>
+          <a:p>
+            <a:r>
+              <a:rPr lang="de-CH" baseline="0" smtClean="0"/>
+              <a:t>Our team members consists of Neeraj, Linda, Theebana and Vincent. </a:t>
+            </a:r>
+          </a:p>
+          <a:p>
+            <a:endParaRPr lang="en-US"/>
+          </a:p>
+        </p:txBody>
+      </p:sp>
+      <p:sp>
+        <p:nvSpPr>
+          <p:cNvPr id="4" name="Slide Number Placeholder 3"/>
+          <p:cNvSpPr>
+            <a:spLocks noGrp="1"/>
+          </p:cNvSpPr>
+          <p:nvPr>
+            <p:ph type="sldNum" sz="quarter" idx="10"/>
+          </p:nvPr>
+        </p:nvSpPr>
+        <p:spPr/>
+        <p:txBody>
+          <a:bodyPr/>
+          <a:lstStyle/>
+          <a:p>
+            <a:fld id="{2A9D45BF-071E-7C44-BE90-B011D0240A3E}" type="slidenum">
+              <a:rPr lang="en-US" smtClean="0"/>
+              <a:pPr/>
+              <a:t>1</a:t>
+            </a:fld>
+            <a:endParaRPr lang="en-US"/>
+          </a:p>
+        </p:txBody>
+      </p:sp>
+    </p:spTree>
+    <p:extLst>
+      <p:ext uri="{BB962C8B-B14F-4D97-AF65-F5344CB8AC3E}">
+        <p14:creationId xmlns:p14="http://schemas.microsoft.com/office/powerpoint/2010/main" val="1341234096"/>
+      </p:ext>
+    </p:extLst>
+  </p:cSld>
+  <p:clrMapOvr>
+    <a:masterClrMapping/>
+  </p:clrMapOvr>
+</p:notes>
+</file>
+
+<file path=ppt/notesSlides/notesSlide2.xml><?xml version="1.0" encoding="utf-8"?>
+<p:notes xmlns:a="http://schemas.openxmlformats.org/drawingml/2006/main" xmlns:r="http://schemas.openxmlformats.org/officeDocument/2006/relationships" xmlns:p="http://schemas.openxmlformats.org/presentationml/2006/main">
+  <p:cSld>
+    <p:spTree>
+      <p:nvGrpSpPr>
+        <p:cNvPr id="1" name=""/>
+        <p:cNvGrpSpPr/>
+        <p:nvPr/>
+      </p:nvGrpSpPr>
+      <p:grpSpPr>
+        <a:xfrm>
+          <a:off x="0" y="0"/>
+          <a:ext cx="0" cy="0"/>
+          <a:chOff x="0" y="0"/>
+          <a:chExt cx="0" cy="0"/>
+        </a:xfrm>
+      </p:grpSpPr>
+      <p:sp>
+        <p:nvSpPr>
           <p:cNvPr id="2" name="Folienbildplatzhalter 1"/>
           <p:cNvSpPr>
             <a:spLocks noGrp="1" noRot="1" noChangeAspect="1"/>
@@ -14805,7 +14906,7 @@
 </p:notes>
 </file>
 
-<file path=ppt/notesSlides/notesSlide2.xml><?xml version="1.0" encoding="utf-8"?>
+<file path=ppt/notesSlides/notesSlide3.xml><?xml version="1.0" encoding="utf-8"?>
 <p:notes xmlns:a="http://schemas.openxmlformats.org/drawingml/2006/main" xmlns:r="http://schemas.openxmlformats.org/officeDocument/2006/relationships" xmlns:p="http://schemas.openxmlformats.org/presentationml/2006/main">
   <p:cSld>
     <p:spTree>
@@ -14890,7 +14991,7 @@
 </p:notes>
 </file>
 
-<file path=ppt/notesSlides/notesSlide3.xml><?xml version="1.0" encoding="utf-8"?>
+<file path=ppt/notesSlides/notesSlide4.xml><?xml version="1.0" encoding="utf-8"?>
 <p:notes xmlns:a="http://schemas.openxmlformats.org/drawingml/2006/main" xmlns:r="http://schemas.openxmlformats.org/officeDocument/2006/relationships" xmlns:p="http://schemas.openxmlformats.org/presentationml/2006/main">
   <p:cSld>
     <p:spTree>
@@ -14979,7 +15080,7 @@
 </p:notes>
 </file>
 
-<file path=ppt/notesSlides/notesSlide4.xml><?xml version="1.0" encoding="utf-8"?>
+<file path=ppt/notesSlides/notesSlide5.xml><?xml version="1.0" encoding="utf-8"?>
 <p:notes xmlns:a="http://schemas.openxmlformats.org/drawingml/2006/main" xmlns:r="http://schemas.openxmlformats.org/officeDocument/2006/relationships" xmlns:p="http://schemas.openxmlformats.org/presentationml/2006/main">
   <p:cSld>
     <p:spTree>
@@ -15716,7 +15817,7 @@
           </a:ln>
           <a:extLst>
             <a:ext uri="{91240B29-F687-4f45-9708-019B960494DF}">
-              <a14:hiddenLine xmlns:a14="http://schemas.microsoft.com/office/drawing/2010/main" xmlns="" w="9525">
+              <a14:hiddenLine xmlns="" xmlns:a14="http://schemas.microsoft.com/office/drawing/2010/main" w="9525">
                 <a:solidFill>
                   <a:srgbClr val="000000"/>
                 </a:solidFill>
@@ -15876,7 +15977,7 @@
           <a:graphicData uri="http://schemas.openxmlformats.org/presentationml/2006/ole">
             <mc:AlternateContent xmlns:mc="http://schemas.openxmlformats.org/markup-compatibility/2006">
               <mc:Choice xmlns:v="urn:schemas-microsoft-com:vml" Requires="v">
-                <p:oleObj spid="_x0000_s27797" name="think-cell Slide" r:id="rId7" imgW="38100" imgH="38100" progId="TCLayout.ActiveDocument.1">
+                <p:oleObj spid="_x0000_s27800" name="think-cell Slide" r:id="rId7" imgW="38100" imgH="38100" progId="TCLayout.ActiveDocument.1">
                   <p:embed/>
                 </p:oleObj>
               </mc:Choice>
@@ -15918,14 +16019,14 @@
                       </a:ln>
                       <a:extLst>
                         <a:ext uri="{909E8E84-426E-40dd-AFC4-6F175D3DCCD1}">
-                          <a14:hiddenFill xmlns:a14="http://schemas.microsoft.com/office/drawing/2010/main" xmlns="">
+                          <a14:hiddenFill xmlns="" xmlns:a14="http://schemas.microsoft.com/office/drawing/2010/main">
                             <a:solidFill>
                               <a:srgbClr val="FFFFFF"/>
                             </a:solidFill>
                           </a14:hiddenFill>
                         </a:ext>
                         <a:ext uri="{91240B29-F687-4f45-9708-019B960494DF}">
-                          <a14:hiddenLine xmlns:a14="http://schemas.microsoft.com/office/drawing/2010/main" xmlns="" w="9525">
+                          <a14:hiddenLine xmlns="" xmlns:a14="http://schemas.microsoft.com/office/drawing/2010/main" w="9525">
                             <a:solidFill>
                               <a:srgbClr val="000000"/>
                             </a:solidFill>
@@ -16408,14 +16509,14 @@
           </a:ln>
           <a:extLst>
             <a:ext uri="{909E8E84-426E-40dd-AFC4-6F175D3DCCD1}">
-              <a14:hiddenFill xmlns:a14="http://schemas.microsoft.com/office/drawing/2010/main" xmlns="">
+              <a14:hiddenFill xmlns="" xmlns:a14="http://schemas.microsoft.com/office/drawing/2010/main">
                 <a:solidFill>
                   <a:srgbClr val="FFFFFF"/>
                 </a:solidFill>
               </a14:hiddenFill>
             </a:ext>
             <a:ext uri="{91240B29-F687-4f45-9708-019B960494DF}">
-              <a14:hiddenLine xmlns:a14="http://schemas.microsoft.com/office/drawing/2010/main" xmlns="" w="9525">
+              <a14:hiddenLine xmlns="" xmlns:a14="http://schemas.microsoft.com/office/drawing/2010/main" w="9525">
                 <a:solidFill>
                   <a:srgbClr val="000000"/>
                 </a:solidFill>
@@ -16606,7 +16707,7 @@
           </a:ln>
           <a:extLst>
             <a:ext uri="{91240B29-F687-4f45-9708-019B960494DF}">
-              <a14:hiddenLine xmlns:a14="http://schemas.microsoft.com/office/drawing/2010/main" xmlns="" w="9525">
+              <a14:hiddenLine xmlns="" xmlns:a14="http://schemas.microsoft.com/office/drawing/2010/main" w="9525">
                 <a:solidFill>
                   <a:srgbClr val="000000"/>
                 </a:solidFill>
@@ -16766,7 +16867,7 @@
           <a:graphicData uri="http://schemas.openxmlformats.org/presentationml/2006/ole">
             <mc:AlternateContent xmlns:mc="http://schemas.openxmlformats.org/markup-compatibility/2006">
               <mc:Choice xmlns:v="urn:schemas-microsoft-com:vml" Requires="v">
-                <p:oleObj spid="_x0000_s28821" name="think-cell Slide" r:id="rId7" imgW="38100" imgH="38100" progId="TCLayout.ActiveDocument.1">
+                <p:oleObj spid="_x0000_s28824" name="think-cell Slide" r:id="rId7" imgW="38100" imgH="38100" progId="TCLayout.ActiveDocument.1">
                   <p:embed/>
                 </p:oleObj>
               </mc:Choice>
@@ -16808,14 +16909,14 @@
                       </a:ln>
                       <a:extLst>
                         <a:ext uri="{909E8E84-426E-40dd-AFC4-6F175D3DCCD1}">
-                          <a14:hiddenFill xmlns:a14="http://schemas.microsoft.com/office/drawing/2010/main" xmlns="">
+                          <a14:hiddenFill xmlns="" xmlns:a14="http://schemas.microsoft.com/office/drawing/2010/main">
                             <a:solidFill>
                               <a:srgbClr val="FFFFFF"/>
                             </a:solidFill>
                           </a14:hiddenFill>
                         </a:ext>
                         <a:ext uri="{91240B29-F687-4f45-9708-019B960494DF}">
-                          <a14:hiddenLine xmlns:a14="http://schemas.microsoft.com/office/drawing/2010/main" xmlns="" w="9525">
+                          <a14:hiddenLine xmlns="" xmlns:a14="http://schemas.microsoft.com/office/drawing/2010/main" w="9525">
                             <a:solidFill>
                               <a:srgbClr val="000000"/>
                             </a:solidFill>
@@ -17298,14 +17399,14 @@
           </a:ln>
           <a:extLst>
             <a:ext uri="{909E8E84-426E-40dd-AFC4-6F175D3DCCD1}">
-              <a14:hiddenFill xmlns:a14="http://schemas.microsoft.com/office/drawing/2010/main" xmlns="">
+              <a14:hiddenFill xmlns="" xmlns:a14="http://schemas.microsoft.com/office/drawing/2010/main">
                 <a:solidFill>
                   <a:srgbClr val="FFFFFF"/>
                 </a:solidFill>
               </a14:hiddenFill>
             </a:ext>
             <a:ext uri="{91240B29-F687-4f45-9708-019B960494DF}">
-              <a14:hiddenLine xmlns:a14="http://schemas.microsoft.com/office/drawing/2010/main" xmlns="" w="9525">
+              <a14:hiddenLine xmlns="" xmlns:a14="http://schemas.microsoft.com/office/drawing/2010/main" w="9525">
                 <a:solidFill>
                   <a:srgbClr val="000000"/>
                 </a:solidFill>
@@ -17510,14 +17611,14 @@
           </a:ln>
           <a:extLst>
             <a:ext uri="{909E8E84-426E-40dd-AFC4-6F175D3DCCD1}">
-              <a14:hiddenFill xmlns:a14="http://schemas.microsoft.com/office/drawing/2010/main" xmlns="">
+              <a14:hiddenFill xmlns="" xmlns:a14="http://schemas.microsoft.com/office/drawing/2010/main">
                 <a:solidFill>
                   <a:srgbClr val="FFFFFF"/>
                 </a:solidFill>
               </a14:hiddenFill>
             </a:ext>
             <a:ext uri="{91240B29-F687-4f45-9708-019B960494DF}">
-              <a14:hiddenLine xmlns:a14="http://schemas.microsoft.com/office/drawing/2010/main" xmlns="" w="9525">
+              <a14:hiddenLine xmlns="" xmlns:a14="http://schemas.microsoft.com/office/drawing/2010/main" w="9525">
                 <a:solidFill>
                   <a:srgbClr val="000000"/>
                 </a:solidFill>
@@ -20625,14 +20726,14 @@
           </a:ln>
           <a:extLst>
             <a:ext uri="{909E8E84-426E-40dd-AFC4-6F175D3DCCD1}">
-              <a14:hiddenFill xmlns:a14="http://schemas.microsoft.com/office/drawing/2010/main" xmlns="">
+              <a14:hiddenFill xmlns="" xmlns:a14="http://schemas.microsoft.com/office/drawing/2010/main">
                 <a:solidFill>
                   <a:srgbClr val="FFFFFF"/>
                 </a:solidFill>
               </a14:hiddenFill>
             </a:ext>
             <a:ext uri="{91240B29-F687-4f45-9708-019B960494DF}">
-              <a14:hiddenLine xmlns:a14="http://schemas.microsoft.com/office/drawing/2010/main" xmlns="" w="9525">
+              <a14:hiddenLine xmlns="" xmlns:a14="http://schemas.microsoft.com/office/drawing/2010/main" w="9525">
                 <a:solidFill>
                   <a:srgbClr val="000000"/>
                 </a:solidFill>
@@ -21327,7 +21428,7 @@
           </a:xfrm>
           <a:extLst>
             <a:ext uri="{91240B29-F687-4f45-9708-019B960494DF}">
-              <a14:hiddenLine xmlns:a14="http://schemas.microsoft.com/office/drawing/2010/main" xmlns="" w="9525">
+              <a14:hiddenLine xmlns="" xmlns:a14="http://schemas.microsoft.com/office/drawing/2010/main" w="9525">
                 <a:solidFill>
                   <a:srgbClr val="000000"/>
                 </a:solidFill>
@@ -21430,14 +21531,14 @@
           <a:noFill/>
           <a:extLst>
             <a:ext uri="{909E8E84-426E-40dd-AFC4-6F175D3DCCD1}">
-              <a14:hiddenFill xmlns:a14="http://schemas.microsoft.com/office/drawing/2010/main" xmlns="">
+              <a14:hiddenFill xmlns="" xmlns:a14="http://schemas.microsoft.com/office/drawing/2010/main">
                 <a:solidFill>
                   <a:srgbClr val="FFFFFF"/>
                 </a:solidFill>
               </a14:hiddenFill>
             </a:ext>
             <a:ext uri="{91240B29-F687-4f45-9708-019B960494DF}">
-              <a14:hiddenLine xmlns:a14="http://schemas.microsoft.com/office/drawing/2010/main" xmlns="" w="9525">
+              <a14:hiddenLine xmlns="" xmlns:a14="http://schemas.microsoft.com/office/drawing/2010/main" w="9525">
                 <a:solidFill>
                   <a:srgbClr val="000000"/>
                 </a:solidFill>
@@ -21447,7 +21548,7 @@
               </a14:hiddenLine>
             </a:ext>
             <a:ext uri="{FAA26D3D-D897-4be2-8F04-BA451C77F1D7}">
-              <ma14:placeholderFlag xmlns:ma14="http://schemas.microsoft.com/office/mac/drawingml/2011/main" xmlns="" val="1"/>
+              <ma14:placeholderFlag xmlns="" xmlns:ma14="http://schemas.microsoft.com/office/mac/drawingml/2011/main" val="1"/>
             </a:ext>
           </a:extLst>
         </p:spPr>
@@ -21505,14 +21606,14 @@
           <a:noFill/>
           <a:extLst>
             <a:ext uri="{909E8E84-426E-40dd-AFC4-6F175D3DCCD1}">
-              <a14:hiddenFill xmlns:a14="http://schemas.microsoft.com/office/drawing/2010/main" xmlns="">
+              <a14:hiddenFill xmlns="" xmlns:a14="http://schemas.microsoft.com/office/drawing/2010/main">
                 <a:solidFill>
                   <a:srgbClr val="FFFFFF"/>
                 </a:solidFill>
               </a14:hiddenFill>
             </a:ext>
             <a:ext uri="{91240B29-F687-4f45-9708-019B960494DF}">
-              <a14:hiddenLine xmlns:a14="http://schemas.microsoft.com/office/drawing/2010/main" xmlns="" w="9525">
+              <a14:hiddenLine xmlns="" xmlns:a14="http://schemas.microsoft.com/office/drawing/2010/main" w="9525">
                 <a:solidFill>
                   <a:srgbClr val="000000"/>
                 </a:solidFill>
@@ -21584,7 +21685,7 @@
           <a:effectLst/>
           <a:extLst>
             <a:ext uri="{AF507438-7753-43e0-B8FC-AC1667EBCBE1}">
-              <a14:hiddenEffects xmlns:a14="http://schemas.microsoft.com/office/drawing/2010/main" xmlns="">
+              <a14:hiddenEffects xmlns="" xmlns:a14="http://schemas.microsoft.com/office/drawing/2010/main">
                 <a:effectLst>
                   <a:outerShdw blurRad="63500" dist="38099" dir="2700000" algn="ctr" rotWithShape="0">
                     <a:schemeClr val="bg2">
@@ -21641,14 +21742,14 @@
           <a:noFill/>
           <a:extLst>
             <a:ext uri="{909E8E84-426E-40dd-AFC4-6F175D3DCCD1}">
-              <a14:hiddenFill xmlns:a14="http://schemas.microsoft.com/office/drawing/2010/main" xmlns="">
+              <a14:hiddenFill xmlns="" xmlns:a14="http://schemas.microsoft.com/office/drawing/2010/main">
                 <a:solidFill>
                   <a:srgbClr val="FFFFFF"/>
                 </a:solidFill>
               </a14:hiddenFill>
             </a:ext>
             <a:ext uri="{91240B29-F687-4f45-9708-019B960494DF}">
-              <a14:hiddenLine xmlns:a14="http://schemas.microsoft.com/office/drawing/2010/main" xmlns="" w="9525">
+              <a14:hiddenLine xmlns="" xmlns:a14="http://schemas.microsoft.com/office/drawing/2010/main" w="9525">
                 <a:solidFill>
                   <a:srgbClr val="000000"/>
                 </a:solidFill>
@@ -21701,14 +21802,14 @@
           <a:noFill/>
           <a:extLst>
             <a:ext uri="{909E8E84-426E-40dd-AFC4-6F175D3DCCD1}">
-              <a14:hiddenFill xmlns:a14="http://schemas.microsoft.com/office/drawing/2010/main" xmlns="">
+              <a14:hiddenFill xmlns="" xmlns:a14="http://schemas.microsoft.com/office/drawing/2010/main">
                 <a:solidFill>
                   <a:srgbClr val="FFFFFF"/>
                 </a:solidFill>
               </a14:hiddenFill>
             </a:ext>
             <a:ext uri="{91240B29-F687-4f45-9708-019B960494DF}">
-              <a14:hiddenLine xmlns:a14="http://schemas.microsoft.com/office/drawing/2010/main" xmlns="" w="9525">
+              <a14:hiddenLine xmlns="" xmlns:a14="http://schemas.microsoft.com/office/drawing/2010/main" w="9525">
                 <a:solidFill>
                   <a:srgbClr val="000000"/>
                 </a:solidFill>
@@ -21886,15 +21987,7 @@
                 <a:ea typeface="ヒラギノ角ゴ ProN W3" charset="0"/>
                 <a:cs typeface="Source Sans Pro Light" charset="0"/>
               </a:rPr>
-              <a:t>a Web </a:t>
-            </a:r>
-            <a:r>
-              <a:rPr lang="de-CH" smtClean="0">
-                <a:latin typeface="Source Sans Pro Light" charset="0"/>
-                <a:ea typeface="ヒラギノ角ゴ ProN W3" charset="0"/>
-                <a:cs typeface="Source Sans Pro Light" charset="0"/>
-              </a:rPr>
-              <a:t>Application</a:t>
+              <a:t>a Web Application</a:t>
             </a:r>
             <a:endParaRPr lang="de-CH">
               <a:latin typeface="Source Sans Pro Light" charset="0"/>
@@ -22005,14 +22098,14 @@
           <a:noFill/>
           <a:extLst>
             <a:ext uri="{909E8E84-426E-40dd-AFC4-6F175D3DCCD1}">
-              <a14:hiddenFill xmlns:a14="http://schemas.microsoft.com/office/drawing/2010/main" xmlns="">
+              <a14:hiddenFill xmlns="" xmlns:a14="http://schemas.microsoft.com/office/drawing/2010/main">
                 <a:solidFill>
                   <a:srgbClr val="FFFFFF"/>
                 </a:solidFill>
               </a14:hiddenFill>
             </a:ext>
             <a:ext uri="{91240B29-F687-4f45-9708-019B960494DF}">
-              <a14:hiddenLine xmlns:a14="http://schemas.microsoft.com/office/drawing/2010/main" xmlns="" w="9525">
+              <a14:hiddenLine xmlns="" xmlns:a14="http://schemas.microsoft.com/office/drawing/2010/main" w="9525">
                 <a:solidFill>
                   <a:srgbClr val="000000"/>
                 </a:solidFill>
@@ -22022,7 +22115,7 @@
               </a14:hiddenLine>
             </a:ext>
             <a:ext uri="{FAA26D3D-D897-4be2-8F04-BA451C77F1D7}">
-              <ma14:placeholderFlag xmlns:ma14="http://schemas.microsoft.com/office/mac/drawingml/2011/main" xmlns="" val="1"/>
+              <ma14:placeholderFlag xmlns="" xmlns:ma14="http://schemas.microsoft.com/office/mac/drawingml/2011/main" val="1"/>
             </a:ext>
           </a:extLst>
         </p:spPr>
@@ -22112,14 +22205,14 @@
           <a:noFill/>
           <a:extLst>
             <a:ext uri="{909E8E84-426E-40dd-AFC4-6F175D3DCCD1}">
-              <a14:hiddenFill xmlns:a14="http://schemas.microsoft.com/office/drawing/2010/main" xmlns="">
+              <a14:hiddenFill xmlns="" xmlns:a14="http://schemas.microsoft.com/office/drawing/2010/main">
                 <a:solidFill>
                   <a:srgbClr val="FFFFFF"/>
                 </a:solidFill>
               </a14:hiddenFill>
             </a:ext>
             <a:ext uri="{91240B29-F687-4f45-9708-019B960494DF}">
-              <a14:hiddenLine xmlns:a14="http://schemas.microsoft.com/office/drawing/2010/main" xmlns="" w="9525">
+              <a14:hiddenLine xmlns="" xmlns:a14="http://schemas.microsoft.com/office/drawing/2010/main" w="9525">
                 <a:solidFill>
                   <a:srgbClr val="000000"/>
                 </a:solidFill>
@@ -22172,14 +22265,14 @@
           <a:noFill/>
           <a:extLst>
             <a:ext uri="{909E8E84-426E-40dd-AFC4-6F175D3DCCD1}">
-              <a14:hiddenFill xmlns:a14="http://schemas.microsoft.com/office/drawing/2010/main" xmlns="">
+              <a14:hiddenFill xmlns="" xmlns:a14="http://schemas.microsoft.com/office/drawing/2010/main">
                 <a:solidFill>
                   <a:srgbClr val="FFFFFF"/>
                 </a:solidFill>
               </a14:hiddenFill>
             </a:ext>
             <a:ext uri="{91240B29-F687-4f45-9708-019B960494DF}">
-              <a14:hiddenLine xmlns:a14="http://schemas.microsoft.com/office/drawing/2010/main" xmlns="" w="9525">
+              <a14:hiddenLine xmlns="" xmlns:a14="http://schemas.microsoft.com/office/drawing/2010/main" w="9525">
                 <a:solidFill>
                   <a:srgbClr val="000000"/>
                 </a:solidFill>
@@ -22224,15 +22317,7 @@
                 <a:ea typeface="ヒラギノ角ゴ ProN W3" charset="0"/>
                 <a:cs typeface="Source Sans Pro Light" charset="0"/>
               </a:rPr>
-              <a:t>: </a:t>
-            </a:r>
-            <a:r>
-              <a:rPr lang="en-US" smtClean="0">
-                <a:latin typeface="Source Sans Pro Light" charset="0"/>
-                <a:ea typeface="ヒラギノ角ゴ ProN W3" charset="0"/>
-                <a:cs typeface="Source Sans Pro Light" charset="0"/>
-              </a:rPr>
-              <a:t>Design an AI-powered </a:t>
+              <a:t>: Design an AI-powered </a:t>
             </a:r>
             <a:r>
               <a:rPr lang="en-US">
@@ -22280,15 +22365,7 @@
                 <a:ea typeface="ヒラギノ角ゴ ProN W3" charset="0"/>
                 <a:cs typeface="Source Sans Pro Light" charset="0"/>
               </a:rPr>
-              <a:t>social media</a:t>
-            </a:r>
-            <a:r>
-              <a:rPr lang="en-US" smtClean="0">
-                <a:latin typeface="Source Sans Pro Light" charset="0"/>
-                <a:ea typeface="ヒラギノ角ゴ ProN W3" charset="0"/>
-                <a:cs typeface="Source Sans Pro Light" charset="0"/>
-              </a:rPr>
-              <a:t>: </a:t>
+              <a:t>social media: </a:t>
             </a:r>
             <a:r>
               <a:rPr lang="en-US" smtClean="0">
@@ -22330,15 +22407,7 @@
                 <a:ea typeface="ヒラギノ角ゴ ProN W3" charset="0"/>
                 <a:cs typeface="Source Sans Pro Light" charset="0"/>
               </a:rPr>
-              <a:t>: </a:t>
-            </a:r>
-            <a:r>
-              <a:rPr lang="en-US" smtClean="0">
-                <a:latin typeface="Source Sans Pro Light" charset="0"/>
-                <a:ea typeface="ヒラギノ角ゴ ProN W3" charset="0"/>
-                <a:cs typeface="Source Sans Pro Light" charset="0"/>
-              </a:rPr>
-              <a:t>Develop </a:t>
+              <a:t>: Develop </a:t>
             </a:r>
             <a:r>
               <a:rPr lang="en-US">
@@ -22479,14 +22548,7 @@
                 <a:latin typeface="Source Sans Pro Light" charset="0"/>
                 <a:cs typeface="Source Sans Pro Light" charset="0"/>
               </a:rPr>
-              <a:t>classification of official + unofficial Instagram brand profile images </a:t>
-            </a:r>
-            <a:r>
-              <a:rPr lang="de-CH">
-                <a:latin typeface="Source Sans Pro Light" charset="0"/>
-                <a:cs typeface="Source Sans Pro Light" charset="0"/>
-              </a:rPr>
-              <a:t>into </a:t>
+              <a:t>classification of official + unofficial Instagram brand profile images into </a:t>
             </a:r>
             <a:r>
               <a:rPr lang="de-CH" smtClean="0">
@@ -22500,14 +22562,7 @@
                 <a:latin typeface="Source Sans Pro Light" charset="0"/>
                 <a:cs typeface="Source Sans Pro Light" charset="0"/>
               </a:rPr>
-              <a:t>brand </a:t>
-            </a:r>
-            <a:r>
-              <a:rPr lang="de-CH">
-                <a:latin typeface="Source Sans Pro Light" charset="0"/>
-                <a:cs typeface="Source Sans Pro Light" charset="0"/>
-              </a:rPr>
-              <a:t>personality </a:t>
+              <a:t>brand personality </a:t>
             </a:r>
             <a:r>
               <a:rPr lang="de-CH" smtClean="0">
@@ -22737,7 +22792,7 @@
           <a:blip r:embed="rId23">
             <a:extLst>
               <a:ext uri="{96DAC541-7B7A-43D3-8B79-37D633B846F1}">
-                <asvg:svgBlip xmlns="" xmlns:asvg="http://schemas.microsoft.com/office/drawing/2016/SVG/main" r:embed="rId24"/>
+                <asvg:svgBlip xmlns:asvg="http://schemas.microsoft.com/office/drawing/2016/SVG/main" xmlns="" r:embed="rId24"/>
               </a:ext>
             </a:extLst>
           </a:blip>
@@ -22773,7 +22828,7 @@
           <a:blip r:embed="rId23">
             <a:extLst>
               <a:ext uri="{96DAC541-7B7A-43D3-8B79-37D633B846F1}">
-                <asvg:svgBlip xmlns="" xmlns:asvg="http://schemas.microsoft.com/office/drawing/2016/SVG/main" r:embed="rId24"/>
+                <asvg:svgBlip xmlns:asvg="http://schemas.microsoft.com/office/drawing/2016/SVG/main" xmlns="" r:embed="rId24"/>
               </a:ext>
             </a:extLst>
           </a:blip>
@@ -22809,7 +22864,7 @@
           <a:blip r:embed="rId25">
             <a:extLst>
               <a:ext uri="{96DAC541-7B7A-43D3-8B79-37D633B846F1}">
-                <asvg:svgBlip xmlns="" xmlns:asvg="http://schemas.microsoft.com/office/drawing/2016/SVG/main" r:embed="rId26"/>
+                <asvg:svgBlip xmlns:asvg="http://schemas.microsoft.com/office/drawing/2016/SVG/main" xmlns="" r:embed="rId26"/>
               </a:ext>
             </a:extLst>
           </a:blip>
@@ -22845,7 +22900,7 @@
           <a:blip r:embed="rId27">
             <a:extLst>
               <a:ext uri="{96DAC541-7B7A-43D3-8B79-37D633B846F1}">
-                <asvg:svgBlip xmlns="" xmlns:asvg="http://schemas.microsoft.com/office/drawing/2016/SVG/main" r:embed="rId28"/>
+                <asvg:svgBlip xmlns:asvg="http://schemas.microsoft.com/office/drawing/2016/SVG/main" xmlns="" r:embed="rId28"/>
               </a:ext>
             </a:extLst>
           </a:blip>
@@ -22881,7 +22936,7 @@
           <a:blip r:embed="rId29">
             <a:extLst>
               <a:ext uri="{96DAC541-7B7A-43D3-8B79-37D633B846F1}">
-                <asvg:svgBlip xmlns="" xmlns:asvg="http://schemas.microsoft.com/office/drawing/2016/SVG/main" r:embed="rId30"/>
+                <asvg:svgBlip xmlns:asvg="http://schemas.microsoft.com/office/drawing/2016/SVG/main" xmlns="" r:embed="rId30"/>
               </a:ext>
             </a:extLst>
           </a:blip>
@@ -22917,7 +22972,7 @@
           <a:blip r:embed="rId31">
             <a:extLst>
               <a:ext uri="{96DAC541-7B7A-43D3-8B79-37D633B846F1}">
-                <asvg:svgBlip xmlns="" xmlns:asvg="http://schemas.microsoft.com/office/drawing/2016/SVG/main" r:embed="rId32"/>
+                <asvg:svgBlip xmlns:asvg="http://schemas.microsoft.com/office/drawing/2016/SVG/main" xmlns="" r:embed="rId32"/>
               </a:ext>
             </a:extLst>
           </a:blip>
@@ -22972,7 +23027,7 @@
           <a:effectLst/>
           <a:extLst>
             <a:ext uri="{AF507438-7753-43e0-B8FC-AC1667EBCBE1}">
-              <a14:hiddenEffects xmlns:a14="http://schemas.microsoft.com/office/drawing/2010/main" xmlns="">
+              <a14:hiddenEffects xmlns="" xmlns:a14="http://schemas.microsoft.com/office/drawing/2010/main">
                 <a:effectLst>
                   <a:outerShdw blurRad="63500" dist="38099" dir="2700000" algn="ctr" rotWithShape="0">
                     <a:schemeClr val="bg2">
@@ -23132,7 +23187,7 @@
           <a:effectLst/>
           <a:extLst>
             <a:ext uri="{AF507438-7753-43e0-B8FC-AC1667EBCBE1}">
-              <a14:hiddenEffects xmlns:a14="http://schemas.microsoft.com/office/drawing/2010/main" xmlns="">
+              <a14:hiddenEffects xmlns="" xmlns:a14="http://schemas.microsoft.com/office/drawing/2010/main">
                 <a:effectLst>
                   <a:outerShdw blurRad="63500" dist="38099" dir="2700000" algn="ctr" rotWithShape="0">
                     <a:schemeClr val="bg2">
@@ -23224,7 +23279,7 @@
           <a:effectLst/>
           <a:extLst>
             <a:ext uri="{AF507438-7753-43e0-B8FC-AC1667EBCBE1}">
-              <a14:hiddenEffects xmlns:a14="http://schemas.microsoft.com/office/drawing/2010/main" xmlns="">
+              <a14:hiddenEffects xmlns="" xmlns:a14="http://schemas.microsoft.com/office/drawing/2010/main">
                 <a:effectLst>
                   <a:outerShdw blurRad="63500" dist="38099" dir="2700000" algn="ctr" rotWithShape="0">
                     <a:schemeClr val="bg2">
@@ -23377,7 +23432,7 @@
           <a:blip r:embed="rId33">
             <a:extLst>
               <a:ext uri="{96DAC541-7B7A-43D3-8B79-37D633B846F1}">
-                <asvg:svgBlip xmlns="" xmlns:asvg="http://schemas.microsoft.com/office/drawing/2016/SVG/main" r:embed="rId34"/>
+                <asvg:svgBlip xmlns:asvg="http://schemas.microsoft.com/office/drawing/2016/SVG/main" xmlns="" r:embed="rId34"/>
               </a:ext>
             </a:extLst>
           </a:blip>
@@ -23414,14 +23469,14 @@
           <a:noFill/>
           <a:extLst>
             <a:ext uri="{909E8E84-426E-40dd-AFC4-6F175D3DCCD1}">
-              <a14:hiddenFill xmlns:a14="http://schemas.microsoft.com/office/drawing/2010/main" xmlns="">
+              <a14:hiddenFill xmlns="" xmlns:a14="http://schemas.microsoft.com/office/drawing/2010/main">
                 <a:solidFill>
                   <a:srgbClr val="FFFFFF"/>
                 </a:solidFill>
               </a14:hiddenFill>
             </a:ext>
             <a:ext uri="{91240B29-F687-4f45-9708-019B960494DF}">
-              <a14:hiddenLine xmlns:a14="http://schemas.microsoft.com/office/drawing/2010/main" xmlns="" w="9525">
+              <a14:hiddenLine xmlns="" xmlns:a14="http://schemas.microsoft.com/office/drawing/2010/main" w="9525">
                 <a:solidFill>
                   <a:srgbClr val="000000"/>
                 </a:solidFill>
@@ -23431,7 +23486,7 @@
               </a14:hiddenLine>
             </a:ext>
             <a:ext uri="{FAA26D3D-D897-4be2-8F04-BA451C77F1D7}">
-              <ma14:placeholderFlag xmlns:ma14="http://schemas.microsoft.com/office/mac/drawingml/2011/main" xmlns="" val="1"/>
+              <ma14:placeholderFlag xmlns="" xmlns:ma14="http://schemas.microsoft.com/office/mac/drawingml/2011/main" val="1"/>
             </a:ext>
           </a:extLst>
         </p:spPr>
@@ -24079,14 +24134,14 @@
           <a:noFill/>
           <a:extLst>
             <a:ext uri="{909E8E84-426E-40dd-AFC4-6F175D3DCCD1}">
-              <a14:hiddenFill xmlns:a14="http://schemas.microsoft.com/office/drawing/2010/main" xmlns="">
+              <a14:hiddenFill xmlns="" xmlns:a14="http://schemas.microsoft.com/office/drawing/2010/main">
                 <a:solidFill>
                   <a:srgbClr val="FFFFFF"/>
                 </a:solidFill>
               </a14:hiddenFill>
             </a:ext>
             <a:ext uri="{91240B29-F687-4f45-9708-019B960494DF}">
-              <a14:hiddenLine xmlns:a14="http://schemas.microsoft.com/office/drawing/2010/main" xmlns="" w="9525">
+              <a14:hiddenLine xmlns="" xmlns:a14="http://schemas.microsoft.com/office/drawing/2010/main" w="9525">
                 <a:solidFill>
                   <a:srgbClr val="000000"/>
                 </a:solidFill>
@@ -24124,15 +24179,7 @@
                 <a:ea typeface="ヒラギノ角ゴ ProN W3" charset="0"/>
                 <a:cs typeface="Source Sans Pro Light" charset="0"/>
               </a:rPr>
-              <a:t> of a Brand Management </a:t>
-            </a:r>
-            <a:r>
-              <a:rPr lang="de-CH">
-                <a:latin typeface="Source Sans Pro Light" charset="0"/>
-                <a:ea typeface="ヒラギノ角ゴ ProN W3" charset="0"/>
-                <a:cs typeface="Source Sans Pro Light" charset="0"/>
-              </a:rPr>
-              <a:t>Web </a:t>
+              <a:t> of a Brand Management Web </a:t>
             </a:r>
             <a:r>
               <a:rPr lang="de-CH" smtClean="0">
@@ -24150,11 +24197,6 @@
               </a:rPr>
               <a:t>for Marketing Personnel </a:t>
             </a:r>
-            <a:endParaRPr lang="de-CH">
-              <a:latin typeface="Source Sans Pro Light" charset="0"/>
-              <a:ea typeface="ヒラギノ角ゴ ProN W3" charset="0"/>
-              <a:cs typeface="Source Sans Pro Light" charset="0"/>
-            </a:endParaRPr>
           </a:p>
         </p:txBody>
       </p:sp>
@@ -24208,14 +24250,14 @@
           <a:noFill/>
           <a:extLst>
             <a:ext uri="{909E8E84-426E-40dd-AFC4-6F175D3DCCD1}">
-              <a14:hiddenFill xmlns:a14="http://schemas.microsoft.com/office/drawing/2010/main" xmlns="">
+              <a14:hiddenFill xmlns="" xmlns:a14="http://schemas.microsoft.com/office/drawing/2010/main">
                 <a:solidFill>
                   <a:srgbClr val="FFFFFF"/>
                 </a:solidFill>
               </a14:hiddenFill>
             </a:ext>
             <a:ext uri="{91240B29-F687-4f45-9708-019B960494DF}">
-              <a14:hiddenLine xmlns:a14="http://schemas.microsoft.com/office/drawing/2010/main" xmlns="" w="9525">
+              <a14:hiddenLine xmlns="" xmlns:a14="http://schemas.microsoft.com/office/drawing/2010/main" w="9525">
                 <a:solidFill>
                   <a:srgbClr val="000000"/>
                 </a:solidFill>
@@ -24225,7 +24267,7 @@
               </a14:hiddenLine>
             </a:ext>
             <a:ext uri="{FAA26D3D-D897-4be2-8F04-BA451C77F1D7}">
-              <ma14:placeholderFlag xmlns:ma14="http://schemas.microsoft.com/office/mac/drawingml/2011/main" xmlns="" val="1"/>
+              <ma14:placeholderFlag xmlns="" xmlns:ma14="http://schemas.microsoft.com/office/mac/drawingml/2011/main" val="1"/>
             </a:ext>
           </a:extLst>
         </p:spPr>
@@ -24593,7 +24635,7 @@
                   <a14:useLocalDpi xmlns:a14="http://schemas.microsoft.com/office/drawing/2010/main" val="0"/>
                 </a:ext>
                 <a:ext uri="{96DAC541-7B7A-43D3-8B79-37D633B846F1}">
-                  <asvg:svgBlip xmlns:dgm="http://schemas.openxmlformats.org/drawingml/2006/diagram" xmlns:asvg="http://schemas.microsoft.com/office/drawing/2016/SVG/main" xmlns="" xmlns:lc="http://schemas.openxmlformats.org/drawingml/2006/lockedCanvas" r:embed="rId4"/>
+                  <asvg:svgBlip xmlns:lc="http://schemas.openxmlformats.org/drawingml/2006/lockedCanvas" xmlns="" xmlns:asvg="http://schemas.microsoft.com/office/drawing/2016/SVG/main" xmlns:dgm="http://schemas.openxmlformats.org/drawingml/2006/diagram" r:embed="rId4"/>
                 </a:ext>
               </a:extLst>
             </a:blip>
@@ -24656,7 +24698,7 @@
                   <a14:useLocalDpi xmlns:a14="http://schemas.microsoft.com/office/drawing/2010/main" val="0"/>
                 </a:ext>
                 <a:ext uri="{96DAC541-7B7A-43D3-8B79-37D633B846F1}">
-                  <asvg:svgBlip xmlns:dgm="http://schemas.openxmlformats.org/drawingml/2006/diagram" xmlns:asvg="http://schemas.microsoft.com/office/drawing/2016/SVG/main" xmlns="" xmlns:lc="http://schemas.openxmlformats.org/drawingml/2006/lockedCanvas" r:embed="rId6"/>
+                  <asvg:svgBlip xmlns:lc="http://schemas.openxmlformats.org/drawingml/2006/lockedCanvas" xmlns="" xmlns:asvg="http://schemas.microsoft.com/office/drawing/2016/SVG/main" xmlns:dgm="http://schemas.openxmlformats.org/drawingml/2006/diagram" r:embed="rId6"/>
                 </a:ext>
               </a:extLst>
             </a:blip>
@@ -24719,7 +24761,7 @@
                   <a14:useLocalDpi xmlns:a14="http://schemas.microsoft.com/office/drawing/2010/main" val="0"/>
                 </a:ext>
                 <a:ext uri="{96DAC541-7B7A-43D3-8B79-37D633B846F1}">
-                  <asvg:svgBlip xmlns:dgm="http://schemas.openxmlformats.org/drawingml/2006/diagram" xmlns:asvg="http://schemas.microsoft.com/office/drawing/2016/SVG/main" xmlns="" xmlns:lc="http://schemas.openxmlformats.org/drawingml/2006/lockedCanvas" r:embed="rId8"/>
+                  <asvg:svgBlip xmlns:lc="http://schemas.openxmlformats.org/drawingml/2006/lockedCanvas" xmlns="" xmlns:asvg="http://schemas.microsoft.com/office/drawing/2016/SVG/main" xmlns:dgm="http://schemas.openxmlformats.org/drawingml/2006/diagram" r:embed="rId8"/>
                 </a:ext>
               </a:extLst>
             </a:blip>
@@ -24791,11 +24833,7 @@
             </a:r>
             <a:r>
               <a:rPr lang="de-CH"/>
-              <a:t>understand consumer </a:t>
-            </a:r>
-            <a:r>
-              <a:rPr lang="de-CH"/>
-              <a:t>brand </a:t>
+              <a:t>understand consumer brand </a:t>
             </a:r>
             <a:r>
               <a:rPr lang="de-CH" smtClean="0"/>
@@ -24816,11 +24854,7 @@
             </a:r>
             <a:r>
               <a:rPr lang="de-CH"/>
-              <a:t>Brand </a:t>
-            </a:r>
-            <a:r>
-              <a:rPr lang="de-CH"/>
-              <a:t>positioning </a:t>
+              <a:t>Brand positioning </a:t>
             </a:r>
             <a:r>
               <a:rPr lang="de-CH" smtClean="0"/>
@@ -25097,14 +25131,14 @@
           <a:noFill/>
           <a:extLst>
             <a:ext uri="{909E8E84-426E-40dd-AFC4-6F175D3DCCD1}">
-              <a14:hiddenFill xmlns:a14="http://schemas.microsoft.com/office/drawing/2010/main" xmlns="">
+              <a14:hiddenFill xmlns="" xmlns:a14="http://schemas.microsoft.com/office/drawing/2010/main">
                 <a:solidFill>
                   <a:srgbClr val="FFFFFF"/>
                 </a:solidFill>
               </a14:hiddenFill>
             </a:ext>
             <a:ext uri="{91240B29-F687-4f45-9708-019B960494DF}">
-              <a14:hiddenLine xmlns:a14="http://schemas.microsoft.com/office/drawing/2010/main" xmlns="" w="9525">
+              <a14:hiddenLine xmlns="" xmlns:a14="http://schemas.microsoft.com/office/drawing/2010/main" w="9525">
                 <a:solidFill>
                   <a:srgbClr val="000000"/>
                 </a:solidFill>
@@ -25168,11 +25202,6 @@
               </a:rPr>
               <a:t> Learning Model Architecture</a:t>
             </a:r>
-            <a:endParaRPr lang="de-CH">
-              <a:latin typeface="Source Sans Pro Light" charset="0"/>
-              <a:ea typeface="ヒラギノ角ゴ ProN W3" charset="0"/>
-              <a:cs typeface="Source Sans Pro Light" charset="0"/>
-            </a:endParaRPr>
           </a:p>
         </p:txBody>
       </p:sp>
@@ -25252,15 +25281,7 @@
             </a:pPr>
             <a:r>
               <a:rPr lang="de-CH"/>
-              <a:t>C</a:t>
-            </a:r>
-            <a:r>
-              <a:rPr lang="de-CH"/>
-              <a:t>lassified manually </a:t>
-            </a:r>
-            <a:r>
-              <a:rPr lang="de-CH"/>
-              <a:t>annotated </a:t>
+              <a:t>Classified manually annotated </a:t>
             </a:r>
             <a:r>
               <a:rPr lang="de-CH" smtClean="0"/>
@@ -25272,19 +25293,11 @@
             </a:r>
             <a:r>
               <a:rPr lang="de-CH" smtClean="0"/>
-              <a:t>downloaded from Flickr using Linux-on-Windows </a:t>
-            </a:r>
-            <a:r>
-              <a:rPr lang="de-CH" smtClean="0"/>
-              <a:t>into one of </a:t>
+              <a:t>downloaded from Flickr using Linux-on-Windows into one of </a:t>
             </a:r>
             <a:r>
               <a:rPr lang="de-CH"/>
-              <a:t>the following 4 </a:t>
-            </a:r>
-            <a:r>
-              <a:rPr lang="de-CH"/>
-              <a:t>attributes </a:t>
+              <a:t>the following 4 attributes </a:t>
             </a:r>
             <a:r>
               <a:rPr lang="de-CH" smtClean="0"/>
@@ -25302,7 +25315,6 @@
               <a:rPr lang="de-CH"/>
               <a:t>probability : </a:t>
             </a:r>
-            <a:endParaRPr lang="de-CH"/>
           </a:p>
           <a:p>
             <a:pPr marL="285750" indent="-285750">
@@ -25581,7 +25593,7 @@
           <a:effectLst/>
           <a:extLst>
             <a:ext uri="{AF507438-7753-43e0-B8FC-AC1667EBCBE1}">
-              <a14:hiddenEffects xmlns:a14="http://schemas.microsoft.com/office/drawing/2010/main" xmlns="">
+              <a14:hiddenEffects xmlns="" xmlns:a14="http://schemas.microsoft.com/office/drawing/2010/main">
                 <a:effectLst>
                   <a:outerShdw blurRad="63500" dist="38099" dir="2700000" algn="ctr" rotWithShape="0">
                     <a:schemeClr val="bg2">
@@ -25708,14 +25720,14 @@
           <a:noFill/>
           <a:extLst>
             <a:ext uri="{909E8E84-426E-40dd-AFC4-6F175D3DCCD1}">
-              <a14:hiddenFill xmlns:a14="http://schemas.microsoft.com/office/drawing/2010/main" xmlns="">
+              <a14:hiddenFill xmlns="" xmlns:a14="http://schemas.microsoft.com/office/drawing/2010/main">
                 <a:solidFill>
                   <a:srgbClr val="FFFFFF"/>
                 </a:solidFill>
               </a14:hiddenFill>
             </a:ext>
             <a:ext uri="{91240B29-F687-4f45-9708-019B960494DF}">
-              <a14:hiddenLine xmlns:a14="http://schemas.microsoft.com/office/drawing/2010/main" xmlns="" w="9525">
+              <a14:hiddenLine xmlns="" xmlns:a14="http://schemas.microsoft.com/office/drawing/2010/main" w="9525">
                 <a:solidFill>
                   <a:srgbClr val="000000"/>
                 </a:solidFill>
@@ -25725,7 +25737,7 @@
               </a14:hiddenLine>
             </a:ext>
             <a:ext uri="{FAA26D3D-D897-4be2-8F04-BA451C77F1D7}">
-              <ma14:placeholderFlag xmlns:ma14="http://schemas.microsoft.com/office/mac/drawingml/2011/main" xmlns="" val="1"/>
+              <ma14:placeholderFlag xmlns="" xmlns:ma14="http://schemas.microsoft.com/office/mac/drawingml/2011/main" val="1"/>
             </a:ext>
           </a:extLst>
         </p:spPr>
@@ -26042,14 +26054,14 @@
           <a:noFill/>
           <a:extLst>
             <a:ext uri="{909E8E84-426E-40dd-AFC4-6F175D3DCCD1}">
-              <a14:hiddenFill xmlns:a14="http://schemas.microsoft.com/office/drawing/2010/main" xmlns="">
+              <a14:hiddenFill xmlns="" xmlns:a14="http://schemas.microsoft.com/office/drawing/2010/main">
                 <a:solidFill>
                   <a:srgbClr val="FFFFFF"/>
                 </a:solidFill>
               </a14:hiddenFill>
             </a:ext>
             <a:ext uri="{91240B29-F687-4f45-9708-019B960494DF}">
-              <a14:hiddenLine xmlns:a14="http://schemas.microsoft.com/office/drawing/2010/main" xmlns="" w="9525">
+              <a14:hiddenLine xmlns="" xmlns:a14="http://schemas.microsoft.com/office/drawing/2010/main" w="9525">
                 <a:solidFill>
                   <a:srgbClr val="000000"/>
                 </a:solidFill>
@@ -26169,7 +26181,7 @@
           <a:effectLst/>
           <a:extLst>
             <a:ext uri="{AF507438-7753-43e0-B8FC-AC1667EBCBE1}">
-              <a14:hiddenEffects xmlns:a14="http://schemas.microsoft.com/office/drawing/2010/main" xmlns="">
+              <a14:hiddenEffects xmlns="" xmlns:a14="http://schemas.microsoft.com/office/drawing/2010/main">
                 <a:effectLst>
                   <a:outerShdw blurRad="63500" dist="38099" dir="2700000" algn="ctr" rotWithShape="0">
                     <a:schemeClr val="bg2">
@@ -26322,7 +26334,7 @@
           <a:effectLst/>
           <a:extLst>
             <a:ext uri="{AF507438-7753-43e0-B8FC-AC1667EBCBE1}">
-              <a14:hiddenEffects xmlns:a14="http://schemas.microsoft.com/office/drawing/2010/main" xmlns="">
+              <a14:hiddenEffects xmlns="" xmlns:a14="http://schemas.microsoft.com/office/drawing/2010/main">
                 <a:effectLst>
                   <a:outerShdw blurRad="63500" dist="38099" dir="2700000" algn="ctr" rotWithShape="0">
                     <a:schemeClr val="bg2">
@@ -26413,7 +26425,7 @@
           <a:effectLst/>
           <a:extLst>
             <a:ext uri="{AF507438-7753-43e0-B8FC-AC1667EBCBE1}">
-              <a14:hiddenEffects xmlns:a14="http://schemas.microsoft.com/office/drawing/2010/main" xmlns="">
+              <a14:hiddenEffects xmlns="" xmlns:a14="http://schemas.microsoft.com/office/drawing/2010/main">
                 <a:effectLst>
                   <a:outerShdw blurRad="63500" dist="38099" dir="2700000" algn="ctr" rotWithShape="0">
                     <a:schemeClr val="bg2">
@@ -26504,7 +26516,7 @@
           <a:effectLst/>
           <a:extLst>
             <a:ext uri="{AF507438-7753-43e0-B8FC-AC1667EBCBE1}">
-              <a14:hiddenEffects xmlns:a14="http://schemas.microsoft.com/office/drawing/2010/main" xmlns="">
+              <a14:hiddenEffects xmlns="" xmlns:a14="http://schemas.microsoft.com/office/drawing/2010/main">
                 <a:effectLst>
                   <a:outerShdw blurRad="63500" dist="38099" dir="2700000" algn="ctr" rotWithShape="0">
                     <a:schemeClr val="bg2">
@@ -26595,7 +26607,7 @@
           <a:effectLst/>
           <a:extLst>
             <a:ext uri="{AF507438-7753-43e0-B8FC-AC1667EBCBE1}">
-              <a14:hiddenEffects xmlns:a14="http://schemas.microsoft.com/office/drawing/2010/main" xmlns="">
+              <a14:hiddenEffects xmlns="" xmlns:a14="http://schemas.microsoft.com/office/drawing/2010/main">
                 <a:effectLst>
                   <a:outerShdw blurRad="63500" dist="38099" dir="2700000" algn="ctr" rotWithShape="0">
                     <a:schemeClr val="bg2">
@@ -26686,7 +26698,7 @@
           <a:effectLst/>
           <a:extLst>
             <a:ext uri="{AF507438-7753-43e0-B8FC-AC1667EBCBE1}">
-              <a14:hiddenEffects xmlns:a14="http://schemas.microsoft.com/office/drawing/2010/main" xmlns="">
+              <a14:hiddenEffects xmlns="" xmlns:a14="http://schemas.microsoft.com/office/drawing/2010/main">
                 <a:effectLst>
                   <a:outerShdw blurRad="63500" dist="38099" dir="2700000" algn="ctr" rotWithShape="0">
                     <a:schemeClr val="bg2">
@@ -26778,7 +26790,7 @@
           <a:effectLst/>
           <a:extLst>
             <a:ext uri="{AF507438-7753-43e0-B8FC-AC1667EBCBE1}">
-              <a14:hiddenEffects xmlns:a14="http://schemas.microsoft.com/office/drawing/2010/main" xmlns="">
+              <a14:hiddenEffects xmlns="" xmlns:a14="http://schemas.microsoft.com/office/drawing/2010/main">
                 <a:effectLst>
                   <a:outerShdw blurRad="63500" dist="38099" dir="2700000" algn="ctr" rotWithShape="0">
                     <a:schemeClr val="bg2">
@@ -26929,7 +26941,7 @@
           <a:effectLst/>
           <a:extLst>
             <a:ext uri="{AF507438-7753-43e0-B8FC-AC1667EBCBE1}">
-              <a14:hiddenEffects xmlns:a14="http://schemas.microsoft.com/office/drawing/2010/main" xmlns="">
+              <a14:hiddenEffects xmlns="" xmlns:a14="http://schemas.microsoft.com/office/drawing/2010/main">
                 <a:effectLst>
                   <a:outerShdw blurRad="63500" dist="38099" dir="2700000" algn="ctr" rotWithShape="0">
                     <a:schemeClr val="bg2">
@@ -27020,7 +27032,7 @@
           <a:effectLst/>
           <a:extLst>
             <a:ext uri="{AF507438-7753-43e0-B8FC-AC1667EBCBE1}">
-              <a14:hiddenEffects xmlns:a14="http://schemas.microsoft.com/office/drawing/2010/main" xmlns="">
+              <a14:hiddenEffects xmlns="" xmlns:a14="http://schemas.microsoft.com/office/drawing/2010/main">
                 <a:effectLst>
                   <a:outerShdw blurRad="63500" dist="38099" dir="2700000" algn="ctr" rotWithShape="0">
                     <a:schemeClr val="bg2">
@@ -27107,7 +27119,7 @@
           <a:effectLst/>
           <a:extLst>
             <a:ext uri="{AF507438-7753-43e0-B8FC-AC1667EBCBE1}">
-              <a14:hiddenEffects xmlns:a14="http://schemas.microsoft.com/office/drawing/2010/main" xmlns="">
+              <a14:hiddenEffects xmlns="" xmlns:a14="http://schemas.microsoft.com/office/drawing/2010/main">
                 <a:effectLst>
                   <a:outerShdw blurRad="63500" dist="38099" dir="2700000" algn="ctr" rotWithShape="0">
                     <a:schemeClr val="bg2">
@@ -27196,7 +27208,7 @@
           <a:effectLst/>
           <a:extLst>
             <a:ext uri="{AF507438-7753-43e0-B8FC-AC1667EBCBE1}">
-              <a14:hiddenEffects xmlns:a14="http://schemas.microsoft.com/office/drawing/2010/main" xmlns="">
+              <a14:hiddenEffects xmlns="" xmlns:a14="http://schemas.microsoft.com/office/drawing/2010/main">
                 <a:effectLst>
                   <a:outerShdw blurRad="63500" dist="38099" dir="2700000" algn="ctr" rotWithShape="0">
                     <a:schemeClr val="bg2">
@@ -27244,7 +27256,7 @@
           <a:effectLst/>
           <a:extLst>
             <a:ext uri="{AF507438-7753-43e0-B8FC-AC1667EBCBE1}">
-              <a14:hiddenEffects xmlns:a14="http://schemas.microsoft.com/office/drawing/2010/main" xmlns="">
+              <a14:hiddenEffects xmlns="" xmlns:a14="http://schemas.microsoft.com/office/drawing/2010/main">
                 <a:effectLst>
                   <a:outerShdw blurRad="63500" dist="38099" dir="2700000" algn="ctr" rotWithShape="0">
                     <a:schemeClr val="bg2">
@@ -27295,7 +27307,7 @@
           <a:effectLst/>
           <a:extLst>
             <a:ext uri="{AF507438-7753-43e0-B8FC-AC1667EBCBE1}">
-              <a14:hiddenEffects xmlns:a14="http://schemas.microsoft.com/office/drawing/2010/main" xmlns="">
+              <a14:hiddenEffects xmlns="" xmlns:a14="http://schemas.microsoft.com/office/drawing/2010/main">
                 <a:effectLst>
                   <a:outerShdw blurRad="63500" dist="38099" dir="2700000" algn="ctr" rotWithShape="0">
                     <a:schemeClr val="bg2">
@@ -27345,7 +27357,7 @@
           <a:effectLst/>
           <a:extLst>
             <a:ext uri="{AF507438-7753-43e0-B8FC-AC1667EBCBE1}">
-              <a14:hiddenEffects xmlns:a14="http://schemas.microsoft.com/office/drawing/2010/main" xmlns="">
+              <a14:hiddenEffects xmlns="" xmlns:a14="http://schemas.microsoft.com/office/drawing/2010/main">
                 <a:effectLst>
                   <a:outerShdw blurRad="63500" dist="38099" dir="2700000" algn="ctr" rotWithShape="0">
                     <a:schemeClr val="bg2">
@@ -27395,7 +27407,7 @@
           <a:effectLst/>
           <a:extLst>
             <a:ext uri="{AF507438-7753-43e0-B8FC-AC1667EBCBE1}">
-              <a14:hiddenEffects xmlns:a14="http://schemas.microsoft.com/office/drawing/2010/main" xmlns="">
+              <a14:hiddenEffects xmlns="" xmlns:a14="http://schemas.microsoft.com/office/drawing/2010/main">
                 <a:effectLst>
                   <a:outerShdw blurRad="63500" dist="38099" dir="2700000" algn="ctr" rotWithShape="0">
                     <a:schemeClr val="bg2">
@@ -27446,7 +27458,7 @@
           <a:effectLst/>
           <a:extLst>
             <a:ext uri="{AF507438-7753-43e0-B8FC-AC1667EBCBE1}">
-              <a14:hiddenEffects xmlns:a14="http://schemas.microsoft.com/office/drawing/2010/main" xmlns="">
+              <a14:hiddenEffects xmlns="" xmlns:a14="http://schemas.microsoft.com/office/drawing/2010/main">
                 <a:effectLst>
                   <a:outerShdw blurRad="63500" dist="38099" dir="2700000" algn="ctr" rotWithShape="0">
                     <a:schemeClr val="bg2">
@@ -27497,7 +27509,7 @@
           <a:effectLst/>
           <a:extLst>
             <a:ext uri="{AF507438-7753-43e0-B8FC-AC1667EBCBE1}">
-              <a14:hiddenEffects xmlns:a14="http://schemas.microsoft.com/office/drawing/2010/main" xmlns="">
+              <a14:hiddenEffects xmlns="" xmlns:a14="http://schemas.microsoft.com/office/drawing/2010/main">
                 <a:effectLst>
                   <a:outerShdw blurRad="63500" dist="38099" dir="2700000" algn="ctr" rotWithShape="0">
                     <a:schemeClr val="bg2">
@@ -27545,7 +27557,7 @@
           <a:effectLst/>
           <a:extLst>
             <a:ext uri="{AF507438-7753-43e0-B8FC-AC1667EBCBE1}">
-              <a14:hiddenEffects xmlns:a14="http://schemas.microsoft.com/office/drawing/2010/main" xmlns="">
+              <a14:hiddenEffects xmlns="" xmlns:a14="http://schemas.microsoft.com/office/drawing/2010/main">
                 <a:effectLst>
                   <a:outerShdw blurRad="63500" dist="38099" dir="2700000" algn="ctr" rotWithShape="0">
                     <a:schemeClr val="bg2">
@@ -27632,7 +27644,7 @@
           <a:effectLst/>
           <a:extLst>
             <a:ext uri="{AF507438-7753-43e0-B8FC-AC1667EBCBE1}">
-              <a14:hiddenEffects xmlns:a14="http://schemas.microsoft.com/office/drawing/2010/main" xmlns="">
+              <a14:hiddenEffects xmlns="" xmlns:a14="http://schemas.microsoft.com/office/drawing/2010/main">
                 <a:effectLst>
                   <a:outerShdw blurRad="63500" dist="38099" dir="2700000" algn="ctr" rotWithShape="0">
                     <a:schemeClr val="bg2">
@@ -27721,7 +27733,7 @@
           <a:effectLst/>
           <a:extLst>
             <a:ext uri="{AF507438-7753-43e0-B8FC-AC1667EBCBE1}">
-              <a14:hiddenEffects xmlns:a14="http://schemas.microsoft.com/office/drawing/2010/main" xmlns="">
+              <a14:hiddenEffects xmlns="" xmlns:a14="http://schemas.microsoft.com/office/drawing/2010/main">
                 <a:effectLst>
                   <a:outerShdw blurRad="63500" dist="38099" dir="2700000" algn="ctr" rotWithShape="0">
                     <a:schemeClr val="bg2">
@@ -27843,8 +27855,8 @@
           </a:p>
         </p:txBody>
       </p:sp>
-      <mc:AlternateContent xmlns:mc="http://schemas.openxmlformats.org/markup-compatibility/2006">
-        <mc:Choice xmlns:a14="http://schemas.microsoft.com/office/drawing/2010/main" Requires="a14">
+      <mc:AlternateContent xmlns:mc="http://schemas.openxmlformats.org/markup-compatibility/2006" xmlns:a14="http://schemas.microsoft.com/office/drawing/2010/main">
+        <mc:Choice Requires="a14">
           <p:sp>
             <p:nvSpPr>
               <p:cNvPr id="30" name="Sprechblase: rechteckig mit abgerundeten Ecken 29">
@@ -27934,13 +27946,7 @@
                   <a:rPr lang="de-CH" sz="1200" smtClean="0">
                     <a:latin typeface="+mn-lt"/>
                   </a:rPr>
-                  <a:t>per</a:t>
-                </a:r>
-                <a:r>
-                  <a:rPr lang="de-CH" sz="1200" smtClean="0">
-                    <a:latin typeface="+mn-lt"/>
-                  </a:rPr>
-                  <a:t> </a:t>
+                  <a:t>per </a:t>
                 </a:r>
                 <a:r>
                   <a:rPr lang="de-CH" sz="1200">
@@ -28060,7 +28066,7 @@
             </p:txBody>
           </p:sp>
         </mc:Choice>
-        <mc:Fallback>
+        <mc:Fallback xmlns="">
           <p:sp>
             <p:nvSpPr>
               <p:cNvPr id="30" name="Sprechblase: rechteckig mit abgerundeten Ecken 29">
@@ -28167,7 +28173,7 @@
           <a:effectLst/>
           <a:extLst>
             <a:ext uri="{AF507438-7753-43e0-B8FC-AC1667EBCBE1}">
-              <a14:hiddenEffects xmlns:a14="http://schemas.microsoft.com/office/drawing/2010/main" xmlns="">
+              <a14:hiddenEffects xmlns="" xmlns:a14="http://schemas.microsoft.com/office/drawing/2010/main">
                 <a:effectLst>
                   <a:outerShdw blurRad="63500" dist="38099" dir="2700000" algn="ctr" rotWithShape="0">
                     <a:schemeClr val="bg2">
@@ -28305,14 +28311,14 @@
           <a:noFill/>
           <a:extLst>
             <a:ext uri="{909E8E84-426E-40dd-AFC4-6F175D3DCCD1}">
-              <a14:hiddenFill xmlns:a14="http://schemas.microsoft.com/office/drawing/2010/main" xmlns="">
+              <a14:hiddenFill xmlns="" xmlns:a14="http://schemas.microsoft.com/office/drawing/2010/main">
                 <a:solidFill>
                   <a:srgbClr val="FFFFFF"/>
                 </a:solidFill>
               </a14:hiddenFill>
             </a:ext>
             <a:ext uri="{91240B29-F687-4f45-9708-019B960494DF}">
-              <a14:hiddenLine xmlns:a14="http://schemas.microsoft.com/office/drawing/2010/main" xmlns="" w="9525">
+              <a14:hiddenLine xmlns="" xmlns:a14="http://schemas.microsoft.com/office/drawing/2010/main" w="9525">
                 <a:solidFill>
                   <a:srgbClr val="000000"/>
                 </a:solidFill>
@@ -28322,7 +28328,7 @@
               </a14:hiddenLine>
             </a:ext>
             <a:ext uri="{FAA26D3D-D897-4be2-8F04-BA451C77F1D7}">
-              <ma14:placeholderFlag xmlns:ma14="http://schemas.microsoft.com/office/mac/drawingml/2011/main" xmlns="" val="1"/>
+              <ma14:placeholderFlag xmlns="" xmlns:ma14="http://schemas.microsoft.com/office/mac/drawingml/2011/main" val="1"/>
             </a:ext>
           </a:extLst>
         </p:spPr>
@@ -28417,14 +28423,14 @@
           <a:noFill/>
           <a:extLst>
             <a:ext uri="{909E8E84-426E-40dd-AFC4-6F175D3DCCD1}">
-              <a14:hiddenFill xmlns:a14="http://schemas.microsoft.com/office/drawing/2010/main" xmlns="">
+              <a14:hiddenFill xmlns="" xmlns:a14="http://schemas.microsoft.com/office/drawing/2010/main">
                 <a:solidFill>
                   <a:srgbClr val="FFFFFF"/>
                 </a:solidFill>
               </a14:hiddenFill>
             </a:ext>
             <a:ext uri="{91240B29-F687-4f45-9708-019B960494DF}">
-              <a14:hiddenLine xmlns:a14="http://schemas.microsoft.com/office/drawing/2010/main" xmlns="" w="9525">
+              <a14:hiddenLine xmlns="" xmlns:a14="http://schemas.microsoft.com/office/drawing/2010/main" w="9525">
                 <a:solidFill>
                   <a:srgbClr val="000000"/>
                 </a:solidFill>
@@ -28434,7 +28440,7 @@
               </a14:hiddenLine>
             </a:ext>
             <a:ext uri="{FAA26D3D-D897-4be2-8F04-BA451C77F1D7}">
-              <ma14:placeholderFlag xmlns:ma14="http://schemas.microsoft.com/office/mac/drawingml/2011/main" xmlns="" val="1"/>
+              <ma14:placeholderFlag xmlns="" xmlns:ma14="http://schemas.microsoft.com/office/mac/drawingml/2011/main" val="1"/>
             </a:ext>
           </a:extLst>
         </p:spPr>
@@ -28574,7 +28580,23 @@
             </a:r>
             <a:r>
               <a:rPr lang="de-CH" smtClean="0"/>
-              <a:t>throughput: ameliorated model accuracy (or F1-score) to 91.13% for healthy attribute, but necessitates complexity vs. slimmed-down model design for user-friendliness and fast computing results</a:t>
+              <a:t>throughput: ameliorated model accuracy (or F1-score) to 91.13% for </a:t>
+            </a:r>
+            <a:r>
+              <a:rPr lang="de-CH"/>
+              <a:t>attribute «</a:t>
+            </a:r>
+            <a:r>
+              <a:rPr lang="de-CH"/>
+              <a:t>healthy</a:t>
+            </a:r>
+            <a:r>
+              <a:rPr lang="de-CH" smtClean="0"/>
+              <a:t>», </a:t>
+            </a:r>
+            <a:r>
+              <a:rPr lang="de-CH" smtClean="0"/>
+              <a:t>but necessitates complexity vs. slimmed-down model design for user-friendliness and fast computing results</a:t>
             </a:r>
           </a:p>
           <a:p>
@@ -28587,11 +28609,7 @@
             </a:pPr>
             <a:r>
               <a:rPr lang="de-CH"/>
-              <a:t>Trained Model reiterations: changed approach from one model to OneVsRest models, used different </a:t>
-            </a:r>
-            <a:r>
-              <a:rPr lang="de-CH"/>
-              <a:t>pretrained </a:t>
+              <a:t>Trained Model reiterations: changed approach from one model to OneVsRest models, used different pretrained </a:t>
             </a:r>
             <a:r>
               <a:rPr lang="de-CH" smtClean="0"/>
@@ -28674,14 +28692,14 @@
           <a:noFill/>
           <a:extLst>
             <a:ext uri="{909E8E84-426E-40dd-AFC4-6F175D3DCCD1}">
-              <a14:hiddenFill xmlns:a14="http://schemas.microsoft.com/office/drawing/2010/main" xmlns="">
+              <a14:hiddenFill xmlns="" xmlns:a14="http://schemas.microsoft.com/office/drawing/2010/main">
                 <a:solidFill>
                   <a:srgbClr val="FFFFFF"/>
                 </a:solidFill>
               </a14:hiddenFill>
             </a:ext>
             <a:ext uri="{91240B29-F687-4f45-9708-019B960494DF}">
-              <a14:hiddenLine xmlns:a14="http://schemas.microsoft.com/office/drawing/2010/main" xmlns="" w="9525">
+              <a14:hiddenLine xmlns="" xmlns:a14="http://schemas.microsoft.com/office/drawing/2010/main" w="9525">
                 <a:solidFill>
                   <a:srgbClr val="000000"/>
                 </a:solidFill>
@@ -28691,7 +28709,7 @@
               </a14:hiddenLine>
             </a:ext>
             <a:ext uri="{FAA26D3D-D897-4be2-8F04-BA451C77F1D7}">
-              <ma14:placeholderFlag xmlns:ma14="http://schemas.microsoft.com/office/mac/drawingml/2011/main" xmlns="" val="1"/>
+              <ma14:placeholderFlag xmlns="" xmlns:ma14="http://schemas.microsoft.com/office/mac/drawingml/2011/main" val="1"/>
             </a:ext>
           </a:extLst>
         </p:spPr>
@@ -28781,14 +28799,14 @@
           <a:noFill/>
           <a:extLst>
             <a:ext uri="{909E8E84-426E-40dd-AFC4-6F175D3DCCD1}">
-              <a14:hiddenFill xmlns:a14="http://schemas.microsoft.com/office/drawing/2010/main" xmlns="">
+              <a14:hiddenFill xmlns="" xmlns:a14="http://schemas.microsoft.com/office/drawing/2010/main">
                 <a:solidFill>
                   <a:srgbClr val="FFFFFF"/>
                 </a:solidFill>
               </a14:hiddenFill>
             </a:ext>
             <a:ext uri="{91240B29-F687-4f45-9708-019B960494DF}">
-              <a14:hiddenLine xmlns:a14="http://schemas.microsoft.com/office/drawing/2010/main" xmlns="" w="9525">
+              <a14:hiddenLine xmlns="" xmlns:a14="http://schemas.microsoft.com/office/drawing/2010/main" w="9525">
                 <a:solidFill>
                   <a:srgbClr val="000000"/>
                 </a:solidFill>
@@ -28876,14 +28894,14 @@
           <a:noFill/>
           <a:extLst>
             <a:ext uri="{909E8E84-426E-40dd-AFC4-6F175D3DCCD1}">
-              <a14:hiddenFill xmlns:a14="http://schemas.microsoft.com/office/drawing/2010/main" xmlns="">
+              <a14:hiddenFill xmlns="" xmlns:a14="http://schemas.microsoft.com/office/drawing/2010/main">
                 <a:solidFill>
                   <a:srgbClr val="FFFFFF"/>
                 </a:solidFill>
               </a14:hiddenFill>
             </a:ext>
             <a:ext uri="{91240B29-F687-4f45-9708-019B960494DF}">
-              <a14:hiddenLine xmlns:a14="http://schemas.microsoft.com/office/drawing/2010/main" xmlns="" w="9525">
+              <a14:hiddenLine xmlns="" xmlns:a14="http://schemas.microsoft.com/office/drawing/2010/main" w="9525">
                 <a:solidFill>
                   <a:srgbClr val="000000"/>
                 </a:solidFill>
@@ -29227,7 +29245,7 @@
         <a:effectLst/>
         <a:extLst>
           <a:ext uri="{AF507438-7753-43e0-B8FC-AC1667EBCBE1}">
-            <a14:hiddenEffects xmlns:a14="http://schemas.microsoft.com/office/drawing/2010/main" xmlns="">
+            <a14:hiddenEffects xmlns="" xmlns:a14="http://schemas.microsoft.com/office/drawing/2010/main">
               <a:effectLst>
                 <a:outerShdw blurRad="63500" dist="38099" dir="2700000" algn="ctr" rotWithShape="0">
                   <a:schemeClr val="bg2">
@@ -29305,7 +29323,7 @@
         <a:effectLst/>
         <a:extLst>
           <a:ext uri="{AF507438-7753-43e0-B8FC-AC1667EBCBE1}">
-            <a14:hiddenEffects xmlns:a14="http://schemas.microsoft.com/office/drawing/2010/main" xmlns="">
+            <a14:hiddenEffects xmlns="" xmlns:a14="http://schemas.microsoft.com/office/drawing/2010/main">
               <a:effectLst>
                 <a:outerShdw blurRad="63500" dist="38099" dir="2700000" algn="ctr" rotWithShape="0">
                   <a:schemeClr val="bg2">

--- a/about_me/Visual Listening In_Draft_LS.pptx
+++ b/about_me/Visual Listening In_Draft_LS.pptx
@@ -261,20 +261,6 @@
   <p:cm authorId="2" dt="2020-04-21T12:14:57.124" idx="1">
     <p:pos x="10" y="10"/>
     <p:text>take out spell-check</p:text>
-    <p:extLst>
-      <p:ext uri="{C676402C-5697-4E1C-873F-D02D1690AC5C}">
-        <p15:threadingInfo xmlns:p15="http://schemas.microsoft.com/office/powerpoint/2012/main" timeZoneBias="-120"/>
-      </p:ext>
-    </p:extLst>
-  </p:cm>
-</p:cmLst>
-</file>
-
-<file path=ppt/comments/comment2.xml><?xml version="1.0" encoding="utf-8"?>
-<p:cmLst xmlns:a="http://schemas.openxmlformats.org/drawingml/2006/main" xmlns:r="http://schemas.openxmlformats.org/officeDocument/2006/relationships" xmlns:p="http://schemas.openxmlformats.org/presentationml/2006/main">
-  <p:cm authorId="1" dt="2020-04-19T23:36:26.166" idx="3">
-    <p:pos x="5313" y="3501"/>
-    <p:text>Link to the Demo</p:text>
     <p:extLst>
       <p:ext uri="{C676402C-5697-4E1C-873F-D02D1690AC5C}">
         <p15:threadingInfo xmlns:p15="http://schemas.microsoft.com/office/powerpoint/2012/main" timeZoneBias="-120"/>
@@ -14623,14 +14609,177 @@
               <a:rPr lang="de-CH" baseline="0" smtClean="0"/>
               <a:t> Image Portrayed on Social Media. </a:t>
             </a:r>
+            <a:endParaRPr lang="de-CH" baseline="0" smtClean="0"/>
           </a:p>
           <a:p>
             <a:r>
+              <a:rPr lang="en-US" sz="1200" kern="1200" smtClean="0">
+                <a:solidFill>
+                  <a:schemeClr val="tx1"/>
+                </a:solidFill>
+                <a:effectLst/>
+                <a:latin typeface="+mn-lt"/>
+                <a:ea typeface="MS PGothic" panose="020B0600070205080204" pitchFamily="34" charset="-128"/>
+                <a:cs typeface="MS PGothic" charset="0"/>
+              </a:rPr>
+              <a:t>The </a:t>
+            </a:r>
+            <a:r>
+              <a:rPr lang="en-US" sz="1200" b="1" kern="1200" smtClean="0">
+                <a:solidFill>
+                  <a:schemeClr val="tx1"/>
+                </a:solidFill>
+                <a:effectLst/>
+                <a:latin typeface="+mn-lt"/>
+                <a:ea typeface="MS PGothic" panose="020B0600070205080204" pitchFamily="34" charset="-128"/>
+                <a:cs typeface="MS PGothic" charset="0"/>
+              </a:rPr>
+              <a:t>task</a:t>
+            </a:r>
+            <a:r>
+              <a:rPr lang="en-US" sz="1200" kern="1200" smtClean="0">
+                <a:solidFill>
+                  <a:schemeClr val="tx1"/>
+                </a:solidFill>
+                <a:effectLst/>
+                <a:latin typeface="+mn-lt"/>
+                <a:ea typeface="MS PGothic" panose="020B0600070205080204" pitchFamily="34" charset="-128"/>
+                <a:cs typeface="MS PGothic" charset="0"/>
+              </a:rPr>
+              <a:t> of this project was to build a tool to analyze the brand image of a company based on user-posted images on social media.</a:t>
+            </a:r>
+          </a:p>
+          <a:p>
+            <a:pPr marL="0" marR="0" lvl="0" indent="0" algn="l" defTabSz="455613" rtl="0" eaLnBrk="0" fontAlgn="base" latinLnBrk="0" hangingPunct="0">
+              <a:lnSpc>
+                <a:spcPct val="100000"/>
+              </a:lnSpc>
+              <a:spcBef>
+                <a:spcPct val="30000"/>
+              </a:spcBef>
+              <a:spcAft>
+                <a:spcPct val="0"/>
+              </a:spcAft>
+              <a:buClrTx/>
+              <a:buSzTx/>
+              <a:buFontTx/>
+              <a:buNone/>
+              <a:tabLst/>
+              <a:defRPr/>
+            </a:pPr>
+            <a:r>
+              <a:rPr lang="en-US" sz="1200" kern="1200" smtClean="0">
+                <a:solidFill>
+                  <a:schemeClr val="tx1"/>
+                </a:solidFill>
+                <a:effectLst/>
+                <a:latin typeface="+mn-lt"/>
+                <a:ea typeface="MS PGothic" panose="020B0600070205080204" pitchFamily="34" charset="-128"/>
+                <a:cs typeface="MS PGothic" charset="0"/>
+              </a:rPr>
+              <a:t>Our project</a:t>
+            </a:r>
+            <a:r>
+              <a:rPr lang="en-US" sz="1200" kern="1200" baseline="0" smtClean="0">
+                <a:solidFill>
+                  <a:schemeClr val="tx1"/>
+                </a:solidFill>
+                <a:effectLst/>
+                <a:latin typeface="+mn-lt"/>
+                <a:ea typeface="MS PGothic" panose="020B0600070205080204" pitchFamily="34" charset="-128"/>
+                <a:cs typeface="MS PGothic" charset="0"/>
+              </a:rPr>
+              <a:t> aims to replicate the study done by </a:t>
+            </a:r>
+            <a:r>
+              <a:rPr lang="en-US" sz="1200" kern="1200" smtClean="0">
+                <a:solidFill>
+                  <a:schemeClr val="tx1"/>
+                </a:solidFill>
+                <a:effectLst/>
+                <a:latin typeface="+mn-lt"/>
+                <a:ea typeface="MS PGothic" panose="020B0600070205080204" pitchFamily="34" charset="-128"/>
+                <a:cs typeface="MS PGothic" charset="0"/>
+              </a:rPr>
+              <a:t>Liu, Liu and Dzyabura, Daria and Mizik, Natalie, about Visual Listening In: Extracting Brand Image Portrayed on Social Media (Feb 27, 2020). Available at: </a:t>
+            </a:r>
+            <a:r>
+              <a:rPr lang="en-US" sz="1200" u="none" strike="noStrike" kern="1200" smtClean="0">
+                <a:solidFill>
+                  <a:schemeClr val="tx1"/>
+                </a:solidFill>
+                <a:effectLst/>
+                <a:latin typeface="+mn-lt"/>
+                <a:ea typeface="MS PGothic" panose="020B0600070205080204" pitchFamily="34" charset="-128"/>
+                <a:cs typeface="MS PGothic" charset="0"/>
+                <a:hlinkClick r:id="rId3"/>
+              </a:rPr>
+              <a:t>https://ssrn.com/abstract=2978805</a:t>
+            </a:r>
+            <a:r>
+              <a:rPr lang="en-US" sz="1200" kern="1200" smtClean="0">
+                <a:solidFill>
+                  <a:schemeClr val="tx1"/>
+                </a:solidFill>
+                <a:effectLst/>
+                <a:latin typeface="+mn-lt"/>
+                <a:ea typeface="MS PGothic" panose="020B0600070205080204" pitchFamily="34" charset="-128"/>
+                <a:cs typeface="MS PGothic" charset="0"/>
+              </a:rPr>
+              <a:t> .</a:t>
+            </a:r>
+            <a:r>
+              <a:rPr lang="en-US" sz="1200" kern="1200" baseline="0" smtClean="0">
+                <a:solidFill>
+                  <a:schemeClr val="tx1"/>
+                </a:solidFill>
+                <a:effectLst/>
+                <a:latin typeface="+mn-lt"/>
+                <a:ea typeface="MS PGothic" panose="020B0600070205080204" pitchFamily="34" charset="-128"/>
+                <a:cs typeface="MS PGothic" charset="0"/>
+              </a:rPr>
+              <a:t> </a:t>
+            </a:r>
+            <a:endParaRPr lang="en-US" sz="1200" kern="1200" smtClean="0">
+              <a:solidFill>
+                <a:schemeClr val="tx1"/>
+              </a:solidFill>
+              <a:effectLst/>
+              <a:latin typeface="+mn-lt"/>
+              <a:ea typeface="MS PGothic" panose="020B0600070205080204" pitchFamily="34" charset="-128"/>
+              <a:cs typeface="MS PGothic" charset="0"/>
+            </a:endParaRPr>
+          </a:p>
+          <a:p>
+            <a:endParaRPr lang="de-CH" baseline="0" smtClean="0"/>
+          </a:p>
+          <a:p>
+            <a:r>
               <a:rPr lang="de-CH" baseline="0" smtClean="0"/>
               <a:t>Our team members consists of Neeraj, Linda, Theebana and Vincent. </a:t>
             </a:r>
+            <a:r>
+              <a:rPr lang="de-CH" baseline="0" smtClean="0"/>
+              <a:t>Neeraj formed a deep learning architecture for automating image classification of annotated Flickr images as either being healthy, natural, fun, rugged or not. </a:t>
+            </a:r>
           </a:p>
           <a:p>
+            <a:r>
+              <a:rPr lang="de-CH" baseline="0" smtClean="0"/>
+              <a:t>Linda on the other hand was responsible for streamlining the project across Github’s version control platform and testing the trained model on infinite scroll downloaded Instagram images as well as passing the results over to the web app framework. </a:t>
+            </a:r>
+          </a:p>
+          <a:p>
+            <a:r>
+              <a:rPr lang="de-CH" baseline="0" smtClean="0"/>
+              <a:t>Theebana’s tasks involved designing the power point presentation, merging dataframes of American apparel and beverage brands and downloading additional Flickr images for 10+ attributes. </a:t>
+            </a:r>
+          </a:p>
+          <a:p>
+            <a:r>
+              <a:rPr lang="de-CH" baseline="0" smtClean="0"/>
+              <a:t>Vincent set up the web app framework for model deployment. For this, he worked his way through json requests, python-to-javascript conversions, HTML5, CSS, and bootstrap methods, imports from different functions in all our notebooks online, and coordinated the transition to the web-interface. </a:t>
+            </a:r>
             <a:endParaRPr lang="en-US"/>
           </a:p>
         </p:txBody>
@@ -14691,7 +14840,7 @@
       </p:grpSpPr>
       <p:sp>
         <p:nvSpPr>
-          <p:cNvPr id="2" name="Folienbildplatzhalter 1"/>
+          <p:cNvPr id="2" name="Slide Image Placeholder 1"/>
           <p:cNvSpPr>
             <a:spLocks noGrp="1" noRot="1" noChangeAspect="1"/>
           </p:cNvSpPr>
@@ -14703,7 +14852,7 @@
       </p:sp>
       <p:sp>
         <p:nvSpPr>
-          <p:cNvPr id="3" name="Notizenplatzhalter 2"/>
+          <p:cNvPr id="3" name="Notes Placeholder 2"/>
           <p:cNvSpPr>
             <a:spLocks noGrp="1"/>
           </p:cNvSpPr>
@@ -14716,167 +14865,73 @@
           <a:bodyPr/>
           <a:lstStyle/>
           <a:p>
-            <a:pPr marL="0" indent="0">
-              <a:spcBef>
-                <a:spcPts val="300"/>
-              </a:spcBef>
-              <a:spcAft>
-                <a:spcPts val="300"/>
-              </a:spcAft>
-              <a:buNone/>
-              <a:tabLst>
-                <a:tab pos="354013" algn="l"/>
-              </a:tabLst>
-            </a:pPr>
-            <a:r>
-              <a:rPr lang="en-US" sz="1200" b="1" smtClean="0">
-                <a:latin typeface="Source Sans Pro Light" charset="0"/>
-                <a:cs typeface="Source Sans Pro Light" charset="0"/>
-              </a:rPr>
-              <a:t>Social Media:</a:t>
-            </a:r>
-            <a:r>
-              <a:rPr lang="en-US" sz="1200" smtClean="0">
-                <a:latin typeface="Source Sans Pro Light" charset="0"/>
-                <a:cs typeface="Source Sans Pro Light" charset="0"/>
-              </a:rPr>
-              <a:t> Flickr (training), Instagram (testing)</a:t>
+            <a:r>
+              <a:rPr lang="de-CH" smtClean="0"/>
+              <a:t>This presentation consists of 5 slides,</a:t>
+            </a:r>
+            <a:r>
+              <a:rPr lang="de-CH" baseline="0" smtClean="0"/>
+              <a:t> one slide for each key point about the project we are trying to make. </a:t>
             </a:r>
           </a:p>
           <a:p>
-            <a:pPr marL="0" marR="0" lvl="0" indent="0" algn="l" defTabSz="455613" rtl="0" eaLnBrk="0" fontAlgn="base" latinLnBrk="0" hangingPunct="0">
-              <a:lnSpc>
-                <a:spcPct val="100000"/>
-              </a:lnSpc>
-              <a:spcBef>
-                <a:spcPts val="300"/>
-              </a:spcBef>
-              <a:spcAft>
-                <a:spcPts val="300"/>
-              </a:spcAft>
-              <a:buClrTx/>
-              <a:buSzTx/>
-              <a:buFontTx/>
-              <a:buNone/>
-              <a:tabLst>
-                <a:tab pos="354013" algn="l"/>
-              </a:tabLst>
-              <a:defRPr/>
-            </a:pPr>
-            <a:r>
-              <a:rPr lang="de-CH" b="1" i="0" smtClean="0">
-                <a:latin typeface="Source Sans Pro Light" charset="0"/>
-                <a:ea typeface="ヒラギノ角ゴ ProN W3" charset="0"/>
-                <a:cs typeface="Source Sans Pro Light" charset="0"/>
-              </a:rPr>
-              <a:t>Machine Learning</a:t>
-            </a:r>
-            <a:r>
-              <a:rPr lang="de-CH" smtClean="0">
-                <a:latin typeface="Source Sans Pro Light" charset="0"/>
-                <a:ea typeface="ヒラギノ角ゴ ProN W3" charset="0"/>
-                <a:cs typeface="Source Sans Pro Light" charset="0"/>
-              </a:rPr>
-              <a:t>: </a:t>
-            </a:r>
-            <a:r>
-              <a:rPr lang="en-US" smtClean="0">
-                <a:latin typeface="Source Sans Pro Light" charset="0"/>
-                <a:cs typeface="Source Sans Pro Light" charset="0"/>
-              </a:rPr>
-              <a:t>build classifiers for each attribute using supervised learning &amp; a </a:t>
-            </a:r>
-            <a:r>
-              <a:rPr lang="de-CH" smtClean="0">
-                <a:latin typeface="Source Sans Pro Light" charset="0"/>
-                <a:cs typeface="Source Sans Pro Light" charset="0"/>
-              </a:rPr>
-              <a:t>pre-trained self-designed deep learning Convolutional Neural Network </a:t>
-            </a:r>
-            <a:r>
-              <a:rPr lang="en-US" smtClean="0">
-                <a:latin typeface="Source Sans Pro Light" charset="0"/>
-                <a:cs typeface="Source Sans Pro Light" charset="0"/>
-              </a:rPr>
-              <a:t>framework</a:t>
-            </a:r>
-            <a:endParaRPr lang="en-US" sz="1200" smtClean="0">
-              <a:latin typeface="Source Sans Pro Light" charset="0"/>
-              <a:cs typeface="Source Sans Pro Light" charset="0"/>
-            </a:endParaRPr>
+            <a:r>
+              <a:rPr lang="de-CH" baseline="0" smtClean="0"/>
+              <a:t>First, in our introduction we give a general overview of the project. This includes what the project was about, the WHY, the approach we took, the HOW, and the result of the project, the WHAT. </a:t>
+            </a:r>
           </a:p>
           <a:p>
-            <a:pPr marL="0" indent="0">
-              <a:spcBef>
-                <a:spcPts val="300"/>
-              </a:spcBef>
-              <a:spcAft>
-                <a:spcPts val="300"/>
-              </a:spcAft>
-              <a:buNone/>
-              <a:tabLst>
-                <a:tab pos="354013" algn="l"/>
-              </a:tabLst>
-            </a:pPr>
-            <a:r>
-              <a:rPr lang="de-CH" sz="1200" b="1" smtClean="0">
-                <a:latin typeface="Source Sans Pro Light" charset="0"/>
-                <a:cs typeface="Source Sans Pro Light" charset="0"/>
-              </a:rPr>
-              <a:t>Model</a:t>
-            </a:r>
-            <a:r>
-              <a:rPr lang="de-CH" sz="1200" smtClean="0">
-                <a:latin typeface="Source Sans Pro Light" charset="0"/>
-                <a:cs typeface="Source Sans Pro Light" charset="0"/>
-              </a:rPr>
-              <a:t>: pre-trained self-designed deep learning Convolutional Neural Network </a:t>
+            <a:r>
+              <a:rPr lang="de-CH" baseline="0" smtClean="0"/>
+              <a:t>We realized that the goal of this project follows the dicates of marketing strategies and are essentially engrained in making corporate branding and identity work for a wide public clientele. This is why:  </a:t>
             </a:r>
           </a:p>
           <a:p>
-            <a:pPr>
-              <a:spcBef>
-                <a:spcPts val="300"/>
-              </a:spcBef>
-              <a:spcAft>
-                <a:spcPts val="300"/>
-              </a:spcAft>
-              <a:tabLst>
-                <a:tab pos="354013" algn="l"/>
-              </a:tabLst>
-            </a:pPr>
-            <a:r>
-              <a:rPr lang="de-CH" sz="1200" b="1" smtClean="0">
-                <a:latin typeface="Source Sans Pro Light" charset="0"/>
-                <a:cs typeface="Source Sans Pro Light" charset="0"/>
-              </a:rPr>
-              <a:t>Web Application</a:t>
-            </a:r>
-            <a:r>
-              <a:rPr lang="de-CH" sz="1200" smtClean="0">
-                <a:latin typeface="Source Sans Pro Light" charset="0"/>
-                <a:cs typeface="Source Sans Pro Light" charset="0"/>
-              </a:rPr>
-              <a:t>: classification of official + unofficial Instagram brand profile images into given brand personality attributes, brand image profile analysis</a:t>
-            </a:r>
-            <a:endParaRPr lang="en-US" sz="1200" smtClean="0">
-              <a:latin typeface="Source Sans Pro Light" charset="0"/>
-              <a:cs typeface="Source Sans Pro Light" charset="0"/>
-            </a:endParaRPr>
+            <a:r>
+              <a:rPr lang="de-CH" baseline="0" smtClean="0"/>
+              <a:t>Second, we outline project goal’s marketing benefits. </a:t>
+            </a:r>
           </a:p>
           <a:p>
-            <a:endParaRPr lang="de-CH"/>
+            <a:r>
+              <a:rPr lang="de-CH" baseline="0" smtClean="0"/>
+              <a:t>In an effort to provide an easy-to-use analytic tool for brand managers a machine learning model was shaped. </a:t>
+            </a:r>
+          </a:p>
+          <a:p>
+            <a:r>
+              <a:rPr lang="de-CH" baseline="0" smtClean="0"/>
+              <a:t>Third, we explain how our deep learning architecture can be used to get noteworthy statistical results from feeding in image data. </a:t>
+            </a:r>
+          </a:p>
+          <a:p>
+            <a:r>
+              <a:rPr lang="de-CH" baseline="0" smtClean="0"/>
+              <a:t>Forth, we take the opportunity to walk you through all the steps we took from getting the raw image input to the model deployment output on the web. </a:t>
+            </a:r>
+          </a:p>
+          <a:p>
+            <a:r>
+              <a:rPr lang="de-CH" baseline="0" smtClean="0"/>
+              <a:t>Finally, we will take a moment to discuss the problems we faced during the whole process and what we did to resolve them. An outlook of what can be done in the future will close off this presentation. </a:t>
+            </a:r>
+          </a:p>
+          <a:p>
+            <a:endParaRPr lang="de-CH" baseline="0" smtClean="0"/>
+          </a:p>
+          <a:p>
+            <a:endParaRPr lang="en-US"/>
           </a:p>
         </p:txBody>
       </p:sp>
       <p:sp>
         <p:nvSpPr>
-          <p:cNvPr id="4" name="Foliennummernplatzhalter 3"/>
+          <p:cNvPr id="4" name="Slide Number Placeholder 3"/>
           <p:cNvSpPr>
             <a:spLocks noGrp="1"/>
           </p:cNvSpPr>
           <p:nvPr>
-            <p:ph type="sldNum" sz="quarter" idx="5"/>
+            <p:ph type="sldNum" sz="quarter" idx="10"/>
           </p:nvPr>
         </p:nvSpPr>
         <p:spPr/>
@@ -14887,7 +14942,7 @@
             <a:fld id="{2A9D45BF-071E-7C44-BE90-B011D0240A3E}" type="slidenum">
               <a:rPr lang="en-US" smtClean="0"/>
               <a:pPr/>
-              <a:t>3</a:t>
+              <a:t>2</a:t>
             </a:fld>
             <a:endParaRPr lang="en-US"/>
           </a:p>
@@ -14896,7 +14951,7 @@
     </p:spTree>
     <p:extLst>
       <p:ext uri="{BB962C8B-B14F-4D97-AF65-F5344CB8AC3E}">
-        <p14:creationId xmlns:p14="http://schemas.microsoft.com/office/powerpoint/2010/main" val="2919474434"/>
+        <p14:creationId xmlns:p14="http://schemas.microsoft.com/office/powerpoint/2010/main" val="2897579237"/>
       </p:ext>
     </p:extLst>
   </p:cSld>
@@ -14950,6 +15005,76 @@
           <a:bodyPr/>
           <a:lstStyle/>
           <a:p>
+            <a:pPr marL="0" indent="0">
+              <a:spcBef>
+                <a:spcPts val="300"/>
+              </a:spcBef>
+              <a:spcAft>
+                <a:spcPts val="300"/>
+              </a:spcAft>
+              <a:buNone/>
+              <a:tabLst>
+                <a:tab pos="354013" algn="l"/>
+              </a:tabLst>
+            </a:pPr>
+            <a:r>
+              <a:rPr lang="de-CH" smtClean="0">
+                <a:latin typeface="Source Sans Pro Light" charset="0"/>
+                <a:ea typeface="ヒラギノ角ゴ ProN W3" charset="0"/>
+                <a:cs typeface="Source Sans Pro Light" charset="0"/>
+              </a:rPr>
+              <a:t>The group’s main task was to build a deep learning model that would learn how to classify any web 2.0-sourced images</a:t>
+            </a:r>
+            <a:r>
+              <a:rPr lang="de-CH" baseline="0" smtClean="0">
+                <a:latin typeface="Source Sans Pro Light" charset="0"/>
+                <a:ea typeface="ヒラギノ角ゴ ProN W3" charset="0"/>
+                <a:cs typeface="Source Sans Pro Light" charset="0"/>
+              </a:rPr>
+              <a:t> into brand personality attributes such as fun, healthy, rugged and glamorous in the most accurate manner. On Flickr there exist attribute-labelled images that served as input to our pretrained deep learning model. Once improved over several lapses of training, the deep learning model predicted the attributes for images taken from a brand’s Instagram official profile and hashtag posts. We count the number of times the classifier predicted an attribute for all images of a particulare brand. </a:t>
+            </a:r>
+          </a:p>
+          <a:p>
+            <a:pPr marL="0" indent="0">
+              <a:spcBef>
+                <a:spcPts val="300"/>
+              </a:spcBef>
+              <a:spcAft>
+                <a:spcPts val="300"/>
+              </a:spcAft>
+              <a:buNone/>
+              <a:tabLst>
+                <a:tab pos="354013" algn="l"/>
+              </a:tabLst>
+            </a:pPr>
+            <a:r>
+              <a:rPr lang="de-CH" baseline="0" smtClean="0">
+                <a:latin typeface="Source Sans Pro Light" charset="0"/>
+                <a:ea typeface="ヒラギノ角ゴ ProN W3" charset="0"/>
+                <a:cs typeface="Source Sans Pro Light" charset="0"/>
+              </a:rPr>
+              <a:t>The frequencies in absolute and relative numbers are displayed on the web app to enable an analysis of the brand’s image on social media posts.  </a:t>
+            </a:r>
+          </a:p>
+          <a:p>
+            <a:pPr marL="0" indent="0">
+              <a:spcBef>
+                <a:spcPts val="300"/>
+              </a:spcBef>
+              <a:spcAft>
+                <a:spcPts val="300"/>
+              </a:spcAft>
+              <a:buNone/>
+              <a:tabLst>
+                <a:tab pos="354013" algn="l"/>
+              </a:tabLst>
+            </a:pPr>
+            <a:endParaRPr lang="en-US" sz="1200" b="1" smtClean="0">
+              <a:latin typeface="Source Sans Pro Light" charset="0"/>
+              <a:cs typeface="Source Sans Pro Light" charset="0"/>
+            </a:endParaRPr>
+          </a:p>
+          <a:p>
             <a:endParaRPr lang="de-CH"/>
           </a:p>
         </p:txBody>
@@ -14972,7 +15097,7 @@
             <a:fld id="{2A9D45BF-071E-7C44-BE90-B011D0240A3E}" type="slidenum">
               <a:rPr lang="en-US" smtClean="0"/>
               <a:pPr/>
-              <a:t>5</a:t>
+              <a:t>3</a:t>
             </a:fld>
             <a:endParaRPr lang="en-US"/>
           </a:p>
@@ -14981,7 +15106,7 @@
     </p:spTree>
     <p:extLst>
       <p:ext uri="{BB962C8B-B14F-4D97-AF65-F5344CB8AC3E}">
-        <p14:creationId xmlns:p14="http://schemas.microsoft.com/office/powerpoint/2010/main" val="3402636477"/>
+        <p14:creationId xmlns:p14="http://schemas.microsoft.com/office/powerpoint/2010/main" val="2919474434"/>
       </p:ext>
     </p:extLst>
   </p:cSld>
@@ -15036,6 +15161,284 @@
           <a:lstStyle/>
           <a:p>
             <a:r>
+              <a:rPr lang="de-CH" smtClean="0"/>
+              <a:t>From a marketing perspective, brand management is centered</a:t>
+            </a:r>
+            <a:r>
+              <a:rPr lang="de-CH" baseline="0" smtClean="0"/>
+              <a:t> around the three fundamental pillars of consumer insight, benchmark comparing and laying out new opportunities. Using these commercial instruments, we use the case of the brand «San Pellegrino» to derive an evidence-based answer for devising a suitable marketing plan for the years to come. </a:t>
+            </a:r>
+          </a:p>
+          <a:p>
+            <a:r>
+              <a:rPr lang="de-CH" baseline="0" smtClean="0"/>
+              <a:t>The brand management tool should help brand account managers to better understand how their consumers perceive their brand. </a:t>
+            </a:r>
+          </a:p>
+          <a:p>
+            <a:r>
+              <a:rPr lang="de-CH" baseline="0" smtClean="0"/>
+              <a:t>For example, San Pellegrino’s officialy aims to come across as healthy and fun in the images they release on their Instagram channel. However, an official take of their images reveals that their brand is not considered as healthy as much as it is for being perceived as fun. </a:t>
+            </a:r>
+          </a:p>
+          <a:p>
+            <a:r>
+              <a:rPr lang="de-CH" baseline="0" smtClean="0"/>
+              <a:t>Typically, brands of the same market niche are competing for consumers to acknowledge their soft brand power. </a:t>
+            </a:r>
+          </a:p>
+          <a:p>
+            <a:r>
+              <a:rPr lang="de-CH" baseline="0" smtClean="0"/>
+              <a:t>Our webtool can be used to benchmark different brands for a cross-over, comparative analysis of brand personalities. </a:t>
+            </a:r>
+          </a:p>
+          <a:p>
+            <a:r>
+              <a:rPr lang="de-CH" smtClean="0"/>
+              <a:t>Boosting</a:t>
+            </a:r>
+            <a:r>
+              <a:rPr lang="de-CH" baseline="0" smtClean="0"/>
+              <a:t> the coporate image relies on a solid analysis of one’s brand’s standing in its respective market sector. </a:t>
+            </a:r>
+          </a:p>
+          <a:p>
+            <a:r>
+              <a:rPr lang="de-CH" baseline="0" smtClean="0"/>
+              <a:t>To push our example of San Pellegrino official vs. unofficial even further, we could imagine San Pellegrino planning to ramp up their stocks of corporate perception after consulting our web tool and changing to underscore their ‘healthy’ brand image in their upcoming marketing publications. </a:t>
+            </a:r>
+            <a:endParaRPr lang="en-US"/>
+          </a:p>
+        </p:txBody>
+      </p:sp>
+      <p:sp>
+        <p:nvSpPr>
+          <p:cNvPr id="4" name="Slide Number Placeholder 3"/>
+          <p:cNvSpPr>
+            <a:spLocks noGrp="1"/>
+          </p:cNvSpPr>
+          <p:nvPr>
+            <p:ph type="sldNum" sz="quarter" idx="10"/>
+          </p:nvPr>
+        </p:nvSpPr>
+        <p:spPr/>
+        <p:txBody>
+          <a:bodyPr/>
+          <a:lstStyle/>
+          <a:p>
+            <a:fld id="{2A9D45BF-071E-7C44-BE90-B011D0240A3E}" type="slidenum">
+              <a:rPr lang="en-US" smtClean="0"/>
+              <a:pPr/>
+              <a:t>4</a:t>
+            </a:fld>
+            <a:endParaRPr lang="en-US"/>
+          </a:p>
+        </p:txBody>
+      </p:sp>
+    </p:spTree>
+    <p:extLst>
+      <p:ext uri="{BB962C8B-B14F-4D97-AF65-F5344CB8AC3E}">
+        <p14:creationId xmlns:p14="http://schemas.microsoft.com/office/powerpoint/2010/main" val="1839207299"/>
+      </p:ext>
+    </p:extLst>
+  </p:cSld>
+  <p:clrMapOvr>
+    <a:masterClrMapping/>
+  </p:clrMapOvr>
+</p:notes>
+</file>
+
+<file path=ppt/notesSlides/notesSlide5.xml><?xml version="1.0" encoding="utf-8"?>
+<p:notes xmlns:a="http://schemas.openxmlformats.org/drawingml/2006/main" xmlns:r="http://schemas.openxmlformats.org/officeDocument/2006/relationships" xmlns:p="http://schemas.openxmlformats.org/presentationml/2006/main">
+  <p:cSld>
+    <p:spTree>
+      <p:nvGrpSpPr>
+        <p:cNvPr id="1" name=""/>
+        <p:cNvGrpSpPr/>
+        <p:nvPr/>
+      </p:nvGrpSpPr>
+      <p:grpSpPr>
+        <a:xfrm>
+          <a:off x="0" y="0"/>
+          <a:ext cx="0" cy="0"/>
+          <a:chOff x="0" y="0"/>
+          <a:chExt cx="0" cy="0"/>
+        </a:xfrm>
+      </p:grpSpPr>
+      <p:sp>
+        <p:nvSpPr>
+          <p:cNvPr id="2" name="Folienbildplatzhalter 1"/>
+          <p:cNvSpPr>
+            <a:spLocks noGrp="1" noRot="1" noChangeAspect="1"/>
+          </p:cNvSpPr>
+          <p:nvPr>
+            <p:ph type="sldImg"/>
+          </p:nvPr>
+        </p:nvSpPr>
+        <p:spPr/>
+      </p:sp>
+      <p:sp>
+        <p:nvSpPr>
+          <p:cNvPr id="3" name="Notizenplatzhalter 2"/>
+          <p:cNvSpPr>
+            <a:spLocks noGrp="1"/>
+          </p:cNvSpPr>
+          <p:nvPr>
+            <p:ph type="body" idx="1"/>
+          </p:nvPr>
+        </p:nvSpPr>
+        <p:spPr/>
+        <p:txBody>
+          <a:bodyPr/>
+          <a:lstStyle/>
+          <a:p>
+            <a:pPr marL="0" marR="0" lvl="0" indent="0" algn="l" defTabSz="455613" rtl="0" eaLnBrk="0" fontAlgn="base" latinLnBrk="0" hangingPunct="0">
+              <a:lnSpc>
+                <a:spcPct val="100000"/>
+              </a:lnSpc>
+              <a:spcBef>
+                <a:spcPct val="30000"/>
+              </a:spcBef>
+              <a:spcAft>
+                <a:spcPct val="0"/>
+              </a:spcAft>
+              <a:buClrTx/>
+              <a:buSzTx/>
+              <a:buFontTx/>
+              <a:buNone/>
+              <a:tabLst/>
+              <a:defRPr/>
+            </a:pPr>
+            <a:r>
+              <a:rPr lang="de-CH" b="1" i="0" smtClean="0">
+                <a:latin typeface="Source Sans Pro Light" charset="0"/>
+                <a:ea typeface="ヒラギノ角ゴ ProN W3" charset="0"/>
+                <a:cs typeface="Source Sans Pro Light" charset="0"/>
+              </a:rPr>
+              <a:t>Machine Learning</a:t>
+            </a:r>
+            <a:r>
+              <a:rPr lang="de-CH" smtClean="0">
+                <a:latin typeface="Source Sans Pro Light" charset="0"/>
+                <a:ea typeface="ヒラギノ角ゴ ProN W3" charset="0"/>
+                <a:cs typeface="Source Sans Pro Light" charset="0"/>
+              </a:rPr>
+              <a:t>: </a:t>
+            </a:r>
+            <a:r>
+              <a:rPr lang="en-US" smtClean="0">
+                <a:latin typeface="Source Sans Pro Light" charset="0"/>
+                <a:cs typeface="Source Sans Pro Light" charset="0"/>
+              </a:rPr>
+              <a:t>build classifiers for each attribute using supervised learning &amp; a </a:t>
+            </a:r>
+            <a:r>
+              <a:rPr lang="de-CH" smtClean="0">
+                <a:latin typeface="Source Sans Pro Light" charset="0"/>
+                <a:cs typeface="Source Sans Pro Light" charset="0"/>
+              </a:rPr>
+              <a:t>pre-trained self-designed deep learning Convolutional Neural Network </a:t>
+            </a:r>
+            <a:r>
+              <a:rPr lang="en-US" smtClean="0">
+                <a:latin typeface="Source Sans Pro Light" charset="0"/>
+                <a:cs typeface="Source Sans Pro Light" charset="0"/>
+              </a:rPr>
+              <a:t>framework</a:t>
+            </a:r>
+            <a:endParaRPr lang="en-US" sz="1200" smtClean="0">
+              <a:latin typeface="Source Sans Pro Light" charset="0"/>
+              <a:cs typeface="Source Sans Pro Light" charset="0"/>
+            </a:endParaRPr>
+          </a:p>
+          <a:p>
+            <a:endParaRPr lang="de-CH"/>
+          </a:p>
+        </p:txBody>
+      </p:sp>
+      <p:sp>
+        <p:nvSpPr>
+          <p:cNvPr id="4" name="Foliennummernplatzhalter 3"/>
+          <p:cNvSpPr>
+            <a:spLocks noGrp="1"/>
+          </p:cNvSpPr>
+          <p:nvPr>
+            <p:ph type="sldNum" sz="quarter" idx="5"/>
+          </p:nvPr>
+        </p:nvSpPr>
+        <p:spPr/>
+        <p:txBody>
+          <a:bodyPr/>
+          <a:lstStyle/>
+          <a:p>
+            <a:fld id="{2A9D45BF-071E-7C44-BE90-B011D0240A3E}" type="slidenum">
+              <a:rPr lang="en-US" smtClean="0"/>
+              <a:pPr/>
+              <a:t>5</a:t>
+            </a:fld>
+            <a:endParaRPr lang="en-US"/>
+          </a:p>
+        </p:txBody>
+      </p:sp>
+    </p:spTree>
+    <p:extLst>
+      <p:ext uri="{BB962C8B-B14F-4D97-AF65-F5344CB8AC3E}">
+        <p14:creationId xmlns:p14="http://schemas.microsoft.com/office/powerpoint/2010/main" val="3402636477"/>
+      </p:ext>
+    </p:extLst>
+  </p:cSld>
+  <p:clrMapOvr>
+    <a:masterClrMapping/>
+  </p:clrMapOvr>
+</p:notes>
+</file>
+
+<file path=ppt/notesSlides/notesSlide6.xml><?xml version="1.0" encoding="utf-8"?>
+<p:notes xmlns:a="http://schemas.openxmlformats.org/drawingml/2006/main" xmlns:r="http://schemas.openxmlformats.org/officeDocument/2006/relationships" xmlns:p="http://schemas.openxmlformats.org/presentationml/2006/main">
+  <p:cSld>
+    <p:spTree>
+      <p:nvGrpSpPr>
+        <p:cNvPr id="1" name=""/>
+        <p:cNvGrpSpPr/>
+        <p:nvPr/>
+      </p:nvGrpSpPr>
+      <p:grpSpPr>
+        <a:xfrm>
+          <a:off x="0" y="0"/>
+          <a:ext cx="0" cy="0"/>
+          <a:chOff x="0" y="0"/>
+          <a:chExt cx="0" cy="0"/>
+        </a:xfrm>
+      </p:grpSpPr>
+      <p:sp>
+        <p:nvSpPr>
+          <p:cNvPr id="2" name="Slide Image Placeholder 1"/>
+          <p:cNvSpPr>
+            <a:spLocks noGrp="1" noRot="1" noChangeAspect="1"/>
+          </p:cNvSpPr>
+          <p:nvPr>
+            <p:ph type="sldImg"/>
+          </p:nvPr>
+        </p:nvSpPr>
+        <p:spPr/>
+      </p:sp>
+      <p:sp>
+        <p:nvSpPr>
+          <p:cNvPr id="3" name="Notes Placeholder 2"/>
+          <p:cNvSpPr>
+            <a:spLocks noGrp="1"/>
+          </p:cNvSpPr>
+          <p:nvPr>
+            <p:ph type="body" idx="1"/>
+          </p:nvPr>
+        </p:nvSpPr>
+        <p:spPr/>
+        <p:txBody>
+          <a:bodyPr/>
+          <a:lstStyle/>
+          <a:p>
+            <a:r>
               <a:rPr lang="en-US" smtClean="0"/>
               <a:t>one vs rest approach of multiclass classification, we need to create 4 classifiers one for each attribute.</a:t>
             </a:r>
@@ -15080,7 +15483,7 @@
 </p:notes>
 </file>
 
-<file path=ppt/notesSlides/notesSlide5.xml><?xml version="1.0" encoding="utf-8"?>
+<file path=ppt/notesSlides/notesSlide7.xml><?xml version="1.0" encoding="utf-8"?>
 <p:notes xmlns:a="http://schemas.openxmlformats.org/drawingml/2006/main" xmlns:r="http://schemas.openxmlformats.org/officeDocument/2006/relationships" xmlns:p="http://schemas.openxmlformats.org/presentationml/2006/main">
   <p:cSld>
     <p:spTree>
@@ -15817,7 +16220,7 @@
           </a:ln>
           <a:extLst>
             <a:ext uri="{91240B29-F687-4f45-9708-019B960494DF}">
-              <a14:hiddenLine xmlns="" xmlns:a14="http://schemas.microsoft.com/office/drawing/2010/main" w="9525">
+              <a14:hiddenLine xmlns:a14="http://schemas.microsoft.com/office/drawing/2010/main" xmlns="" w="9525">
                 <a:solidFill>
                   <a:srgbClr val="000000"/>
                 </a:solidFill>
@@ -15977,7 +16380,7 @@
           <a:graphicData uri="http://schemas.openxmlformats.org/presentationml/2006/ole">
             <mc:AlternateContent xmlns:mc="http://schemas.openxmlformats.org/markup-compatibility/2006">
               <mc:Choice xmlns:v="urn:schemas-microsoft-com:vml" Requires="v">
-                <p:oleObj spid="_x0000_s27800" name="think-cell Slide" r:id="rId7" imgW="38100" imgH="38100" progId="TCLayout.ActiveDocument.1">
+                <p:oleObj spid="_x0000_s27828" name="think-cell Slide" r:id="rId7" imgW="38100" imgH="38100" progId="TCLayout.ActiveDocument.1">
                   <p:embed/>
                 </p:oleObj>
               </mc:Choice>
@@ -16019,14 +16422,14 @@
                       </a:ln>
                       <a:extLst>
                         <a:ext uri="{909E8E84-426E-40dd-AFC4-6F175D3DCCD1}">
-                          <a14:hiddenFill xmlns="" xmlns:a14="http://schemas.microsoft.com/office/drawing/2010/main">
+                          <a14:hiddenFill xmlns:a14="http://schemas.microsoft.com/office/drawing/2010/main" xmlns="">
                             <a:solidFill>
                               <a:srgbClr val="FFFFFF"/>
                             </a:solidFill>
                           </a14:hiddenFill>
                         </a:ext>
                         <a:ext uri="{91240B29-F687-4f45-9708-019B960494DF}">
-                          <a14:hiddenLine xmlns="" xmlns:a14="http://schemas.microsoft.com/office/drawing/2010/main" w="9525">
+                          <a14:hiddenLine xmlns:a14="http://schemas.microsoft.com/office/drawing/2010/main" xmlns="" w="9525">
                             <a:solidFill>
                               <a:srgbClr val="000000"/>
                             </a:solidFill>
@@ -16509,14 +16912,14 @@
           </a:ln>
           <a:extLst>
             <a:ext uri="{909E8E84-426E-40dd-AFC4-6F175D3DCCD1}">
-              <a14:hiddenFill xmlns="" xmlns:a14="http://schemas.microsoft.com/office/drawing/2010/main">
+              <a14:hiddenFill xmlns:a14="http://schemas.microsoft.com/office/drawing/2010/main" xmlns="">
                 <a:solidFill>
                   <a:srgbClr val="FFFFFF"/>
                 </a:solidFill>
               </a14:hiddenFill>
             </a:ext>
             <a:ext uri="{91240B29-F687-4f45-9708-019B960494DF}">
-              <a14:hiddenLine xmlns="" xmlns:a14="http://schemas.microsoft.com/office/drawing/2010/main" w="9525">
+              <a14:hiddenLine xmlns:a14="http://schemas.microsoft.com/office/drawing/2010/main" xmlns="" w="9525">
                 <a:solidFill>
                   <a:srgbClr val="000000"/>
                 </a:solidFill>
@@ -16707,7 +17110,7 @@
           </a:ln>
           <a:extLst>
             <a:ext uri="{91240B29-F687-4f45-9708-019B960494DF}">
-              <a14:hiddenLine xmlns="" xmlns:a14="http://schemas.microsoft.com/office/drawing/2010/main" w="9525">
+              <a14:hiddenLine xmlns:a14="http://schemas.microsoft.com/office/drawing/2010/main" xmlns="" w="9525">
                 <a:solidFill>
                   <a:srgbClr val="000000"/>
                 </a:solidFill>
@@ -16867,7 +17270,7 @@
           <a:graphicData uri="http://schemas.openxmlformats.org/presentationml/2006/ole">
             <mc:AlternateContent xmlns:mc="http://schemas.openxmlformats.org/markup-compatibility/2006">
               <mc:Choice xmlns:v="urn:schemas-microsoft-com:vml" Requires="v">
-                <p:oleObj spid="_x0000_s28824" name="think-cell Slide" r:id="rId7" imgW="38100" imgH="38100" progId="TCLayout.ActiveDocument.1">
+                <p:oleObj spid="_x0000_s28852" name="think-cell Slide" r:id="rId7" imgW="38100" imgH="38100" progId="TCLayout.ActiveDocument.1">
                   <p:embed/>
                 </p:oleObj>
               </mc:Choice>
@@ -16909,14 +17312,14 @@
                       </a:ln>
                       <a:extLst>
                         <a:ext uri="{909E8E84-426E-40dd-AFC4-6F175D3DCCD1}">
-                          <a14:hiddenFill xmlns="" xmlns:a14="http://schemas.microsoft.com/office/drawing/2010/main">
+                          <a14:hiddenFill xmlns:a14="http://schemas.microsoft.com/office/drawing/2010/main" xmlns="">
                             <a:solidFill>
                               <a:srgbClr val="FFFFFF"/>
                             </a:solidFill>
                           </a14:hiddenFill>
                         </a:ext>
                         <a:ext uri="{91240B29-F687-4f45-9708-019B960494DF}">
-                          <a14:hiddenLine xmlns="" xmlns:a14="http://schemas.microsoft.com/office/drawing/2010/main" w="9525">
+                          <a14:hiddenLine xmlns:a14="http://schemas.microsoft.com/office/drawing/2010/main" xmlns="" w="9525">
                             <a:solidFill>
                               <a:srgbClr val="000000"/>
                             </a:solidFill>
@@ -17399,14 +17802,14 @@
           </a:ln>
           <a:extLst>
             <a:ext uri="{909E8E84-426E-40dd-AFC4-6F175D3DCCD1}">
-              <a14:hiddenFill xmlns="" xmlns:a14="http://schemas.microsoft.com/office/drawing/2010/main">
+              <a14:hiddenFill xmlns:a14="http://schemas.microsoft.com/office/drawing/2010/main" xmlns="">
                 <a:solidFill>
                   <a:srgbClr val="FFFFFF"/>
                 </a:solidFill>
               </a14:hiddenFill>
             </a:ext>
             <a:ext uri="{91240B29-F687-4f45-9708-019B960494DF}">
-              <a14:hiddenLine xmlns="" xmlns:a14="http://schemas.microsoft.com/office/drawing/2010/main" w="9525">
+              <a14:hiddenLine xmlns:a14="http://schemas.microsoft.com/office/drawing/2010/main" xmlns="" w="9525">
                 <a:solidFill>
                   <a:srgbClr val="000000"/>
                 </a:solidFill>
@@ -17611,14 +18014,14 @@
           </a:ln>
           <a:extLst>
             <a:ext uri="{909E8E84-426E-40dd-AFC4-6F175D3DCCD1}">
-              <a14:hiddenFill xmlns="" xmlns:a14="http://schemas.microsoft.com/office/drawing/2010/main">
+              <a14:hiddenFill xmlns:a14="http://schemas.microsoft.com/office/drawing/2010/main" xmlns="">
                 <a:solidFill>
                   <a:srgbClr val="FFFFFF"/>
                 </a:solidFill>
               </a14:hiddenFill>
             </a:ext>
             <a:ext uri="{91240B29-F687-4f45-9708-019B960494DF}">
-              <a14:hiddenLine xmlns="" xmlns:a14="http://schemas.microsoft.com/office/drawing/2010/main" w="9525">
+              <a14:hiddenLine xmlns:a14="http://schemas.microsoft.com/office/drawing/2010/main" xmlns="" w="9525">
                 <a:solidFill>
                   <a:srgbClr val="000000"/>
                 </a:solidFill>
@@ -20726,14 +21129,14 @@
           </a:ln>
           <a:extLst>
             <a:ext uri="{909E8E84-426E-40dd-AFC4-6F175D3DCCD1}">
-              <a14:hiddenFill xmlns="" xmlns:a14="http://schemas.microsoft.com/office/drawing/2010/main">
+              <a14:hiddenFill xmlns:a14="http://schemas.microsoft.com/office/drawing/2010/main" xmlns="">
                 <a:solidFill>
                   <a:srgbClr val="FFFFFF"/>
                 </a:solidFill>
               </a14:hiddenFill>
             </a:ext>
             <a:ext uri="{91240B29-F687-4f45-9708-019B960494DF}">
-              <a14:hiddenLine xmlns="" xmlns:a14="http://schemas.microsoft.com/office/drawing/2010/main" w="9525">
+              <a14:hiddenLine xmlns:a14="http://schemas.microsoft.com/office/drawing/2010/main" xmlns="" w="9525">
                 <a:solidFill>
                   <a:srgbClr val="000000"/>
                 </a:solidFill>
@@ -21428,7 +21831,7 @@
           </a:xfrm>
           <a:extLst>
             <a:ext uri="{91240B29-F687-4f45-9708-019B960494DF}">
-              <a14:hiddenLine xmlns="" xmlns:a14="http://schemas.microsoft.com/office/drawing/2010/main" w="9525">
+              <a14:hiddenLine xmlns:a14="http://schemas.microsoft.com/office/drawing/2010/main" xmlns="" w="9525">
                 <a:solidFill>
                   <a:srgbClr val="000000"/>
                 </a:solidFill>
@@ -21456,12 +21859,31 @@
               </a:spcAft>
             </a:pPr>
             <a:r>
+              <a:rPr lang="de-CH" smtClean="0">
+                <a:latin typeface="Source Sans Pro Semibold" charset="0"/>
+                <a:ea typeface="ヒラギノ角ゴ ProN W3" charset="0"/>
+                <a:cs typeface="Source Sans Pro Semibold" charset="0"/>
+              </a:rPr>
+              <a:t>Visual Listening: Extracting </a:t>
+            </a:r>
+            <a:r>
+              <a:rPr lang="de-CH">
+                <a:solidFill>
+                  <a:schemeClr val="bg1"/>
+                </a:solidFill>
+                <a:latin typeface="Source Sans Pro Semibold" charset="0"/>
+                <a:ea typeface="ヒラギノ角ゴ ProN W3" charset="0"/>
+                <a:cs typeface="Source Sans Pro Semibold" charset="0"/>
+              </a:rPr>
+              <a:t>Brand Image </a:t>
+            </a:r>
+            <a:r>
               <a:rPr lang="de-CH">
                 <a:latin typeface="Source Sans Pro Semibold" charset="0"/>
                 <a:ea typeface="ヒラギノ角ゴ ProN W3" charset="0"/>
                 <a:cs typeface="Source Sans Pro Semibold" charset="0"/>
               </a:rPr>
-              <a:t>Extracting Brand Image Portrayed on Social </a:t>
+              <a:t>Portrayed on Social </a:t>
             </a:r>
             <a:r>
               <a:rPr lang="de-CH" smtClean="0">
@@ -21482,7 +21904,7 @@
               </a:spcAft>
             </a:pPr>
             <a:r>
-              <a:rPr lang="en-US" i="1" smtClean="0">
+              <a:rPr lang="en-US" smtClean="0">
                 <a:latin typeface="Neutraface Text Book" charset="0"/>
                 <a:ea typeface="ヒラギノ角ゴ ProN W3" charset="0"/>
                 <a:cs typeface="Neutraface Text Book" charset="0"/>
@@ -21490,7 +21912,7 @@
               <a:t>21 </a:t>
             </a:r>
             <a:r>
-              <a:rPr lang="en-US" i="1">
+              <a:rPr lang="en-US">
                 <a:latin typeface="Neutraface Text Book" charset="0"/>
                 <a:ea typeface="ヒラギノ角ゴ ProN W3" charset="0"/>
                 <a:cs typeface="Neutraface Text Book" charset="0"/>
@@ -21498,14 +21920,14 @@
               <a:t>April </a:t>
             </a:r>
             <a:r>
-              <a:rPr lang="en-US" i="1" smtClean="0">
+              <a:rPr lang="en-US" smtClean="0">
                 <a:latin typeface="Neutraface Text Book" charset="0"/>
                 <a:ea typeface="ヒラギノ角ゴ ProN W3" charset="0"/>
                 <a:cs typeface="Neutraface Text Book" charset="0"/>
               </a:rPr>
               <a:t>2020 - Zurich</a:t>
             </a:r>
-            <a:endParaRPr lang="de-CH" i="1" smtClean="0">
+            <a:endParaRPr lang="de-CH" smtClean="0">
               <a:latin typeface="Source Sans Pro Semibold" charset="0"/>
               <a:ea typeface="ヒラギノ角ゴ ProN W3" charset="0"/>
               <a:cs typeface="Source Sans Pro Semibold" charset="0"/>
@@ -21531,14 +21953,14 @@
           <a:noFill/>
           <a:extLst>
             <a:ext uri="{909E8E84-426E-40dd-AFC4-6F175D3DCCD1}">
-              <a14:hiddenFill xmlns="" xmlns:a14="http://schemas.microsoft.com/office/drawing/2010/main">
+              <a14:hiddenFill xmlns:a14="http://schemas.microsoft.com/office/drawing/2010/main" xmlns="">
                 <a:solidFill>
                   <a:srgbClr val="FFFFFF"/>
                 </a:solidFill>
               </a14:hiddenFill>
             </a:ext>
             <a:ext uri="{91240B29-F687-4f45-9708-019B960494DF}">
-              <a14:hiddenLine xmlns="" xmlns:a14="http://schemas.microsoft.com/office/drawing/2010/main" w="9525">
+              <a14:hiddenLine xmlns:a14="http://schemas.microsoft.com/office/drawing/2010/main" xmlns="" w="9525">
                 <a:solidFill>
                   <a:srgbClr val="000000"/>
                 </a:solidFill>
@@ -21548,7 +21970,7 @@
               </a14:hiddenLine>
             </a:ext>
             <a:ext uri="{FAA26D3D-D897-4be2-8F04-BA451C77F1D7}">
-              <ma14:placeholderFlag xmlns="" xmlns:ma14="http://schemas.microsoft.com/office/mac/drawingml/2011/main" val="1"/>
+              <ma14:placeholderFlag xmlns:ma14="http://schemas.microsoft.com/office/mac/drawingml/2011/main" xmlns="" val="1"/>
             </a:ext>
           </a:extLst>
         </p:spPr>
@@ -21606,14 +22028,14 @@
           <a:noFill/>
           <a:extLst>
             <a:ext uri="{909E8E84-426E-40dd-AFC4-6F175D3DCCD1}">
-              <a14:hiddenFill xmlns="" xmlns:a14="http://schemas.microsoft.com/office/drawing/2010/main">
+              <a14:hiddenFill xmlns:a14="http://schemas.microsoft.com/office/drawing/2010/main" xmlns="">
                 <a:solidFill>
                   <a:srgbClr val="FFFFFF"/>
                 </a:solidFill>
               </a14:hiddenFill>
             </a:ext>
             <a:ext uri="{91240B29-F687-4f45-9708-019B960494DF}">
-              <a14:hiddenLine xmlns="" xmlns:a14="http://schemas.microsoft.com/office/drawing/2010/main" w="9525">
+              <a14:hiddenLine xmlns:a14="http://schemas.microsoft.com/office/drawing/2010/main" xmlns="" w="9525">
                 <a:solidFill>
                   <a:srgbClr val="000000"/>
                 </a:solidFill>
@@ -21633,20 +22055,12 @@
           <a:lstStyle/>
           <a:p>
             <a:r>
-              <a:rPr lang="de-CH" sz="7200">
-                <a:latin typeface="Berlin Sans FB" panose="020E0602020502020306" pitchFamily="34" charset="0"/>
-                <a:ea typeface="ヒラギノ角ゴ ProN W3" charset="0"/>
-                <a:cs typeface="Arial" panose="020B0604020202020204" pitchFamily="34" charset="0"/>
-              </a:rPr>
-              <a:t>Visual </a:t>
-            </a:r>
-            <a:r>
               <a:rPr lang="de-CH" sz="7200" smtClean="0">
                 <a:latin typeface="Berlin Sans FB" panose="020E0602020502020306" pitchFamily="34" charset="0"/>
                 <a:ea typeface="ヒラギノ角ゴ ProN W3" charset="0"/>
                 <a:cs typeface="Arial" panose="020B0604020202020204" pitchFamily="34" charset="0"/>
               </a:rPr>
-              <a:t>Listening</a:t>
+              <a:t>Brand Management </a:t>
             </a:r>
             <a:endParaRPr lang="de-DE" sz="7200">
               <a:latin typeface="Berlin Sans FB" panose="020E0602020502020306" pitchFamily="34" charset="0"/>
@@ -21685,7 +22099,7 @@
           <a:effectLst/>
           <a:extLst>
             <a:ext uri="{AF507438-7753-43e0-B8FC-AC1667EBCBE1}">
-              <a14:hiddenEffects xmlns="" xmlns:a14="http://schemas.microsoft.com/office/drawing/2010/main">
+              <a14:hiddenEffects xmlns:a14="http://schemas.microsoft.com/office/drawing/2010/main" xmlns="">
                 <a:effectLst>
                   <a:outerShdw blurRad="63500" dist="38099" dir="2700000" algn="ctr" rotWithShape="0">
                     <a:schemeClr val="bg2">
@@ -21698,6 +22112,78 @@
           </a:extLst>
         </p:spPr>
       </p:cxnSp>
+      <p:sp>
+        <p:nvSpPr>
+          <p:cNvPr id="2" name="TextBox 1"/>
+          <p:cNvSpPr txBox="1"/>
+          <p:nvPr/>
+        </p:nvSpPr>
+        <p:spPr>
+          <a:xfrm>
+            <a:off x="-1870806" y="80628"/>
+            <a:ext cx="1757139" cy="3046988"/>
+          </a:xfrm>
+          <a:prstGeom prst="rect">
+            <a:avLst/>
+          </a:prstGeom>
+          <a:solidFill>
+            <a:srgbClr val="FFD13F"/>
+          </a:solidFill>
+        </p:spPr>
+        <p:txBody>
+          <a:bodyPr wrap="square" rtlCol="0">
+            <a:spAutoFit/>
+          </a:bodyPr>
+          <a:lstStyle/>
+          <a:p>
+            <a:r>
+              <a:rPr lang="en-US" sz="1200"/>
+              <a:t>The final PowerPoint presentation should be max. 5 slide describing briefly </a:t>
+            </a:r>
+          </a:p>
+          <a:p>
+            <a:r>
+              <a:rPr lang="en-US" sz="1200">
+                <a:solidFill>
+                  <a:srgbClr val="00B050"/>
+                </a:solidFill>
+              </a:rPr>
+              <a:t>(1) the task </a:t>
+            </a:r>
+          </a:p>
+          <a:p>
+            <a:r>
+              <a:rPr lang="en-US" sz="1200"/>
+              <a:t>(2) the input/output </a:t>
+            </a:r>
+          </a:p>
+          <a:p>
+            <a:r>
+              <a:rPr lang="en-US" sz="1200">
+                <a:solidFill>
+                  <a:srgbClr val="00B050"/>
+                </a:solidFill>
+              </a:rPr>
+              <a:t>(3) all steps taken (process flow diagram)</a:t>
+            </a:r>
+          </a:p>
+          <a:p>
+            <a:r>
+              <a:rPr lang="en-US" sz="1200"/>
+              <a:t>(4) the main problems for each step</a:t>
+            </a:r>
+          </a:p>
+          <a:p>
+            <a:r>
+              <a:rPr lang="en-US" sz="1200"/>
+              <a:t>(5) the (meaningful) ways to improve your projects furthers if you would have gotten more time</a:t>
+            </a:r>
+          </a:p>
+          <a:p>
+            <a:endParaRPr lang="en-US" sz="1200"/>
+          </a:p>
+        </p:txBody>
+      </p:sp>
     </p:spTree>
   </p:cSld>
   <p:clrMapOvr>
@@ -21742,14 +22228,14 @@
           <a:noFill/>
           <a:extLst>
             <a:ext uri="{909E8E84-426E-40dd-AFC4-6F175D3DCCD1}">
-              <a14:hiddenFill xmlns="" xmlns:a14="http://schemas.microsoft.com/office/drawing/2010/main">
+              <a14:hiddenFill xmlns:a14="http://schemas.microsoft.com/office/drawing/2010/main" xmlns="">
                 <a:solidFill>
                   <a:srgbClr val="FFFFFF"/>
                 </a:solidFill>
               </a14:hiddenFill>
             </a:ext>
             <a:ext uri="{91240B29-F687-4f45-9708-019B960494DF}">
-              <a14:hiddenLine xmlns="" xmlns:a14="http://schemas.microsoft.com/office/drawing/2010/main" w="9525">
+              <a14:hiddenLine xmlns:a14="http://schemas.microsoft.com/office/drawing/2010/main" xmlns="" w="9525">
                 <a:solidFill>
                   <a:srgbClr val="000000"/>
                 </a:solidFill>
@@ -21802,14 +22288,14 @@
           <a:noFill/>
           <a:extLst>
             <a:ext uri="{909E8E84-426E-40dd-AFC4-6F175D3DCCD1}">
-              <a14:hiddenFill xmlns="" xmlns:a14="http://schemas.microsoft.com/office/drawing/2010/main">
+              <a14:hiddenFill xmlns:a14="http://schemas.microsoft.com/office/drawing/2010/main" xmlns="">
                 <a:solidFill>
                   <a:srgbClr val="FFFFFF"/>
                 </a:solidFill>
               </a14:hiddenFill>
             </a:ext>
             <a:ext uri="{91240B29-F687-4f45-9708-019B960494DF}">
-              <a14:hiddenLine xmlns="" xmlns:a14="http://schemas.microsoft.com/office/drawing/2010/main" w="9525">
+              <a14:hiddenLine xmlns:a14="http://schemas.microsoft.com/office/drawing/2010/main" xmlns="" w="9525">
                 <a:solidFill>
                   <a:srgbClr val="000000"/>
                 </a:solidFill>
@@ -22098,14 +22584,14 @@
           <a:noFill/>
           <a:extLst>
             <a:ext uri="{909E8E84-426E-40dd-AFC4-6F175D3DCCD1}">
-              <a14:hiddenFill xmlns="" xmlns:a14="http://schemas.microsoft.com/office/drawing/2010/main">
+              <a14:hiddenFill xmlns:a14="http://schemas.microsoft.com/office/drawing/2010/main" xmlns="">
                 <a:solidFill>
                   <a:srgbClr val="FFFFFF"/>
                 </a:solidFill>
               </a14:hiddenFill>
             </a:ext>
             <a:ext uri="{91240B29-F687-4f45-9708-019B960494DF}">
-              <a14:hiddenLine xmlns="" xmlns:a14="http://schemas.microsoft.com/office/drawing/2010/main" w="9525">
+              <a14:hiddenLine xmlns:a14="http://schemas.microsoft.com/office/drawing/2010/main" xmlns="" w="9525">
                 <a:solidFill>
                   <a:srgbClr val="000000"/>
                 </a:solidFill>
@@ -22115,7 +22601,7 @@
               </a14:hiddenLine>
             </a:ext>
             <a:ext uri="{FAA26D3D-D897-4be2-8F04-BA451C77F1D7}">
-              <ma14:placeholderFlag xmlns="" xmlns:ma14="http://schemas.microsoft.com/office/mac/drawingml/2011/main" val="1"/>
+              <ma14:placeholderFlag xmlns:ma14="http://schemas.microsoft.com/office/mac/drawingml/2011/main" xmlns="" val="1"/>
             </a:ext>
           </a:extLst>
         </p:spPr>
@@ -22137,18 +22623,7 @@
                 <a:ea typeface="ヒラギノ角ゴ ProN W3" charset="0"/>
                 <a:cs typeface="Source Sans Pro Light" charset="0"/>
               </a:rPr>
-              <a:t>How to use Deep Learning for Marketing? | Visual </a:t>
-            </a:r>
-            <a:r>
-              <a:rPr lang="de-DE" smtClean="0">
-                <a:solidFill>
-                  <a:srgbClr val="D9D9D9"/>
-                </a:solidFill>
-                <a:latin typeface="Source Sans Pro Light" charset="0"/>
-                <a:ea typeface="ヒラギノ角ゴ ProN W3" charset="0"/>
-                <a:cs typeface="Source Sans Pro Light" charset="0"/>
-              </a:rPr>
-              <a:t>Listening</a:t>
+              <a:t>How to use Deep Learning for Marketing? </a:t>
             </a:r>
             <a:endParaRPr lang="de-DE" b="1">
               <a:solidFill>
@@ -22205,14 +22680,14 @@
           <a:noFill/>
           <a:extLst>
             <a:ext uri="{909E8E84-426E-40dd-AFC4-6F175D3DCCD1}">
-              <a14:hiddenFill xmlns="" xmlns:a14="http://schemas.microsoft.com/office/drawing/2010/main">
+              <a14:hiddenFill xmlns:a14="http://schemas.microsoft.com/office/drawing/2010/main" xmlns="">
                 <a:solidFill>
                   <a:srgbClr val="FFFFFF"/>
                 </a:solidFill>
               </a14:hiddenFill>
             </a:ext>
             <a:ext uri="{91240B29-F687-4f45-9708-019B960494DF}">
-              <a14:hiddenLine xmlns="" xmlns:a14="http://schemas.microsoft.com/office/drawing/2010/main" w="9525">
+              <a14:hiddenLine xmlns:a14="http://schemas.microsoft.com/office/drawing/2010/main" xmlns="" w="9525">
                 <a:solidFill>
                   <a:srgbClr val="000000"/>
                 </a:solidFill>
@@ -22259,20 +22734,20 @@
         </p:nvSpPr>
         <p:spPr>
           <a:xfrm>
-            <a:off x="619124" y="1016733"/>
+            <a:off x="445801" y="1042654"/>
             <a:ext cx="9014396" cy="5292587"/>
           </a:xfrm>
           <a:noFill/>
           <a:extLst>
             <a:ext uri="{909E8E84-426E-40dd-AFC4-6F175D3DCCD1}">
-              <a14:hiddenFill xmlns="" xmlns:a14="http://schemas.microsoft.com/office/drawing/2010/main">
+              <a14:hiddenFill xmlns:a14="http://schemas.microsoft.com/office/drawing/2010/main" xmlns="">
                 <a:solidFill>
                   <a:srgbClr val="FFFFFF"/>
                 </a:solidFill>
               </a14:hiddenFill>
             </a:ext>
             <a:ext uri="{91240B29-F687-4f45-9708-019B960494DF}">
-              <a14:hiddenLine xmlns="" xmlns:a14="http://schemas.microsoft.com/office/drawing/2010/main" w="9525">
+              <a14:hiddenLine xmlns:a14="http://schemas.microsoft.com/office/drawing/2010/main" xmlns="" w="9525">
                 <a:solidFill>
                   <a:srgbClr val="000000"/>
                 </a:solidFill>
@@ -22293,10 +22768,10 @@
           <a:p>
             <a:pPr marL="0" indent="0">
               <a:spcBef>
-                <a:spcPts val="300"/>
+                <a:spcPts val="0"/>
               </a:spcBef>
               <a:spcAft>
-                <a:spcPts val="300"/>
+                <a:spcPts val="0"/>
               </a:spcAft>
               <a:buNone/>
               <a:tabLst>
@@ -22317,7 +22792,111 @@
                 <a:ea typeface="ヒラギノ角ゴ ProN W3" charset="0"/>
                 <a:cs typeface="Source Sans Pro Light" charset="0"/>
               </a:rPr>
-              <a:t>: Design an AI-powered </a:t>
+              <a:t>: </a:t>
+            </a:r>
+            <a:r>
+              <a:rPr lang="en-US" smtClean="0">
+                <a:latin typeface="Source Sans Pro Light" charset="0"/>
+                <a:ea typeface="ヒラギノ角ゴ ProN W3" charset="0"/>
+                <a:cs typeface="Source Sans Pro Light" charset="0"/>
+              </a:rPr>
+              <a:t>Build </a:t>
+            </a:r>
+            <a:r>
+              <a:rPr lang="en-US" smtClean="0">
+                <a:latin typeface="Source Sans Pro Light" charset="0"/>
+                <a:ea typeface="ヒラギノ角ゴ ProN W3" charset="0"/>
+                <a:cs typeface="Source Sans Pro Light" charset="0"/>
+              </a:rPr>
+              <a:t>an AI-powered </a:t>
+            </a:r>
+            <a:r>
+              <a:rPr lang="en-US" i="1">
+                <a:latin typeface="Source Sans Pro Light" charset="0"/>
+                <a:ea typeface="ヒラギノ角ゴ ProN W3" charset="0"/>
+                <a:cs typeface="Source Sans Pro Light" charset="0"/>
+              </a:rPr>
+              <a:t>Web </a:t>
+            </a:r>
+            <a:r>
+              <a:rPr lang="en-US" i="1" smtClean="0">
+                <a:latin typeface="Source Sans Pro Light" charset="0"/>
+                <a:ea typeface="ヒラギノ角ゴ ProN W3" charset="0"/>
+                <a:cs typeface="Source Sans Pro Light" charset="0"/>
+              </a:rPr>
+              <a:t>App </a:t>
+            </a:r>
+            <a:r>
+              <a:rPr lang="en-US" smtClean="0">
+                <a:latin typeface="Source Sans Pro Light" charset="0"/>
+                <a:ea typeface="ヒラギノ角ゴ ProN W3" charset="0"/>
+                <a:cs typeface="Source Sans Pro Light" charset="0"/>
+              </a:rPr>
+              <a:t>to </a:t>
+            </a:r>
+            <a:r>
+              <a:rPr lang="en-US" smtClean="0">
+                <a:latin typeface="Source Sans Pro Light" charset="0"/>
+                <a:ea typeface="ヒラギノ角ゴ ProN W3" charset="0"/>
+                <a:cs typeface="Source Sans Pro Light" charset="0"/>
+              </a:rPr>
+              <a:t>categorize images of official and unofficial #brand profiles on </a:t>
+            </a:r>
+            <a:r>
+              <a:rPr lang="en-US" i="1" smtClean="0">
+                <a:latin typeface="Source Sans Pro Light" charset="0"/>
+                <a:ea typeface="ヒラギノ角ゴ ProN W3" charset="0"/>
+                <a:cs typeface="Source Sans Pro Light" charset="0"/>
+              </a:rPr>
+              <a:t>social media </a:t>
+            </a:r>
+            <a:r>
+              <a:rPr lang="en-US" smtClean="0">
+                <a:latin typeface="Source Sans Pro Light" charset="0"/>
+                <a:ea typeface="ヒラギノ角ゴ ProN W3" charset="0"/>
+                <a:cs typeface="Source Sans Pro Light" charset="0"/>
+              </a:rPr>
+              <a:t>into 4-12 predefined </a:t>
+            </a:r>
+            <a:r>
+              <a:rPr lang="en-US" i="1" smtClean="0">
+                <a:latin typeface="Source Sans Pro Light" charset="0"/>
+                <a:ea typeface="ヒラギノ角ゴ ProN W3" charset="0"/>
+                <a:cs typeface="Source Sans Pro Light" charset="0"/>
+              </a:rPr>
+              <a:t>brand personality attributes </a:t>
+            </a:r>
+            <a:r>
+              <a:rPr lang="en-US" smtClean="0">
+                <a:latin typeface="Source Sans Pro Light" charset="0"/>
+                <a:ea typeface="ヒラギノ角ゴ ProN W3" charset="0"/>
+                <a:cs typeface="Source Sans Pro Light" charset="0"/>
+              </a:rPr>
+              <a:t>(BPA) </a:t>
+            </a:r>
+            <a:r>
+              <a:rPr lang="en-US" b="1" smtClean="0">
+                <a:latin typeface="Source Sans Pro Light" charset="0"/>
+                <a:ea typeface="ヒラギノ角ゴ ProN W3" charset="0"/>
+                <a:cs typeface="Source Sans Pro Light" charset="0"/>
+              </a:rPr>
+              <a:t>Approach</a:t>
+            </a:r>
+            <a:r>
+              <a:rPr lang="en-US" smtClean="0">
+                <a:latin typeface="Source Sans Pro Light" charset="0"/>
+                <a:ea typeface="ヒラギノ角ゴ ProN W3" charset="0"/>
+                <a:cs typeface="Source Sans Pro Light" charset="0"/>
+              </a:rPr>
+              <a:t>: </a:t>
+            </a:r>
+            <a:r>
+              <a:rPr lang="en-US" smtClean="0">
+                <a:latin typeface="Source Sans Pro Light" charset="0"/>
+                <a:ea typeface="ヒラギノ角ゴ ProN W3" charset="0"/>
+                <a:cs typeface="Source Sans Pro Light" charset="0"/>
+              </a:rPr>
+              <a:t>supervised machine learning (feed in BPA-tagged Flickr images, tweak </a:t>
             </a:r>
             <a:r>
               <a:rPr lang="en-US">
@@ -22325,7 +22904,39 @@
                 <a:ea typeface="ヒラギノ角ゴ ProN W3" charset="0"/>
                 <a:cs typeface="Source Sans Pro Light" charset="0"/>
               </a:rPr>
-              <a:t>Web </a:t>
+              <a:t>a </a:t>
+            </a:r>
+            <a:r>
+              <a:rPr lang="en-US" i="1" smtClean="0">
+                <a:latin typeface="Source Sans Pro Light" charset="0"/>
+                <a:ea typeface="ヒラギノ角ゴ ProN W3" charset="0"/>
+                <a:cs typeface="Source Sans Pro Light" charset="0"/>
+              </a:rPr>
+              <a:t>deep </a:t>
+            </a:r>
+            <a:r>
+              <a:rPr lang="en-US" i="1">
+                <a:latin typeface="Source Sans Pro Light" charset="0"/>
+                <a:ea typeface="ヒラギノ角ゴ ProN W3" charset="0"/>
+                <a:cs typeface="Source Sans Pro Light" charset="0"/>
+              </a:rPr>
+              <a:t>l</a:t>
+            </a:r>
+            <a:r>
+              <a:rPr lang="en-US" i="1" smtClean="0">
+                <a:latin typeface="Source Sans Pro Light" charset="0"/>
+                <a:ea typeface="ヒラギノ角ゴ ProN W3" charset="0"/>
+                <a:cs typeface="Source Sans Pro Light" charset="0"/>
+              </a:rPr>
+              <a:t>earning </a:t>
+            </a:r>
+            <a:r>
+              <a:rPr lang="en-US" i="1" smtClean="0">
+                <a:latin typeface="Source Sans Pro Light" charset="0"/>
+                <a:ea typeface="ヒラギノ角ゴ ProN W3" charset="0"/>
+                <a:cs typeface="Source Sans Pro Light" charset="0"/>
+              </a:rPr>
+              <a:t>model </a:t>
             </a:r>
             <a:r>
               <a:rPr lang="en-US" smtClean="0">
@@ -22333,52 +22944,8 @@
                 <a:ea typeface="ヒラギノ角ゴ ProN W3" charset="0"/>
                 <a:cs typeface="Source Sans Pro Light" charset="0"/>
               </a:rPr>
-              <a:t>App to </a:t>
-            </a:r>
-            <a:r>
-              <a:rPr lang="en-US">
-                <a:latin typeface="Source Sans Pro Light" charset="0"/>
-                <a:ea typeface="ヒラギノ角ゴ ProN W3" charset="0"/>
-                <a:cs typeface="Source Sans Pro Light" charset="0"/>
-              </a:rPr>
-              <a:t>analyze brand images </a:t>
-            </a:r>
-            <a:r>
-              <a:rPr lang="en-US" smtClean="0">
-                <a:latin typeface="Source Sans Pro Light" charset="0"/>
-                <a:ea typeface="ヒラギノ角ゴ ProN W3" charset="0"/>
-                <a:cs typeface="Source Sans Pro Light" charset="0"/>
-              </a:rPr>
-              <a:t>as portrayed </a:t>
-            </a:r>
-            <a:r>
-              <a:rPr lang="en-US">
-                <a:latin typeface="Source Sans Pro Light" charset="0"/>
-                <a:ea typeface="ヒラギノ角ゴ ProN W3" charset="0"/>
-                <a:cs typeface="Source Sans Pro Light" charset="0"/>
-              </a:rPr>
-              <a:t>on </a:t>
-            </a:r>
-            <a:r>
-              <a:rPr lang="en-US" smtClean="0">
-                <a:latin typeface="Source Sans Pro Light" charset="0"/>
-                <a:ea typeface="ヒラギノ角ゴ ProN W3" charset="0"/>
-                <a:cs typeface="Source Sans Pro Light" charset="0"/>
-              </a:rPr>
-              <a:t>social media: </a:t>
-            </a:r>
-            <a:r>
-              <a:rPr lang="en-US" smtClean="0">
-                <a:latin typeface="Source Sans Pro Light" charset="0"/>
-                <a:cs typeface="Source Sans Pro Light" charset="0"/>
-              </a:rPr>
-              <a:t>Flickr (training image-to-label), Instagram (testing label-to-image)</a:t>
-            </a:r>
-            <a:endParaRPr lang="en-US">
-              <a:latin typeface="Source Sans Pro Light" charset="0"/>
-              <a:ea typeface="ヒラギノ角ゴ ProN W3" charset="0"/>
-              <a:cs typeface="Source Sans Pro Light" charset="0"/>
-            </a:endParaRPr>
+              <a:t>that combines convoluational layers with a softmax classifier for visual brand analysis, test model with Instagram images)</a:t>
+            </a:r>
           </a:p>
           <a:p>
             <a:pPr marL="0" indent="0">
@@ -22399,203 +22966,37 @@
                 <a:ea typeface="ヒラギノ角ゴ ProN W3" charset="0"/>
                 <a:cs typeface="Source Sans Pro Light" charset="0"/>
               </a:rPr>
-              <a:t>Approach</a:t>
-            </a:r>
-            <a:r>
-              <a:rPr lang="en-US" smtClean="0">
-                <a:latin typeface="Source Sans Pro Light" charset="0"/>
-                <a:ea typeface="ヒラギノ角ゴ ProN W3" charset="0"/>
-                <a:cs typeface="Source Sans Pro Light" charset="0"/>
-              </a:rPr>
-              <a:t>: Develop </a:t>
-            </a:r>
-            <a:r>
-              <a:rPr lang="en-US">
-                <a:latin typeface="Source Sans Pro Light" charset="0"/>
-                <a:ea typeface="ヒラギノ角ゴ ProN W3" charset="0"/>
-                <a:cs typeface="Source Sans Pro Light" charset="0"/>
-              </a:rPr>
-              <a:t>a </a:t>
-            </a:r>
-            <a:r>
-              <a:rPr lang="en-US" smtClean="0">
-                <a:latin typeface="Source Sans Pro Light" charset="0"/>
-                <a:ea typeface="ヒラギノ角ゴ ProN W3" charset="0"/>
-                <a:cs typeface="Source Sans Pro Light" charset="0"/>
-              </a:rPr>
-              <a:t>deep </a:t>
-            </a:r>
-            <a:r>
-              <a:rPr lang="en-US">
-                <a:latin typeface="Source Sans Pro Light" charset="0"/>
-                <a:ea typeface="ヒラギノ角ゴ ProN W3" charset="0"/>
-                <a:cs typeface="Source Sans Pro Light" charset="0"/>
-              </a:rPr>
-              <a:t>l</a:t>
-            </a:r>
-            <a:r>
-              <a:rPr lang="en-US" smtClean="0">
-                <a:latin typeface="Source Sans Pro Light" charset="0"/>
-                <a:ea typeface="ヒラギノ角ゴ ProN W3" charset="0"/>
-                <a:cs typeface="Source Sans Pro Light" charset="0"/>
-              </a:rPr>
-              <a:t>earning </a:t>
-            </a:r>
-            <a:r>
-              <a:rPr lang="en-US">
-                <a:latin typeface="Source Sans Pro Light" charset="0"/>
-                <a:ea typeface="ヒラギノ角ゴ ProN W3" charset="0"/>
-                <a:cs typeface="Source Sans Pro Light" charset="0"/>
-              </a:rPr>
-              <a:t>m</a:t>
-            </a:r>
-            <a:r>
-              <a:rPr lang="en-US" smtClean="0">
-                <a:latin typeface="Source Sans Pro Light" charset="0"/>
-                <a:ea typeface="ヒラギノ角ゴ ProN W3" charset="0"/>
-                <a:cs typeface="Source Sans Pro Light" charset="0"/>
-              </a:rPr>
-              <a:t>odel </a:t>
-            </a:r>
-            <a:r>
-              <a:rPr lang="en-US">
-                <a:latin typeface="Source Sans Pro Light" charset="0"/>
-                <a:ea typeface="ヒラギノ角ゴ ProN W3" charset="0"/>
-                <a:cs typeface="Source Sans Pro Light" charset="0"/>
-              </a:rPr>
-              <a:t>to classify </a:t>
-            </a:r>
-            <a:r>
-              <a:rPr lang="en-US" smtClean="0">
-                <a:latin typeface="Source Sans Pro Light" charset="0"/>
-                <a:ea typeface="ヒラギノ角ゴ ProN W3" charset="0"/>
-                <a:cs typeface="Source Sans Pro Light" charset="0"/>
-              </a:rPr>
-              <a:t>web 2.0-sourced images based on </a:t>
-            </a:r>
-            <a:r>
-              <a:rPr lang="en-US">
-                <a:latin typeface="Source Sans Pro Light" charset="0"/>
-                <a:ea typeface="ヒラギノ角ゴ ProN W3" charset="0"/>
-                <a:cs typeface="Source Sans Pro Light" charset="0"/>
-              </a:rPr>
-              <a:t>predefined </a:t>
-            </a:r>
-            <a:r>
-              <a:rPr lang="en-US" smtClean="0">
-                <a:latin typeface="Source Sans Pro Light" charset="0"/>
-                <a:ea typeface="ヒラギノ角ゴ ProN W3" charset="0"/>
-                <a:cs typeface="Source Sans Pro Light" charset="0"/>
-              </a:rPr>
-              <a:t>brand personality attributes </a:t>
-            </a:r>
-            <a:r>
-              <a:rPr lang="en-US">
-                <a:latin typeface="Source Sans Pro Light" charset="0"/>
-                <a:ea typeface="ヒラギノ角ゴ ProN W3" charset="0"/>
-                <a:cs typeface="Source Sans Pro Light" charset="0"/>
-              </a:rPr>
-              <a:t>and deploy the model </a:t>
-            </a:r>
-            <a:r>
-              <a:rPr lang="en-US" smtClean="0">
-                <a:latin typeface="Source Sans Pro Light" charset="0"/>
-                <a:ea typeface="ヒラギノ角ゴ ProN W3" charset="0"/>
-                <a:cs typeface="Source Sans Pro Light" charset="0"/>
-              </a:rPr>
-              <a:t>on a </a:t>
-            </a:r>
-            <a:r>
-              <a:rPr lang="en-US">
-                <a:latin typeface="Source Sans Pro Light" charset="0"/>
-                <a:ea typeface="ヒラギノ角ゴ ProN W3" charset="0"/>
-                <a:cs typeface="Source Sans Pro Light" charset="0"/>
-              </a:rPr>
               <a:t>Web </a:t>
             </a:r>
-            <a:r>
-              <a:rPr lang="en-US" smtClean="0">
-                <a:latin typeface="Source Sans Pro Light" charset="0"/>
-                <a:ea typeface="ヒラギノ角ゴ ProN W3" charset="0"/>
-                <a:cs typeface="Source Sans Pro Light" charset="0"/>
-              </a:rPr>
-              <a:t>App.</a:t>
-            </a:r>
-          </a:p>
-          <a:p>
-            <a:pPr marL="0" indent="0">
-              <a:spcBef>
-                <a:spcPts val="300"/>
-              </a:spcBef>
-              <a:spcAft>
-                <a:spcPts val="300"/>
-              </a:spcAft>
-              <a:buNone/>
-              <a:tabLst>
-                <a:tab pos="354013" algn="l"/>
-              </a:tabLst>
-            </a:pPr>
             <a:r>
               <a:rPr lang="en-US" b="1" smtClean="0">
                 <a:latin typeface="Source Sans Pro Light" charset="0"/>
                 <a:ea typeface="ヒラギノ角ゴ ProN W3" charset="0"/>
                 <a:cs typeface="Source Sans Pro Light" charset="0"/>
               </a:rPr>
-              <a:t>Web App: </a:t>
-            </a:r>
-            <a:r>
-              <a:rPr lang="de-CH">
-                <a:latin typeface="Source Sans Pro Light" charset="0"/>
-                <a:cs typeface="Source Sans Pro Light" charset="0"/>
-              </a:rPr>
-              <a:t>classification of official + unofficial Instagram brand profile images into </a:t>
+              <a:t>App: </a:t>
             </a:r>
             <a:r>
               <a:rPr lang="de-CH" smtClean="0">
                 <a:latin typeface="Source Sans Pro Light" charset="0"/>
                 <a:cs typeface="Source Sans Pro Light" charset="0"/>
               </a:rPr>
-              <a:t>4-12 given </a:t>
-            </a:r>
-            <a:r>
-              <a:rPr lang="de-CH">
+              <a:t>statistical profile </a:t>
+            </a:r>
+            <a:r>
+              <a:rPr lang="de-CH" i="1" smtClean="0">
                 <a:latin typeface="Source Sans Pro Light" charset="0"/>
                 <a:cs typeface="Source Sans Pro Light" charset="0"/>
               </a:rPr>
-              <a:t>brand personality </a:t>
+              <a:t>analysis</a:t>
             </a:r>
             <a:r>
               <a:rPr lang="de-CH" smtClean="0">
                 <a:latin typeface="Source Sans Pro Light" charset="0"/>
                 <a:cs typeface="Source Sans Pro Light" charset="0"/>
               </a:rPr>
-              <a:t>attributes for statistical </a:t>
-            </a:r>
-            <a:r>
-              <a:rPr lang="de-CH">
-                <a:latin typeface="Source Sans Pro Light" charset="0"/>
-                <a:cs typeface="Source Sans Pro Light" charset="0"/>
-              </a:rPr>
-              <a:t>brand image profile analysis</a:t>
-            </a:r>
-            <a:endParaRPr lang="en-US">
-              <a:latin typeface="Source Sans Pro Light" charset="0"/>
-              <a:cs typeface="Source Sans Pro Light" charset="0"/>
-            </a:endParaRPr>
-          </a:p>
-          <a:p>
-            <a:pPr marL="0" indent="0">
-              <a:spcBef>
-                <a:spcPts val="300"/>
-              </a:spcBef>
-              <a:spcAft>
-                <a:spcPts val="300"/>
-              </a:spcAft>
-              <a:buNone/>
-              <a:tabLst>
-                <a:tab pos="354013" algn="l"/>
-              </a:tabLst>
-            </a:pPr>
+              <a:t> for a #brand </a:t>
+            </a:r>
             <a:endParaRPr lang="en-US" b="1">
               <a:latin typeface="Source Sans Pro Light" charset="0"/>
               <a:ea typeface="ヒラギノ角ゴ ProN W3" charset="0"/>
@@ -22648,7 +23049,7 @@
             </a:pPr>
             <a:r>
               <a:rPr lang="de-DE" smtClean="0"/>
-              <a:t>AI4Marketing</a:t>
+              <a:t>DL4Marketing</a:t>
             </a:r>
             <a:endParaRPr lang="de-DE"/>
           </a:p>
@@ -22792,7 +23193,7 @@
           <a:blip r:embed="rId23">
             <a:extLst>
               <a:ext uri="{96DAC541-7B7A-43D3-8B79-37D633B846F1}">
-                <asvg:svgBlip xmlns:asvg="http://schemas.microsoft.com/office/drawing/2016/SVG/main" xmlns="" r:embed="rId24"/>
+                <asvg:svgBlip xmlns="" xmlns:asvg="http://schemas.microsoft.com/office/drawing/2016/SVG/main" r:embed="rId24"/>
               </a:ext>
             </a:extLst>
           </a:blip>
@@ -22828,7 +23229,7 @@
           <a:blip r:embed="rId23">
             <a:extLst>
               <a:ext uri="{96DAC541-7B7A-43D3-8B79-37D633B846F1}">
-                <asvg:svgBlip xmlns:asvg="http://schemas.microsoft.com/office/drawing/2016/SVG/main" xmlns="" r:embed="rId24"/>
+                <asvg:svgBlip xmlns="" xmlns:asvg="http://schemas.microsoft.com/office/drawing/2016/SVG/main" r:embed="rId24"/>
               </a:ext>
             </a:extLst>
           </a:blip>
@@ -22864,7 +23265,7 @@
           <a:blip r:embed="rId25">
             <a:extLst>
               <a:ext uri="{96DAC541-7B7A-43D3-8B79-37D633B846F1}">
-                <asvg:svgBlip xmlns:asvg="http://schemas.microsoft.com/office/drawing/2016/SVG/main" xmlns="" r:embed="rId26"/>
+                <asvg:svgBlip xmlns="" xmlns:asvg="http://schemas.microsoft.com/office/drawing/2016/SVG/main" r:embed="rId26"/>
               </a:ext>
             </a:extLst>
           </a:blip>
@@ -22900,7 +23301,7 @@
           <a:blip r:embed="rId27">
             <a:extLst>
               <a:ext uri="{96DAC541-7B7A-43D3-8B79-37D633B846F1}">
-                <asvg:svgBlip xmlns:asvg="http://schemas.microsoft.com/office/drawing/2016/SVG/main" xmlns="" r:embed="rId28"/>
+                <asvg:svgBlip xmlns="" xmlns:asvg="http://schemas.microsoft.com/office/drawing/2016/SVG/main" r:embed="rId28"/>
               </a:ext>
             </a:extLst>
           </a:blip>
@@ -22936,7 +23337,7 @@
           <a:blip r:embed="rId29">
             <a:extLst>
               <a:ext uri="{96DAC541-7B7A-43D3-8B79-37D633B846F1}">
-                <asvg:svgBlip xmlns:asvg="http://schemas.microsoft.com/office/drawing/2016/SVG/main" xmlns="" r:embed="rId30"/>
+                <asvg:svgBlip xmlns="" xmlns:asvg="http://schemas.microsoft.com/office/drawing/2016/SVG/main" r:embed="rId30"/>
               </a:ext>
             </a:extLst>
           </a:blip>
@@ -22972,7 +23373,7 @@
           <a:blip r:embed="rId31">
             <a:extLst>
               <a:ext uri="{96DAC541-7B7A-43D3-8B79-37D633B846F1}">
-                <asvg:svgBlip xmlns:asvg="http://schemas.microsoft.com/office/drawing/2016/SVG/main" xmlns="" r:embed="rId32"/>
+                <asvg:svgBlip xmlns="" xmlns:asvg="http://schemas.microsoft.com/office/drawing/2016/SVG/main" r:embed="rId32"/>
               </a:ext>
             </a:extLst>
           </a:blip>
@@ -23004,8 +23405,8 @@
         </p:nvSpPr>
         <p:spPr bwMode="auto">
           <a:xfrm>
-            <a:off x="176782" y="5896552"/>
-            <a:ext cx="2557091" cy="513579"/>
+            <a:off x="176782" y="5850582"/>
+            <a:ext cx="2557091" cy="696290"/>
           </a:xfrm>
           <a:prstGeom prst="wedgeRoundRectCallout">
             <a:avLst>
@@ -23027,7 +23428,7 @@
           <a:effectLst/>
           <a:extLst>
             <a:ext uri="{AF507438-7753-43e0-B8FC-AC1667EBCBE1}">
-              <a14:hiddenEffects xmlns="" xmlns:a14="http://schemas.microsoft.com/office/drawing/2010/main">
+              <a14:hiddenEffects xmlns:a14="http://schemas.microsoft.com/office/drawing/2010/main" xmlns="">
                 <a:effectLst>
                   <a:outerShdw blurRad="63500" dist="38099" dir="2700000" algn="ctr" rotWithShape="0">
                     <a:schemeClr val="bg2">
@@ -23064,50 +23465,31 @@
               <a:tabLst/>
             </a:pPr>
             <a:r>
-              <a:rPr kumimoji="0" lang="de-CH" sz="1200" b="0" i="0" u="none" strike="noStrike" cap="none" normalizeH="0" baseline="0">
-                <a:ln>
-                  <a:noFill/>
-                </a:ln>
-                <a:solidFill>
-                  <a:srgbClr val="000000"/>
-                </a:solidFill>
-                <a:effectLst/>
-                <a:latin typeface="Neutraface Text Book" charset="0"/>
-                <a:ea typeface="ヒラギノ角ゴ ProN W3" charset="0"/>
-                <a:cs typeface="ヒラギノ角ゴ ProN W3" charset="0"/>
-                <a:sym typeface="Neutraface Text Book" charset="0"/>
-              </a:rPr>
-              <a:t>Social Media </a:t>
-            </a:r>
-            <a:r>
-              <a:rPr kumimoji="0" lang="de-CH" sz="1200" b="0" i="0" u="none" strike="noStrike" cap="none" normalizeH="0" baseline="0" smtClean="0">
-                <a:ln>
-                  <a:noFill/>
-                </a:ln>
-                <a:solidFill>
-                  <a:srgbClr val="000000"/>
-                </a:solidFill>
-                <a:effectLst/>
-                <a:latin typeface="Neutraface Text Book" charset="0"/>
-                <a:ea typeface="ヒラギノ角ゴ ProN W3" charset="0"/>
-                <a:cs typeface="ヒラギノ角ゴ ProN W3" charset="0"/>
-                <a:sym typeface="Neutraface Text Book" charset="0"/>
-              </a:rPr>
-              <a:t>Brand URL</a:t>
-            </a:r>
-            <a:endParaRPr kumimoji="0" lang="de-CH" sz="1200" b="0" i="0" u="none" strike="noStrike" cap="none" normalizeH="0" baseline="0">
-              <a:ln>
-                <a:noFill/>
-              </a:ln>
-              <a:solidFill>
-                <a:srgbClr val="000000"/>
-              </a:solidFill>
-              <a:effectLst/>
-              <a:latin typeface="Neutraface Text Book" charset="0"/>
-              <a:ea typeface="ヒラギノ角ゴ ProN W3" charset="0"/>
-              <a:cs typeface="ヒラギノ角ゴ ProN W3" charset="0"/>
-              <a:sym typeface="Neutraface Text Book" charset="0"/>
-            </a:endParaRPr>
+              <a:rPr lang="de-CH" sz="1200" smtClean="0"/>
+              <a:t>Key in brand </a:t>
+            </a:r>
+            <a:r>
+              <a:rPr lang="de-CH" sz="1200" smtClean="0"/>
+              <a:t>name: official + </a:t>
+            </a:r>
+            <a:r>
+              <a:rPr lang="de-CH" sz="1200" smtClean="0"/>
+              <a:t>unofficial social media profile</a:t>
+            </a:r>
+          </a:p>
+          <a:p>
+            <a:pPr marL="171450" indent="-171450" eaLnBrk="1" hangingPunct="1">
+              <a:buFont typeface="Arial" panose="020B0604020202020204" pitchFamily="34" charset="0"/>
+              <a:buChar char="•"/>
+            </a:pPr>
+            <a:r>
+              <a:rPr lang="de-CH" sz="1200" smtClean="0"/>
+              <a:t>Get Social </a:t>
+            </a:r>
+            <a:r>
+              <a:rPr lang="de-CH" sz="1200"/>
+              <a:t>Media Brand URL</a:t>
+            </a:r>
           </a:p>
           <a:p>
             <a:pPr marL="171450" marR="0" indent="-171450" algn="l" defTabSz="914400" rtl="0" eaLnBrk="1" fontAlgn="base" latinLnBrk="0" hangingPunct="1">
@@ -23126,14 +23508,6 @@
               <a:buChar char="•"/>
               <a:tabLst/>
             </a:pPr>
-            <a:r>
-              <a:rPr lang="de-CH" sz="1200"/>
-              <a:t>Brand </a:t>
-            </a:r>
-            <a:r>
-              <a:rPr lang="de-CH" sz="1200" smtClean="0"/>
-              <a:t>name: official + unofficial</a:t>
-            </a:r>
             <a:endParaRPr kumimoji="0" lang="de-CH" sz="1200" b="0" i="0" u="none" strike="noStrike" cap="none" normalizeH="0" baseline="0">
               <a:ln>
                 <a:noFill/>
@@ -23187,7 +23561,7 @@
           <a:effectLst/>
           <a:extLst>
             <a:ext uri="{AF507438-7753-43e0-B8FC-AC1667EBCBE1}">
-              <a14:hiddenEffects xmlns="" xmlns:a14="http://schemas.microsoft.com/office/drawing/2010/main">
+              <a14:hiddenEffects xmlns:a14="http://schemas.microsoft.com/office/drawing/2010/main" xmlns="">
                 <a:effectLst>
                   <a:outerShdw blurRad="63500" dist="38099" dir="2700000" algn="ctr" rotWithShape="0">
                     <a:schemeClr val="bg2">
@@ -23257,7 +23631,7 @@
         <p:spPr bwMode="auto">
           <a:xfrm>
             <a:off x="8114729" y="5850581"/>
-            <a:ext cx="1627553" cy="696291"/>
+            <a:ext cx="1710490" cy="696291"/>
           </a:xfrm>
           <a:prstGeom prst="wedgeRoundRectCallout">
             <a:avLst>
@@ -23279,7 +23653,7 @@
           <a:effectLst/>
           <a:extLst>
             <a:ext uri="{AF507438-7753-43e0-B8FC-AC1667EBCBE1}">
-              <a14:hiddenEffects xmlns="" xmlns:a14="http://schemas.microsoft.com/office/drawing/2010/main">
+              <a14:hiddenEffects xmlns:a14="http://schemas.microsoft.com/office/drawing/2010/main" xmlns="">
                 <a:effectLst>
                   <a:outerShdw blurRad="63500" dist="38099" dir="2700000" algn="ctr" rotWithShape="0">
                     <a:schemeClr val="bg2">
@@ -23393,7 +23767,23 @@
                 <a:cs typeface="ヒラギノ角ゴ ProN W3" charset="0"/>
                 <a:sym typeface="Neutraface Text Book" charset="0"/>
               </a:rPr>
-              <a:t> into brand </a:t>
+              <a:t> into </a:t>
+            </a:r>
+            <a:r>
+              <a:rPr kumimoji="0" lang="de-CH" sz="1200" b="0" i="0" u="none" strike="noStrike" cap="none" normalizeH="0" baseline="0" smtClean="0">
+                <a:ln>
+                  <a:noFill/>
+                </a:ln>
+                <a:solidFill>
+                  <a:srgbClr val="000000"/>
+                </a:solidFill>
+                <a:effectLst/>
+                <a:latin typeface="Neutraface Text Book" charset="0"/>
+                <a:ea typeface="ヒラギノ角ゴ ProN W3" charset="0"/>
+                <a:cs typeface="ヒラギノ角ゴ ProN W3" charset="0"/>
+                <a:sym typeface="Neutraface Text Book" charset="0"/>
+              </a:rPr>
+              <a:t>fixed brand </a:t>
             </a:r>
             <a:r>
               <a:rPr kumimoji="0" lang="de-CH" sz="1200" b="0" i="0" u="none" strike="noStrike" cap="none" normalizeH="0" baseline="0">
@@ -23432,7 +23822,7 @@
           <a:blip r:embed="rId33">
             <a:extLst>
               <a:ext uri="{96DAC541-7B7A-43D3-8B79-37D633B846F1}">
-                <asvg:svgBlip xmlns:asvg="http://schemas.microsoft.com/office/drawing/2016/SVG/main" xmlns="" r:embed="rId34"/>
+                <asvg:svgBlip xmlns="" xmlns:asvg="http://schemas.microsoft.com/office/drawing/2016/SVG/main" r:embed="rId34"/>
               </a:ext>
             </a:extLst>
           </a:blip>
@@ -23469,14 +23859,14 @@
           <a:noFill/>
           <a:extLst>
             <a:ext uri="{909E8E84-426E-40dd-AFC4-6F175D3DCCD1}">
-              <a14:hiddenFill xmlns="" xmlns:a14="http://schemas.microsoft.com/office/drawing/2010/main">
+              <a14:hiddenFill xmlns:a14="http://schemas.microsoft.com/office/drawing/2010/main" xmlns="">
                 <a:solidFill>
                   <a:srgbClr val="FFFFFF"/>
                 </a:solidFill>
               </a14:hiddenFill>
             </a:ext>
             <a:ext uri="{91240B29-F687-4f45-9708-019B960494DF}">
-              <a14:hiddenLine xmlns="" xmlns:a14="http://schemas.microsoft.com/office/drawing/2010/main" w="9525">
+              <a14:hiddenLine xmlns:a14="http://schemas.microsoft.com/office/drawing/2010/main" xmlns="" w="9525">
                 <a:solidFill>
                   <a:srgbClr val="000000"/>
                 </a:solidFill>
@@ -23486,7 +23876,7 @@
               </a14:hiddenLine>
             </a:ext>
             <a:ext uri="{FAA26D3D-D897-4be2-8F04-BA451C77F1D7}">
-              <ma14:placeholderFlag xmlns="" xmlns:ma14="http://schemas.microsoft.com/office/mac/drawingml/2011/main" val="1"/>
+              <ma14:placeholderFlag xmlns:ma14="http://schemas.microsoft.com/office/mac/drawingml/2011/main" xmlns="" val="1"/>
             </a:ext>
           </a:extLst>
         </p:spPr>
@@ -23741,7 +24131,18 @@
                 <a:ea typeface="ヒラギノ角ゴ ProN W3" charset="0"/>
                 <a:cs typeface="Source Sans Pro Light" charset="0"/>
               </a:rPr>
-              <a:t>How to use Deep Learning for Marketing? | Visual Listening</a:t>
+              <a:t>How to use Deep Learning for </a:t>
+            </a:r>
+            <a:r>
+              <a:rPr lang="de-DE" kern="0" smtClean="0">
+                <a:solidFill>
+                  <a:srgbClr val="D9D9D9"/>
+                </a:solidFill>
+                <a:latin typeface="Source Sans Pro Light" charset="0"/>
+                <a:ea typeface="ヒラギノ角ゴ ProN W3" charset="0"/>
+                <a:cs typeface="Source Sans Pro Light" charset="0"/>
+              </a:rPr>
+              <a:t>Marketing?</a:t>
             </a:r>
             <a:endParaRPr lang="de-DE" b="1" kern="0">
               <a:solidFill>
@@ -23770,7 +24171,7 @@
         </p:blipFill>
         <p:spPr>
           <a:xfrm>
-            <a:off x="7112971" y="3870068"/>
+            <a:off x="6659470" y="5438951"/>
             <a:ext cx="439972" cy="438321"/>
           </a:xfrm>
           <a:prstGeom prst="rect">
@@ -24085,6 +24486,210 @@
           </a:prstGeom>
         </p:spPr>
       </p:pic>
+      <p:graphicFrame>
+        <p:nvGraphicFramePr>
+          <p:cNvPr id="34" name="Tabelle 4">
+            <a:extLst>
+              <a:ext uri="{FF2B5EF4-FFF2-40B4-BE49-F238E27FC236}">
+                <a16:creationId xmlns:a16="http://schemas.microsoft.com/office/drawing/2014/main" id="{44C93209-B695-43BD-9134-3616C4710206}"/>
+              </a:ext>
+            </a:extLst>
+          </p:cNvPr>
+          <p:cNvGraphicFramePr>
+            <a:graphicFrameLocks noGrp="1"/>
+          </p:cNvGraphicFramePr>
+          <p:nvPr>
+            <p:extLst>
+              <p:ext uri="{D42A27DB-BD31-4B8C-83A1-F6EECF244321}">
+                <p14:modId xmlns:p14="http://schemas.microsoft.com/office/powerpoint/2010/main" val="4215184926"/>
+              </p:ext>
+            </p:extLst>
+          </p:nvPr>
+        </p:nvGraphicFramePr>
+        <p:xfrm>
+          <a:off x="6616771" y="2967442"/>
+          <a:ext cx="2656307" cy="975360"/>
+        </p:xfrm>
+        <a:graphic>
+          <a:graphicData uri="http://schemas.openxmlformats.org/drawingml/2006/table">
+            <a:tbl>
+              <a:tblPr firstRow="1" bandRow="1">
+                <a:tableStyleId>{C4B1156A-380E-4F78-BDF5-A606A8083BF9}</a:tableStyleId>
+              </a:tblPr>
+              <a:tblGrid>
+                <a:gridCol w="1111840">
+                  <a:extLst>
+                    <a:ext uri="{9D8B030D-6E8A-4147-A177-3AD203B41FA5}">
+                      <a16:colId xmlns:a16="http://schemas.microsoft.com/office/drawing/2014/main" val="1206606293"/>
+                    </a:ext>
+                  </a:extLst>
+                </a:gridCol>
+                <a:gridCol w="1544467">
+                  <a:extLst>
+                    <a:ext uri="{9D8B030D-6E8A-4147-A177-3AD203B41FA5}">
+                      <a16:colId xmlns:a16="http://schemas.microsoft.com/office/drawing/2014/main" val="1266153856"/>
+                    </a:ext>
+                  </a:extLst>
+                </a:gridCol>
+              </a:tblGrid>
+              <a:tr h="224593">
+                <a:tc>
+                  <a:txBody>
+                    <a:bodyPr/>
+                    <a:lstStyle/>
+                    <a:p>
+                      <a:pPr algn="ctr"/>
+                      <a:r>
+                        <a:rPr lang="de-CH" b="1" smtClean="0">
+                          <a:solidFill>
+                            <a:schemeClr val="accent4"/>
+                          </a:solidFill>
+                        </a:rPr>
+                        <a:t>Social Media</a:t>
+                      </a:r>
+                      <a:endParaRPr lang="de-CH" b="1">
+                        <a:solidFill>
+                          <a:schemeClr val="accent4"/>
+                        </a:solidFill>
+                      </a:endParaRPr>
+                    </a:p>
+                  </a:txBody>
+                  <a:tcPr anchor="ctr">
+                    <a:solidFill>
+                      <a:schemeClr val="bg1">
+                        <a:lumMod val="85000"/>
+                      </a:schemeClr>
+                    </a:solidFill>
+                  </a:tcPr>
+                </a:tc>
+                <a:tc>
+                  <a:txBody>
+                    <a:bodyPr/>
+                    <a:lstStyle/>
+                    <a:p>
+                      <a:pPr algn="ctr"/>
+                      <a:r>
+                        <a:rPr lang="de-CH" b="1" smtClean="0">
+                          <a:solidFill>
+                            <a:schemeClr val="accent4"/>
+                          </a:solidFill>
+                        </a:rPr>
+                        <a:t>BPA</a:t>
+                      </a:r>
+                      <a:endParaRPr lang="de-CH" b="1">
+                        <a:solidFill>
+                          <a:schemeClr val="accent4"/>
+                        </a:solidFill>
+                      </a:endParaRPr>
+                    </a:p>
+                  </a:txBody>
+                  <a:tcPr anchor="ctr">
+                    <a:solidFill>
+                      <a:schemeClr val="bg1">
+                        <a:lumMod val="85000"/>
+                      </a:schemeClr>
+                    </a:solidFill>
+                  </a:tcPr>
+                </a:tc>
+                <a:extLst>
+                  <a:ext uri="{0D108BD9-81ED-4DB2-BD59-A6C34878D82A}">
+                    <a16:rowId xmlns:a16="http://schemas.microsoft.com/office/drawing/2014/main" val="2907654820"/>
+                  </a:ext>
+                </a:extLst>
+              </a:tr>
+              <a:tr h="531930">
+                <a:tc>
+                  <a:txBody>
+                    <a:bodyPr/>
+                    <a:lstStyle/>
+                    <a:p>
+                      <a:pPr marL="0" marR="0" lvl="0" indent="0" algn="ctr" defTabSz="336736" rtl="0" eaLnBrk="1" fontAlgn="auto" latinLnBrk="0" hangingPunct="1">
+                        <a:lnSpc>
+                          <a:spcPct val="100000"/>
+                        </a:lnSpc>
+                        <a:spcBef>
+                          <a:spcPts val="0"/>
+                        </a:spcBef>
+                        <a:spcAft>
+                          <a:spcPts val="0"/>
+                        </a:spcAft>
+                        <a:buClrTx/>
+                        <a:buSzTx/>
+                        <a:buFontTx/>
+                        <a:buNone/>
+                        <a:tabLst/>
+                        <a:defRPr/>
+                      </a:pPr>
+                      <a:r>
+                        <a:rPr lang="de-CH" b="0" smtClean="0">
+                          <a:solidFill>
+                            <a:schemeClr val="accent4"/>
+                          </a:solidFill>
+                        </a:rPr>
+                        <a:t>Flickr,</a:t>
+                      </a:r>
+                      <a:r>
+                        <a:rPr lang="de-CH" b="0" baseline="0" smtClean="0">
+                          <a:solidFill>
+                            <a:schemeClr val="accent4"/>
+                          </a:solidFill>
+                        </a:rPr>
+                        <a:t> Instagram</a:t>
+                      </a:r>
+                      <a:endParaRPr lang="de-CH" b="0" smtClean="0">
+                        <a:solidFill>
+                          <a:schemeClr val="accent4"/>
+                        </a:solidFill>
+                      </a:endParaRPr>
+                    </a:p>
+                  </a:txBody>
+                  <a:tcPr anchor="ctr">
+                    <a:solidFill>
+                      <a:schemeClr val="bg1">
+                        <a:lumMod val="85000"/>
+                      </a:schemeClr>
+                    </a:solidFill>
+                  </a:tcPr>
+                </a:tc>
+                <a:tc>
+                  <a:txBody>
+                    <a:bodyPr/>
+                    <a:lstStyle/>
+                    <a:p>
+                      <a:pPr algn="ctr"/>
+                      <a:r>
+                        <a:rPr lang="de-CH" b="0" smtClean="0">
+                          <a:solidFill>
+                            <a:schemeClr val="accent4"/>
+                          </a:solidFill>
+                        </a:rPr>
+                        <a:t>fun, healthy, rugged, glamorous</a:t>
+                      </a:r>
+                      <a:endParaRPr lang="de-CH" b="0">
+                        <a:solidFill>
+                          <a:schemeClr val="accent4"/>
+                        </a:solidFill>
+                      </a:endParaRPr>
+                    </a:p>
+                  </a:txBody>
+                  <a:tcPr>
+                    <a:solidFill>
+                      <a:schemeClr val="bg1">
+                        <a:lumMod val="85000"/>
+                      </a:schemeClr>
+                    </a:solidFill>
+                  </a:tcPr>
+                </a:tc>
+                <a:extLst>
+                  <a:ext uri="{0D108BD9-81ED-4DB2-BD59-A6C34878D82A}">
+                    <a16:rowId xmlns:a16="http://schemas.microsoft.com/office/drawing/2014/main" val="254631788"/>
+                  </a:ext>
+                </a:extLst>
+              </a:tr>
+            </a:tbl>
+          </a:graphicData>
+        </a:graphic>
+      </p:graphicFrame>
     </p:spTree>
     <p:extLst>
       <p:ext uri="{BB962C8B-B14F-4D97-AF65-F5344CB8AC3E}">
@@ -24134,14 +24739,14 @@
           <a:noFill/>
           <a:extLst>
             <a:ext uri="{909E8E84-426E-40dd-AFC4-6F175D3DCCD1}">
-              <a14:hiddenFill xmlns="" xmlns:a14="http://schemas.microsoft.com/office/drawing/2010/main">
+              <a14:hiddenFill xmlns:a14="http://schemas.microsoft.com/office/drawing/2010/main" xmlns="">
                 <a:solidFill>
                   <a:srgbClr val="FFFFFF"/>
                 </a:solidFill>
               </a14:hiddenFill>
             </a:ext>
             <a:ext uri="{91240B29-F687-4f45-9708-019B960494DF}">
-              <a14:hiddenLine xmlns="" xmlns:a14="http://schemas.microsoft.com/office/drawing/2010/main" w="9525">
+              <a14:hiddenLine xmlns:a14="http://schemas.microsoft.com/office/drawing/2010/main" xmlns="" w="9525">
                 <a:solidFill>
                   <a:srgbClr val="000000"/>
                 </a:solidFill>
@@ -24225,7 +24830,7 @@
             </a:pPr>
             <a:r>
               <a:rPr lang="de-DE" smtClean="0"/>
-              <a:t>AI4Marketing</a:t>
+              <a:t>DL4Marketing</a:t>
             </a:r>
             <a:endParaRPr lang="de-DE"/>
           </a:p>
@@ -24250,14 +24855,14 @@
           <a:noFill/>
           <a:extLst>
             <a:ext uri="{909E8E84-426E-40dd-AFC4-6F175D3DCCD1}">
-              <a14:hiddenFill xmlns="" xmlns:a14="http://schemas.microsoft.com/office/drawing/2010/main">
+              <a14:hiddenFill xmlns:a14="http://schemas.microsoft.com/office/drawing/2010/main" xmlns="">
                 <a:solidFill>
                   <a:srgbClr val="FFFFFF"/>
                 </a:solidFill>
               </a14:hiddenFill>
             </a:ext>
             <a:ext uri="{91240B29-F687-4f45-9708-019B960494DF}">
-              <a14:hiddenLine xmlns="" xmlns:a14="http://schemas.microsoft.com/office/drawing/2010/main" w="9525">
+              <a14:hiddenLine xmlns:a14="http://schemas.microsoft.com/office/drawing/2010/main" xmlns="" w="9525">
                 <a:solidFill>
                   <a:srgbClr val="000000"/>
                 </a:solidFill>
@@ -24267,7 +24872,7 @@
               </a14:hiddenLine>
             </a:ext>
             <a:ext uri="{FAA26D3D-D897-4be2-8F04-BA451C77F1D7}">
-              <ma14:placeholderFlag xmlns="" xmlns:ma14="http://schemas.microsoft.com/office/mac/drawingml/2011/main" val="1"/>
+              <ma14:placeholderFlag xmlns:ma14="http://schemas.microsoft.com/office/mac/drawingml/2011/main" xmlns="" val="1"/>
             </a:ext>
           </a:extLst>
         </p:spPr>
@@ -24522,7 +25127,7 @@
                 <a:ea typeface="ヒラギノ角ゴ ProN W3" charset="0"/>
                 <a:cs typeface="Source Sans Pro Light" charset="0"/>
               </a:rPr>
-              <a:t>How to use Deep Learning for Marketing? | Visual Listening</a:t>
+              <a:t>How to use Deep Learning for Marketing? </a:t>
             </a:r>
             <a:endParaRPr lang="de-DE" b="1" kern="0">
               <a:solidFill>
@@ -24594,7 +25199,7 @@
           <p:nvPr/>
         </p:nvPicPr>
         <p:blipFill rotWithShape="1">
-          <a:blip r:embed="rId2">
+          <a:blip r:embed="rId3">
             <a:extLst>
               <a:ext uri="{28A0092B-C50C-407E-A947-70E740481C1C}">
                 <a14:useLocalDpi xmlns:a14="http://schemas.microsoft.com/office/drawing/2010/main" val="0"/>
@@ -24629,13 +25234,13 @@
             <a:avLst/>
           </a:prstGeom>
           <a:blipFill>
-            <a:blip r:embed="rId3">
+            <a:blip r:embed="rId4">
               <a:extLst>
                 <a:ext uri="{28A0092B-C50C-407E-A947-70E740481C1C}">
                   <a14:useLocalDpi xmlns:a14="http://schemas.microsoft.com/office/drawing/2010/main" val="0"/>
                 </a:ext>
                 <a:ext uri="{96DAC541-7B7A-43D3-8B79-37D633B846F1}">
-                  <asvg:svgBlip xmlns:lc="http://schemas.openxmlformats.org/drawingml/2006/lockedCanvas" xmlns="" xmlns:asvg="http://schemas.microsoft.com/office/drawing/2016/SVG/main" xmlns:dgm="http://schemas.openxmlformats.org/drawingml/2006/diagram" r:embed="rId4"/>
+                  <asvg:svgBlip xmlns:dgm="http://schemas.openxmlformats.org/drawingml/2006/diagram" xmlns:asvg="http://schemas.microsoft.com/office/drawing/2016/SVG/main" xmlns="" xmlns:lc="http://schemas.openxmlformats.org/drawingml/2006/lockedCanvas" r:embed="rId5"/>
                 </a:ext>
               </a:extLst>
             </a:blip>
@@ -24692,13 +25297,13 @@
             <a:avLst/>
           </a:prstGeom>
           <a:blipFill>
-            <a:blip r:embed="rId5">
+            <a:blip r:embed="rId6">
               <a:extLst>
                 <a:ext uri="{28A0092B-C50C-407E-A947-70E740481C1C}">
                   <a14:useLocalDpi xmlns:a14="http://schemas.microsoft.com/office/drawing/2010/main" val="0"/>
                 </a:ext>
                 <a:ext uri="{96DAC541-7B7A-43D3-8B79-37D633B846F1}">
-                  <asvg:svgBlip xmlns:lc="http://schemas.openxmlformats.org/drawingml/2006/lockedCanvas" xmlns="" xmlns:asvg="http://schemas.microsoft.com/office/drawing/2016/SVG/main" xmlns:dgm="http://schemas.openxmlformats.org/drawingml/2006/diagram" r:embed="rId6"/>
+                  <asvg:svgBlip xmlns:dgm="http://schemas.openxmlformats.org/drawingml/2006/diagram" xmlns:asvg="http://schemas.microsoft.com/office/drawing/2016/SVG/main" xmlns="" xmlns:lc="http://schemas.openxmlformats.org/drawingml/2006/lockedCanvas" r:embed="rId7"/>
                 </a:ext>
               </a:extLst>
             </a:blip>
@@ -24755,13 +25360,13 @@
             <a:avLst/>
           </a:prstGeom>
           <a:blipFill>
-            <a:blip r:embed="rId7">
+            <a:blip r:embed="rId8">
               <a:extLst>
                 <a:ext uri="{28A0092B-C50C-407E-A947-70E740481C1C}">
                   <a14:useLocalDpi xmlns:a14="http://schemas.microsoft.com/office/drawing/2010/main" val="0"/>
                 </a:ext>
                 <a:ext uri="{96DAC541-7B7A-43D3-8B79-37D633B846F1}">
-                  <asvg:svgBlip xmlns:lc="http://schemas.openxmlformats.org/drawingml/2006/lockedCanvas" xmlns="" xmlns:asvg="http://schemas.microsoft.com/office/drawing/2016/SVG/main" xmlns:dgm="http://schemas.openxmlformats.org/drawingml/2006/diagram" r:embed="rId8"/>
+                  <asvg:svgBlip xmlns:dgm="http://schemas.openxmlformats.org/drawingml/2006/diagram" xmlns:asvg="http://schemas.microsoft.com/office/drawing/2016/SVG/main" xmlns="" xmlns:lc="http://schemas.openxmlformats.org/drawingml/2006/lockedCanvas" r:embed="rId9"/>
                 </a:ext>
               </a:extLst>
             </a:blip>
@@ -24938,7 +25543,7 @@
           <p:nvPr/>
         </p:nvPicPr>
         <p:blipFill>
-          <a:blip r:embed="rId9"/>
+          <a:blip r:embed="rId10"/>
           <a:stretch>
             <a:fillRect/>
           </a:stretch>
@@ -24962,7 +25567,7 @@
           <p:nvPr/>
         </p:nvPicPr>
         <p:blipFill>
-          <a:blip r:embed="rId10"/>
+          <a:blip r:embed="rId11"/>
           <a:stretch>
             <a:fillRect/>
           </a:stretch>
@@ -24986,7 +25591,7 @@
           <p:nvPr/>
         </p:nvPicPr>
         <p:blipFill>
-          <a:blip r:embed="rId9"/>
+          <a:blip r:embed="rId10"/>
           <a:stretch>
             <a:fillRect/>
           </a:stretch>
@@ -25131,14 +25736,14 @@
           <a:noFill/>
           <a:extLst>
             <a:ext uri="{909E8E84-426E-40dd-AFC4-6F175D3DCCD1}">
-              <a14:hiddenFill xmlns="" xmlns:a14="http://schemas.microsoft.com/office/drawing/2010/main">
+              <a14:hiddenFill xmlns:a14="http://schemas.microsoft.com/office/drawing/2010/main" xmlns="">
                 <a:solidFill>
                   <a:srgbClr val="FFFFFF"/>
                 </a:solidFill>
               </a14:hiddenFill>
             </a:ext>
             <a:ext uri="{91240B29-F687-4f45-9708-019B960494DF}">
-              <a14:hiddenLine xmlns="" xmlns:a14="http://schemas.microsoft.com/office/drawing/2010/main" w="9525">
+              <a14:hiddenLine xmlns:a14="http://schemas.microsoft.com/office/drawing/2010/main" xmlns="" w="9525">
                 <a:solidFill>
                   <a:srgbClr val="000000"/>
                 </a:solidFill>
@@ -25230,7 +25835,7 @@
             </a:pPr>
             <a:r>
               <a:rPr lang="de-DE" smtClean="0"/>
-              <a:t>AI4Marketing</a:t>
+              <a:t>DL4Marketing</a:t>
             </a:r>
             <a:endParaRPr lang="de-DE"/>
           </a:p>
@@ -25593,7 +26198,7 @@
           <a:effectLst/>
           <a:extLst>
             <a:ext uri="{AF507438-7753-43e0-B8FC-AC1667EBCBE1}">
-              <a14:hiddenEffects xmlns="" xmlns:a14="http://schemas.microsoft.com/office/drawing/2010/main">
+              <a14:hiddenEffects xmlns:a14="http://schemas.microsoft.com/office/drawing/2010/main" xmlns="">
                 <a:effectLst>
                   <a:outerShdw blurRad="63500" dist="38099" dir="2700000" algn="ctr" rotWithShape="0">
                     <a:schemeClr val="bg2">
@@ -25720,14 +26325,14 @@
           <a:noFill/>
           <a:extLst>
             <a:ext uri="{909E8E84-426E-40dd-AFC4-6F175D3DCCD1}">
-              <a14:hiddenFill xmlns="" xmlns:a14="http://schemas.microsoft.com/office/drawing/2010/main">
+              <a14:hiddenFill xmlns:a14="http://schemas.microsoft.com/office/drawing/2010/main" xmlns="">
                 <a:solidFill>
                   <a:srgbClr val="FFFFFF"/>
                 </a:solidFill>
               </a14:hiddenFill>
             </a:ext>
             <a:ext uri="{91240B29-F687-4f45-9708-019B960494DF}">
-              <a14:hiddenLine xmlns="" xmlns:a14="http://schemas.microsoft.com/office/drawing/2010/main" w="9525">
+              <a14:hiddenLine xmlns:a14="http://schemas.microsoft.com/office/drawing/2010/main" xmlns="" w="9525">
                 <a:solidFill>
                   <a:srgbClr val="000000"/>
                 </a:solidFill>
@@ -25737,7 +26342,7 @@
               </a14:hiddenLine>
             </a:ext>
             <a:ext uri="{FAA26D3D-D897-4be2-8F04-BA451C77F1D7}">
-              <ma14:placeholderFlag xmlns="" xmlns:ma14="http://schemas.microsoft.com/office/mac/drawingml/2011/main" val="1"/>
+              <ma14:placeholderFlag xmlns:ma14="http://schemas.microsoft.com/office/mac/drawingml/2011/main" xmlns="" val="1"/>
             </a:ext>
           </a:extLst>
         </p:spPr>
@@ -25992,7 +26597,7 @@
                 <a:ea typeface="ヒラギノ角ゴ ProN W3" charset="0"/>
                 <a:cs typeface="Source Sans Pro Light" charset="0"/>
               </a:rPr>
-              <a:t>How to use Deep Learning for Marketing? | Visual Listening</a:t>
+              <a:t>How to use Deep Learning for Marketing? </a:t>
             </a:r>
             <a:endParaRPr lang="de-DE" b="1" kern="0">
               <a:solidFill>
@@ -26054,14 +26659,14 @@
           <a:noFill/>
           <a:extLst>
             <a:ext uri="{909E8E84-426E-40dd-AFC4-6F175D3DCCD1}">
-              <a14:hiddenFill xmlns="" xmlns:a14="http://schemas.microsoft.com/office/drawing/2010/main">
+              <a14:hiddenFill xmlns:a14="http://schemas.microsoft.com/office/drawing/2010/main" xmlns="">
                 <a:solidFill>
                   <a:srgbClr val="FFFFFF"/>
                 </a:solidFill>
               </a14:hiddenFill>
             </a:ext>
             <a:ext uri="{91240B29-F687-4f45-9708-019B960494DF}">
-              <a14:hiddenLine xmlns="" xmlns:a14="http://schemas.microsoft.com/office/drawing/2010/main" w="9525">
+              <a14:hiddenLine xmlns:a14="http://schemas.microsoft.com/office/drawing/2010/main" xmlns="" w="9525">
                 <a:solidFill>
                   <a:srgbClr val="000000"/>
                 </a:solidFill>
@@ -26137,7 +26742,7 @@
             </a:pPr>
             <a:r>
               <a:rPr lang="de-DE" smtClean="0"/>
-              <a:t>AI4Marketing</a:t>
+              <a:t>DL4Marketing</a:t>
             </a:r>
             <a:endParaRPr lang="de-DE"/>
           </a:p>
@@ -26181,7 +26786,7 @@
           <a:effectLst/>
           <a:extLst>
             <a:ext uri="{AF507438-7753-43e0-B8FC-AC1667EBCBE1}">
-              <a14:hiddenEffects xmlns="" xmlns:a14="http://schemas.microsoft.com/office/drawing/2010/main">
+              <a14:hiddenEffects xmlns:a14="http://schemas.microsoft.com/office/drawing/2010/main" xmlns="">
                 <a:effectLst>
                   <a:outerShdw blurRad="63500" dist="38099" dir="2700000" algn="ctr" rotWithShape="0">
                     <a:schemeClr val="bg2">
@@ -26334,7 +26939,7 @@
           <a:effectLst/>
           <a:extLst>
             <a:ext uri="{AF507438-7753-43e0-B8FC-AC1667EBCBE1}">
-              <a14:hiddenEffects xmlns="" xmlns:a14="http://schemas.microsoft.com/office/drawing/2010/main">
+              <a14:hiddenEffects xmlns:a14="http://schemas.microsoft.com/office/drawing/2010/main" xmlns="">
                 <a:effectLst>
                   <a:outerShdw blurRad="63500" dist="38099" dir="2700000" algn="ctr" rotWithShape="0">
                     <a:schemeClr val="bg2">
@@ -26425,7 +27030,7 @@
           <a:effectLst/>
           <a:extLst>
             <a:ext uri="{AF507438-7753-43e0-B8FC-AC1667EBCBE1}">
-              <a14:hiddenEffects xmlns="" xmlns:a14="http://schemas.microsoft.com/office/drawing/2010/main">
+              <a14:hiddenEffects xmlns:a14="http://schemas.microsoft.com/office/drawing/2010/main" xmlns="">
                 <a:effectLst>
                   <a:outerShdw blurRad="63500" dist="38099" dir="2700000" algn="ctr" rotWithShape="0">
                     <a:schemeClr val="bg2">
@@ -26516,7 +27121,7 @@
           <a:effectLst/>
           <a:extLst>
             <a:ext uri="{AF507438-7753-43e0-B8FC-AC1667EBCBE1}">
-              <a14:hiddenEffects xmlns="" xmlns:a14="http://schemas.microsoft.com/office/drawing/2010/main">
+              <a14:hiddenEffects xmlns:a14="http://schemas.microsoft.com/office/drawing/2010/main" xmlns="">
                 <a:effectLst>
                   <a:outerShdw blurRad="63500" dist="38099" dir="2700000" algn="ctr" rotWithShape="0">
                     <a:schemeClr val="bg2">
@@ -26607,7 +27212,7 @@
           <a:effectLst/>
           <a:extLst>
             <a:ext uri="{AF507438-7753-43e0-B8FC-AC1667EBCBE1}">
-              <a14:hiddenEffects xmlns="" xmlns:a14="http://schemas.microsoft.com/office/drawing/2010/main">
+              <a14:hiddenEffects xmlns:a14="http://schemas.microsoft.com/office/drawing/2010/main" xmlns="">
                 <a:effectLst>
                   <a:outerShdw blurRad="63500" dist="38099" dir="2700000" algn="ctr" rotWithShape="0">
                     <a:schemeClr val="bg2">
@@ -26698,7 +27303,7 @@
           <a:effectLst/>
           <a:extLst>
             <a:ext uri="{AF507438-7753-43e0-B8FC-AC1667EBCBE1}">
-              <a14:hiddenEffects xmlns="" xmlns:a14="http://schemas.microsoft.com/office/drawing/2010/main">
+              <a14:hiddenEffects xmlns:a14="http://schemas.microsoft.com/office/drawing/2010/main" xmlns="">
                 <a:effectLst>
                   <a:outerShdw blurRad="63500" dist="38099" dir="2700000" algn="ctr" rotWithShape="0">
                     <a:schemeClr val="bg2">
@@ -26790,7 +27395,7 @@
           <a:effectLst/>
           <a:extLst>
             <a:ext uri="{AF507438-7753-43e0-B8FC-AC1667EBCBE1}">
-              <a14:hiddenEffects xmlns="" xmlns:a14="http://schemas.microsoft.com/office/drawing/2010/main">
+              <a14:hiddenEffects xmlns:a14="http://schemas.microsoft.com/office/drawing/2010/main" xmlns="">
                 <a:effectLst>
                   <a:outerShdw blurRad="63500" dist="38099" dir="2700000" algn="ctr" rotWithShape="0">
                     <a:schemeClr val="bg2">
@@ -26941,7 +27546,7 @@
           <a:effectLst/>
           <a:extLst>
             <a:ext uri="{AF507438-7753-43e0-B8FC-AC1667EBCBE1}">
-              <a14:hiddenEffects xmlns="" xmlns:a14="http://schemas.microsoft.com/office/drawing/2010/main">
+              <a14:hiddenEffects xmlns:a14="http://schemas.microsoft.com/office/drawing/2010/main" xmlns="">
                 <a:effectLst>
                   <a:outerShdw blurRad="63500" dist="38099" dir="2700000" algn="ctr" rotWithShape="0">
                     <a:schemeClr val="bg2">
@@ -27032,7 +27637,7 @@
           <a:effectLst/>
           <a:extLst>
             <a:ext uri="{AF507438-7753-43e0-B8FC-AC1667EBCBE1}">
-              <a14:hiddenEffects xmlns="" xmlns:a14="http://schemas.microsoft.com/office/drawing/2010/main">
+              <a14:hiddenEffects xmlns:a14="http://schemas.microsoft.com/office/drawing/2010/main" xmlns="">
                 <a:effectLst>
                   <a:outerShdw blurRad="63500" dist="38099" dir="2700000" algn="ctr" rotWithShape="0">
                     <a:schemeClr val="bg2">
@@ -27119,7 +27724,7 @@
           <a:effectLst/>
           <a:extLst>
             <a:ext uri="{AF507438-7753-43e0-B8FC-AC1667EBCBE1}">
-              <a14:hiddenEffects xmlns="" xmlns:a14="http://schemas.microsoft.com/office/drawing/2010/main">
+              <a14:hiddenEffects xmlns:a14="http://schemas.microsoft.com/office/drawing/2010/main" xmlns="">
                 <a:effectLst>
                   <a:outerShdw blurRad="63500" dist="38099" dir="2700000" algn="ctr" rotWithShape="0">
                     <a:schemeClr val="bg2">
@@ -27208,7 +27813,7 @@
           <a:effectLst/>
           <a:extLst>
             <a:ext uri="{AF507438-7753-43e0-B8FC-AC1667EBCBE1}">
-              <a14:hiddenEffects xmlns="" xmlns:a14="http://schemas.microsoft.com/office/drawing/2010/main">
+              <a14:hiddenEffects xmlns:a14="http://schemas.microsoft.com/office/drawing/2010/main" xmlns="">
                 <a:effectLst>
                   <a:outerShdw blurRad="63500" dist="38099" dir="2700000" algn="ctr" rotWithShape="0">
                     <a:schemeClr val="bg2">
@@ -27256,7 +27861,7 @@
           <a:effectLst/>
           <a:extLst>
             <a:ext uri="{AF507438-7753-43e0-B8FC-AC1667EBCBE1}">
-              <a14:hiddenEffects xmlns="" xmlns:a14="http://schemas.microsoft.com/office/drawing/2010/main">
+              <a14:hiddenEffects xmlns:a14="http://schemas.microsoft.com/office/drawing/2010/main" xmlns="">
                 <a:effectLst>
                   <a:outerShdw blurRad="63500" dist="38099" dir="2700000" algn="ctr" rotWithShape="0">
                     <a:schemeClr val="bg2">
@@ -27307,7 +27912,7 @@
           <a:effectLst/>
           <a:extLst>
             <a:ext uri="{AF507438-7753-43e0-B8FC-AC1667EBCBE1}">
-              <a14:hiddenEffects xmlns="" xmlns:a14="http://schemas.microsoft.com/office/drawing/2010/main">
+              <a14:hiddenEffects xmlns:a14="http://schemas.microsoft.com/office/drawing/2010/main" xmlns="">
                 <a:effectLst>
                   <a:outerShdw blurRad="63500" dist="38099" dir="2700000" algn="ctr" rotWithShape="0">
                     <a:schemeClr val="bg2">
@@ -27357,7 +27962,7 @@
           <a:effectLst/>
           <a:extLst>
             <a:ext uri="{AF507438-7753-43e0-B8FC-AC1667EBCBE1}">
-              <a14:hiddenEffects xmlns="" xmlns:a14="http://schemas.microsoft.com/office/drawing/2010/main">
+              <a14:hiddenEffects xmlns:a14="http://schemas.microsoft.com/office/drawing/2010/main" xmlns="">
                 <a:effectLst>
                   <a:outerShdw blurRad="63500" dist="38099" dir="2700000" algn="ctr" rotWithShape="0">
                     <a:schemeClr val="bg2">
@@ -27407,7 +28012,7 @@
           <a:effectLst/>
           <a:extLst>
             <a:ext uri="{AF507438-7753-43e0-B8FC-AC1667EBCBE1}">
-              <a14:hiddenEffects xmlns="" xmlns:a14="http://schemas.microsoft.com/office/drawing/2010/main">
+              <a14:hiddenEffects xmlns:a14="http://schemas.microsoft.com/office/drawing/2010/main" xmlns="">
                 <a:effectLst>
                   <a:outerShdw blurRad="63500" dist="38099" dir="2700000" algn="ctr" rotWithShape="0">
                     <a:schemeClr val="bg2">
@@ -27458,7 +28063,7 @@
           <a:effectLst/>
           <a:extLst>
             <a:ext uri="{AF507438-7753-43e0-B8FC-AC1667EBCBE1}">
-              <a14:hiddenEffects xmlns="" xmlns:a14="http://schemas.microsoft.com/office/drawing/2010/main">
+              <a14:hiddenEffects xmlns:a14="http://schemas.microsoft.com/office/drawing/2010/main" xmlns="">
                 <a:effectLst>
                   <a:outerShdw blurRad="63500" dist="38099" dir="2700000" algn="ctr" rotWithShape="0">
                     <a:schemeClr val="bg2">
@@ -27509,7 +28114,7 @@
           <a:effectLst/>
           <a:extLst>
             <a:ext uri="{AF507438-7753-43e0-B8FC-AC1667EBCBE1}">
-              <a14:hiddenEffects xmlns="" xmlns:a14="http://schemas.microsoft.com/office/drawing/2010/main">
+              <a14:hiddenEffects xmlns:a14="http://schemas.microsoft.com/office/drawing/2010/main" xmlns="">
                 <a:effectLst>
                   <a:outerShdw blurRad="63500" dist="38099" dir="2700000" algn="ctr" rotWithShape="0">
                     <a:schemeClr val="bg2">
@@ -27557,7 +28162,7 @@
           <a:effectLst/>
           <a:extLst>
             <a:ext uri="{AF507438-7753-43e0-B8FC-AC1667EBCBE1}">
-              <a14:hiddenEffects xmlns="" xmlns:a14="http://schemas.microsoft.com/office/drawing/2010/main">
+              <a14:hiddenEffects xmlns:a14="http://schemas.microsoft.com/office/drawing/2010/main" xmlns="">
                 <a:effectLst>
                   <a:outerShdw blurRad="63500" dist="38099" dir="2700000" algn="ctr" rotWithShape="0">
                     <a:schemeClr val="bg2">
@@ -27644,7 +28249,7 @@
           <a:effectLst/>
           <a:extLst>
             <a:ext uri="{AF507438-7753-43e0-B8FC-AC1667EBCBE1}">
-              <a14:hiddenEffects xmlns="" xmlns:a14="http://schemas.microsoft.com/office/drawing/2010/main">
+              <a14:hiddenEffects xmlns:a14="http://schemas.microsoft.com/office/drawing/2010/main" xmlns="">
                 <a:effectLst>
                   <a:outerShdw blurRad="63500" dist="38099" dir="2700000" algn="ctr" rotWithShape="0">
                     <a:schemeClr val="bg2">
@@ -27733,7 +28338,7 @@
           <a:effectLst/>
           <a:extLst>
             <a:ext uri="{AF507438-7753-43e0-B8FC-AC1667EBCBE1}">
-              <a14:hiddenEffects xmlns="" xmlns:a14="http://schemas.microsoft.com/office/drawing/2010/main">
+              <a14:hiddenEffects xmlns:a14="http://schemas.microsoft.com/office/drawing/2010/main" xmlns="">
                 <a:effectLst>
                   <a:outerShdw blurRad="63500" dist="38099" dir="2700000" algn="ctr" rotWithShape="0">
                     <a:schemeClr val="bg2">
@@ -28173,7 +28778,7 @@
           <a:effectLst/>
           <a:extLst>
             <a:ext uri="{AF507438-7753-43e0-B8FC-AC1667EBCBE1}">
-              <a14:hiddenEffects xmlns="" xmlns:a14="http://schemas.microsoft.com/office/drawing/2010/main">
+              <a14:hiddenEffects xmlns:a14="http://schemas.microsoft.com/office/drawing/2010/main" xmlns="">
                 <a:effectLst>
                   <a:outerShdw blurRad="63500" dist="38099" dir="2700000" algn="ctr" rotWithShape="0">
                     <a:schemeClr val="bg2">
@@ -28311,14 +28916,14 @@
           <a:noFill/>
           <a:extLst>
             <a:ext uri="{909E8E84-426E-40dd-AFC4-6F175D3DCCD1}">
-              <a14:hiddenFill xmlns="" xmlns:a14="http://schemas.microsoft.com/office/drawing/2010/main">
+              <a14:hiddenFill xmlns:a14="http://schemas.microsoft.com/office/drawing/2010/main" xmlns="">
                 <a:solidFill>
                   <a:srgbClr val="FFFFFF"/>
                 </a:solidFill>
               </a14:hiddenFill>
             </a:ext>
             <a:ext uri="{91240B29-F687-4f45-9708-019B960494DF}">
-              <a14:hiddenLine xmlns="" xmlns:a14="http://schemas.microsoft.com/office/drawing/2010/main" w="9525">
+              <a14:hiddenLine xmlns:a14="http://schemas.microsoft.com/office/drawing/2010/main" xmlns="" w="9525">
                 <a:solidFill>
                   <a:srgbClr val="000000"/>
                 </a:solidFill>
@@ -28328,7 +28933,7 @@
               </a14:hiddenLine>
             </a:ext>
             <a:ext uri="{FAA26D3D-D897-4be2-8F04-BA451C77F1D7}">
-              <ma14:placeholderFlag xmlns="" xmlns:ma14="http://schemas.microsoft.com/office/mac/drawingml/2011/main" val="1"/>
+              <ma14:placeholderFlag xmlns:ma14="http://schemas.microsoft.com/office/mac/drawingml/2011/main" xmlns="" val="1"/>
             </a:ext>
           </a:extLst>
         </p:spPr>
@@ -28350,18 +28955,7 @@
                 <a:ea typeface="ヒラギノ角ゴ ProN W3" charset="0"/>
                 <a:cs typeface="Source Sans Pro Light" charset="0"/>
               </a:rPr>
-              <a:t>How to use Deep Learning for Marketing? | Visual </a:t>
-            </a:r>
-            <a:r>
-              <a:rPr lang="de-DE" smtClean="0">
-                <a:solidFill>
-                  <a:srgbClr val="D9D9D9"/>
-                </a:solidFill>
-                <a:latin typeface="Source Sans Pro Light" charset="0"/>
-                <a:ea typeface="ヒラギノ角ゴ ProN W3" charset="0"/>
-                <a:cs typeface="Source Sans Pro Light" charset="0"/>
-              </a:rPr>
-              <a:t>Listening</a:t>
+              <a:t>How to use Deep Learning for Marketing? </a:t>
             </a:r>
             <a:endParaRPr lang="de-DE" b="1">
               <a:solidFill>
@@ -28371,6 +28965,402 @@
               <a:ea typeface="ヒラギノ角ゴ ProN W3" charset="0"/>
               <a:cs typeface="Source Sans Pro Light" charset="0"/>
             </a:endParaRPr>
+          </a:p>
+        </p:txBody>
+      </p:sp>
+      <p:sp>
+        <p:nvSpPr>
+          <p:cNvPr id="11" name="TextBox 10"/>
+          <p:cNvSpPr txBox="1"/>
+          <p:nvPr/>
+        </p:nvSpPr>
+        <p:spPr>
+          <a:xfrm>
+            <a:off x="452500" y="1527524"/>
+            <a:ext cx="345356" cy="400110"/>
+          </a:xfrm>
+          <a:prstGeom prst="rect">
+            <a:avLst/>
+          </a:prstGeom>
+          <a:ln w="12700"/>
+        </p:spPr>
+        <p:style>
+          <a:lnRef idx="2">
+            <a:schemeClr val="accent4"/>
+          </a:lnRef>
+          <a:fillRef idx="1">
+            <a:schemeClr val="lt1"/>
+          </a:fillRef>
+          <a:effectRef idx="0">
+            <a:schemeClr val="accent4"/>
+          </a:effectRef>
+          <a:fontRef idx="minor">
+            <a:schemeClr val="dk1"/>
+          </a:fontRef>
+        </p:style>
+        <p:txBody>
+          <a:bodyPr wrap="square" rtlCol="0">
+            <a:spAutoFit/>
+          </a:bodyPr>
+          <a:lstStyle/>
+          <a:p>
+            <a:r>
+              <a:rPr lang="de-CH" sz="2000" b="1" smtClean="0"/>
+              <a:t>1</a:t>
+            </a:r>
+            <a:endParaRPr lang="en-US" sz="2000" b="1"/>
+          </a:p>
+        </p:txBody>
+      </p:sp>
+      <p:sp>
+        <p:nvSpPr>
+          <p:cNvPr id="37" name="TextBox 36"/>
+          <p:cNvSpPr txBox="1"/>
+          <p:nvPr/>
+        </p:nvSpPr>
+        <p:spPr>
+          <a:xfrm>
+            <a:off x="2955578" y="1498784"/>
+            <a:ext cx="345356" cy="400110"/>
+          </a:xfrm>
+          <a:prstGeom prst="rect">
+            <a:avLst/>
+          </a:prstGeom>
+          <a:ln w="12700"/>
+        </p:spPr>
+        <p:style>
+          <a:lnRef idx="2">
+            <a:schemeClr val="accent4"/>
+          </a:lnRef>
+          <a:fillRef idx="1">
+            <a:schemeClr val="lt1"/>
+          </a:fillRef>
+          <a:effectRef idx="0">
+            <a:schemeClr val="accent4"/>
+          </a:effectRef>
+          <a:fontRef idx="minor">
+            <a:schemeClr val="dk1"/>
+          </a:fontRef>
+        </p:style>
+        <p:txBody>
+          <a:bodyPr wrap="square" rtlCol="0">
+            <a:spAutoFit/>
+          </a:bodyPr>
+          <a:lstStyle/>
+          <a:p>
+            <a:r>
+              <a:rPr lang="de-CH" sz="2000" b="1"/>
+              <a:t>2</a:t>
+            </a:r>
+            <a:endParaRPr lang="en-US" sz="2000" b="1"/>
+          </a:p>
+        </p:txBody>
+      </p:sp>
+      <p:sp>
+        <p:nvSpPr>
+          <p:cNvPr id="38" name="TextBox 37"/>
+          <p:cNvSpPr txBox="1"/>
+          <p:nvPr/>
+        </p:nvSpPr>
+        <p:spPr>
+          <a:xfrm>
+            <a:off x="2935300" y="2628992"/>
+            <a:ext cx="345356" cy="400110"/>
+          </a:xfrm>
+          <a:prstGeom prst="rect">
+            <a:avLst/>
+          </a:prstGeom>
+          <a:ln w="12700"/>
+        </p:spPr>
+        <p:style>
+          <a:lnRef idx="2">
+            <a:schemeClr val="accent4"/>
+          </a:lnRef>
+          <a:fillRef idx="1">
+            <a:schemeClr val="lt1"/>
+          </a:fillRef>
+          <a:effectRef idx="0">
+            <a:schemeClr val="accent4"/>
+          </a:effectRef>
+          <a:fontRef idx="minor">
+            <a:schemeClr val="dk1"/>
+          </a:fontRef>
+        </p:style>
+        <p:txBody>
+          <a:bodyPr wrap="square" rtlCol="0">
+            <a:spAutoFit/>
+          </a:bodyPr>
+          <a:lstStyle/>
+          <a:p>
+            <a:r>
+              <a:rPr lang="de-CH" sz="2000" b="1" smtClean="0"/>
+              <a:t>3</a:t>
+            </a:r>
+            <a:endParaRPr lang="en-US" sz="2000" b="1"/>
+          </a:p>
+        </p:txBody>
+      </p:sp>
+      <p:sp>
+        <p:nvSpPr>
+          <p:cNvPr id="39" name="TextBox 38"/>
+          <p:cNvSpPr txBox="1"/>
+          <p:nvPr/>
+        </p:nvSpPr>
+        <p:spPr>
+          <a:xfrm>
+            <a:off x="4867741" y="2598831"/>
+            <a:ext cx="345356" cy="400110"/>
+          </a:xfrm>
+          <a:prstGeom prst="rect">
+            <a:avLst/>
+          </a:prstGeom>
+          <a:ln w="12700"/>
+        </p:spPr>
+        <p:style>
+          <a:lnRef idx="2">
+            <a:schemeClr val="accent4"/>
+          </a:lnRef>
+          <a:fillRef idx="1">
+            <a:schemeClr val="lt1"/>
+          </a:fillRef>
+          <a:effectRef idx="0">
+            <a:schemeClr val="accent4"/>
+          </a:effectRef>
+          <a:fontRef idx="minor">
+            <a:schemeClr val="dk1"/>
+          </a:fontRef>
+        </p:style>
+        <p:txBody>
+          <a:bodyPr wrap="square" rtlCol="0">
+            <a:spAutoFit/>
+          </a:bodyPr>
+          <a:lstStyle/>
+          <a:p>
+            <a:r>
+              <a:rPr lang="de-CH" sz="2000" b="1"/>
+              <a:t>4</a:t>
+            </a:r>
+            <a:endParaRPr lang="en-US" sz="2000" b="1"/>
+          </a:p>
+        </p:txBody>
+      </p:sp>
+      <p:sp>
+        <p:nvSpPr>
+          <p:cNvPr id="40" name="TextBox 39"/>
+          <p:cNvSpPr txBox="1"/>
+          <p:nvPr/>
+        </p:nvSpPr>
+        <p:spPr>
+          <a:xfrm>
+            <a:off x="6294150" y="2586317"/>
+            <a:ext cx="345356" cy="400110"/>
+          </a:xfrm>
+          <a:prstGeom prst="rect">
+            <a:avLst/>
+          </a:prstGeom>
+          <a:ln w="12700"/>
+        </p:spPr>
+        <p:style>
+          <a:lnRef idx="2">
+            <a:schemeClr val="accent4"/>
+          </a:lnRef>
+          <a:fillRef idx="1">
+            <a:schemeClr val="lt1"/>
+          </a:fillRef>
+          <a:effectRef idx="0">
+            <a:schemeClr val="accent4"/>
+          </a:effectRef>
+          <a:fontRef idx="minor">
+            <a:schemeClr val="dk1"/>
+          </a:fontRef>
+        </p:style>
+        <p:txBody>
+          <a:bodyPr wrap="square" rtlCol="0">
+            <a:spAutoFit/>
+          </a:bodyPr>
+          <a:lstStyle/>
+          <a:p>
+            <a:r>
+              <a:rPr lang="de-CH" sz="2000" b="1" smtClean="0"/>
+              <a:t>5</a:t>
+            </a:r>
+            <a:endParaRPr lang="en-US" sz="2000" b="1"/>
+          </a:p>
+        </p:txBody>
+      </p:sp>
+      <p:sp>
+        <p:nvSpPr>
+          <p:cNvPr id="42" name="TextBox 41"/>
+          <p:cNvSpPr txBox="1"/>
+          <p:nvPr/>
+        </p:nvSpPr>
+        <p:spPr>
+          <a:xfrm>
+            <a:off x="451919" y="3990088"/>
+            <a:ext cx="345356" cy="400110"/>
+          </a:xfrm>
+          <a:prstGeom prst="rect">
+            <a:avLst/>
+          </a:prstGeom>
+          <a:ln w="12700"/>
+        </p:spPr>
+        <p:style>
+          <a:lnRef idx="2">
+            <a:schemeClr val="accent4"/>
+          </a:lnRef>
+          <a:fillRef idx="1">
+            <a:schemeClr val="lt1"/>
+          </a:fillRef>
+          <a:effectRef idx="0">
+            <a:schemeClr val="accent4"/>
+          </a:effectRef>
+          <a:fontRef idx="minor">
+            <a:schemeClr val="dk1"/>
+          </a:fontRef>
+        </p:style>
+        <p:txBody>
+          <a:bodyPr wrap="square" rtlCol="0">
+            <a:spAutoFit/>
+          </a:bodyPr>
+          <a:lstStyle/>
+          <a:p>
+            <a:r>
+              <a:rPr lang="de-CH" sz="2000" b="1"/>
+              <a:t>6</a:t>
+            </a:r>
+            <a:endParaRPr lang="en-US" sz="2000" b="1"/>
+          </a:p>
+        </p:txBody>
+      </p:sp>
+      <p:sp>
+        <p:nvSpPr>
+          <p:cNvPr id="43" name="TextBox 42"/>
+          <p:cNvSpPr txBox="1"/>
+          <p:nvPr/>
+        </p:nvSpPr>
+        <p:spPr>
+          <a:xfrm>
+            <a:off x="2886598" y="3958683"/>
+            <a:ext cx="345356" cy="400110"/>
+          </a:xfrm>
+          <a:prstGeom prst="rect">
+            <a:avLst/>
+          </a:prstGeom>
+          <a:ln w="12700"/>
+        </p:spPr>
+        <p:style>
+          <a:lnRef idx="2">
+            <a:schemeClr val="accent4"/>
+          </a:lnRef>
+          <a:fillRef idx="1">
+            <a:schemeClr val="lt1"/>
+          </a:fillRef>
+          <a:effectRef idx="0">
+            <a:schemeClr val="accent4"/>
+          </a:effectRef>
+          <a:fontRef idx="minor">
+            <a:schemeClr val="dk1"/>
+          </a:fontRef>
+        </p:style>
+        <p:txBody>
+          <a:bodyPr wrap="square" rtlCol="0">
+            <a:spAutoFit/>
+          </a:bodyPr>
+          <a:lstStyle/>
+          <a:p>
+            <a:r>
+              <a:rPr lang="de-CH" sz="2000" b="1" smtClean="0"/>
+              <a:t>7</a:t>
+            </a:r>
+            <a:endParaRPr lang="en-US" sz="2000" b="1"/>
+          </a:p>
+        </p:txBody>
+      </p:sp>
+      <p:sp>
+        <p:nvSpPr>
+          <p:cNvPr id="44" name="TextBox 43"/>
+          <p:cNvSpPr txBox="1"/>
+          <p:nvPr/>
+        </p:nvSpPr>
+        <p:spPr>
+          <a:xfrm>
+            <a:off x="2933260" y="5125359"/>
+            <a:ext cx="345356" cy="400110"/>
+          </a:xfrm>
+          <a:prstGeom prst="rect">
+            <a:avLst/>
+          </a:prstGeom>
+          <a:ln w="12700"/>
+        </p:spPr>
+        <p:style>
+          <a:lnRef idx="2">
+            <a:schemeClr val="accent4"/>
+          </a:lnRef>
+          <a:fillRef idx="1">
+            <a:schemeClr val="lt1"/>
+          </a:fillRef>
+          <a:effectRef idx="0">
+            <a:schemeClr val="accent4"/>
+          </a:effectRef>
+          <a:fontRef idx="minor">
+            <a:schemeClr val="dk1"/>
+          </a:fontRef>
+        </p:style>
+        <p:txBody>
+          <a:bodyPr wrap="square" rtlCol="0">
+            <a:spAutoFit/>
+          </a:bodyPr>
+          <a:lstStyle/>
+          <a:p>
+            <a:r>
+              <a:rPr lang="de-CH" sz="2000" b="1"/>
+              <a:t>8</a:t>
+            </a:r>
+            <a:endParaRPr lang="en-US" sz="2000" b="1"/>
+          </a:p>
+        </p:txBody>
+      </p:sp>
+      <p:sp>
+        <p:nvSpPr>
+          <p:cNvPr id="45" name="TextBox 44"/>
+          <p:cNvSpPr txBox="1"/>
+          <p:nvPr/>
+        </p:nvSpPr>
+        <p:spPr>
+          <a:xfrm>
+            <a:off x="6498893" y="5122973"/>
+            <a:ext cx="345356" cy="400110"/>
+          </a:xfrm>
+          <a:prstGeom prst="rect">
+            <a:avLst/>
+          </a:prstGeom>
+          <a:ln w="12700"/>
+        </p:spPr>
+        <p:style>
+          <a:lnRef idx="2">
+            <a:schemeClr val="accent4"/>
+          </a:lnRef>
+          <a:fillRef idx="1">
+            <a:schemeClr val="lt1"/>
+          </a:fillRef>
+          <a:effectRef idx="0">
+            <a:schemeClr val="accent4"/>
+          </a:effectRef>
+          <a:fontRef idx="minor">
+            <a:schemeClr val="dk1"/>
+          </a:fontRef>
+        </p:style>
+        <p:txBody>
+          <a:bodyPr wrap="square" rtlCol="0">
+            <a:spAutoFit/>
+          </a:bodyPr>
+          <a:lstStyle/>
+          <a:p>
+            <a:r>
+              <a:rPr lang="de-CH" sz="2000" b="1" smtClean="0"/>
+              <a:t>9</a:t>
+            </a:r>
+            <a:endParaRPr lang="en-US" sz="2000" b="1"/>
           </a:p>
         </p:txBody>
       </p:sp>
@@ -28423,14 +29413,14 @@
           <a:noFill/>
           <a:extLst>
             <a:ext uri="{909E8E84-426E-40dd-AFC4-6F175D3DCCD1}">
-              <a14:hiddenFill xmlns="" xmlns:a14="http://schemas.microsoft.com/office/drawing/2010/main">
+              <a14:hiddenFill xmlns:a14="http://schemas.microsoft.com/office/drawing/2010/main" xmlns="">
                 <a:solidFill>
                   <a:srgbClr val="FFFFFF"/>
                 </a:solidFill>
               </a14:hiddenFill>
             </a:ext>
             <a:ext uri="{91240B29-F687-4f45-9708-019B960494DF}">
-              <a14:hiddenLine xmlns="" xmlns:a14="http://schemas.microsoft.com/office/drawing/2010/main" w="9525">
+              <a14:hiddenLine xmlns:a14="http://schemas.microsoft.com/office/drawing/2010/main" xmlns="" w="9525">
                 <a:solidFill>
                   <a:srgbClr val="000000"/>
                 </a:solidFill>
@@ -28440,7 +29430,7 @@
               </a14:hiddenLine>
             </a:ext>
             <a:ext uri="{FAA26D3D-D897-4be2-8F04-BA451C77F1D7}">
-              <ma14:placeholderFlag xmlns="" xmlns:ma14="http://schemas.microsoft.com/office/mac/drawingml/2011/main" val="1"/>
+              <ma14:placeholderFlag xmlns:ma14="http://schemas.microsoft.com/office/mac/drawingml/2011/main" xmlns="" val="1"/>
             </a:ext>
           </a:extLst>
         </p:spPr>
@@ -28493,7 +29483,7 @@
             </a:pPr>
             <a:r>
               <a:rPr lang="de-DE" smtClean="0"/>
-              <a:t>AI4Marketing</a:t>
+              <a:t>DL4Marketing</a:t>
             </a:r>
             <a:endParaRPr lang="de-DE"/>
           </a:p>
@@ -28584,19 +29574,11 @@
             </a:r>
             <a:r>
               <a:rPr lang="de-CH"/>
-              <a:t>attribute «</a:t>
-            </a:r>
-            <a:r>
-              <a:rPr lang="de-CH"/>
-              <a:t>healthy</a:t>
+              <a:t>attribute «healthy</a:t>
             </a:r>
             <a:r>
               <a:rPr lang="de-CH" smtClean="0"/>
-              <a:t>», </a:t>
-            </a:r>
-            <a:r>
-              <a:rPr lang="de-CH" smtClean="0"/>
-              <a:t>but necessitates complexity vs. slimmed-down model design for user-friendliness and fast computing results</a:t>
+              <a:t>», but necessitates complexity vs. slimmed-down model design for user-friendliness and fast computing results</a:t>
             </a:r>
           </a:p>
           <a:p>
@@ -28692,14 +29674,14 @@
           <a:noFill/>
           <a:extLst>
             <a:ext uri="{909E8E84-426E-40dd-AFC4-6F175D3DCCD1}">
-              <a14:hiddenFill xmlns="" xmlns:a14="http://schemas.microsoft.com/office/drawing/2010/main">
+              <a14:hiddenFill xmlns:a14="http://schemas.microsoft.com/office/drawing/2010/main" xmlns="">
                 <a:solidFill>
                   <a:srgbClr val="FFFFFF"/>
                 </a:solidFill>
               </a14:hiddenFill>
             </a:ext>
             <a:ext uri="{91240B29-F687-4f45-9708-019B960494DF}">
-              <a14:hiddenLine xmlns="" xmlns:a14="http://schemas.microsoft.com/office/drawing/2010/main" w="9525">
+              <a14:hiddenLine xmlns:a14="http://schemas.microsoft.com/office/drawing/2010/main" xmlns="" w="9525">
                 <a:solidFill>
                   <a:srgbClr val="000000"/>
                 </a:solidFill>
@@ -28709,7 +29691,7 @@
               </a14:hiddenLine>
             </a:ext>
             <a:ext uri="{FAA26D3D-D897-4be2-8F04-BA451C77F1D7}">
-              <ma14:placeholderFlag xmlns="" xmlns:ma14="http://schemas.microsoft.com/office/mac/drawingml/2011/main" val="1"/>
+              <ma14:placeholderFlag xmlns:ma14="http://schemas.microsoft.com/office/mac/drawingml/2011/main" xmlns="" val="1"/>
             </a:ext>
           </a:extLst>
         </p:spPr>
@@ -28731,7 +29713,7 @@
                 <a:ea typeface="ヒラギノ角ゴ ProN W3" charset="0"/>
                 <a:cs typeface="Source Sans Pro Light" charset="0"/>
               </a:rPr>
-              <a:t>How to use Deep Learning for Marketing? | Visual </a:t>
+              <a:t>How to use Deep Learning for </a:t>
             </a:r>
             <a:r>
               <a:rPr lang="de-DE" smtClean="0">
@@ -28742,7 +29724,7 @@
                 <a:ea typeface="ヒラギノ角ゴ ProN W3" charset="0"/>
                 <a:cs typeface="Source Sans Pro Light" charset="0"/>
               </a:rPr>
-              <a:t>Listening</a:t>
+              <a:t>Marketing?</a:t>
             </a:r>
             <a:endParaRPr lang="de-DE" b="1">
               <a:solidFill>
@@ -28799,14 +29781,14 @@
           <a:noFill/>
           <a:extLst>
             <a:ext uri="{909E8E84-426E-40dd-AFC4-6F175D3DCCD1}">
-              <a14:hiddenFill xmlns="" xmlns:a14="http://schemas.microsoft.com/office/drawing/2010/main">
+              <a14:hiddenFill xmlns:a14="http://schemas.microsoft.com/office/drawing/2010/main" xmlns="">
                 <a:solidFill>
                   <a:srgbClr val="FFFFFF"/>
                 </a:solidFill>
               </a14:hiddenFill>
             </a:ext>
             <a:ext uri="{91240B29-F687-4f45-9708-019B960494DF}">
-              <a14:hiddenLine xmlns="" xmlns:a14="http://schemas.microsoft.com/office/drawing/2010/main" w="9525">
+              <a14:hiddenLine xmlns:a14="http://schemas.microsoft.com/office/drawing/2010/main" xmlns="" w="9525">
                 <a:solidFill>
                   <a:srgbClr val="000000"/>
                 </a:solidFill>
@@ -28894,14 +29876,14 @@
           <a:noFill/>
           <a:extLst>
             <a:ext uri="{909E8E84-426E-40dd-AFC4-6F175D3DCCD1}">
-              <a14:hiddenFill xmlns="" xmlns:a14="http://schemas.microsoft.com/office/drawing/2010/main">
+              <a14:hiddenFill xmlns:a14="http://schemas.microsoft.com/office/drawing/2010/main" xmlns="">
                 <a:solidFill>
                   <a:srgbClr val="FFFFFF"/>
                 </a:solidFill>
               </a14:hiddenFill>
             </a:ext>
             <a:ext uri="{91240B29-F687-4f45-9708-019B960494DF}">
-              <a14:hiddenLine xmlns="" xmlns:a14="http://schemas.microsoft.com/office/drawing/2010/main" w="9525">
+              <a14:hiddenLine xmlns:a14="http://schemas.microsoft.com/office/drawing/2010/main" xmlns="" w="9525">
                 <a:solidFill>
                   <a:srgbClr val="000000"/>
                 </a:solidFill>
@@ -29245,7 +30227,7 @@
         <a:effectLst/>
         <a:extLst>
           <a:ext uri="{AF507438-7753-43e0-B8FC-AC1667EBCBE1}">
-            <a14:hiddenEffects xmlns="" xmlns:a14="http://schemas.microsoft.com/office/drawing/2010/main">
+            <a14:hiddenEffects xmlns:a14="http://schemas.microsoft.com/office/drawing/2010/main" xmlns="">
               <a:effectLst>
                 <a:outerShdw blurRad="63500" dist="38099" dir="2700000" algn="ctr" rotWithShape="0">
                   <a:schemeClr val="bg2">
@@ -29323,7 +30305,7 @@
         <a:effectLst/>
         <a:extLst>
           <a:ext uri="{AF507438-7753-43e0-B8FC-AC1667EBCBE1}">
-            <a14:hiddenEffects xmlns="" xmlns:a14="http://schemas.microsoft.com/office/drawing/2010/main">
+            <a14:hiddenEffects xmlns:a14="http://schemas.microsoft.com/office/drawing/2010/main" xmlns="">
               <a:effectLst>
                 <a:outerShdw blurRad="63500" dist="38099" dir="2700000" algn="ctr" rotWithShape="0">
                   <a:schemeClr val="bg2">

--- a/about_me/Visual Listening In_Draft_LS.pptx
+++ b/about_me/Visual Listening In_Draft_LS.pptx
@@ -14609,7 +14609,6 @@
               <a:rPr lang="de-CH" baseline="0" smtClean="0"/>
               <a:t> Image Portrayed on Social Media. </a:t>
             </a:r>
-            <a:endParaRPr lang="de-CH" baseline="0" smtClean="0"/>
           </a:p>
           <a:p>
             <a:r>
@@ -14677,7 +14676,7 @@
                 <a:ea typeface="MS PGothic" panose="020B0600070205080204" pitchFamily="34" charset="-128"/>
                 <a:cs typeface="MS PGothic" charset="0"/>
               </a:rPr>
-              <a:t>Our project</a:t>
+              <a:t>This involves replicating a </a:t>
             </a:r>
             <a:r>
               <a:rPr lang="en-US" sz="1200" kern="1200" baseline="0" smtClean="0">
@@ -14689,7 +14688,19 @@
                 <a:ea typeface="MS PGothic" panose="020B0600070205080204" pitchFamily="34" charset="-128"/>
                 <a:cs typeface="MS PGothic" charset="0"/>
               </a:rPr>
-              <a:t> aims to replicate the study done by </a:t>
+              <a:t>study </a:t>
+            </a:r>
+            <a:r>
+              <a:rPr lang="en-US" sz="1200" kern="1200" baseline="0" smtClean="0">
+                <a:solidFill>
+                  <a:schemeClr val="tx1"/>
+                </a:solidFill>
+                <a:effectLst/>
+                <a:latin typeface="+mn-lt"/>
+                <a:ea typeface="MS PGothic" panose="020B0600070205080204" pitchFamily="34" charset="-128"/>
+                <a:cs typeface="MS PGothic" charset="0"/>
+              </a:rPr>
+              <a:t>done by </a:t>
             </a:r>
             <a:r>
               <a:rPr lang="en-US" sz="1200" kern="1200" smtClean="0">
@@ -14756,11 +14767,7 @@
           <a:p>
             <a:r>
               <a:rPr lang="de-CH" baseline="0" smtClean="0"/>
-              <a:t>Our team members consists of Neeraj, Linda, Theebana and Vincent. </a:t>
-            </a:r>
-            <a:r>
-              <a:rPr lang="de-CH" baseline="0" smtClean="0"/>
-              <a:t>Neeraj formed a deep learning architecture for automating image classification of annotated Flickr images as either being healthy, natural, fun, rugged or not. </a:t>
+              <a:t>Our team members consists of Neeraj, Linda, Theebana and Vincent. Neeraj formed a deep learning architecture for automating image classification of annotated Flickr images as either being healthy, natural, fun, rugged or not. </a:t>
             </a:r>
           </a:p>
           <a:p>
@@ -15316,7 +15323,55 @@
                 <a:ea typeface="ヒラギノ角ゴ ProN W3" charset="0"/>
                 <a:cs typeface="Source Sans Pro Light" charset="0"/>
               </a:rPr>
-              <a:t>Machine Learning</a:t>
+              <a:t>TODO @</a:t>
+            </a:r>
+            <a:r>
+              <a:rPr lang="de-CH" b="1" i="0" baseline="0" smtClean="0">
+                <a:latin typeface="Source Sans Pro Light" charset="0"/>
+                <a:ea typeface="ヒラギノ角ゴ ProN W3" charset="0"/>
+                <a:cs typeface="Source Sans Pro Light" charset="0"/>
+              </a:rPr>
+              <a:t> Neeraj </a:t>
+            </a:r>
+            <a:endParaRPr lang="de-CH" b="1" i="0" smtClean="0">
+              <a:latin typeface="Source Sans Pro Light" charset="0"/>
+              <a:ea typeface="ヒラギノ角ゴ ProN W3" charset="0"/>
+              <a:cs typeface="Source Sans Pro Light" charset="0"/>
+            </a:endParaRPr>
+          </a:p>
+          <a:p>
+            <a:pPr marL="0" marR="0" lvl="0" indent="0" algn="l" defTabSz="455613" rtl="0" eaLnBrk="0" fontAlgn="base" latinLnBrk="0" hangingPunct="0">
+              <a:lnSpc>
+                <a:spcPct val="100000"/>
+              </a:lnSpc>
+              <a:spcBef>
+                <a:spcPct val="30000"/>
+              </a:spcBef>
+              <a:spcAft>
+                <a:spcPct val="0"/>
+              </a:spcAft>
+              <a:buClrTx/>
+              <a:buSzTx/>
+              <a:buFontTx/>
+              <a:buNone/>
+              <a:tabLst/>
+              <a:defRPr/>
+            </a:pPr>
+            <a:r>
+              <a:rPr lang="de-CH" b="1" i="0" smtClean="0">
+                <a:latin typeface="Source Sans Pro Light" charset="0"/>
+                <a:ea typeface="ヒラギノ角ゴ ProN W3" charset="0"/>
+                <a:cs typeface="Source Sans Pro Light" charset="0"/>
+              </a:rPr>
+              <a:t>Machine </a:t>
+            </a:r>
+            <a:r>
+              <a:rPr lang="de-CH" b="1" i="0" smtClean="0">
+                <a:latin typeface="Source Sans Pro Light" charset="0"/>
+                <a:ea typeface="ヒラギノ角ゴ ProN W3" charset="0"/>
+                <a:cs typeface="Source Sans Pro Light" charset="0"/>
+              </a:rPr>
+              <a:t>Learning</a:t>
             </a:r>
             <a:r>
               <a:rPr lang="de-CH" smtClean="0">
@@ -15438,9 +15493,43 @@
           <a:bodyPr/>
           <a:lstStyle/>
           <a:p>
+            <a:pPr marL="0" marR="0" lvl="0" indent="0" algn="l" defTabSz="455613" rtl="0" eaLnBrk="0" fontAlgn="base" latinLnBrk="0" hangingPunct="0">
+              <a:lnSpc>
+                <a:spcPct val="100000"/>
+              </a:lnSpc>
+              <a:spcBef>
+                <a:spcPct val="30000"/>
+              </a:spcBef>
+              <a:spcAft>
+                <a:spcPct val="0"/>
+              </a:spcAft>
+              <a:buClrTx/>
+              <a:buSzTx/>
+              <a:buFontTx/>
+              <a:buNone/>
+              <a:tabLst/>
+              <a:defRPr/>
+            </a:pPr>
+            <a:r>
+              <a:rPr lang="de-CH" smtClean="0"/>
+              <a:t>TODO</a:t>
+            </a:r>
+            <a:r>
+              <a:rPr lang="de-CH" baseline="0" smtClean="0"/>
+              <a:t> </a:t>
+            </a:r>
+          </a:p>
+          <a:p>
+            <a:endParaRPr lang="en-US" smtClean="0"/>
+          </a:p>
+          <a:p>
             <a:r>
               <a:rPr lang="en-US" smtClean="0"/>
-              <a:t>one vs rest approach of multiclass classification, we need to create 4 classifiers one for each attribute.</a:t>
+              <a:t>one </a:t>
+            </a:r>
+            <a:r>
+              <a:rPr lang="en-US" smtClean="0"/>
+              <a:t>vs rest approach of multiclass classification, we need to create 4 classifiers one for each attribute.</a:t>
             </a:r>
             <a:endParaRPr lang="en-US"/>
           </a:p>
@@ -15524,7 +15613,9 @@
         </p:nvSpPr>
         <p:spPr/>
         <p:txBody>
-          <a:bodyPr/>
+          <a:bodyPr>
+            <a:normAutofit lnSpcReduction="10000"/>
+          </a:bodyPr>
           <a:lstStyle/>
           <a:p>
             <a:pPr marL="0" marR="0" lvl="0" indent="0" algn="l" defTabSz="455613" rtl="0" eaLnBrk="0" fontAlgn="base" latinLnBrk="0" hangingPunct="0">
@@ -15546,7 +15637,11 @@
             </a:pPr>
             <a:r>
               <a:rPr lang="de-CH" smtClean="0"/>
-              <a:t>Twitter vs. Pinterest</a:t>
+              <a:t>TODO</a:t>
+            </a:r>
+            <a:r>
+              <a:rPr lang="de-CH" baseline="0" smtClean="0"/>
+              <a:t> </a:t>
             </a:r>
           </a:p>
           <a:p>
@@ -15589,30 +15684,19 @@
             </a:pPr>
             <a:r>
               <a:rPr lang="de-CH" smtClean="0"/>
-              <a:t>12 attributes (calm, cheerful, confident, creative, exciting, fiery, happy, intelligent, natural, reliable, strong, wholesome) </a:t>
-            </a:r>
-          </a:p>
-          <a:p>
-            <a:pPr marL="0" marR="0" lvl="0" indent="0" algn="l" defTabSz="455613" rtl="0" eaLnBrk="0" fontAlgn="base" latinLnBrk="0" hangingPunct="0">
-              <a:lnSpc>
-                <a:spcPct val="100000"/>
-              </a:lnSpc>
-              <a:spcBef>
-                <a:spcPct val="30000"/>
-              </a:spcBef>
-              <a:spcAft>
-                <a:spcPct val="0"/>
-              </a:spcAft>
-              <a:buClrTx/>
-              <a:buSzTx/>
-              <a:buFontTx/>
-              <a:buNone/>
-              <a:tabLst/>
-              <a:defRPr/>
-            </a:pPr>
-            <a:r>
-              <a:rPr lang="en-US" smtClean="0"/>
-              <a:t>This is the reason why **we can only have brands that are listed in this dataframe** and **no other brands**.</a:t>
+              <a:t>Besides Flickr and Instagram, we considered getting images from Twitter and</a:t>
+            </a:r>
+            <a:r>
+              <a:rPr lang="de-CH" baseline="0" smtClean="0"/>
+              <a:t> </a:t>
+            </a:r>
+            <a:r>
+              <a:rPr lang="de-CH" smtClean="0"/>
+              <a:t>Pinterest. In our discussion about Twitter and Pinterest, we realized that Pinterest would be the better platform to source images because of the image content they supply</a:t>
+            </a:r>
+            <a:r>
+              <a:rPr lang="de-CH" baseline="0" smtClean="0"/>
+              <a:t> which is much more straightforward and tightyl linked to the keyword searched than on Twitter. Efforts towards getting the Pinterest API were made, but the application is still pending as of now. </a:t>
             </a:r>
             <a:endParaRPr lang="de-CH" smtClean="0"/>
           </a:p>
@@ -15634,10 +15718,6 @@
               <a:tabLst/>
               <a:defRPr/>
             </a:pPr>
-            <a:r>
-              <a:rPr lang="en-US" smtClean="0"/>
-              <a:t>respecting user’s rights when downloading copyrighted content - not using images/videos from Instagram for commercial intent</a:t>
-            </a:r>
             <a:endParaRPr lang="de-CH" smtClean="0"/>
           </a:p>
           <a:p>
@@ -15659,9 +15739,56 @@
               <a:defRPr/>
             </a:pPr>
             <a:r>
-              <a:rPr lang="en-US" smtClean="0"/>
-              <a:t>google app engine it does not give me any errors but when you click on the link it times out and returns a '502 bad gateway' error</a:t>
-            </a:r>
+              <a:rPr lang="de-CH" smtClean="0"/>
+              <a:t>Extending the original brand personality attributes, fun,</a:t>
+            </a:r>
+            <a:r>
+              <a:rPr lang="de-CH" baseline="0" smtClean="0"/>
+              <a:t> healthy, rugged and glamorous to twelve</a:t>
+            </a:r>
+            <a:r>
+              <a:rPr lang="de-CH" smtClean="0"/>
+              <a:t> more attributes were</a:t>
+            </a:r>
+            <a:r>
+              <a:rPr lang="de-CH" baseline="0" smtClean="0"/>
+              <a:t> based on the eight standard brand personality categories found in the marketing literature: </a:t>
+            </a:r>
+            <a:r>
+              <a:rPr lang="de-CH" smtClean="0"/>
+              <a:t> calm</a:t>
+            </a:r>
+            <a:r>
+              <a:rPr lang="de-CH" smtClean="0"/>
+              <a:t>, cheerful, confident, creative, exciting, fiery, happy, intelligent, natural, reliable, strong, </a:t>
+            </a:r>
+            <a:r>
+              <a:rPr lang="de-CH" smtClean="0"/>
+              <a:t>wholesome.</a:t>
+            </a:r>
+            <a:r>
+              <a:rPr lang="de-CH" baseline="0" smtClean="0"/>
+              <a:t> Each of these attributes can be mapped to one category such that one category does not have more than two attributes. In total, we have sixteen attributes up and running. </a:t>
+            </a:r>
+          </a:p>
+          <a:p>
+            <a:pPr marL="0" marR="0" lvl="0" indent="0" algn="l" defTabSz="455613" rtl="0" eaLnBrk="0" fontAlgn="base" latinLnBrk="0" hangingPunct="0">
+              <a:lnSpc>
+                <a:spcPct val="100000"/>
+              </a:lnSpc>
+              <a:spcBef>
+                <a:spcPct val="30000"/>
+              </a:spcBef>
+              <a:spcAft>
+                <a:spcPct val="0"/>
+              </a:spcAft>
+              <a:buClrTx/>
+              <a:buSzTx/>
+              <a:buFontTx/>
+              <a:buNone/>
+              <a:tabLst/>
+              <a:defRPr/>
+            </a:pPr>
             <a:endParaRPr lang="de-CH" smtClean="0"/>
           </a:p>
           <a:p>
@@ -15683,8 +15810,60 @@
               <a:defRPr/>
             </a:pPr>
             <a:r>
-              <a:rPr lang="de-CH" smtClean="0"/>
-              <a:t>prefixed time horizon with tentative considersations about </a:t>
+              <a:rPr lang="en-US" smtClean="0"/>
+              <a:t>Another challenge</a:t>
+            </a:r>
+            <a:r>
+              <a:rPr lang="en-US" baseline="0" smtClean="0"/>
+              <a:t> we faced was video posts on Instagram brand profiles instead of images, 16/18 or 21-year-of-age limit that blocked access to the Instagram posts and the official brand’s Instagram account name that could be anything from sanpellegrino_official to gap_usa. </a:t>
+            </a:r>
+            <a:r>
+              <a:rPr lang="en-US" smtClean="0"/>
+              <a:t>This </a:t>
+            </a:r>
+            <a:r>
+              <a:rPr lang="en-US" smtClean="0"/>
+              <a:t>is the reason why </a:t>
+            </a:r>
+            <a:r>
+              <a:rPr lang="en-US" smtClean="0"/>
+              <a:t>we considered to provide </a:t>
+            </a:r>
+            <a:r>
+              <a:rPr lang="en-US" smtClean="0"/>
+              <a:t>only </a:t>
+            </a:r>
+            <a:r>
+              <a:rPr lang="en-US" smtClean="0"/>
+              <a:t>brands </a:t>
+            </a:r>
+            <a:r>
+              <a:rPr lang="en-US" smtClean="0"/>
+              <a:t>that are listed in </a:t>
+            </a:r>
+            <a:r>
+              <a:rPr lang="en-US" smtClean="0"/>
+              <a:t>a dataframe </a:t>
+            </a:r>
+            <a:r>
+              <a:rPr lang="en-US" smtClean="0"/>
+              <a:t>and </a:t>
+            </a:r>
+            <a:r>
+              <a:rPr lang="en-US" smtClean="0"/>
+              <a:t>no </a:t>
+            </a:r>
+            <a:r>
+              <a:rPr lang="en-US" smtClean="0"/>
+              <a:t>other </a:t>
+            </a:r>
+            <a:r>
+              <a:rPr lang="en-US" smtClean="0"/>
+              <a:t>brands. But finally, we chose to let the user look up the exact Instagram account name</a:t>
+            </a:r>
+            <a:r>
+              <a:rPr lang="en-US" baseline="0" smtClean="0"/>
+              <a:t> of their requested brand by themselves. Only then will the user be able to start a search request on our web tool online. </a:t>
             </a:r>
           </a:p>
           <a:p>
@@ -15705,17 +15884,190 @@
               <a:tabLst/>
               <a:defRPr/>
             </a:pPr>
-            <a:r>
-              <a:rPr lang="de-CH" smtClean="0"/>
-              <a:t>multimedia document embedding – </a:t>
-            </a:r>
+            <a:endParaRPr lang="de-CH" smtClean="0"/>
           </a:p>
           <a:p>
+            <a:pPr marL="0" marR="0" lvl="0" indent="0" algn="l" defTabSz="455613" rtl="0" eaLnBrk="0" fontAlgn="base" latinLnBrk="0" hangingPunct="0">
+              <a:lnSpc>
+                <a:spcPct val="100000"/>
+              </a:lnSpc>
+              <a:spcBef>
+                <a:spcPct val="30000"/>
+              </a:spcBef>
+              <a:spcAft>
+                <a:spcPct val="0"/>
+              </a:spcAft>
+              <a:buClrTx/>
+              <a:buSzTx/>
+              <a:buFontTx/>
+              <a:buNone/>
+              <a:tabLst/>
+              <a:defRPr/>
+            </a:pPr>
+            <a:r>
+              <a:rPr lang="en-US" smtClean="0"/>
+              <a:t>Another issue we need</a:t>
+            </a:r>
+            <a:r>
+              <a:rPr lang="en-US" baseline="0" smtClean="0"/>
+              <a:t> to consider is </a:t>
+            </a:r>
+            <a:r>
+              <a:rPr lang="en-US" smtClean="0"/>
+              <a:t>respecting </a:t>
+            </a:r>
+            <a:r>
+              <a:rPr lang="en-US" smtClean="0"/>
+              <a:t>user’s rights when downloading copyrighted content </a:t>
+            </a:r>
+            <a:r>
+              <a:rPr lang="en-US" smtClean="0"/>
+              <a:t>or </a:t>
+            </a:r>
+            <a:r>
+              <a:rPr lang="en-US" smtClean="0"/>
+              <a:t>not using images/videos from Instagram for commercial </a:t>
+            </a:r>
+            <a:r>
+              <a:rPr lang="en-US" smtClean="0"/>
+              <a:t>intent. Although the web tool is meant for commercial use, the project’s outer make-up will make any real-world</a:t>
+            </a:r>
+            <a:r>
+              <a:rPr lang="en-US" baseline="0" smtClean="0"/>
+              <a:t> commercialization of the final product a less likely probability. </a:t>
+            </a:r>
+            <a:endParaRPr lang="en-US" smtClean="0"/>
+          </a:p>
+          <a:p>
+            <a:pPr marL="0" marR="0" lvl="0" indent="0" algn="l" defTabSz="455613" rtl="0" eaLnBrk="0" fontAlgn="base" latinLnBrk="0" hangingPunct="0">
+              <a:lnSpc>
+                <a:spcPct val="100000"/>
+              </a:lnSpc>
+              <a:spcBef>
+                <a:spcPct val="30000"/>
+              </a:spcBef>
+              <a:spcAft>
+                <a:spcPct val="0"/>
+              </a:spcAft>
+              <a:buClrTx/>
+              <a:buSzTx/>
+              <a:buFontTx/>
+              <a:buNone/>
+              <a:tabLst/>
+              <a:defRPr/>
+            </a:pPr>
+            <a:endParaRPr lang="de-CH" smtClean="0"/>
+          </a:p>
+          <a:p>
+            <a:pPr marL="0" marR="0" lvl="0" indent="0" algn="l" defTabSz="455613" rtl="0" eaLnBrk="0" fontAlgn="base" latinLnBrk="0" hangingPunct="0">
+              <a:lnSpc>
+                <a:spcPct val="100000"/>
+              </a:lnSpc>
+              <a:spcBef>
+                <a:spcPct val="30000"/>
+              </a:spcBef>
+              <a:spcAft>
+                <a:spcPct val="0"/>
+              </a:spcAft>
+              <a:buClrTx/>
+              <a:buSzTx/>
+              <a:buFontTx/>
+              <a:buNone/>
+              <a:tabLst/>
+              <a:defRPr/>
+            </a:pPr>
+            <a:r>
+              <a:rPr lang="en-US" smtClean="0"/>
+              <a:t>The reason we could not deploy the webtool on the Google App Engine is because of a time-out </a:t>
+            </a:r>
+            <a:r>
+              <a:rPr lang="en-US" smtClean="0"/>
+              <a:t>'502 bad gateway' </a:t>
+            </a:r>
+            <a:r>
+              <a:rPr lang="en-US" smtClean="0"/>
+              <a:t>error or a credit card details demand</a:t>
+            </a:r>
+            <a:r>
+              <a:rPr lang="en-US" baseline="0" smtClean="0"/>
+              <a:t> that could not be satisfied due to personal reasons</a:t>
+            </a:r>
+            <a:r>
+              <a:rPr lang="en-US" smtClean="0"/>
+              <a:t>. Also, our model is too large to deploy it on Heroku. </a:t>
+            </a:r>
+          </a:p>
+          <a:p>
+            <a:pPr marL="0" marR="0" lvl="0" indent="0" algn="l" defTabSz="455613" rtl="0" eaLnBrk="0" fontAlgn="base" latinLnBrk="0" hangingPunct="0">
+              <a:lnSpc>
+                <a:spcPct val="100000"/>
+              </a:lnSpc>
+              <a:spcBef>
+                <a:spcPct val="30000"/>
+              </a:spcBef>
+              <a:spcAft>
+                <a:spcPct val="0"/>
+              </a:spcAft>
+              <a:buClrTx/>
+              <a:buSzTx/>
+              <a:buFontTx/>
+              <a:buNone/>
+              <a:tabLst/>
+              <a:defRPr/>
+            </a:pPr>
+            <a:endParaRPr lang="de-CH" smtClean="0"/>
+          </a:p>
+          <a:p>
+            <a:pPr marL="0" marR="0" lvl="0" indent="0" algn="l" defTabSz="455613" rtl="0" eaLnBrk="0" fontAlgn="base" latinLnBrk="0" hangingPunct="0">
+              <a:lnSpc>
+                <a:spcPct val="100000"/>
+              </a:lnSpc>
+              <a:spcBef>
+                <a:spcPct val="30000"/>
+              </a:spcBef>
+              <a:spcAft>
+                <a:spcPct val="0"/>
+              </a:spcAft>
+              <a:buClrTx/>
+              <a:buSzTx/>
+              <a:buFontTx/>
+              <a:buNone/>
+              <a:tabLst/>
+              <a:defRPr/>
+            </a:pPr>
             <a:r>
               <a:rPr lang="de-CH" smtClean="0"/>
-              <a:t>adding images requires databank setup </a:t>
-            </a:r>
-            <a:endParaRPr lang="en-US"/>
+              <a:t>Our preset </a:t>
+            </a:r>
+            <a:r>
+              <a:rPr lang="de-CH" smtClean="0"/>
+              <a:t>time horizon </a:t>
+            </a:r>
+            <a:r>
+              <a:rPr lang="de-CH" smtClean="0"/>
+              <a:t>did</a:t>
+            </a:r>
+            <a:r>
+              <a:rPr lang="de-CH" baseline="0" smtClean="0"/>
+              <a:t> not allow us to follow up on our mock-ups, nevertheless </a:t>
+            </a:r>
+            <a:r>
+              <a:rPr lang="de-CH" smtClean="0"/>
+              <a:t>we tentatively  considered a multimedia </a:t>
+            </a:r>
+            <a:r>
+              <a:rPr lang="de-CH" smtClean="0"/>
+              <a:t>document embedding </a:t>
+            </a:r>
+            <a:r>
+              <a:rPr lang="de-CH" smtClean="0"/>
+              <a:t>for our webtool – showing both official and unofficial Instagram images with</a:t>
+            </a:r>
+            <a:r>
+              <a:rPr lang="de-CH" baseline="0" smtClean="0"/>
+              <a:t> predicted labels on a separete website. But this would have required a databank back-up for which we would not have the time to see it through to the end. Also priority was given to make the deep learning model workflow as good as possible. </a:t>
+            </a:r>
+            <a:endParaRPr lang="de-CH" smtClean="0"/>
           </a:p>
         </p:txBody>
       </p:sp>
@@ -15747,6 +16099,117 @@
     <p:extLst>
       <p:ext uri="{BB962C8B-B14F-4D97-AF65-F5344CB8AC3E}">
         <p14:creationId xmlns:p14="http://schemas.microsoft.com/office/powerpoint/2010/main" val="4262539697"/>
+      </p:ext>
+    </p:extLst>
+  </p:cSld>
+  <p:clrMapOvr>
+    <a:masterClrMapping/>
+  </p:clrMapOvr>
+</p:notes>
+</file>
+
+<file path=ppt/notesSlides/notesSlide8.xml><?xml version="1.0" encoding="utf-8"?>
+<p:notes xmlns:a="http://schemas.openxmlformats.org/drawingml/2006/main" xmlns:r="http://schemas.openxmlformats.org/officeDocument/2006/relationships" xmlns:p="http://schemas.openxmlformats.org/presentationml/2006/main">
+  <p:cSld>
+    <p:spTree>
+      <p:nvGrpSpPr>
+        <p:cNvPr id="1" name=""/>
+        <p:cNvGrpSpPr/>
+        <p:nvPr/>
+      </p:nvGrpSpPr>
+      <p:grpSpPr>
+        <a:xfrm>
+          <a:off x="0" y="0"/>
+          <a:ext cx="0" cy="0"/>
+          <a:chOff x="0" y="0"/>
+          <a:chExt cx="0" cy="0"/>
+        </a:xfrm>
+      </p:grpSpPr>
+      <p:sp>
+        <p:nvSpPr>
+          <p:cNvPr id="2" name="Slide Image Placeholder 1"/>
+          <p:cNvSpPr>
+            <a:spLocks noGrp="1" noRot="1" noChangeAspect="1"/>
+          </p:cNvSpPr>
+          <p:nvPr>
+            <p:ph type="sldImg"/>
+          </p:nvPr>
+        </p:nvSpPr>
+        <p:spPr/>
+      </p:sp>
+      <p:sp>
+        <p:nvSpPr>
+          <p:cNvPr id="3" name="Notes Placeholder 2"/>
+          <p:cNvSpPr>
+            <a:spLocks noGrp="1"/>
+          </p:cNvSpPr>
+          <p:nvPr>
+            <p:ph type="body" idx="1"/>
+          </p:nvPr>
+        </p:nvSpPr>
+        <p:spPr/>
+        <p:txBody>
+          <a:bodyPr/>
+          <a:lstStyle/>
+          <a:p>
+            <a:r>
+              <a:rPr lang="de-CH" smtClean="0"/>
+              <a:t>With</a:t>
+            </a:r>
+            <a:r>
+              <a:rPr lang="de-CH" baseline="0" smtClean="0"/>
+              <a:t> this, we have come to the end of our presentation about the project we have been working on for the last couple of weeks. We have learned a lot about image processing, python and java programming, finding workarounds, web scraping, deep learning models, API management, the Github universe, and web programming. Thank you. </a:t>
+            </a:r>
+          </a:p>
+          <a:p>
+            <a:endParaRPr lang="de-CH" baseline="0" smtClean="0"/>
+          </a:p>
+          <a:p>
+            <a:r>
+              <a:rPr lang="de-CH" baseline="0" smtClean="0"/>
+              <a:t>Should you have questions about our project, please to not hesitate to ask them in the follow-up section. </a:t>
+            </a:r>
+          </a:p>
+          <a:p>
+            <a:endParaRPr lang="de-CH" baseline="0" smtClean="0"/>
+          </a:p>
+          <a:p>
+            <a:r>
+              <a:rPr lang="de-CH" baseline="0" smtClean="0"/>
+              <a:t>Thank you for your attention. </a:t>
+            </a:r>
+            <a:endParaRPr lang="en-US"/>
+          </a:p>
+        </p:txBody>
+      </p:sp>
+      <p:sp>
+        <p:nvSpPr>
+          <p:cNvPr id="4" name="Slide Number Placeholder 3"/>
+          <p:cNvSpPr>
+            <a:spLocks noGrp="1"/>
+          </p:cNvSpPr>
+          <p:nvPr>
+            <p:ph type="sldNum" sz="quarter" idx="10"/>
+          </p:nvPr>
+        </p:nvSpPr>
+        <p:spPr/>
+        <p:txBody>
+          <a:bodyPr/>
+          <a:lstStyle/>
+          <a:p>
+            <a:fld id="{2A9D45BF-071E-7C44-BE90-B011D0240A3E}" type="slidenum">
+              <a:rPr lang="en-US" smtClean="0"/>
+              <a:pPr/>
+              <a:t>8</a:t>
+            </a:fld>
+            <a:endParaRPr lang="en-US"/>
+          </a:p>
+        </p:txBody>
+      </p:sp>
+    </p:spTree>
+    <p:extLst>
+      <p:ext uri="{BB962C8B-B14F-4D97-AF65-F5344CB8AC3E}">
+        <p14:creationId xmlns:p14="http://schemas.microsoft.com/office/powerpoint/2010/main" val="2272279325"/>
       </p:ext>
     </p:extLst>
   </p:cSld>
@@ -16220,7 +16683,7 @@
           </a:ln>
           <a:extLst>
             <a:ext uri="{91240B29-F687-4f45-9708-019B960494DF}">
-              <a14:hiddenLine xmlns:a14="http://schemas.microsoft.com/office/drawing/2010/main" xmlns="" w="9525">
+              <a14:hiddenLine xmlns="" xmlns:a14="http://schemas.microsoft.com/office/drawing/2010/main" w="9525">
                 <a:solidFill>
                   <a:srgbClr val="000000"/>
                 </a:solidFill>
@@ -16380,7 +16843,7 @@
           <a:graphicData uri="http://schemas.openxmlformats.org/presentationml/2006/ole">
             <mc:AlternateContent xmlns:mc="http://schemas.openxmlformats.org/markup-compatibility/2006">
               <mc:Choice xmlns:v="urn:schemas-microsoft-com:vml" Requires="v">
-                <p:oleObj spid="_x0000_s27828" name="think-cell Slide" r:id="rId7" imgW="38100" imgH="38100" progId="TCLayout.ActiveDocument.1">
+                <p:oleObj spid="_x0000_s27836" name="think-cell Slide" r:id="rId7" imgW="38100" imgH="38100" progId="TCLayout.ActiveDocument.1">
                   <p:embed/>
                 </p:oleObj>
               </mc:Choice>
@@ -16422,14 +16885,14 @@
                       </a:ln>
                       <a:extLst>
                         <a:ext uri="{909E8E84-426E-40dd-AFC4-6F175D3DCCD1}">
-                          <a14:hiddenFill xmlns:a14="http://schemas.microsoft.com/office/drawing/2010/main" xmlns="">
+                          <a14:hiddenFill xmlns="" xmlns:a14="http://schemas.microsoft.com/office/drawing/2010/main">
                             <a:solidFill>
                               <a:srgbClr val="FFFFFF"/>
                             </a:solidFill>
                           </a14:hiddenFill>
                         </a:ext>
                         <a:ext uri="{91240B29-F687-4f45-9708-019B960494DF}">
-                          <a14:hiddenLine xmlns:a14="http://schemas.microsoft.com/office/drawing/2010/main" xmlns="" w="9525">
+                          <a14:hiddenLine xmlns="" xmlns:a14="http://schemas.microsoft.com/office/drawing/2010/main" w="9525">
                             <a:solidFill>
                               <a:srgbClr val="000000"/>
                             </a:solidFill>
@@ -16912,14 +17375,14 @@
           </a:ln>
           <a:extLst>
             <a:ext uri="{909E8E84-426E-40dd-AFC4-6F175D3DCCD1}">
-              <a14:hiddenFill xmlns:a14="http://schemas.microsoft.com/office/drawing/2010/main" xmlns="">
+              <a14:hiddenFill xmlns="" xmlns:a14="http://schemas.microsoft.com/office/drawing/2010/main">
                 <a:solidFill>
                   <a:srgbClr val="FFFFFF"/>
                 </a:solidFill>
               </a14:hiddenFill>
             </a:ext>
             <a:ext uri="{91240B29-F687-4f45-9708-019B960494DF}">
-              <a14:hiddenLine xmlns:a14="http://schemas.microsoft.com/office/drawing/2010/main" xmlns="" w="9525">
+              <a14:hiddenLine xmlns="" xmlns:a14="http://schemas.microsoft.com/office/drawing/2010/main" w="9525">
                 <a:solidFill>
                   <a:srgbClr val="000000"/>
                 </a:solidFill>
@@ -17110,7 +17573,7 @@
           </a:ln>
           <a:extLst>
             <a:ext uri="{91240B29-F687-4f45-9708-019B960494DF}">
-              <a14:hiddenLine xmlns:a14="http://schemas.microsoft.com/office/drawing/2010/main" xmlns="" w="9525">
+              <a14:hiddenLine xmlns="" xmlns:a14="http://schemas.microsoft.com/office/drawing/2010/main" w="9525">
                 <a:solidFill>
                   <a:srgbClr val="000000"/>
                 </a:solidFill>
@@ -17270,7 +17733,7 @@
           <a:graphicData uri="http://schemas.openxmlformats.org/presentationml/2006/ole">
             <mc:AlternateContent xmlns:mc="http://schemas.openxmlformats.org/markup-compatibility/2006">
               <mc:Choice xmlns:v="urn:schemas-microsoft-com:vml" Requires="v">
-                <p:oleObj spid="_x0000_s28852" name="think-cell Slide" r:id="rId7" imgW="38100" imgH="38100" progId="TCLayout.ActiveDocument.1">
+                <p:oleObj spid="_x0000_s28860" name="think-cell Slide" r:id="rId7" imgW="38100" imgH="38100" progId="TCLayout.ActiveDocument.1">
                   <p:embed/>
                 </p:oleObj>
               </mc:Choice>
@@ -17312,14 +17775,14 @@
                       </a:ln>
                       <a:extLst>
                         <a:ext uri="{909E8E84-426E-40dd-AFC4-6F175D3DCCD1}">
-                          <a14:hiddenFill xmlns:a14="http://schemas.microsoft.com/office/drawing/2010/main" xmlns="">
+                          <a14:hiddenFill xmlns="" xmlns:a14="http://schemas.microsoft.com/office/drawing/2010/main">
                             <a:solidFill>
                               <a:srgbClr val="FFFFFF"/>
                             </a:solidFill>
                           </a14:hiddenFill>
                         </a:ext>
                         <a:ext uri="{91240B29-F687-4f45-9708-019B960494DF}">
-                          <a14:hiddenLine xmlns:a14="http://schemas.microsoft.com/office/drawing/2010/main" xmlns="" w="9525">
+                          <a14:hiddenLine xmlns="" xmlns:a14="http://schemas.microsoft.com/office/drawing/2010/main" w="9525">
                             <a:solidFill>
                               <a:srgbClr val="000000"/>
                             </a:solidFill>
@@ -17802,14 +18265,14 @@
           </a:ln>
           <a:extLst>
             <a:ext uri="{909E8E84-426E-40dd-AFC4-6F175D3DCCD1}">
-              <a14:hiddenFill xmlns:a14="http://schemas.microsoft.com/office/drawing/2010/main" xmlns="">
+              <a14:hiddenFill xmlns="" xmlns:a14="http://schemas.microsoft.com/office/drawing/2010/main">
                 <a:solidFill>
                   <a:srgbClr val="FFFFFF"/>
                 </a:solidFill>
               </a14:hiddenFill>
             </a:ext>
             <a:ext uri="{91240B29-F687-4f45-9708-019B960494DF}">
-              <a14:hiddenLine xmlns:a14="http://schemas.microsoft.com/office/drawing/2010/main" xmlns="" w="9525">
+              <a14:hiddenLine xmlns="" xmlns:a14="http://schemas.microsoft.com/office/drawing/2010/main" w="9525">
                 <a:solidFill>
                   <a:srgbClr val="000000"/>
                 </a:solidFill>
@@ -18014,14 +18477,14 @@
           </a:ln>
           <a:extLst>
             <a:ext uri="{909E8E84-426E-40dd-AFC4-6F175D3DCCD1}">
-              <a14:hiddenFill xmlns:a14="http://schemas.microsoft.com/office/drawing/2010/main" xmlns="">
+              <a14:hiddenFill xmlns="" xmlns:a14="http://schemas.microsoft.com/office/drawing/2010/main">
                 <a:solidFill>
                   <a:srgbClr val="FFFFFF"/>
                 </a:solidFill>
               </a14:hiddenFill>
             </a:ext>
             <a:ext uri="{91240B29-F687-4f45-9708-019B960494DF}">
-              <a14:hiddenLine xmlns:a14="http://schemas.microsoft.com/office/drawing/2010/main" xmlns="" w="9525">
+              <a14:hiddenLine xmlns="" xmlns:a14="http://schemas.microsoft.com/office/drawing/2010/main" w="9525">
                 <a:solidFill>
                   <a:srgbClr val="000000"/>
                 </a:solidFill>
@@ -21129,14 +21592,14 @@
           </a:ln>
           <a:extLst>
             <a:ext uri="{909E8E84-426E-40dd-AFC4-6F175D3DCCD1}">
-              <a14:hiddenFill xmlns:a14="http://schemas.microsoft.com/office/drawing/2010/main" xmlns="">
+              <a14:hiddenFill xmlns="" xmlns:a14="http://schemas.microsoft.com/office/drawing/2010/main">
                 <a:solidFill>
                   <a:srgbClr val="FFFFFF"/>
                 </a:solidFill>
               </a14:hiddenFill>
             </a:ext>
             <a:ext uri="{91240B29-F687-4f45-9708-019B960494DF}">
-              <a14:hiddenLine xmlns:a14="http://schemas.microsoft.com/office/drawing/2010/main" xmlns="" w="9525">
+              <a14:hiddenLine xmlns="" xmlns:a14="http://schemas.microsoft.com/office/drawing/2010/main" w="9525">
                 <a:solidFill>
                   <a:srgbClr val="000000"/>
                 </a:solidFill>
@@ -21831,7 +22294,7 @@
           </a:xfrm>
           <a:extLst>
             <a:ext uri="{91240B29-F687-4f45-9708-019B960494DF}">
-              <a14:hiddenLine xmlns:a14="http://schemas.microsoft.com/office/drawing/2010/main" xmlns="" w="9525">
+              <a14:hiddenLine xmlns="" xmlns:a14="http://schemas.microsoft.com/office/drawing/2010/main" w="9525">
                 <a:solidFill>
                   <a:srgbClr val="000000"/>
                 </a:solidFill>
@@ -21953,14 +22416,14 @@
           <a:noFill/>
           <a:extLst>
             <a:ext uri="{909E8E84-426E-40dd-AFC4-6F175D3DCCD1}">
-              <a14:hiddenFill xmlns:a14="http://schemas.microsoft.com/office/drawing/2010/main" xmlns="">
+              <a14:hiddenFill xmlns="" xmlns:a14="http://schemas.microsoft.com/office/drawing/2010/main">
                 <a:solidFill>
                   <a:srgbClr val="FFFFFF"/>
                 </a:solidFill>
               </a14:hiddenFill>
             </a:ext>
             <a:ext uri="{91240B29-F687-4f45-9708-019B960494DF}">
-              <a14:hiddenLine xmlns:a14="http://schemas.microsoft.com/office/drawing/2010/main" xmlns="" w="9525">
+              <a14:hiddenLine xmlns="" xmlns:a14="http://schemas.microsoft.com/office/drawing/2010/main" w="9525">
                 <a:solidFill>
                   <a:srgbClr val="000000"/>
                 </a:solidFill>
@@ -21970,7 +22433,7 @@
               </a14:hiddenLine>
             </a:ext>
             <a:ext uri="{FAA26D3D-D897-4be2-8F04-BA451C77F1D7}">
-              <ma14:placeholderFlag xmlns:ma14="http://schemas.microsoft.com/office/mac/drawingml/2011/main" xmlns="" val="1"/>
+              <ma14:placeholderFlag xmlns="" xmlns:ma14="http://schemas.microsoft.com/office/mac/drawingml/2011/main" val="1"/>
             </a:ext>
           </a:extLst>
         </p:spPr>
@@ -22028,14 +22491,14 @@
           <a:noFill/>
           <a:extLst>
             <a:ext uri="{909E8E84-426E-40dd-AFC4-6F175D3DCCD1}">
-              <a14:hiddenFill xmlns:a14="http://schemas.microsoft.com/office/drawing/2010/main" xmlns="">
+              <a14:hiddenFill xmlns="" xmlns:a14="http://schemas.microsoft.com/office/drawing/2010/main">
                 <a:solidFill>
                   <a:srgbClr val="FFFFFF"/>
                 </a:solidFill>
               </a14:hiddenFill>
             </a:ext>
             <a:ext uri="{91240B29-F687-4f45-9708-019B960494DF}">
-              <a14:hiddenLine xmlns:a14="http://schemas.microsoft.com/office/drawing/2010/main" xmlns="" w="9525">
+              <a14:hiddenLine xmlns="" xmlns:a14="http://schemas.microsoft.com/office/drawing/2010/main" w="9525">
                 <a:solidFill>
                   <a:srgbClr val="000000"/>
                 </a:solidFill>
@@ -22099,7 +22562,7 @@
           <a:effectLst/>
           <a:extLst>
             <a:ext uri="{AF507438-7753-43e0-B8FC-AC1667EBCBE1}">
-              <a14:hiddenEffects xmlns:a14="http://schemas.microsoft.com/office/drawing/2010/main" xmlns="">
+              <a14:hiddenEffects xmlns="" xmlns:a14="http://schemas.microsoft.com/office/drawing/2010/main">
                 <a:effectLst>
                   <a:outerShdw blurRad="63500" dist="38099" dir="2700000" algn="ctr" rotWithShape="0">
                     <a:schemeClr val="bg2">
@@ -22181,6 +22644,136 @@
           </a:p>
           <a:p>
             <a:endParaRPr lang="en-US" sz="1200"/>
+          </a:p>
+        </p:txBody>
+      </p:sp>
+      <p:sp>
+        <p:nvSpPr>
+          <p:cNvPr id="4" name="Rectangle 3"/>
+          <p:cNvSpPr/>
+          <p:nvPr/>
+        </p:nvSpPr>
+        <p:spPr>
+          <a:xfrm>
+            <a:off x="10052645" y="0"/>
+            <a:ext cx="4953000" cy="6001643"/>
+          </a:xfrm>
+          <a:prstGeom prst="rect">
+            <a:avLst/>
+          </a:prstGeom>
+          <a:solidFill>
+            <a:srgbClr val="FFD13F"/>
+          </a:solidFill>
+        </p:spPr>
+        <p:txBody>
+          <a:bodyPr>
+            <a:spAutoFit/>
+          </a:bodyPr>
+          <a:lstStyle/>
+          <a:p>
+            <a:r>
+              <a:rPr lang="en-US" sz="1200"/>
+              <a:t>• Please send us your final presentation by Monday, 27/04/2020, 18:00.</a:t>
+            </a:r>
+            <a:br>
+              <a:rPr lang="en-US" sz="1200"/>
+            </a:br>
+            <a:r>
+              <a:rPr lang="en-US" sz="1200"/>
+              <a:t>• We only accept a single PPTX file as attachment.</a:t>
+            </a:r>
+            <a:br>
+              <a:rPr lang="en-US" sz="1200"/>
+            </a:br>
+            <a:r>
+              <a:rPr lang="en-US" sz="1200"/>
+              <a:t>• Add slide notes to EVERY slide of the PPTX file. These slide notes should contain your complete script for your talk</a:t>
+            </a:r>
+            <a:r>
+              <a:rPr lang="en-US" sz="1200"/>
+              <a:t>. </a:t>
+            </a:r>
+            <a:r>
+              <a:rPr lang="en-US" sz="1200"/>
+              <a:t/>
+            </a:r>
+            <a:br>
+              <a:rPr lang="en-US" sz="1200"/>
+            </a:br>
+            <a:r>
+              <a:rPr lang="en-US" sz="1200"/>
+              <a:t>Further, include in this email the following 3 links: </a:t>
+            </a:r>
+            <a:br>
+              <a:rPr lang="en-US" sz="1200"/>
+            </a:br>
+            <a:r>
+              <a:rPr lang="en-US" sz="1200"/>
+              <a:t>• A link to your deployed data product on Google App Engine, Microsoft Azure, Heroku, …</a:t>
+            </a:r>
+            <a:br>
+              <a:rPr lang="en-US" sz="1200"/>
+            </a:br>
+            <a:r>
+              <a:rPr lang="en-US" sz="1200"/>
+              <a:t>• A link to a ZIP file on www.wetransfer.com, which contains all scripts and data of your data product. Please include a detailed step by step tutorial how to install all requirements and how to run the analysis locally. </a:t>
+            </a:r>
+            <a:br>
+              <a:rPr lang="en-US" sz="1200"/>
+            </a:br>
+            <a:r>
+              <a:rPr lang="en-US" sz="1200"/>
+              <a:t>• A link to GitHub where the code for your application can be found. As some datasets might be too large, you can upload/use only a sample for this. Please ensure that your code still runs with this sample. </a:t>
+            </a:r>
+            <a:br>
+              <a:rPr lang="en-US" sz="1200"/>
+            </a:br>
+            <a:r>
+              <a:rPr lang="en-US" sz="1200"/>
+              <a:t/>
+            </a:r>
+            <a:br>
+              <a:rPr lang="en-US" sz="1200"/>
+            </a:br>
+            <a:r>
+              <a:rPr lang="en-US" sz="1200"/>
+              <a:t>After receiving your presentation, we will generate videos based on these files (like the video lectures on deep learning), upload these videos to YouTube (unlisted, thus only people with the link can find them), and send the links to the videos to all seminar participants. If you are curious how your text will sound, you can test it in advance by using the widget on the following homepage: https://cloud.google.com/text-to-speech. Further, we plan on sending the links of the deployed prototypes to all seminar participants.</a:t>
+            </a:r>
+            <a:br>
+              <a:rPr lang="en-US" sz="1200"/>
+            </a:br>
+            <a:r>
+              <a:rPr lang="en-US" sz="1200"/>
+              <a:t/>
+            </a:r>
+            <a:br>
+              <a:rPr lang="en-US" sz="1200"/>
+            </a:br>
+            <a:r>
+              <a:rPr lang="en-US" sz="1200"/>
+              <a:t>Next, we will setup individual video meetings with each group to give us a live demo of their project. Thus, please block the following date/time in your calendar:</a:t>
+            </a:r>
+            <a:br>
+              <a:rPr lang="en-US" sz="1200"/>
+            </a:br>
+            <a:r>
+              <a:rPr lang="en-US" sz="1200"/>
+              <a:t>• Group “Brand Management”: Thursday, 30/04/2020, 11:00</a:t>
+            </a:r>
+            <a:br>
+              <a:rPr lang="en-US" sz="1200"/>
+            </a:br>
+            <a:r>
+              <a:rPr lang="en-US" sz="1200"/>
+              <a:t>• Group “Recommender“: Thursday, 30/04/2020, 13:00</a:t>
+            </a:r>
+            <a:br>
+              <a:rPr lang="en-US" sz="1200"/>
+            </a:br>
+            <a:r>
+              <a:rPr lang="en-US" sz="1200"/>
+              <a:t>• Group “Product Shots”: Thursday, 30/04/2020, 15:00</a:t>
+            </a:r>
           </a:p>
         </p:txBody>
       </p:sp>
@@ -22228,14 +22821,14 @@
           <a:noFill/>
           <a:extLst>
             <a:ext uri="{909E8E84-426E-40dd-AFC4-6F175D3DCCD1}">
-              <a14:hiddenFill xmlns:a14="http://schemas.microsoft.com/office/drawing/2010/main" xmlns="">
+              <a14:hiddenFill xmlns="" xmlns:a14="http://schemas.microsoft.com/office/drawing/2010/main">
                 <a:solidFill>
                   <a:srgbClr val="FFFFFF"/>
                 </a:solidFill>
               </a14:hiddenFill>
             </a:ext>
             <a:ext uri="{91240B29-F687-4f45-9708-019B960494DF}">
-              <a14:hiddenLine xmlns:a14="http://schemas.microsoft.com/office/drawing/2010/main" xmlns="" w="9525">
+              <a14:hiddenLine xmlns="" xmlns:a14="http://schemas.microsoft.com/office/drawing/2010/main" w="9525">
                 <a:solidFill>
                   <a:srgbClr val="000000"/>
                 </a:solidFill>
@@ -22288,14 +22881,14 @@
           <a:noFill/>
           <a:extLst>
             <a:ext uri="{909E8E84-426E-40dd-AFC4-6F175D3DCCD1}">
-              <a14:hiddenFill xmlns:a14="http://schemas.microsoft.com/office/drawing/2010/main" xmlns="">
+              <a14:hiddenFill xmlns="" xmlns:a14="http://schemas.microsoft.com/office/drawing/2010/main">
                 <a:solidFill>
                   <a:srgbClr val="FFFFFF"/>
                 </a:solidFill>
               </a14:hiddenFill>
             </a:ext>
             <a:ext uri="{91240B29-F687-4f45-9708-019B960494DF}">
-              <a14:hiddenLine xmlns:a14="http://schemas.microsoft.com/office/drawing/2010/main" xmlns="" w="9525">
+              <a14:hiddenLine xmlns="" xmlns:a14="http://schemas.microsoft.com/office/drawing/2010/main" w="9525">
                 <a:solidFill>
                   <a:srgbClr val="000000"/>
                 </a:solidFill>
@@ -22584,14 +23177,14 @@
           <a:noFill/>
           <a:extLst>
             <a:ext uri="{909E8E84-426E-40dd-AFC4-6F175D3DCCD1}">
-              <a14:hiddenFill xmlns:a14="http://schemas.microsoft.com/office/drawing/2010/main" xmlns="">
+              <a14:hiddenFill xmlns="" xmlns:a14="http://schemas.microsoft.com/office/drawing/2010/main">
                 <a:solidFill>
                   <a:srgbClr val="FFFFFF"/>
                 </a:solidFill>
               </a14:hiddenFill>
             </a:ext>
             <a:ext uri="{91240B29-F687-4f45-9708-019B960494DF}">
-              <a14:hiddenLine xmlns:a14="http://schemas.microsoft.com/office/drawing/2010/main" xmlns="" w="9525">
+              <a14:hiddenLine xmlns="" xmlns:a14="http://schemas.microsoft.com/office/drawing/2010/main" w="9525">
                 <a:solidFill>
                   <a:srgbClr val="000000"/>
                 </a:solidFill>
@@ -22601,7 +23194,7 @@
               </a14:hiddenLine>
             </a:ext>
             <a:ext uri="{FAA26D3D-D897-4be2-8F04-BA451C77F1D7}">
-              <ma14:placeholderFlag xmlns:ma14="http://schemas.microsoft.com/office/mac/drawingml/2011/main" xmlns="" val="1"/>
+              <ma14:placeholderFlag xmlns="" xmlns:ma14="http://schemas.microsoft.com/office/mac/drawingml/2011/main" val="1"/>
             </a:ext>
           </a:extLst>
         </p:spPr>
@@ -22680,14 +23273,14 @@
           <a:noFill/>
           <a:extLst>
             <a:ext uri="{909E8E84-426E-40dd-AFC4-6F175D3DCCD1}">
-              <a14:hiddenFill xmlns:a14="http://schemas.microsoft.com/office/drawing/2010/main" xmlns="">
+              <a14:hiddenFill xmlns="" xmlns:a14="http://schemas.microsoft.com/office/drawing/2010/main">
                 <a:solidFill>
                   <a:srgbClr val="FFFFFF"/>
                 </a:solidFill>
               </a14:hiddenFill>
             </a:ext>
             <a:ext uri="{91240B29-F687-4f45-9708-019B960494DF}">
-              <a14:hiddenLine xmlns:a14="http://schemas.microsoft.com/office/drawing/2010/main" xmlns="" w="9525">
+              <a14:hiddenLine xmlns="" xmlns:a14="http://schemas.microsoft.com/office/drawing/2010/main" w="9525">
                 <a:solidFill>
                   <a:srgbClr val="000000"/>
                 </a:solidFill>
@@ -22740,14 +23333,14 @@
           <a:noFill/>
           <a:extLst>
             <a:ext uri="{909E8E84-426E-40dd-AFC4-6F175D3DCCD1}">
-              <a14:hiddenFill xmlns:a14="http://schemas.microsoft.com/office/drawing/2010/main" xmlns="">
+              <a14:hiddenFill xmlns="" xmlns:a14="http://schemas.microsoft.com/office/drawing/2010/main">
                 <a:solidFill>
                   <a:srgbClr val="FFFFFF"/>
                 </a:solidFill>
               </a14:hiddenFill>
             </a:ext>
             <a:ext uri="{91240B29-F687-4f45-9708-019B960494DF}">
-              <a14:hiddenLine xmlns:a14="http://schemas.microsoft.com/office/drawing/2010/main" xmlns="" w="9525">
+              <a14:hiddenLine xmlns="" xmlns:a14="http://schemas.microsoft.com/office/drawing/2010/main" w="9525">
                 <a:solidFill>
                   <a:srgbClr val="000000"/>
                 </a:solidFill>
@@ -22792,23 +23385,7 @@
                 <a:ea typeface="ヒラギノ角ゴ ProN W3" charset="0"/>
                 <a:cs typeface="Source Sans Pro Light" charset="0"/>
               </a:rPr>
-              <a:t>: </a:t>
-            </a:r>
-            <a:r>
-              <a:rPr lang="en-US" smtClean="0">
-                <a:latin typeface="Source Sans Pro Light" charset="0"/>
-                <a:ea typeface="ヒラギノ角ゴ ProN W3" charset="0"/>
-                <a:cs typeface="Source Sans Pro Light" charset="0"/>
-              </a:rPr>
-              <a:t>Build </a:t>
-            </a:r>
-            <a:r>
-              <a:rPr lang="en-US" smtClean="0">
-                <a:latin typeface="Source Sans Pro Light" charset="0"/>
-                <a:ea typeface="ヒラギノ角ゴ ProN W3" charset="0"/>
-                <a:cs typeface="Source Sans Pro Light" charset="0"/>
-              </a:rPr>
-              <a:t>an AI-powered </a:t>
+              <a:t>: Build an AI-powered </a:t>
             </a:r>
             <a:r>
               <a:rPr lang="en-US" i="1">
@@ -22832,15 +23409,7 @@
                 <a:ea typeface="ヒラギノ角ゴ ProN W3" charset="0"/>
                 <a:cs typeface="Source Sans Pro Light" charset="0"/>
               </a:rPr>
-              <a:t>to </a:t>
-            </a:r>
-            <a:r>
-              <a:rPr lang="en-US" smtClean="0">
-                <a:latin typeface="Source Sans Pro Light" charset="0"/>
-                <a:ea typeface="ヒラギノ角ゴ ProN W3" charset="0"/>
-                <a:cs typeface="Source Sans Pro Light" charset="0"/>
-              </a:rPr>
-              <a:t>categorize images of official and unofficial #brand profiles on </a:t>
+              <a:t>to categorize images of official and unofficial #brand profiles on </a:t>
             </a:r>
             <a:r>
               <a:rPr lang="en-US" i="1" smtClean="0">
@@ -22888,15 +23457,7 @@
                 <a:ea typeface="ヒラギノ角ゴ ProN W3" charset="0"/>
                 <a:cs typeface="Source Sans Pro Light" charset="0"/>
               </a:rPr>
-              <a:t>: </a:t>
-            </a:r>
-            <a:r>
-              <a:rPr lang="en-US" smtClean="0">
-                <a:latin typeface="Source Sans Pro Light" charset="0"/>
-                <a:ea typeface="ヒラギノ角ゴ ProN W3" charset="0"/>
-                <a:cs typeface="Source Sans Pro Light" charset="0"/>
-              </a:rPr>
-              <a:t>supervised machine learning (feed in BPA-tagged Flickr images, tweak </a:t>
+              <a:t>: supervised machine learning (feed in BPA-tagged Flickr images, tweak </a:t>
             </a:r>
             <a:r>
               <a:rPr lang="en-US">
@@ -22928,15 +23489,7 @@
                 <a:ea typeface="ヒラギノ角ゴ ProN W3" charset="0"/>
                 <a:cs typeface="Source Sans Pro Light" charset="0"/>
               </a:rPr>
-              <a:t>earning </a:t>
-            </a:r>
-            <a:r>
-              <a:rPr lang="en-US" i="1" smtClean="0">
-                <a:latin typeface="Source Sans Pro Light" charset="0"/>
-                <a:ea typeface="ヒラギノ角ゴ ProN W3" charset="0"/>
-                <a:cs typeface="Source Sans Pro Light" charset="0"/>
-              </a:rPr>
-              <a:t>model </a:t>
+              <a:t>earning model </a:t>
             </a:r>
             <a:r>
               <a:rPr lang="en-US" smtClean="0">
@@ -22966,15 +23519,7 @@
                 <a:ea typeface="ヒラギノ角ゴ ProN W3" charset="0"/>
                 <a:cs typeface="Source Sans Pro Light" charset="0"/>
               </a:rPr>
-              <a:t>Web </a:t>
-            </a:r>
-            <a:r>
-              <a:rPr lang="en-US" b="1" smtClean="0">
-                <a:latin typeface="Source Sans Pro Light" charset="0"/>
-                <a:ea typeface="ヒラギノ角ゴ ProN W3" charset="0"/>
-                <a:cs typeface="Source Sans Pro Light" charset="0"/>
-              </a:rPr>
-              <a:t>App: </a:t>
+              <a:t>Web App: </a:t>
             </a:r>
             <a:r>
               <a:rPr lang="de-CH" smtClean="0">
@@ -23193,7 +23738,7 @@
           <a:blip r:embed="rId23">
             <a:extLst>
               <a:ext uri="{96DAC541-7B7A-43D3-8B79-37D633B846F1}">
-                <asvg:svgBlip xmlns="" xmlns:asvg="http://schemas.microsoft.com/office/drawing/2016/SVG/main" r:embed="rId24"/>
+                <asvg:svgBlip xmlns:asvg="http://schemas.microsoft.com/office/drawing/2016/SVG/main" xmlns="" r:embed="rId24"/>
               </a:ext>
             </a:extLst>
           </a:blip>
@@ -23229,7 +23774,7 @@
           <a:blip r:embed="rId23">
             <a:extLst>
               <a:ext uri="{96DAC541-7B7A-43D3-8B79-37D633B846F1}">
-                <asvg:svgBlip xmlns="" xmlns:asvg="http://schemas.microsoft.com/office/drawing/2016/SVG/main" r:embed="rId24"/>
+                <asvg:svgBlip xmlns:asvg="http://schemas.microsoft.com/office/drawing/2016/SVG/main" xmlns="" r:embed="rId24"/>
               </a:ext>
             </a:extLst>
           </a:blip>
@@ -23265,7 +23810,7 @@
           <a:blip r:embed="rId25">
             <a:extLst>
               <a:ext uri="{96DAC541-7B7A-43D3-8B79-37D633B846F1}">
-                <asvg:svgBlip xmlns="" xmlns:asvg="http://schemas.microsoft.com/office/drawing/2016/SVG/main" r:embed="rId26"/>
+                <asvg:svgBlip xmlns:asvg="http://schemas.microsoft.com/office/drawing/2016/SVG/main" xmlns="" r:embed="rId26"/>
               </a:ext>
             </a:extLst>
           </a:blip>
@@ -23301,7 +23846,7 @@
           <a:blip r:embed="rId27">
             <a:extLst>
               <a:ext uri="{96DAC541-7B7A-43D3-8B79-37D633B846F1}">
-                <asvg:svgBlip xmlns="" xmlns:asvg="http://schemas.microsoft.com/office/drawing/2016/SVG/main" r:embed="rId28"/>
+                <asvg:svgBlip xmlns:asvg="http://schemas.microsoft.com/office/drawing/2016/SVG/main" xmlns="" r:embed="rId28"/>
               </a:ext>
             </a:extLst>
           </a:blip>
@@ -23337,7 +23882,7 @@
           <a:blip r:embed="rId29">
             <a:extLst>
               <a:ext uri="{96DAC541-7B7A-43D3-8B79-37D633B846F1}">
-                <asvg:svgBlip xmlns="" xmlns:asvg="http://schemas.microsoft.com/office/drawing/2016/SVG/main" r:embed="rId30"/>
+                <asvg:svgBlip xmlns:asvg="http://schemas.microsoft.com/office/drawing/2016/SVG/main" xmlns="" r:embed="rId30"/>
               </a:ext>
             </a:extLst>
           </a:blip>
@@ -23373,7 +23918,7 @@
           <a:blip r:embed="rId31">
             <a:extLst>
               <a:ext uri="{96DAC541-7B7A-43D3-8B79-37D633B846F1}">
-                <asvg:svgBlip xmlns="" xmlns:asvg="http://schemas.microsoft.com/office/drawing/2016/SVG/main" r:embed="rId32"/>
+                <asvg:svgBlip xmlns:asvg="http://schemas.microsoft.com/office/drawing/2016/SVG/main" xmlns="" r:embed="rId32"/>
               </a:ext>
             </a:extLst>
           </a:blip>
@@ -23428,7 +23973,7 @@
           <a:effectLst/>
           <a:extLst>
             <a:ext uri="{AF507438-7753-43e0-B8FC-AC1667EBCBE1}">
-              <a14:hiddenEffects xmlns:a14="http://schemas.microsoft.com/office/drawing/2010/main" xmlns="">
+              <a14:hiddenEffects xmlns="" xmlns:a14="http://schemas.microsoft.com/office/drawing/2010/main">
                 <a:effectLst>
                   <a:outerShdw blurRad="63500" dist="38099" dir="2700000" algn="ctr" rotWithShape="0">
                     <a:schemeClr val="bg2">
@@ -23466,15 +24011,7 @@
             </a:pPr>
             <a:r>
               <a:rPr lang="de-CH" sz="1200" smtClean="0"/>
-              <a:t>Key in brand </a:t>
-            </a:r>
-            <a:r>
-              <a:rPr lang="de-CH" sz="1200" smtClean="0"/>
-              <a:t>name: official + </a:t>
-            </a:r>
-            <a:r>
-              <a:rPr lang="de-CH" sz="1200" smtClean="0"/>
-              <a:t>unofficial social media profile</a:t>
+              <a:t>Key in brand name: official + unofficial social media profile</a:t>
             </a:r>
           </a:p>
           <a:p>
@@ -23561,7 +24098,7 @@
           <a:effectLst/>
           <a:extLst>
             <a:ext uri="{AF507438-7753-43e0-B8FC-AC1667EBCBE1}">
-              <a14:hiddenEffects xmlns:a14="http://schemas.microsoft.com/office/drawing/2010/main" xmlns="">
+              <a14:hiddenEffects xmlns="" xmlns:a14="http://schemas.microsoft.com/office/drawing/2010/main">
                 <a:effectLst>
                   <a:outerShdw blurRad="63500" dist="38099" dir="2700000" algn="ctr" rotWithShape="0">
                     <a:schemeClr val="bg2">
@@ -23653,7 +24190,7 @@
           <a:effectLst/>
           <a:extLst>
             <a:ext uri="{AF507438-7753-43e0-B8FC-AC1667EBCBE1}">
-              <a14:hiddenEffects xmlns:a14="http://schemas.microsoft.com/office/drawing/2010/main" xmlns="">
+              <a14:hiddenEffects xmlns="" xmlns:a14="http://schemas.microsoft.com/office/drawing/2010/main">
                 <a:effectLst>
                   <a:outerShdw blurRad="63500" dist="38099" dir="2700000" algn="ctr" rotWithShape="0">
                     <a:schemeClr val="bg2">
@@ -23767,23 +24304,7 @@
                 <a:cs typeface="ヒラギノ角ゴ ProN W3" charset="0"/>
                 <a:sym typeface="Neutraface Text Book" charset="0"/>
               </a:rPr>
-              <a:t> into </a:t>
-            </a:r>
-            <a:r>
-              <a:rPr kumimoji="0" lang="de-CH" sz="1200" b="0" i="0" u="none" strike="noStrike" cap="none" normalizeH="0" baseline="0" smtClean="0">
-                <a:ln>
-                  <a:noFill/>
-                </a:ln>
-                <a:solidFill>
-                  <a:srgbClr val="000000"/>
-                </a:solidFill>
-                <a:effectLst/>
-                <a:latin typeface="Neutraface Text Book" charset="0"/>
-                <a:ea typeface="ヒラギノ角ゴ ProN W3" charset="0"/>
-                <a:cs typeface="ヒラギノ角ゴ ProN W3" charset="0"/>
-                <a:sym typeface="Neutraface Text Book" charset="0"/>
-              </a:rPr>
-              <a:t>fixed brand </a:t>
+              <a:t> into fixed brand </a:t>
             </a:r>
             <a:r>
               <a:rPr kumimoji="0" lang="de-CH" sz="1200" b="0" i="0" u="none" strike="noStrike" cap="none" normalizeH="0" baseline="0">
@@ -23822,7 +24343,7 @@
           <a:blip r:embed="rId33">
             <a:extLst>
               <a:ext uri="{96DAC541-7B7A-43D3-8B79-37D633B846F1}">
-                <asvg:svgBlip xmlns="" xmlns:asvg="http://schemas.microsoft.com/office/drawing/2016/SVG/main" r:embed="rId34"/>
+                <asvg:svgBlip xmlns:asvg="http://schemas.microsoft.com/office/drawing/2016/SVG/main" xmlns="" r:embed="rId34"/>
               </a:ext>
             </a:extLst>
           </a:blip>
@@ -23859,14 +24380,14 @@
           <a:noFill/>
           <a:extLst>
             <a:ext uri="{909E8E84-426E-40dd-AFC4-6F175D3DCCD1}">
-              <a14:hiddenFill xmlns:a14="http://schemas.microsoft.com/office/drawing/2010/main" xmlns="">
+              <a14:hiddenFill xmlns="" xmlns:a14="http://schemas.microsoft.com/office/drawing/2010/main">
                 <a:solidFill>
                   <a:srgbClr val="FFFFFF"/>
                 </a:solidFill>
               </a14:hiddenFill>
             </a:ext>
             <a:ext uri="{91240B29-F687-4f45-9708-019B960494DF}">
-              <a14:hiddenLine xmlns:a14="http://schemas.microsoft.com/office/drawing/2010/main" xmlns="" w="9525">
+              <a14:hiddenLine xmlns="" xmlns:a14="http://schemas.microsoft.com/office/drawing/2010/main" w="9525">
                 <a:solidFill>
                   <a:srgbClr val="000000"/>
                 </a:solidFill>
@@ -23876,7 +24397,7 @@
               </a14:hiddenLine>
             </a:ext>
             <a:ext uri="{FAA26D3D-D897-4be2-8F04-BA451C77F1D7}">
-              <ma14:placeholderFlag xmlns:ma14="http://schemas.microsoft.com/office/mac/drawingml/2011/main" xmlns="" val="1"/>
+              <ma14:placeholderFlag xmlns="" xmlns:ma14="http://schemas.microsoft.com/office/mac/drawingml/2011/main" val="1"/>
             </a:ext>
           </a:extLst>
         </p:spPr>
@@ -24131,18 +24652,7 @@
                 <a:ea typeface="ヒラギノ角ゴ ProN W3" charset="0"/>
                 <a:cs typeface="Source Sans Pro Light" charset="0"/>
               </a:rPr>
-              <a:t>How to use Deep Learning for </a:t>
-            </a:r>
-            <a:r>
-              <a:rPr lang="de-DE" kern="0" smtClean="0">
-                <a:solidFill>
-                  <a:srgbClr val="D9D9D9"/>
-                </a:solidFill>
-                <a:latin typeface="Source Sans Pro Light" charset="0"/>
-                <a:ea typeface="ヒラギノ角ゴ ProN W3" charset="0"/>
-                <a:cs typeface="Source Sans Pro Light" charset="0"/>
-              </a:rPr>
-              <a:t>Marketing?</a:t>
+              <a:t>How to use Deep Learning for Marketing?</a:t>
             </a:r>
             <a:endParaRPr lang="de-DE" b="1" kern="0">
               <a:solidFill>
@@ -24739,14 +25249,14 @@
           <a:noFill/>
           <a:extLst>
             <a:ext uri="{909E8E84-426E-40dd-AFC4-6F175D3DCCD1}">
-              <a14:hiddenFill xmlns:a14="http://schemas.microsoft.com/office/drawing/2010/main" xmlns="">
+              <a14:hiddenFill xmlns="" xmlns:a14="http://schemas.microsoft.com/office/drawing/2010/main">
                 <a:solidFill>
                   <a:srgbClr val="FFFFFF"/>
                 </a:solidFill>
               </a14:hiddenFill>
             </a:ext>
             <a:ext uri="{91240B29-F687-4f45-9708-019B960494DF}">
-              <a14:hiddenLine xmlns:a14="http://schemas.microsoft.com/office/drawing/2010/main" xmlns="" w="9525">
+              <a14:hiddenLine xmlns="" xmlns:a14="http://schemas.microsoft.com/office/drawing/2010/main" w="9525">
                 <a:solidFill>
                   <a:srgbClr val="000000"/>
                 </a:solidFill>
@@ -24855,14 +25365,14 @@
           <a:noFill/>
           <a:extLst>
             <a:ext uri="{909E8E84-426E-40dd-AFC4-6F175D3DCCD1}">
-              <a14:hiddenFill xmlns:a14="http://schemas.microsoft.com/office/drawing/2010/main" xmlns="">
+              <a14:hiddenFill xmlns="" xmlns:a14="http://schemas.microsoft.com/office/drawing/2010/main">
                 <a:solidFill>
                   <a:srgbClr val="FFFFFF"/>
                 </a:solidFill>
               </a14:hiddenFill>
             </a:ext>
             <a:ext uri="{91240B29-F687-4f45-9708-019B960494DF}">
-              <a14:hiddenLine xmlns:a14="http://schemas.microsoft.com/office/drawing/2010/main" xmlns="" w="9525">
+              <a14:hiddenLine xmlns="" xmlns:a14="http://schemas.microsoft.com/office/drawing/2010/main" w="9525">
                 <a:solidFill>
                   <a:srgbClr val="000000"/>
                 </a:solidFill>
@@ -24872,7 +25382,7 @@
               </a14:hiddenLine>
             </a:ext>
             <a:ext uri="{FAA26D3D-D897-4be2-8F04-BA451C77F1D7}">
-              <ma14:placeholderFlag xmlns:ma14="http://schemas.microsoft.com/office/mac/drawingml/2011/main" xmlns="" val="1"/>
+              <ma14:placeholderFlag xmlns="" xmlns:ma14="http://schemas.microsoft.com/office/mac/drawingml/2011/main" val="1"/>
             </a:ext>
           </a:extLst>
         </p:spPr>
@@ -25240,7 +25750,7 @@
                   <a14:useLocalDpi xmlns:a14="http://schemas.microsoft.com/office/drawing/2010/main" val="0"/>
                 </a:ext>
                 <a:ext uri="{96DAC541-7B7A-43D3-8B79-37D633B846F1}">
-                  <asvg:svgBlip xmlns:dgm="http://schemas.openxmlformats.org/drawingml/2006/diagram" xmlns:asvg="http://schemas.microsoft.com/office/drawing/2016/SVG/main" xmlns="" xmlns:lc="http://schemas.openxmlformats.org/drawingml/2006/lockedCanvas" r:embed="rId5"/>
+                  <asvg:svgBlip xmlns:lc="http://schemas.openxmlformats.org/drawingml/2006/lockedCanvas" xmlns="" xmlns:asvg="http://schemas.microsoft.com/office/drawing/2016/SVG/main" xmlns:dgm="http://schemas.openxmlformats.org/drawingml/2006/diagram" r:embed="rId5"/>
                 </a:ext>
               </a:extLst>
             </a:blip>
@@ -25303,7 +25813,7 @@
                   <a14:useLocalDpi xmlns:a14="http://schemas.microsoft.com/office/drawing/2010/main" val="0"/>
                 </a:ext>
                 <a:ext uri="{96DAC541-7B7A-43D3-8B79-37D633B846F1}">
-                  <asvg:svgBlip xmlns:dgm="http://schemas.openxmlformats.org/drawingml/2006/diagram" xmlns:asvg="http://schemas.microsoft.com/office/drawing/2016/SVG/main" xmlns="" xmlns:lc="http://schemas.openxmlformats.org/drawingml/2006/lockedCanvas" r:embed="rId7"/>
+                  <asvg:svgBlip xmlns:lc="http://schemas.openxmlformats.org/drawingml/2006/lockedCanvas" xmlns="" xmlns:asvg="http://schemas.microsoft.com/office/drawing/2016/SVG/main" xmlns:dgm="http://schemas.openxmlformats.org/drawingml/2006/diagram" r:embed="rId7"/>
                 </a:ext>
               </a:extLst>
             </a:blip>
@@ -25366,7 +25876,7 @@
                   <a14:useLocalDpi xmlns:a14="http://schemas.microsoft.com/office/drawing/2010/main" val="0"/>
                 </a:ext>
                 <a:ext uri="{96DAC541-7B7A-43D3-8B79-37D633B846F1}">
-                  <asvg:svgBlip xmlns:dgm="http://schemas.openxmlformats.org/drawingml/2006/diagram" xmlns:asvg="http://schemas.microsoft.com/office/drawing/2016/SVG/main" xmlns="" xmlns:lc="http://schemas.openxmlformats.org/drawingml/2006/lockedCanvas" r:embed="rId9"/>
+                  <asvg:svgBlip xmlns:lc="http://schemas.openxmlformats.org/drawingml/2006/lockedCanvas" xmlns="" xmlns:asvg="http://schemas.microsoft.com/office/drawing/2016/SVG/main" xmlns:dgm="http://schemas.openxmlformats.org/drawingml/2006/diagram" r:embed="rId9"/>
                 </a:ext>
               </a:extLst>
             </a:blip>
@@ -25736,14 +26246,14 @@
           <a:noFill/>
           <a:extLst>
             <a:ext uri="{909E8E84-426E-40dd-AFC4-6F175D3DCCD1}">
-              <a14:hiddenFill xmlns:a14="http://schemas.microsoft.com/office/drawing/2010/main" xmlns="">
+              <a14:hiddenFill xmlns="" xmlns:a14="http://schemas.microsoft.com/office/drawing/2010/main">
                 <a:solidFill>
                   <a:srgbClr val="FFFFFF"/>
                 </a:solidFill>
               </a14:hiddenFill>
             </a:ext>
             <a:ext uri="{91240B29-F687-4f45-9708-019B960494DF}">
-              <a14:hiddenLine xmlns:a14="http://schemas.microsoft.com/office/drawing/2010/main" xmlns="" w="9525">
+              <a14:hiddenLine xmlns="" xmlns:a14="http://schemas.microsoft.com/office/drawing/2010/main" w="9525">
                 <a:solidFill>
                   <a:srgbClr val="000000"/>
                 </a:solidFill>
@@ -26198,7 +26708,7 @@
           <a:effectLst/>
           <a:extLst>
             <a:ext uri="{AF507438-7753-43e0-B8FC-AC1667EBCBE1}">
-              <a14:hiddenEffects xmlns:a14="http://schemas.microsoft.com/office/drawing/2010/main" xmlns="">
+              <a14:hiddenEffects xmlns="" xmlns:a14="http://schemas.microsoft.com/office/drawing/2010/main">
                 <a:effectLst>
                   <a:outerShdw blurRad="63500" dist="38099" dir="2700000" algn="ctr" rotWithShape="0">
                     <a:schemeClr val="bg2">
@@ -26325,14 +26835,14 @@
           <a:noFill/>
           <a:extLst>
             <a:ext uri="{909E8E84-426E-40dd-AFC4-6F175D3DCCD1}">
-              <a14:hiddenFill xmlns:a14="http://schemas.microsoft.com/office/drawing/2010/main" xmlns="">
+              <a14:hiddenFill xmlns="" xmlns:a14="http://schemas.microsoft.com/office/drawing/2010/main">
                 <a:solidFill>
                   <a:srgbClr val="FFFFFF"/>
                 </a:solidFill>
               </a14:hiddenFill>
             </a:ext>
             <a:ext uri="{91240B29-F687-4f45-9708-019B960494DF}">
-              <a14:hiddenLine xmlns:a14="http://schemas.microsoft.com/office/drawing/2010/main" xmlns="" w="9525">
+              <a14:hiddenLine xmlns="" xmlns:a14="http://schemas.microsoft.com/office/drawing/2010/main" w="9525">
                 <a:solidFill>
                   <a:srgbClr val="000000"/>
                 </a:solidFill>
@@ -26342,7 +26852,7 @@
               </a14:hiddenLine>
             </a:ext>
             <a:ext uri="{FAA26D3D-D897-4be2-8F04-BA451C77F1D7}">
-              <ma14:placeholderFlag xmlns:ma14="http://schemas.microsoft.com/office/mac/drawingml/2011/main" xmlns="" val="1"/>
+              <ma14:placeholderFlag xmlns="" xmlns:ma14="http://schemas.microsoft.com/office/mac/drawingml/2011/main" val="1"/>
             </a:ext>
           </a:extLst>
         </p:spPr>
@@ -26659,14 +27169,14 @@
           <a:noFill/>
           <a:extLst>
             <a:ext uri="{909E8E84-426E-40dd-AFC4-6F175D3DCCD1}">
-              <a14:hiddenFill xmlns:a14="http://schemas.microsoft.com/office/drawing/2010/main" xmlns="">
+              <a14:hiddenFill xmlns="" xmlns:a14="http://schemas.microsoft.com/office/drawing/2010/main">
                 <a:solidFill>
                   <a:srgbClr val="FFFFFF"/>
                 </a:solidFill>
               </a14:hiddenFill>
             </a:ext>
             <a:ext uri="{91240B29-F687-4f45-9708-019B960494DF}">
-              <a14:hiddenLine xmlns:a14="http://schemas.microsoft.com/office/drawing/2010/main" xmlns="" w="9525">
+              <a14:hiddenLine xmlns="" xmlns:a14="http://schemas.microsoft.com/office/drawing/2010/main" w="9525">
                 <a:solidFill>
                   <a:srgbClr val="000000"/>
                 </a:solidFill>
@@ -26786,7 +27296,7 @@
           <a:effectLst/>
           <a:extLst>
             <a:ext uri="{AF507438-7753-43e0-B8FC-AC1667EBCBE1}">
-              <a14:hiddenEffects xmlns:a14="http://schemas.microsoft.com/office/drawing/2010/main" xmlns="">
+              <a14:hiddenEffects xmlns="" xmlns:a14="http://schemas.microsoft.com/office/drawing/2010/main">
                 <a:effectLst>
                   <a:outerShdw blurRad="63500" dist="38099" dir="2700000" algn="ctr" rotWithShape="0">
                     <a:schemeClr val="bg2">
@@ -26939,7 +27449,7 @@
           <a:effectLst/>
           <a:extLst>
             <a:ext uri="{AF507438-7753-43e0-B8FC-AC1667EBCBE1}">
-              <a14:hiddenEffects xmlns:a14="http://schemas.microsoft.com/office/drawing/2010/main" xmlns="">
+              <a14:hiddenEffects xmlns="" xmlns:a14="http://schemas.microsoft.com/office/drawing/2010/main">
                 <a:effectLst>
                   <a:outerShdw blurRad="63500" dist="38099" dir="2700000" algn="ctr" rotWithShape="0">
                     <a:schemeClr val="bg2">
@@ -27030,7 +27540,7 @@
           <a:effectLst/>
           <a:extLst>
             <a:ext uri="{AF507438-7753-43e0-B8FC-AC1667EBCBE1}">
-              <a14:hiddenEffects xmlns:a14="http://schemas.microsoft.com/office/drawing/2010/main" xmlns="">
+              <a14:hiddenEffects xmlns="" xmlns:a14="http://schemas.microsoft.com/office/drawing/2010/main">
                 <a:effectLst>
                   <a:outerShdw blurRad="63500" dist="38099" dir="2700000" algn="ctr" rotWithShape="0">
                     <a:schemeClr val="bg2">
@@ -27121,7 +27631,7 @@
           <a:effectLst/>
           <a:extLst>
             <a:ext uri="{AF507438-7753-43e0-B8FC-AC1667EBCBE1}">
-              <a14:hiddenEffects xmlns:a14="http://schemas.microsoft.com/office/drawing/2010/main" xmlns="">
+              <a14:hiddenEffects xmlns="" xmlns:a14="http://schemas.microsoft.com/office/drawing/2010/main">
                 <a:effectLst>
                   <a:outerShdw blurRad="63500" dist="38099" dir="2700000" algn="ctr" rotWithShape="0">
                     <a:schemeClr val="bg2">
@@ -27212,7 +27722,7 @@
           <a:effectLst/>
           <a:extLst>
             <a:ext uri="{AF507438-7753-43e0-B8FC-AC1667EBCBE1}">
-              <a14:hiddenEffects xmlns:a14="http://schemas.microsoft.com/office/drawing/2010/main" xmlns="">
+              <a14:hiddenEffects xmlns="" xmlns:a14="http://schemas.microsoft.com/office/drawing/2010/main">
                 <a:effectLst>
                   <a:outerShdw blurRad="63500" dist="38099" dir="2700000" algn="ctr" rotWithShape="0">
                     <a:schemeClr val="bg2">
@@ -27303,7 +27813,7 @@
           <a:effectLst/>
           <a:extLst>
             <a:ext uri="{AF507438-7753-43e0-B8FC-AC1667EBCBE1}">
-              <a14:hiddenEffects xmlns:a14="http://schemas.microsoft.com/office/drawing/2010/main" xmlns="">
+              <a14:hiddenEffects xmlns="" xmlns:a14="http://schemas.microsoft.com/office/drawing/2010/main">
                 <a:effectLst>
                   <a:outerShdw blurRad="63500" dist="38099" dir="2700000" algn="ctr" rotWithShape="0">
                     <a:schemeClr val="bg2">
@@ -27395,7 +27905,7 @@
           <a:effectLst/>
           <a:extLst>
             <a:ext uri="{AF507438-7753-43e0-B8FC-AC1667EBCBE1}">
-              <a14:hiddenEffects xmlns:a14="http://schemas.microsoft.com/office/drawing/2010/main" xmlns="">
+              <a14:hiddenEffects xmlns="" xmlns:a14="http://schemas.microsoft.com/office/drawing/2010/main">
                 <a:effectLst>
                   <a:outerShdw blurRad="63500" dist="38099" dir="2700000" algn="ctr" rotWithShape="0">
                     <a:schemeClr val="bg2">
@@ -27546,7 +28056,7 @@
           <a:effectLst/>
           <a:extLst>
             <a:ext uri="{AF507438-7753-43e0-B8FC-AC1667EBCBE1}">
-              <a14:hiddenEffects xmlns:a14="http://schemas.microsoft.com/office/drawing/2010/main" xmlns="">
+              <a14:hiddenEffects xmlns="" xmlns:a14="http://schemas.microsoft.com/office/drawing/2010/main">
                 <a:effectLst>
                   <a:outerShdw blurRad="63500" dist="38099" dir="2700000" algn="ctr" rotWithShape="0">
                     <a:schemeClr val="bg2">
@@ -27637,7 +28147,7 @@
           <a:effectLst/>
           <a:extLst>
             <a:ext uri="{AF507438-7753-43e0-B8FC-AC1667EBCBE1}">
-              <a14:hiddenEffects xmlns:a14="http://schemas.microsoft.com/office/drawing/2010/main" xmlns="">
+              <a14:hiddenEffects xmlns="" xmlns:a14="http://schemas.microsoft.com/office/drawing/2010/main">
                 <a:effectLst>
                   <a:outerShdw blurRad="63500" dist="38099" dir="2700000" algn="ctr" rotWithShape="0">
                     <a:schemeClr val="bg2">
@@ -27724,7 +28234,7 @@
           <a:effectLst/>
           <a:extLst>
             <a:ext uri="{AF507438-7753-43e0-B8FC-AC1667EBCBE1}">
-              <a14:hiddenEffects xmlns:a14="http://schemas.microsoft.com/office/drawing/2010/main" xmlns="">
+              <a14:hiddenEffects xmlns="" xmlns:a14="http://schemas.microsoft.com/office/drawing/2010/main">
                 <a:effectLst>
                   <a:outerShdw blurRad="63500" dist="38099" dir="2700000" algn="ctr" rotWithShape="0">
                     <a:schemeClr val="bg2">
@@ -27813,7 +28323,7 @@
           <a:effectLst/>
           <a:extLst>
             <a:ext uri="{AF507438-7753-43e0-B8FC-AC1667EBCBE1}">
-              <a14:hiddenEffects xmlns:a14="http://schemas.microsoft.com/office/drawing/2010/main" xmlns="">
+              <a14:hiddenEffects xmlns="" xmlns:a14="http://schemas.microsoft.com/office/drawing/2010/main">
                 <a:effectLst>
                   <a:outerShdw blurRad="63500" dist="38099" dir="2700000" algn="ctr" rotWithShape="0">
                     <a:schemeClr val="bg2">
@@ -27861,7 +28371,7 @@
           <a:effectLst/>
           <a:extLst>
             <a:ext uri="{AF507438-7753-43e0-B8FC-AC1667EBCBE1}">
-              <a14:hiddenEffects xmlns:a14="http://schemas.microsoft.com/office/drawing/2010/main" xmlns="">
+              <a14:hiddenEffects xmlns="" xmlns:a14="http://schemas.microsoft.com/office/drawing/2010/main">
                 <a:effectLst>
                   <a:outerShdw blurRad="63500" dist="38099" dir="2700000" algn="ctr" rotWithShape="0">
                     <a:schemeClr val="bg2">
@@ -27912,7 +28422,7 @@
           <a:effectLst/>
           <a:extLst>
             <a:ext uri="{AF507438-7753-43e0-B8FC-AC1667EBCBE1}">
-              <a14:hiddenEffects xmlns:a14="http://schemas.microsoft.com/office/drawing/2010/main" xmlns="">
+              <a14:hiddenEffects xmlns="" xmlns:a14="http://schemas.microsoft.com/office/drawing/2010/main">
                 <a:effectLst>
                   <a:outerShdw blurRad="63500" dist="38099" dir="2700000" algn="ctr" rotWithShape="0">
                     <a:schemeClr val="bg2">
@@ -27962,7 +28472,7 @@
           <a:effectLst/>
           <a:extLst>
             <a:ext uri="{AF507438-7753-43e0-B8FC-AC1667EBCBE1}">
-              <a14:hiddenEffects xmlns:a14="http://schemas.microsoft.com/office/drawing/2010/main" xmlns="">
+              <a14:hiddenEffects xmlns="" xmlns:a14="http://schemas.microsoft.com/office/drawing/2010/main">
                 <a:effectLst>
                   <a:outerShdw blurRad="63500" dist="38099" dir="2700000" algn="ctr" rotWithShape="0">
                     <a:schemeClr val="bg2">
@@ -28012,7 +28522,7 @@
           <a:effectLst/>
           <a:extLst>
             <a:ext uri="{AF507438-7753-43e0-B8FC-AC1667EBCBE1}">
-              <a14:hiddenEffects xmlns:a14="http://schemas.microsoft.com/office/drawing/2010/main" xmlns="">
+              <a14:hiddenEffects xmlns="" xmlns:a14="http://schemas.microsoft.com/office/drawing/2010/main">
                 <a:effectLst>
                   <a:outerShdw blurRad="63500" dist="38099" dir="2700000" algn="ctr" rotWithShape="0">
                     <a:schemeClr val="bg2">
@@ -28063,7 +28573,7 @@
           <a:effectLst/>
           <a:extLst>
             <a:ext uri="{AF507438-7753-43e0-B8FC-AC1667EBCBE1}">
-              <a14:hiddenEffects xmlns:a14="http://schemas.microsoft.com/office/drawing/2010/main" xmlns="">
+              <a14:hiddenEffects xmlns="" xmlns:a14="http://schemas.microsoft.com/office/drawing/2010/main">
                 <a:effectLst>
                   <a:outerShdw blurRad="63500" dist="38099" dir="2700000" algn="ctr" rotWithShape="0">
                     <a:schemeClr val="bg2">
@@ -28114,7 +28624,7 @@
           <a:effectLst/>
           <a:extLst>
             <a:ext uri="{AF507438-7753-43e0-B8FC-AC1667EBCBE1}">
-              <a14:hiddenEffects xmlns:a14="http://schemas.microsoft.com/office/drawing/2010/main" xmlns="">
+              <a14:hiddenEffects xmlns="" xmlns:a14="http://schemas.microsoft.com/office/drawing/2010/main">
                 <a:effectLst>
                   <a:outerShdw blurRad="63500" dist="38099" dir="2700000" algn="ctr" rotWithShape="0">
                     <a:schemeClr val="bg2">
@@ -28162,7 +28672,7 @@
           <a:effectLst/>
           <a:extLst>
             <a:ext uri="{AF507438-7753-43e0-B8FC-AC1667EBCBE1}">
-              <a14:hiddenEffects xmlns:a14="http://schemas.microsoft.com/office/drawing/2010/main" xmlns="">
+              <a14:hiddenEffects xmlns="" xmlns:a14="http://schemas.microsoft.com/office/drawing/2010/main">
                 <a:effectLst>
                   <a:outerShdw blurRad="63500" dist="38099" dir="2700000" algn="ctr" rotWithShape="0">
                     <a:schemeClr val="bg2">
@@ -28249,7 +28759,7 @@
           <a:effectLst/>
           <a:extLst>
             <a:ext uri="{AF507438-7753-43e0-B8FC-AC1667EBCBE1}">
-              <a14:hiddenEffects xmlns:a14="http://schemas.microsoft.com/office/drawing/2010/main" xmlns="">
+              <a14:hiddenEffects xmlns="" xmlns:a14="http://schemas.microsoft.com/office/drawing/2010/main">
                 <a:effectLst>
                   <a:outerShdw blurRad="63500" dist="38099" dir="2700000" algn="ctr" rotWithShape="0">
                     <a:schemeClr val="bg2">
@@ -28338,7 +28848,7 @@
           <a:effectLst/>
           <a:extLst>
             <a:ext uri="{AF507438-7753-43e0-B8FC-AC1667EBCBE1}">
-              <a14:hiddenEffects xmlns:a14="http://schemas.microsoft.com/office/drawing/2010/main" xmlns="">
+              <a14:hiddenEffects xmlns="" xmlns:a14="http://schemas.microsoft.com/office/drawing/2010/main">
                 <a:effectLst>
                   <a:outerShdw blurRad="63500" dist="38099" dir="2700000" algn="ctr" rotWithShape="0">
                     <a:schemeClr val="bg2">
@@ -28778,7 +29288,7 @@
           <a:effectLst/>
           <a:extLst>
             <a:ext uri="{AF507438-7753-43e0-B8FC-AC1667EBCBE1}">
-              <a14:hiddenEffects xmlns:a14="http://schemas.microsoft.com/office/drawing/2010/main" xmlns="">
+              <a14:hiddenEffects xmlns="" xmlns:a14="http://schemas.microsoft.com/office/drawing/2010/main">
                 <a:effectLst>
                   <a:outerShdw blurRad="63500" dist="38099" dir="2700000" algn="ctr" rotWithShape="0">
                     <a:schemeClr val="bg2">
@@ -28916,14 +29426,14 @@
           <a:noFill/>
           <a:extLst>
             <a:ext uri="{909E8E84-426E-40dd-AFC4-6F175D3DCCD1}">
-              <a14:hiddenFill xmlns:a14="http://schemas.microsoft.com/office/drawing/2010/main" xmlns="">
+              <a14:hiddenFill xmlns="" xmlns:a14="http://schemas.microsoft.com/office/drawing/2010/main">
                 <a:solidFill>
                   <a:srgbClr val="FFFFFF"/>
                 </a:solidFill>
               </a14:hiddenFill>
             </a:ext>
             <a:ext uri="{91240B29-F687-4f45-9708-019B960494DF}">
-              <a14:hiddenLine xmlns:a14="http://schemas.microsoft.com/office/drawing/2010/main" xmlns="" w="9525">
+              <a14:hiddenLine xmlns="" xmlns:a14="http://schemas.microsoft.com/office/drawing/2010/main" w="9525">
                 <a:solidFill>
                   <a:srgbClr val="000000"/>
                 </a:solidFill>
@@ -28933,7 +29443,7 @@
               </a14:hiddenLine>
             </a:ext>
             <a:ext uri="{FAA26D3D-D897-4be2-8F04-BA451C77F1D7}">
-              <ma14:placeholderFlag xmlns:ma14="http://schemas.microsoft.com/office/mac/drawingml/2011/main" xmlns="" val="1"/>
+              <ma14:placeholderFlag xmlns="" xmlns:ma14="http://schemas.microsoft.com/office/mac/drawingml/2011/main" val="1"/>
             </a:ext>
           </a:extLst>
         </p:spPr>
@@ -29413,14 +29923,14 @@
           <a:noFill/>
           <a:extLst>
             <a:ext uri="{909E8E84-426E-40dd-AFC4-6F175D3DCCD1}">
-              <a14:hiddenFill xmlns:a14="http://schemas.microsoft.com/office/drawing/2010/main" xmlns="">
+              <a14:hiddenFill xmlns="" xmlns:a14="http://schemas.microsoft.com/office/drawing/2010/main">
                 <a:solidFill>
                   <a:srgbClr val="FFFFFF"/>
                 </a:solidFill>
               </a14:hiddenFill>
             </a:ext>
             <a:ext uri="{91240B29-F687-4f45-9708-019B960494DF}">
-              <a14:hiddenLine xmlns:a14="http://schemas.microsoft.com/office/drawing/2010/main" xmlns="" w="9525">
+              <a14:hiddenLine xmlns="" xmlns:a14="http://schemas.microsoft.com/office/drawing/2010/main" w="9525">
                 <a:solidFill>
                   <a:srgbClr val="000000"/>
                 </a:solidFill>
@@ -29430,7 +29940,7 @@
               </a14:hiddenLine>
             </a:ext>
             <a:ext uri="{FAA26D3D-D897-4be2-8F04-BA451C77F1D7}">
-              <ma14:placeholderFlag xmlns:ma14="http://schemas.microsoft.com/office/mac/drawingml/2011/main" xmlns="" val="1"/>
+              <ma14:placeholderFlag xmlns="" xmlns:ma14="http://schemas.microsoft.com/office/mac/drawingml/2011/main" val="1"/>
             </a:ext>
           </a:extLst>
         </p:spPr>
@@ -29599,8 +30109,33 @@
             </a:r>
             <a:r>
               <a:rPr lang="de-CH"/>
-              <a:t>vgg16 and weights and sized them up through cross-validation, batch-trained , use multilabel instead of multiclass </a:t>
-            </a:r>
+              <a:t>vgg16 and </a:t>
+            </a:r>
+            <a:r>
+              <a:rPr lang="de-CH" smtClean="0"/>
+              <a:t>weights, batch-trained, in the future use </a:t>
+            </a:r>
+            <a:r>
+              <a:rPr lang="de-CH"/>
+              <a:t>multilabel instead of </a:t>
+            </a:r>
+            <a:r>
+              <a:rPr lang="de-CH"/>
+              <a:t>multiclass</a:t>
+            </a:r>
+            <a:r>
+              <a:rPr lang="de-CH"/>
+              <a:t>, </a:t>
+            </a:r>
+            <a:r>
+              <a:rPr lang="de-CH" smtClean="0"/>
+              <a:t>size models </a:t>
+            </a:r>
+            <a:r>
+              <a:rPr lang="de-CH"/>
+              <a:t>up through cross-validation</a:t>
+            </a:r>
+            <a:endParaRPr lang="de-CH"/>
           </a:p>
           <a:p>
             <a:pPr marL="285750" indent="-285750">
@@ -29674,14 +30209,14 @@
           <a:noFill/>
           <a:extLst>
             <a:ext uri="{909E8E84-426E-40dd-AFC4-6F175D3DCCD1}">
-              <a14:hiddenFill xmlns:a14="http://schemas.microsoft.com/office/drawing/2010/main" xmlns="">
+              <a14:hiddenFill xmlns="" xmlns:a14="http://schemas.microsoft.com/office/drawing/2010/main">
                 <a:solidFill>
                   <a:srgbClr val="FFFFFF"/>
                 </a:solidFill>
               </a14:hiddenFill>
             </a:ext>
             <a:ext uri="{91240B29-F687-4f45-9708-019B960494DF}">
-              <a14:hiddenLine xmlns:a14="http://schemas.microsoft.com/office/drawing/2010/main" xmlns="" w="9525">
+              <a14:hiddenLine xmlns="" xmlns:a14="http://schemas.microsoft.com/office/drawing/2010/main" w="9525">
                 <a:solidFill>
                   <a:srgbClr val="000000"/>
                 </a:solidFill>
@@ -29691,7 +30226,7 @@
               </a14:hiddenLine>
             </a:ext>
             <a:ext uri="{FAA26D3D-D897-4be2-8F04-BA451C77F1D7}">
-              <ma14:placeholderFlag xmlns:ma14="http://schemas.microsoft.com/office/mac/drawingml/2011/main" xmlns="" val="1"/>
+              <ma14:placeholderFlag xmlns="" xmlns:ma14="http://schemas.microsoft.com/office/mac/drawingml/2011/main" val="1"/>
             </a:ext>
           </a:extLst>
         </p:spPr>
@@ -29781,14 +30316,14 @@
           <a:noFill/>
           <a:extLst>
             <a:ext uri="{909E8E84-426E-40dd-AFC4-6F175D3DCCD1}">
-              <a14:hiddenFill xmlns:a14="http://schemas.microsoft.com/office/drawing/2010/main" xmlns="">
+              <a14:hiddenFill xmlns="" xmlns:a14="http://schemas.microsoft.com/office/drawing/2010/main">
                 <a:solidFill>
                   <a:srgbClr val="FFFFFF"/>
                 </a:solidFill>
               </a14:hiddenFill>
             </a:ext>
             <a:ext uri="{91240B29-F687-4f45-9708-019B960494DF}">
-              <a14:hiddenLine xmlns:a14="http://schemas.microsoft.com/office/drawing/2010/main" xmlns="" w="9525">
+              <a14:hiddenLine xmlns="" xmlns:a14="http://schemas.microsoft.com/office/drawing/2010/main" w="9525">
                 <a:solidFill>
                   <a:srgbClr val="000000"/>
                 </a:solidFill>
@@ -29876,14 +30411,14 @@
           <a:noFill/>
           <a:extLst>
             <a:ext uri="{909E8E84-426E-40dd-AFC4-6F175D3DCCD1}">
-              <a14:hiddenFill xmlns:a14="http://schemas.microsoft.com/office/drawing/2010/main" xmlns="">
+              <a14:hiddenFill xmlns="" xmlns:a14="http://schemas.microsoft.com/office/drawing/2010/main">
                 <a:solidFill>
                   <a:srgbClr val="FFFFFF"/>
                 </a:solidFill>
               </a14:hiddenFill>
             </a:ext>
             <a:ext uri="{91240B29-F687-4f45-9708-019B960494DF}">
-              <a14:hiddenLine xmlns:a14="http://schemas.microsoft.com/office/drawing/2010/main" xmlns="" w="9525">
+              <a14:hiddenLine xmlns="" xmlns:a14="http://schemas.microsoft.com/office/drawing/2010/main" w="9525">
                 <a:solidFill>
                   <a:srgbClr val="000000"/>
                 </a:solidFill>
@@ -30227,7 +30762,7 @@
         <a:effectLst/>
         <a:extLst>
           <a:ext uri="{AF507438-7753-43e0-B8FC-AC1667EBCBE1}">
-            <a14:hiddenEffects xmlns:a14="http://schemas.microsoft.com/office/drawing/2010/main" xmlns="">
+            <a14:hiddenEffects xmlns="" xmlns:a14="http://schemas.microsoft.com/office/drawing/2010/main">
               <a:effectLst>
                 <a:outerShdw blurRad="63500" dist="38099" dir="2700000" algn="ctr" rotWithShape="0">
                   <a:schemeClr val="bg2">
@@ -30305,7 +30840,7 @@
         <a:effectLst/>
         <a:extLst>
           <a:ext uri="{AF507438-7753-43e0-B8FC-AC1667EBCBE1}">
-            <a14:hiddenEffects xmlns:a14="http://schemas.microsoft.com/office/drawing/2010/main" xmlns="">
+            <a14:hiddenEffects xmlns="" xmlns:a14="http://schemas.microsoft.com/office/drawing/2010/main">
               <a:effectLst>
                 <a:outerShdw blurRad="63500" dist="38099" dir="2700000" algn="ctr" rotWithShape="0">
                   <a:schemeClr val="bg2">

--- a/about_me/Visual Listening In_Draft_LS.pptx
+++ b/about_me/Visual Listening In_Draft_LS.pptx
@@ -14053,7 +14053,7 @@
             <a:fld id="{1766B9EA-E083-A94D-96A5-C5476B884CFE}" type="datetime1">
               <a:rPr lang="en-US"/>
               <a:pPr/>
-              <a:t>4/21/2020</a:t>
+              <a:t>4/22/2020</a:t>
             </a:fld>
             <a:endParaRPr lang="en-US"/>
           </a:p>
@@ -14244,7 +14244,7 @@
             <a:fld id="{3598794E-35F3-8D48-B244-F21DA91EADA9}" type="datetime1">
               <a:rPr lang="en-US"/>
               <a:pPr/>
-              <a:t>4/21/2020</a:t>
+              <a:t>4/22/2020</a:t>
             </a:fld>
             <a:endParaRPr lang="en-US"/>
           </a:p>
@@ -14688,19 +14688,7 @@
                 <a:ea typeface="MS PGothic" panose="020B0600070205080204" pitchFamily="34" charset="-128"/>
                 <a:cs typeface="MS PGothic" charset="0"/>
               </a:rPr>
-              <a:t>study </a:t>
-            </a:r>
-            <a:r>
-              <a:rPr lang="en-US" sz="1200" kern="1200" baseline="0" smtClean="0">
-                <a:solidFill>
-                  <a:schemeClr val="tx1"/>
-                </a:solidFill>
-                <a:effectLst/>
-                <a:latin typeface="+mn-lt"/>
-                <a:ea typeface="MS PGothic" panose="020B0600070205080204" pitchFamily="34" charset="-128"/>
-                <a:cs typeface="MS PGothic" charset="0"/>
-              </a:rPr>
-              <a:t>done by </a:t>
+              <a:t>study done by </a:t>
             </a:r>
             <a:r>
               <a:rPr lang="en-US" sz="1200" kern="1200" smtClean="0">
@@ -15164,7 +15152,9 @@
         </p:nvSpPr>
         <p:spPr/>
         <p:txBody>
-          <a:bodyPr/>
+          <a:bodyPr>
+            <a:normAutofit lnSpcReduction="10000"/>
+          </a:bodyPr>
           <a:lstStyle/>
           <a:p>
             <a:r>
@@ -15185,8 +15175,37 @@
           <a:p>
             <a:r>
               <a:rPr lang="de-CH" baseline="0" smtClean="0"/>
-              <a:t>For example, San Pellegrino’s officialy aims to come across as healthy and fun in the images they release on their Instagram channel. However, an official take of their images reveals that their brand is not considered as healthy as much as it is for being perceived as fun. </a:t>
-            </a:r>
+              <a:t>For example, San Pellegrino’s officialy aims to come across as healthy and fun in the images they release on their Instagram </a:t>
+            </a:r>
+            <a:r>
+              <a:rPr lang="de-CH" baseline="0" smtClean="0"/>
+              <a:t>channel at will. </a:t>
+            </a:r>
+            <a:r>
+              <a:rPr lang="de-CH" baseline="0" smtClean="0"/>
+              <a:t>However, an </a:t>
+            </a:r>
+            <a:r>
+              <a:rPr lang="de-CH" baseline="0" smtClean="0"/>
+              <a:t>unofficial </a:t>
+            </a:r>
+            <a:r>
+              <a:rPr lang="de-CH" baseline="0" smtClean="0"/>
+              <a:t>take of their images reveals that their brand is not considered as </a:t>
+            </a:r>
+            <a:r>
+              <a:rPr lang="de-CH" baseline="0" smtClean="0"/>
+              <a:t>fun </a:t>
+            </a:r>
+            <a:r>
+              <a:rPr lang="de-CH" baseline="0" smtClean="0"/>
+              <a:t>as much as it is for being perceived as </a:t>
+            </a:r>
+            <a:r>
+              <a:rPr lang="de-CH" baseline="0" smtClean="0"/>
+              <a:t>healthy. There is much more polarization in the unofficial brand perception than there is with the official image.  </a:t>
+            </a:r>
+            <a:endParaRPr lang="de-CH" baseline="0" smtClean="0"/>
           </a:p>
           <a:p>
             <a:r>
@@ -15199,15 +15218,32 @@
               <a:rPr lang="de-CH" baseline="0" smtClean="0"/>
               <a:t>Our webtool can be used to benchmark different brands for a cross-over, comparative analysis of brand personalities. </a:t>
             </a:r>
+            <a:r>
+              <a:rPr lang="de-CH" baseline="0" smtClean="0"/>
+              <a:t>For instance, San Pellegrino could be compared to Evian, an other fresh water supplier on the beverages market. We analyze both brand profiles to acknolwedge that unofficially, Evian is perceived as less healthy than San Pellegrino. However, officially, the reverse is true in both brands’ marketing efforts: San Pellegrino falls back less on making their brand appear healthy than Evian. </a:t>
+            </a:r>
+            <a:endParaRPr lang="de-CH" baseline="0" smtClean="0"/>
           </a:p>
           <a:p>
             <a:r>
               <a:rPr lang="de-CH" smtClean="0"/>
-              <a:t>Boosting</a:t>
+              <a:t>Also, boosting</a:t>
             </a:r>
             <a:r>
               <a:rPr lang="de-CH" baseline="0" smtClean="0"/>
-              <a:t> the coporate image relies on a solid analysis of one’s brand’s standing in its respective market sector. </a:t>
+              <a:t> </a:t>
+            </a:r>
+            <a:r>
+              <a:rPr lang="de-CH" baseline="0" smtClean="0"/>
+              <a:t>the coporate image </a:t>
+            </a:r>
+            <a:r>
+              <a:rPr lang="de-CH" baseline="0" smtClean="0"/>
+              <a:t>should not go without reliance </a:t>
+            </a:r>
+            <a:r>
+              <a:rPr lang="de-CH" baseline="0" smtClean="0"/>
+              <a:t>on a solid analysis of one’s brand’s standing in its respective market sector. </a:t>
             </a:r>
           </a:p>
           <a:p>
@@ -15363,15 +15399,7 @@
                 <a:ea typeface="ヒラギノ角ゴ ProN W3" charset="0"/>
                 <a:cs typeface="Source Sans Pro Light" charset="0"/>
               </a:rPr>
-              <a:t>Machine </a:t>
-            </a:r>
-            <a:r>
-              <a:rPr lang="de-CH" b="1" i="0" smtClean="0">
-                <a:latin typeface="Source Sans Pro Light" charset="0"/>
-                <a:ea typeface="ヒラギノ角ゴ ProN W3" charset="0"/>
-                <a:cs typeface="Source Sans Pro Light" charset="0"/>
-              </a:rPr>
-              <a:t>Learning</a:t>
+              <a:t>Machine Learning</a:t>
             </a:r>
             <a:r>
               <a:rPr lang="de-CH" smtClean="0">
@@ -15525,11 +15553,7 @@
           <a:p>
             <a:r>
               <a:rPr lang="en-US" smtClean="0"/>
-              <a:t>one </a:t>
-            </a:r>
-            <a:r>
-              <a:rPr lang="en-US" smtClean="0"/>
-              <a:t>vs rest approach of multiclass classification, we need to create 4 classifiers one for each attribute.</a:t>
+              <a:t>one vs rest approach of multiclass classification, we need to create 4 classifiers one for each attribute.</a:t>
             </a:r>
             <a:endParaRPr lang="en-US"/>
           </a:p>
@@ -15614,7 +15638,7 @@
         <p:spPr/>
         <p:txBody>
           <a:bodyPr>
-            <a:normAutofit lnSpcReduction="10000"/>
+            <a:normAutofit fontScale="77500" lnSpcReduction="20000"/>
           </a:bodyPr>
           <a:lstStyle/>
           <a:p>
@@ -15756,15 +15780,7 @@
             </a:r>
             <a:r>
               <a:rPr lang="de-CH" smtClean="0"/>
-              <a:t> calm</a:t>
-            </a:r>
-            <a:r>
-              <a:rPr lang="de-CH" smtClean="0"/>
-              <a:t>, cheerful, confident, creative, exciting, fiery, happy, intelligent, natural, reliable, strong, </a:t>
-            </a:r>
-            <a:r>
-              <a:rPr lang="de-CH" smtClean="0"/>
-              <a:t>wholesome.</a:t>
+              <a:t> calm, cheerful, confident, creative, exciting, fiery, happy, intelligent, natural, reliable, strong, wholesome.</a:t>
             </a:r>
             <a:r>
               <a:rPr lang="de-CH" baseline="0" smtClean="0"/>
@@ -15819,47 +15835,7 @@
             </a:r>
             <a:r>
               <a:rPr lang="en-US" smtClean="0"/>
-              <a:t>This </a:t>
-            </a:r>
-            <a:r>
-              <a:rPr lang="en-US" smtClean="0"/>
-              <a:t>is the reason why </a:t>
-            </a:r>
-            <a:r>
-              <a:rPr lang="en-US" smtClean="0"/>
-              <a:t>we considered to provide </a:t>
-            </a:r>
-            <a:r>
-              <a:rPr lang="en-US" smtClean="0"/>
-              <a:t>only </a:t>
-            </a:r>
-            <a:r>
-              <a:rPr lang="en-US" smtClean="0"/>
-              <a:t>brands </a:t>
-            </a:r>
-            <a:r>
-              <a:rPr lang="en-US" smtClean="0"/>
-              <a:t>that are listed in </a:t>
-            </a:r>
-            <a:r>
-              <a:rPr lang="en-US" smtClean="0"/>
-              <a:t>a dataframe </a:t>
-            </a:r>
-            <a:r>
-              <a:rPr lang="en-US" smtClean="0"/>
-              <a:t>and </a:t>
-            </a:r>
-            <a:r>
-              <a:rPr lang="en-US" smtClean="0"/>
-              <a:t>no </a:t>
-            </a:r>
-            <a:r>
-              <a:rPr lang="en-US" smtClean="0"/>
-              <a:t>other </a:t>
-            </a:r>
-            <a:r>
-              <a:rPr lang="en-US" smtClean="0"/>
-              <a:t>brands. But finally, we chose to let the user look up the exact Instagram account name</a:t>
+              <a:t>This is the reason why we considered to provide only brands that are listed in a dataframe and no other brands. But finally, we chose to let the user look up the exact Instagram account name</a:t>
             </a:r>
             <a:r>
               <a:rPr lang="en-US" baseline="0" smtClean="0"/>
@@ -15914,23 +15890,7 @@
             </a:r>
             <a:r>
               <a:rPr lang="en-US" smtClean="0"/>
-              <a:t>respecting </a:t>
-            </a:r>
-            <a:r>
-              <a:rPr lang="en-US" smtClean="0"/>
-              <a:t>user’s rights when downloading copyrighted content </a:t>
-            </a:r>
-            <a:r>
-              <a:rPr lang="en-US" smtClean="0"/>
-              <a:t>or </a:t>
-            </a:r>
-            <a:r>
-              <a:rPr lang="en-US" smtClean="0"/>
-              <a:t>not using images/videos from Instagram for commercial </a:t>
-            </a:r>
-            <a:r>
-              <a:rPr lang="en-US" smtClean="0"/>
-              <a:t>intent. Although the web tool is meant for commercial use, the project’s outer make-up will make any real-world</a:t>
+              <a:t>respecting user’s rights when downloading copyrighted content or not using images/videos from Instagram for commercial intent. Although the web tool is meant for commercial use, the project’s outer make-up will make any real-world</a:t>
             </a:r>
             <a:r>
               <a:rPr lang="en-US" baseline="0" smtClean="0"/>
@@ -15978,15 +15938,7 @@
             </a:pPr>
             <a:r>
               <a:rPr lang="en-US" smtClean="0"/>
-              <a:t>The reason we could not deploy the webtool on the Google App Engine is because of a time-out </a:t>
-            </a:r>
-            <a:r>
-              <a:rPr lang="en-US" smtClean="0"/>
-              <a:t>'502 bad gateway' </a:t>
-            </a:r>
-            <a:r>
-              <a:rPr lang="en-US" smtClean="0"/>
-              <a:t>error or a credit card details demand</a:t>
+              <a:t>The reason we could not deploy the webtool on the Google App Engine is because of a time-out '502 bad gateway' error or a credit card details demand</a:t>
             </a:r>
             <a:r>
               <a:rPr lang="en-US" baseline="0" smtClean="0"/>
@@ -16037,15 +15989,7 @@
             </a:pPr>
             <a:r>
               <a:rPr lang="de-CH" smtClean="0"/>
-              <a:t>Our preset </a:t>
-            </a:r>
-            <a:r>
-              <a:rPr lang="de-CH" smtClean="0"/>
-              <a:t>time horizon </a:t>
-            </a:r>
-            <a:r>
-              <a:rPr lang="de-CH" smtClean="0"/>
-              <a:t>did</a:t>
+              <a:t>Our preset time horizon did</a:t>
             </a:r>
             <a:r>
               <a:rPr lang="de-CH" baseline="0" smtClean="0"/>
@@ -16053,15 +15997,7 @@
             </a:r>
             <a:r>
               <a:rPr lang="de-CH" smtClean="0"/>
-              <a:t>we tentatively  considered a multimedia </a:t>
-            </a:r>
-            <a:r>
-              <a:rPr lang="de-CH" smtClean="0"/>
-              <a:t>document embedding </a:t>
-            </a:r>
-            <a:r>
-              <a:rPr lang="de-CH" smtClean="0"/>
-              <a:t>for our webtool – showing both official and unofficial Instagram images with</a:t>
+              <a:t>we tentatively  considered a multimedia document embedding for our webtool – showing both official and unofficial Instagram images with</a:t>
             </a:r>
             <a:r>
               <a:rPr lang="de-CH" baseline="0" smtClean="0"/>
@@ -16683,7 +16619,7 @@
           </a:ln>
           <a:extLst>
             <a:ext uri="{91240B29-F687-4f45-9708-019B960494DF}">
-              <a14:hiddenLine xmlns="" xmlns:a14="http://schemas.microsoft.com/office/drawing/2010/main" w="9525">
+              <a14:hiddenLine xmlns:a14="http://schemas.microsoft.com/office/drawing/2010/main" xmlns="" w="9525">
                 <a:solidFill>
                   <a:srgbClr val="000000"/>
                 </a:solidFill>
@@ -16843,7 +16779,7 @@
           <a:graphicData uri="http://schemas.openxmlformats.org/presentationml/2006/ole">
             <mc:AlternateContent xmlns:mc="http://schemas.openxmlformats.org/markup-compatibility/2006">
               <mc:Choice xmlns:v="urn:schemas-microsoft-com:vml" Requires="v">
-                <p:oleObj spid="_x0000_s27836" name="think-cell Slide" r:id="rId7" imgW="38100" imgH="38100" progId="TCLayout.ActiveDocument.1">
+                <p:oleObj spid="_x0000_s27840" name="think-cell Slide" r:id="rId7" imgW="38100" imgH="38100" progId="TCLayout.ActiveDocument.1">
                   <p:embed/>
                 </p:oleObj>
               </mc:Choice>
@@ -16885,14 +16821,14 @@
                       </a:ln>
                       <a:extLst>
                         <a:ext uri="{909E8E84-426E-40dd-AFC4-6F175D3DCCD1}">
-                          <a14:hiddenFill xmlns="" xmlns:a14="http://schemas.microsoft.com/office/drawing/2010/main">
+                          <a14:hiddenFill xmlns:a14="http://schemas.microsoft.com/office/drawing/2010/main" xmlns="">
                             <a:solidFill>
                               <a:srgbClr val="FFFFFF"/>
                             </a:solidFill>
                           </a14:hiddenFill>
                         </a:ext>
                         <a:ext uri="{91240B29-F687-4f45-9708-019B960494DF}">
-                          <a14:hiddenLine xmlns="" xmlns:a14="http://schemas.microsoft.com/office/drawing/2010/main" w="9525">
+                          <a14:hiddenLine xmlns:a14="http://schemas.microsoft.com/office/drawing/2010/main" xmlns="" w="9525">
                             <a:solidFill>
                               <a:srgbClr val="000000"/>
                             </a:solidFill>
@@ -17375,14 +17311,14 @@
           </a:ln>
           <a:extLst>
             <a:ext uri="{909E8E84-426E-40dd-AFC4-6F175D3DCCD1}">
-              <a14:hiddenFill xmlns="" xmlns:a14="http://schemas.microsoft.com/office/drawing/2010/main">
+              <a14:hiddenFill xmlns:a14="http://schemas.microsoft.com/office/drawing/2010/main" xmlns="">
                 <a:solidFill>
                   <a:srgbClr val="FFFFFF"/>
                 </a:solidFill>
               </a14:hiddenFill>
             </a:ext>
             <a:ext uri="{91240B29-F687-4f45-9708-019B960494DF}">
-              <a14:hiddenLine xmlns="" xmlns:a14="http://schemas.microsoft.com/office/drawing/2010/main" w="9525">
+              <a14:hiddenLine xmlns:a14="http://schemas.microsoft.com/office/drawing/2010/main" xmlns="" w="9525">
                 <a:solidFill>
                   <a:srgbClr val="000000"/>
                 </a:solidFill>
@@ -17573,7 +17509,7 @@
           </a:ln>
           <a:extLst>
             <a:ext uri="{91240B29-F687-4f45-9708-019B960494DF}">
-              <a14:hiddenLine xmlns="" xmlns:a14="http://schemas.microsoft.com/office/drawing/2010/main" w="9525">
+              <a14:hiddenLine xmlns:a14="http://schemas.microsoft.com/office/drawing/2010/main" xmlns="" w="9525">
                 <a:solidFill>
                   <a:srgbClr val="000000"/>
                 </a:solidFill>
@@ -17733,7 +17669,7 @@
           <a:graphicData uri="http://schemas.openxmlformats.org/presentationml/2006/ole">
             <mc:AlternateContent xmlns:mc="http://schemas.openxmlformats.org/markup-compatibility/2006">
               <mc:Choice xmlns:v="urn:schemas-microsoft-com:vml" Requires="v">
-                <p:oleObj spid="_x0000_s28860" name="think-cell Slide" r:id="rId7" imgW="38100" imgH="38100" progId="TCLayout.ActiveDocument.1">
+                <p:oleObj spid="_x0000_s28864" name="think-cell Slide" r:id="rId7" imgW="38100" imgH="38100" progId="TCLayout.ActiveDocument.1">
                   <p:embed/>
                 </p:oleObj>
               </mc:Choice>
@@ -17775,14 +17711,14 @@
                       </a:ln>
                       <a:extLst>
                         <a:ext uri="{909E8E84-426E-40dd-AFC4-6F175D3DCCD1}">
-                          <a14:hiddenFill xmlns="" xmlns:a14="http://schemas.microsoft.com/office/drawing/2010/main">
+                          <a14:hiddenFill xmlns:a14="http://schemas.microsoft.com/office/drawing/2010/main" xmlns="">
                             <a:solidFill>
                               <a:srgbClr val="FFFFFF"/>
                             </a:solidFill>
                           </a14:hiddenFill>
                         </a:ext>
                         <a:ext uri="{91240B29-F687-4f45-9708-019B960494DF}">
-                          <a14:hiddenLine xmlns="" xmlns:a14="http://schemas.microsoft.com/office/drawing/2010/main" w="9525">
+                          <a14:hiddenLine xmlns:a14="http://schemas.microsoft.com/office/drawing/2010/main" xmlns="" w="9525">
                             <a:solidFill>
                               <a:srgbClr val="000000"/>
                             </a:solidFill>
@@ -18265,14 +18201,14 @@
           </a:ln>
           <a:extLst>
             <a:ext uri="{909E8E84-426E-40dd-AFC4-6F175D3DCCD1}">
-              <a14:hiddenFill xmlns="" xmlns:a14="http://schemas.microsoft.com/office/drawing/2010/main">
+              <a14:hiddenFill xmlns:a14="http://schemas.microsoft.com/office/drawing/2010/main" xmlns="">
                 <a:solidFill>
                   <a:srgbClr val="FFFFFF"/>
                 </a:solidFill>
               </a14:hiddenFill>
             </a:ext>
             <a:ext uri="{91240B29-F687-4f45-9708-019B960494DF}">
-              <a14:hiddenLine xmlns="" xmlns:a14="http://schemas.microsoft.com/office/drawing/2010/main" w="9525">
+              <a14:hiddenLine xmlns:a14="http://schemas.microsoft.com/office/drawing/2010/main" xmlns="" w="9525">
                 <a:solidFill>
                   <a:srgbClr val="000000"/>
                 </a:solidFill>
@@ -18477,14 +18413,14 @@
           </a:ln>
           <a:extLst>
             <a:ext uri="{909E8E84-426E-40dd-AFC4-6F175D3DCCD1}">
-              <a14:hiddenFill xmlns="" xmlns:a14="http://schemas.microsoft.com/office/drawing/2010/main">
+              <a14:hiddenFill xmlns:a14="http://schemas.microsoft.com/office/drawing/2010/main" xmlns="">
                 <a:solidFill>
                   <a:srgbClr val="FFFFFF"/>
                 </a:solidFill>
               </a14:hiddenFill>
             </a:ext>
             <a:ext uri="{91240B29-F687-4f45-9708-019B960494DF}">
-              <a14:hiddenLine xmlns="" xmlns:a14="http://schemas.microsoft.com/office/drawing/2010/main" w="9525">
+              <a14:hiddenLine xmlns:a14="http://schemas.microsoft.com/office/drawing/2010/main" xmlns="" w="9525">
                 <a:solidFill>
                   <a:srgbClr val="000000"/>
                 </a:solidFill>
@@ -21592,14 +21528,14 @@
           </a:ln>
           <a:extLst>
             <a:ext uri="{909E8E84-426E-40dd-AFC4-6F175D3DCCD1}">
-              <a14:hiddenFill xmlns="" xmlns:a14="http://schemas.microsoft.com/office/drawing/2010/main">
+              <a14:hiddenFill xmlns:a14="http://schemas.microsoft.com/office/drawing/2010/main" xmlns="">
                 <a:solidFill>
                   <a:srgbClr val="FFFFFF"/>
                 </a:solidFill>
               </a14:hiddenFill>
             </a:ext>
             <a:ext uri="{91240B29-F687-4f45-9708-019B960494DF}">
-              <a14:hiddenLine xmlns="" xmlns:a14="http://schemas.microsoft.com/office/drawing/2010/main" w="9525">
+              <a14:hiddenLine xmlns:a14="http://schemas.microsoft.com/office/drawing/2010/main" xmlns="" w="9525">
                 <a:solidFill>
                   <a:srgbClr val="000000"/>
                 </a:solidFill>
@@ -22294,7 +22230,7 @@
           </a:xfrm>
           <a:extLst>
             <a:ext uri="{91240B29-F687-4f45-9708-019B960494DF}">
-              <a14:hiddenLine xmlns="" xmlns:a14="http://schemas.microsoft.com/office/drawing/2010/main" w="9525">
+              <a14:hiddenLine xmlns:a14="http://schemas.microsoft.com/office/drawing/2010/main" xmlns="" w="9525">
                 <a:solidFill>
                   <a:srgbClr val="000000"/>
                 </a:solidFill>
@@ -22416,14 +22352,14 @@
           <a:noFill/>
           <a:extLst>
             <a:ext uri="{909E8E84-426E-40dd-AFC4-6F175D3DCCD1}">
-              <a14:hiddenFill xmlns="" xmlns:a14="http://schemas.microsoft.com/office/drawing/2010/main">
+              <a14:hiddenFill xmlns:a14="http://schemas.microsoft.com/office/drawing/2010/main" xmlns="">
                 <a:solidFill>
                   <a:srgbClr val="FFFFFF"/>
                 </a:solidFill>
               </a14:hiddenFill>
             </a:ext>
             <a:ext uri="{91240B29-F687-4f45-9708-019B960494DF}">
-              <a14:hiddenLine xmlns="" xmlns:a14="http://schemas.microsoft.com/office/drawing/2010/main" w="9525">
+              <a14:hiddenLine xmlns:a14="http://schemas.microsoft.com/office/drawing/2010/main" xmlns="" w="9525">
                 <a:solidFill>
                   <a:srgbClr val="000000"/>
                 </a:solidFill>
@@ -22433,7 +22369,7 @@
               </a14:hiddenLine>
             </a:ext>
             <a:ext uri="{FAA26D3D-D897-4be2-8F04-BA451C77F1D7}">
-              <ma14:placeholderFlag xmlns="" xmlns:ma14="http://schemas.microsoft.com/office/mac/drawingml/2011/main" val="1"/>
+              <ma14:placeholderFlag xmlns:ma14="http://schemas.microsoft.com/office/mac/drawingml/2011/main" xmlns="" val="1"/>
             </a:ext>
           </a:extLst>
         </p:spPr>
@@ -22491,14 +22427,14 @@
           <a:noFill/>
           <a:extLst>
             <a:ext uri="{909E8E84-426E-40dd-AFC4-6F175D3DCCD1}">
-              <a14:hiddenFill xmlns="" xmlns:a14="http://schemas.microsoft.com/office/drawing/2010/main">
+              <a14:hiddenFill xmlns:a14="http://schemas.microsoft.com/office/drawing/2010/main" xmlns="">
                 <a:solidFill>
                   <a:srgbClr val="FFFFFF"/>
                 </a:solidFill>
               </a14:hiddenFill>
             </a:ext>
             <a:ext uri="{91240B29-F687-4f45-9708-019B960494DF}">
-              <a14:hiddenLine xmlns="" xmlns:a14="http://schemas.microsoft.com/office/drawing/2010/main" w="9525">
+              <a14:hiddenLine xmlns:a14="http://schemas.microsoft.com/office/drawing/2010/main" xmlns="" w="9525">
                 <a:solidFill>
                   <a:srgbClr val="000000"/>
                 </a:solidFill>
@@ -22562,7 +22498,7 @@
           <a:effectLst/>
           <a:extLst>
             <a:ext uri="{AF507438-7753-43e0-B8FC-AC1667EBCBE1}">
-              <a14:hiddenEffects xmlns="" xmlns:a14="http://schemas.microsoft.com/office/drawing/2010/main">
+              <a14:hiddenEffects xmlns:a14="http://schemas.microsoft.com/office/drawing/2010/main" xmlns="">
                 <a:effectLst>
                   <a:outerShdw blurRad="63500" dist="38099" dir="2700000" algn="ctr" rotWithShape="0">
                     <a:schemeClr val="bg2">
@@ -22687,15 +22623,7 @@
             </a:br>
             <a:r>
               <a:rPr lang="en-US" sz="1200"/>
-              <a:t>• Add slide notes to EVERY slide of the PPTX file. These slide notes should contain your complete script for your talk</a:t>
-            </a:r>
-            <a:r>
-              <a:rPr lang="en-US" sz="1200"/>
-              <a:t>. </a:t>
-            </a:r>
-            <a:r>
-              <a:rPr lang="en-US" sz="1200"/>
-              <a:t/>
+              <a:t>• Add slide notes to EVERY slide of the PPTX file. These slide notes should contain your complete script for your talk. </a:t>
             </a:r>
             <a:br>
               <a:rPr lang="en-US" sz="1200"/>
@@ -22821,14 +22749,14 @@
           <a:noFill/>
           <a:extLst>
             <a:ext uri="{909E8E84-426E-40dd-AFC4-6F175D3DCCD1}">
-              <a14:hiddenFill xmlns="" xmlns:a14="http://schemas.microsoft.com/office/drawing/2010/main">
+              <a14:hiddenFill xmlns:a14="http://schemas.microsoft.com/office/drawing/2010/main" xmlns="">
                 <a:solidFill>
                   <a:srgbClr val="FFFFFF"/>
                 </a:solidFill>
               </a14:hiddenFill>
             </a:ext>
             <a:ext uri="{91240B29-F687-4f45-9708-019B960494DF}">
-              <a14:hiddenLine xmlns="" xmlns:a14="http://schemas.microsoft.com/office/drawing/2010/main" w="9525">
+              <a14:hiddenLine xmlns:a14="http://schemas.microsoft.com/office/drawing/2010/main" xmlns="" w="9525">
                 <a:solidFill>
                   <a:srgbClr val="000000"/>
                 </a:solidFill>
@@ -22881,14 +22809,14 @@
           <a:noFill/>
           <a:extLst>
             <a:ext uri="{909E8E84-426E-40dd-AFC4-6F175D3DCCD1}">
-              <a14:hiddenFill xmlns="" xmlns:a14="http://schemas.microsoft.com/office/drawing/2010/main">
+              <a14:hiddenFill xmlns:a14="http://schemas.microsoft.com/office/drawing/2010/main" xmlns="">
                 <a:solidFill>
                   <a:srgbClr val="FFFFFF"/>
                 </a:solidFill>
               </a14:hiddenFill>
             </a:ext>
             <a:ext uri="{91240B29-F687-4f45-9708-019B960494DF}">
-              <a14:hiddenLine xmlns="" xmlns:a14="http://schemas.microsoft.com/office/drawing/2010/main" w="9525">
+              <a14:hiddenLine xmlns:a14="http://schemas.microsoft.com/office/drawing/2010/main" xmlns="" w="9525">
                 <a:solidFill>
                   <a:srgbClr val="000000"/>
                 </a:solidFill>
@@ -23177,14 +23105,14 @@
           <a:noFill/>
           <a:extLst>
             <a:ext uri="{909E8E84-426E-40dd-AFC4-6F175D3DCCD1}">
-              <a14:hiddenFill xmlns="" xmlns:a14="http://schemas.microsoft.com/office/drawing/2010/main">
+              <a14:hiddenFill xmlns:a14="http://schemas.microsoft.com/office/drawing/2010/main" xmlns="">
                 <a:solidFill>
                   <a:srgbClr val="FFFFFF"/>
                 </a:solidFill>
               </a14:hiddenFill>
             </a:ext>
             <a:ext uri="{91240B29-F687-4f45-9708-019B960494DF}">
-              <a14:hiddenLine xmlns="" xmlns:a14="http://schemas.microsoft.com/office/drawing/2010/main" w="9525">
+              <a14:hiddenLine xmlns:a14="http://schemas.microsoft.com/office/drawing/2010/main" xmlns="" w="9525">
                 <a:solidFill>
                   <a:srgbClr val="000000"/>
                 </a:solidFill>
@@ -23194,7 +23122,7 @@
               </a14:hiddenLine>
             </a:ext>
             <a:ext uri="{FAA26D3D-D897-4be2-8F04-BA451C77F1D7}">
-              <ma14:placeholderFlag xmlns="" xmlns:ma14="http://schemas.microsoft.com/office/mac/drawingml/2011/main" val="1"/>
+              <ma14:placeholderFlag xmlns:ma14="http://schemas.microsoft.com/office/mac/drawingml/2011/main" xmlns="" val="1"/>
             </a:ext>
           </a:extLst>
         </p:spPr>
@@ -23273,14 +23201,14 @@
           <a:noFill/>
           <a:extLst>
             <a:ext uri="{909E8E84-426E-40dd-AFC4-6F175D3DCCD1}">
-              <a14:hiddenFill xmlns="" xmlns:a14="http://schemas.microsoft.com/office/drawing/2010/main">
+              <a14:hiddenFill xmlns:a14="http://schemas.microsoft.com/office/drawing/2010/main" xmlns="">
                 <a:solidFill>
                   <a:srgbClr val="FFFFFF"/>
                 </a:solidFill>
               </a14:hiddenFill>
             </a:ext>
             <a:ext uri="{91240B29-F687-4f45-9708-019B960494DF}">
-              <a14:hiddenLine xmlns="" xmlns:a14="http://schemas.microsoft.com/office/drawing/2010/main" w="9525">
+              <a14:hiddenLine xmlns:a14="http://schemas.microsoft.com/office/drawing/2010/main" xmlns="" w="9525">
                 <a:solidFill>
                   <a:srgbClr val="000000"/>
                 </a:solidFill>
@@ -23333,14 +23261,14 @@
           <a:noFill/>
           <a:extLst>
             <a:ext uri="{909E8E84-426E-40dd-AFC4-6F175D3DCCD1}">
-              <a14:hiddenFill xmlns="" xmlns:a14="http://schemas.microsoft.com/office/drawing/2010/main">
+              <a14:hiddenFill xmlns:a14="http://schemas.microsoft.com/office/drawing/2010/main" xmlns="">
                 <a:solidFill>
                   <a:srgbClr val="FFFFFF"/>
                 </a:solidFill>
               </a14:hiddenFill>
             </a:ext>
             <a:ext uri="{91240B29-F687-4f45-9708-019B960494DF}">
-              <a14:hiddenLine xmlns="" xmlns:a14="http://schemas.microsoft.com/office/drawing/2010/main" w="9525">
+              <a14:hiddenLine xmlns:a14="http://schemas.microsoft.com/office/drawing/2010/main" xmlns="" w="9525">
                 <a:solidFill>
                   <a:srgbClr val="000000"/>
                 </a:solidFill>
@@ -23738,7 +23666,7 @@
           <a:blip r:embed="rId23">
             <a:extLst>
               <a:ext uri="{96DAC541-7B7A-43D3-8B79-37D633B846F1}">
-                <asvg:svgBlip xmlns:asvg="http://schemas.microsoft.com/office/drawing/2016/SVG/main" xmlns="" r:embed="rId24"/>
+                <asvg:svgBlip xmlns="" xmlns:asvg="http://schemas.microsoft.com/office/drawing/2016/SVG/main" r:embed="rId24"/>
               </a:ext>
             </a:extLst>
           </a:blip>
@@ -23774,7 +23702,7 @@
           <a:blip r:embed="rId23">
             <a:extLst>
               <a:ext uri="{96DAC541-7B7A-43D3-8B79-37D633B846F1}">
-                <asvg:svgBlip xmlns:asvg="http://schemas.microsoft.com/office/drawing/2016/SVG/main" xmlns="" r:embed="rId24"/>
+                <asvg:svgBlip xmlns="" xmlns:asvg="http://schemas.microsoft.com/office/drawing/2016/SVG/main" r:embed="rId24"/>
               </a:ext>
             </a:extLst>
           </a:blip>
@@ -23810,7 +23738,7 @@
           <a:blip r:embed="rId25">
             <a:extLst>
               <a:ext uri="{96DAC541-7B7A-43D3-8B79-37D633B846F1}">
-                <asvg:svgBlip xmlns:asvg="http://schemas.microsoft.com/office/drawing/2016/SVG/main" xmlns="" r:embed="rId26"/>
+                <asvg:svgBlip xmlns="" xmlns:asvg="http://schemas.microsoft.com/office/drawing/2016/SVG/main" r:embed="rId26"/>
               </a:ext>
             </a:extLst>
           </a:blip>
@@ -23846,7 +23774,7 @@
           <a:blip r:embed="rId27">
             <a:extLst>
               <a:ext uri="{96DAC541-7B7A-43D3-8B79-37D633B846F1}">
-                <asvg:svgBlip xmlns:asvg="http://schemas.microsoft.com/office/drawing/2016/SVG/main" xmlns="" r:embed="rId28"/>
+                <asvg:svgBlip xmlns="" xmlns:asvg="http://schemas.microsoft.com/office/drawing/2016/SVG/main" r:embed="rId28"/>
               </a:ext>
             </a:extLst>
           </a:blip>
@@ -23882,7 +23810,7 @@
           <a:blip r:embed="rId29">
             <a:extLst>
               <a:ext uri="{96DAC541-7B7A-43D3-8B79-37D633B846F1}">
-                <asvg:svgBlip xmlns:asvg="http://schemas.microsoft.com/office/drawing/2016/SVG/main" xmlns="" r:embed="rId30"/>
+                <asvg:svgBlip xmlns="" xmlns:asvg="http://schemas.microsoft.com/office/drawing/2016/SVG/main" r:embed="rId30"/>
               </a:ext>
             </a:extLst>
           </a:blip>
@@ -23918,7 +23846,7 @@
           <a:blip r:embed="rId31">
             <a:extLst>
               <a:ext uri="{96DAC541-7B7A-43D3-8B79-37D633B846F1}">
-                <asvg:svgBlip xmlns:asvg="http://schemas.microsoft.com/office/drawing/2016/SVG/main" xmlns="" r:embed="rId32"/>
+                <asvg:svgBlip xmlns="" xmlns:asvg="http://schemas.microsoft.com/office/drawing/2016/SVG/main" r:embed="rId32"/>
               </a:ext>
             </a:extLst>
           </a:blip>
@@ -23973,7 +23901,7 @@
           <a:effectLst/>
           <a:extLst>
             <a:ext uri="{AF507438-7753-43e0-B8FC-AC1667EBCBE1}">
-              <a14:hiddenEffects xmlns="" xmlns:a14="http://schemas.microsoft.com/office/drawing/2010/main">
+              <a14:hiddenEffects xmlns:a14="http://schemas.microsoft.com/office/drawing/2010/main" xmlns="">
                 <a:effectLst>
                   <a:outerShdw blurRad="63500" dist="38099" dir="2700000" algn="ctr" rotWithShape="0">
                     <a:schemeClr val="bg2">
@@ -24098,7 +24026,7 @@
           <a:effectLst/>
           <a:extLst>
             <a:ext uri="{AF507438-7753-43e0-B8FC-AC1667EBCBE1}">
-              <a14:hiddenEffects xmlns="" xmlns:a14="http://schemas.microsoft.com/office/drawing/2010/main">
+              <a14:hiddenEffects xmlns:a14="http://schemas.microsoft.com/office/drawing/2010/main" xmlns="">
                 <a:effectLst>
                   <a:outerShdw blurRad="63500" dist="38099" dir="2700000" algn="ctr" rotWithShape="0">
                     <a:schemeClr val="bg2">
@@ -24190,7 +24118,7 @@
           <a:effectLst/>
           <a:extLst>
             <a:ext uri="{AF507438-7753-43e0-B8FC-AC1667EBCBE1}">
-              <a14:hiddenEffects xmlns="" xmlns:a14="http://schemas.microsoft.com/office/drawing/2010/main">
+              <a14:hiddenEffects xmlns:a14="http://schemas.microsoft.com/office/drawing/2010/main" xmlns="">
                 <a:effectLst>
                   <a:outerShdw blurRad="63500" dist="38099" dir="2700000" algn="ctr" rotWithShape="0">
                     <a:schemeClr val="bg2">
@@ -24343,7 +24271,7 @@
           <a:blip r:embed="rId33">
             <a:extLst>
               <a:ext uri="{96DAC541-7B7A-43D3-8B79-37D633B846F1}">
-                <asvg:svgBlip xmlns:asvg="http://schemas.microsoft.com/office/drawing/2016/SVG/main" xmlns="" r:embed="rId34"/>
+                <asvg:svgBlip xmlns="" xmlns:asvg="http://schemas.microsoft.com/office/drawing/2016/SVG/main" r:embed="rId34"/>
               </a:ext>
             </a:extLst>
           </a:blip>
@@ -24380,14 +24308,14 @@
           <a:noFill/>
           <a:extLst>
             <a:ext uri="{909E8E84-426E-40dd-AFC4-6F175D3DCCD1}">
-              <a14:hiddenFill xmlns="" xmlns:a14="http://schemas.microsoft.com/office/drawing/2010/main">
+              <a14:hiddenFill xmlns:a14="http://schemas.microsoft.com/office/drawing/2010/main" xmlns="">
                 <a:solidFill>
                   <a:srgbClr val="FFFFFF"/>
                 </a:solidFill>
               </a14:hiddenFill>
             </a:ext>
             <a:ext uri="{91240B29-F687-4f45-9708-019B960494DF}">
-              <a14:hiddenLine xmlns="" xmlns:a14="http://schemas.microsoft.com/office/drawing/2010/main" w="9525">
+              <a14:hiddenLine xmlns:a14="http://schemas.microsoft.com/office/drawing/2010/main" xmlns="" w="9525">
                 <a:solidFill>
                   <a:srgbClr val="000000"/>
                 </a:solidFill>
@@ -24397,7 +24325,7 @@
               </a14:hiddenLine>
             </a:ext>
             <a:ext uri="{FAA26D3D-D897-4be2-8F04-BA451C77F1D7}">
-              <ma14:placeholderFlag xmlns="" xmlns:ma14="http://schemas.microsoft.com/office/mac/drawingml/2011/main" val="1"/>
+              <ma14:placeholderFlag xmlns:ma14="http://schemas.microsoft.com/office/mac/drawingml/2011/main" xmlns="" val="1"/>
             </a:ext>
           </a:extLst>
         </p:spPr>
@@ -25249,14 +25177,14 @@
           <a:noFill/>
           <a:extLst>
             <a:ext uri="{909E8E84-426E-40dd-AFC4-6F175D3DCCD1}">
-              <a14:hiddenFill xmlns="" xmlns:a14="http://schemas.microsoft.com/office/drawing/2010/main">
+              <a14:hiddenFill xmlns:a14="http://schemas.microsoft.com/office/drawing/2010/main" xmlns="">
                 <a:solidFill>
                   <a:srgbClr val="FFFFFF"/>
                 </a:solidFill>
               </a14:hiddenFill>
             </a:ext>
             <a:ext uri="{91240B29-F687-4f45-9708-019B960494DF}">
-              <a14:hiddenLine xmlns="" xmlns:a14="http://schemas.microsoft.com/office/drawing/2010/main" w="9525">
+              <a14:hiddenLine xmlns:a14="http://schemas.microsoft.com/office/drawing/2010/main" xmlns="" w="9525">
                 <a:solidFill>
                   <a:srgbClr val="000000"/>
                 </a:solidFill>
@@ -25365,14 +25293,14 @@
           <a:noFill/>
           <a:extLst>
             <a:ext uri="{909E8E84-426E-40dd-AFC4-6F175D3DCCD1}">
-              <a14:hiddenFill xmlns="" xmlns:a14="http://schemas.microsoft.com/office/drawing/2010/main">
+              <a14:hiddenFill xmlns:a14="http://schemas.microsoft.com/office/drawing/2010/main" xmlns="">
                 <a:solidFill>
                   <a:srgbClr val="FFFFFF"/>
                 </a:solidFill>
               </a14:hiddenFill>
             </a:ext>
             <a:ext uri="{91240B29-F687-4f45-9708-019B960494DF}">
-              <a14:hiddenLine xmlns="" xmlns:a14="http://schemas.microsoft.com/office/drawing/2010/main" w="9525">
+              <a14:hiddenLine xmlns:a14="http://schemas.microsoft.com/office/drawing/2010/main" xmlns="" w="9525">
                 <a:solidFill>
                   <a:srgbClr val="000000"/>
                 </a:solidFill>
@@ -25382,7 +25310,7 @@
               </a14:hiddenLine>
             </a:ext>
             <a:ext uri="{FAA26D3D-D897-4be2-8F04-BA451C77F1D7}">
-              <ma14:placeholderFlag xmlns="" xmlns:ma14="http://schemas.microsoft.com/office/mac/drawingml/2011/main" val="1"/>
+              <ma14:placeholderFlag xmlns:ma14="http://schemas.microsoft.com/office/mac/drawingml/2011/main" xmlns="" val="1"/>
             </a:ext>
           </a:extLst>
         </p:spPr>
@@ -25658,7 +25586,7 @@
         </p:nvSpPr>
         <p:spPr>
           <a:xfrm>
-            <a:off x="4189662" y="2217638"/>
+            <a:off x="3980892" y="2260069"/>
             <a:ext cx="7640102" cy="923330"/>
           </a:xfrm>
           <a:prstGeom prst="rect">
@@ -25684,15 +25612,42 @@
               <a:rPr lang="de-CH" sz="1800" smtClean="0">
                 <a:latin typeface="Berlin Sans FB" panose="020E0602020502020306" pitchFamily="34" charset="0"/>
               </a:rPr>
-              <a:t>Official portrayal is healthy 38% &amp; fun 42%.</a:t>
-            </a:r>
-          </a:p>
-          <a:p>
+              <a:t>Official portrayal is healthy </a:t>
+            </a:r>
             <a:r>
               <a:rPr lang="de-CH" sz="1800" smtClean="0">
                 <a:latin typeface="Berlin Sans FB" panose="020E0602020502020306" pitchFamily="34" charset="0"/>
               </a:rPr>
-              <a:t>Unofficial portrayal is fun only 52%. </a:t>
+              <a:t>41% </a:t>
+            </a:r>
+            <a:r>
+              <a:rPr lang="de-CH" sz="1800" smtClean="0">
+                <a:latin typeface="Berlin Sans FB" panose="020E0602020502020306" pitchFamily="34" charset="0"/>
+              </a:rPr>
+              <a:t>&amp; fun </a:t>
+            </a:r>
+            <a:r>
+              <a:rPr lang="de-CH" sz="1800" smtClean="0">
+                <a:latin typeface="Berlin Sans FB" panose="020E0602020502020306" pitchFamily="34" charset="0"/>
+              </a:rPr>
+              <a:t>54%.</a:t>
+            </a:r>
+            <a:endParaRPr lang="de-CH" sz="1800" smtClean="0">
+              <a:latin typeface="Berlin Sans FB" panose="020E0602020502020306" pitchFamily="34" charset="0"/>
+            </a:endParaRPr>
+          </a:p>
+          <a:p>
+            <a:r>
+              <a:rPr lang="de-CH" sz="1800" smtClean="0">
+                <a:latin typeface="Berlin Sans FB" panose="020E0602020502020306" pitchFamily="34" charset="0"/>
+              </a:rPr>
+              <a:t>Unofficial portrayal is </a:t>
+            </a:r>
+            <a:r>
+              <a:rPr lang="de-CH" sz="1800" smtClean="0">
+                <a:latin typeface="Berlin Sans FB" panose="020E0602020502020306" pitchFamily="34" charset="0"/>
+              </a:rPr>
+              <a:t>healthy 70% &amp; fun 21%. </a:t>
             </a:r>
             <a:endParaRPr lang="en-US" sz="1800">
               <a:latin typeface="Berlin Sans FB" panose="020E0602020502020306" pitchFamily="34" charset="0"/>
@@ -25750,7 +25705,7 @@
                   <a14:useLocalDpi xmlns:a14="http://schemas.microsoft.com/office/drawing/2010/main" val="0"/>
                 </a:ext>
                 <a:ext uri="{96DAC541-7B7A-43D3-8B79-37D633B846F1}">
-                  <asvg:svgBlip xmlns:lc="http://schemas.openxmlformats.org/drawingml/2006/lockedCanvas" xmlns="" xmlns:asvg="http://schemas.microsoft.com/office/drawing/2016/SVG/main" xmlns:dgm="http://schemas.openxmlformats.org/drawingml/2006/diagram" r:embed="rId5"/>
+                  <asvg:svgBlip xmlns:dgm="http://schemas.openxmlformats.org/drawingml/2006/diagram" xmlns:asvg="http://schemas.microsoft.com/office/drawing/2016/SVG/main" xmlns="" xmlns:lc="http://schemas.openxmlformats.org/drawingml/2006/lockedCanvas" r:embed="rId5"/>
                 </a:ext>
               </a:extLst>
             </a:blip>
@@ -25813,7 +25768,7 @@
                   <a14:useLocalDpi xmlns:a14="http://schemas.microsoft.com/office/drawing/2010/main" val="0"/>
                 </a:ext>
                 <a:ext uri="{96DAC541-7B7A-43D3-8B79-37D633B846F1}">
-                  <asvg:svgBlip xmlns:lc="http://schemas.openxmlformats.org/drawingml/2006/lockedCanvas" xmlns="" xmlns:asvg="http://schemas.microsoft.com/office/drawing/2016/SVG/main" xmlns:dgm="http://schemas.openxmlformats.org/drawingml/2006/diagram" r:embed="rId7"/>
+                  <asvg:svgBlip xmlns:dgm="http://schemas.openxmlformats.org/drawingml/2006/diagram" xmlns:asvg="http://schemas.microsoft.com/office/drawing/2016/SVG/main" xmlns="" xmlns:lc="http://schemas.openxmlformats.org/drawingml/2006/lockedCanvas" r:embed="rId7"/>
                 </a:ext>
               </a:extLst>
             </a:blip>
@@ -25876,7 +25831,7 @@
                   <a14:useLocalDpi xmlns:a14="http://schemas.microsoft.com/office/drawing/2010/main" val="0"/>
                 </a:ext>
                 <a:ext uri="{96DAC541-7B7A-43D3-8B79-37D633B846F1}">
-                  <asvg:svgBlip xmlns:lc="http://schemas.openxmlformats.org/drawingml/2006/lockedCanvas" xmlns="" xmlns:asvg="http://schemas.microsoft.com/office/drawing/2016/SVG/main" xmlns:dgm="http://schemas.openxmlformats.org/drawingml/2006/diagram" r:embed="rId9"/>
+                  <asvg:svgBlip xmlns:dgm="http://schemas.openxmlformats.org/drawingml/2006/diagram" xmlns:asvg="http://schemas.microsoft.com/office/drawing/2016/SVG/main" xmlns="" xmlns:lc="http://schemas.openxmlformats.org/drawingml/2006/lockedCanvas" r:embed="rId9"/>
                 </a:ext>
               </a:extLst>
             </a:blip>
@@ -26021,8 +25976,8 @@
         </p:nvSpPr>
         <p:spPr>
           <a:xfrm>
-            <a:off x="4520952" y="3655854"/>
-            <a:ext cx="7640102" cy="369332"/>
+            <a:off x="3811145" y="3605879"/>
+            <a:ext cx="7640102" cy="1200329"/>
           </a:xfrm>
           <a:prstGeom prst="rect">
             <a:avLst/>
@@ -26039,8 +25994,47 @@
               <a:rPr lang="de-CH" sz="1800" u="dotted" smtClean="0">
                 <a:latin typeface="Berlin Sans FB" panose="020E0602020502020306" pitchFamily="34" charset="0"/>
               </a:rPr>
-              <a:t>San Pellegrino vs. Evian </a:t>
-            </a:r>
+              <a:t>San Pellegrino vs. </a:t>
+            </a:r>
+            <a:r>
+              <a:rPr lang="de-CH" sz="1800" u="dotted" smtClean="0">
+                <a:latin typeface="Berlin Sans FB" panose="020E0602020502020306" pitchFamily="34" charset="0"/>
+              </a:rPr>
+              <a:t>Evian</a:t>
+            </a:r>
+          </a:p>
+          <a:p>
+            <a:r>
+              <a:rPr lang="de-CH" sz="1800" smtClean="0">
+                <a:latin typeface="Berlin Sans FB" panose="020E0602020502020306" pitchFamily="34" charset="0"/>
+              </a:rPr>
+              <a:t>Unofficially, Evian (35%) less healthy than</a:t>
+            </a:r>
+          </a:p>
+          <a:p>
+            <a:r>
+              <a:rPr lang="de-CH" sz="1800" smtClean="0">
+                <a:latin typeface="Berlin Sans FB" panose="020E0602020502020306" pitchFamily="34" charset="0"/>
+              </a:rPr>
+              <a:t>San Pellegrino (70%). Officially, San Pellegrino </a:t>
+            </a:r>
+          </a:p>
+          <a:p>
+            <a:r>
+              <a:rPr lang="de-CH" sz="1800" smtClean="0">
+                <a:latin typeface="Berlin Sans FB" panose="020E0602020502020306" pitchFamily="34" charset="0"/>
+              </a:rPr>
+              <a:t>(41%) l</a:t>
+            </a:r>
+            <a:r>
+              <a:rPr lang="de-CH" sz="1800" smtClean="0">
+                <a:latin typeface="Berlin Sans FB" panose="020E0602020502020306" pitchFamily="34" charset="0"/>
+              </a:rPr>
+              <a:t>ess healthy than Evian (59%).  </a:t>
+            </a:r>
+            <a:endParaRPr lang="de-CH" sz="1800" smtClean="0">
+              <a:latin typeface="Berlin Sans FB" panose="020E0602020502020306" pitchFamily="34" charset="0"/>
+            </a:endParaRPr>
           </a:p>
         </p:txBody>
       </p:sp>
@@ -26084,7 +26078,7 @@
         </p:blipFill>
         <p:spPr>
           <a:xfrm>
-            <a:off x="3588983" y="4149159"/>
+            <a:off x="3045500" y="4149159"/>
             <a:ext cx="639802" cy="454596"/>
           </a:xfrm>
           <a:prstGeom prst="rect">
@@ -26108,7 +26102,7 @@
         </p:blipFill>
         <p:spPr>
           <a:xfrm>
-            <a:off x="2074617" y="4142559"/>
+            <a:off x="1567400" y="4142559"/>
             <a:ext cx="1352258" cy="392381"/>
           </a:xfrm>
           <a:prstGeom prst="rect">
@@ -26163,7 +26157,7 @@
         </p:nvSpPr>
         <p:spPr>
           <a:xfrm>
-            <a:off x="1928664" y="2494637"/>
+            <a:off x="1761329" y="2506886"/>
             <a:ext cx="2268252" cy="646331"/>
           </a:xfrm>
           <a:prstGeom prst="rect">
@@ -26246,14 +26240,14 @@
           <a:noFill/>
           <a:extLst>
             <a:ext uri="{909E8E84-426E-40dd-AFC4-6F175D3DCCD1}">
-              <a14:hiddenFill xmlns="" xmlns:a14="http://schemas.microsoft.com/office/drawing/2010/main">
+              <a14:hiddenFill xmlns:a14="http://schemas.microsoft.com/office/drawing/2010/main" xmlns="">
                 <a:solidFill>
                   <a:srgbClr val="FFFFFF"/>
                 </a:solidFill>
               </a14:hiddenFill>
             </a:ext>
             <a:ext uri="{91240B29-F687-4f45-9708-019B960494DF}">
-              <a14:hiddenLine xmlns="" xmlns:a14="http://schemas.microsoft.com/office/drawing/2010/main" w="9525">
+              <a14:hiddenLine xmlns:a14="http://schemas.microsoft.com/office/drawing/2010/main" xmlns="" w="9525">
                 <a:solidFill>
                   <a:srgbClr val="000000"/>
                 </a:solidFill>
@@ -26708,7 +26702,7 @@
           <a:effectLst/>
           <a:extLst>
             <a:ext uri="{AF507438-7753-43e0-B8FC-AC1667EBCBE1}">
-              <a14:hiddenEffects xmlns="" xmlns:a14="http://schemas.microsoft.com/office/drawing/2010/main">
+              <a14:hiddenEffects xmlns:a14="http://schemas.microsoft.com/office/drawing/2010/main" xmlns="">
                 <a:effectLst>
                   <a:outerShdw blurRad="63500" dist="38099" dir="2700000" algn="ctr" rotWithShape="0">
                     <a:schemeClr val="bg2">
@@ -26835,14 +26829,14 @@
           <a:noFill/>
           <a:extLst>
             <a:ext uri="{909E8E84-426E-40dd-AFC4-6F175D3DCCD1}">
-              <a14:hiddenFill xmlns="" xmlns:a14="http://schemas.microsoft.com/office/drawing/2010/main">
+              <a14:hiddenFill xmlns:a14="http://schemas.microsoft.com/office/drawing/2010/main" xmlns="">
                 <a:solidFill>
                   <a:srgbClr val="FFFFFF"/>
                 </a:solidFill>
               </a14:hiddenFill>
             </a:ext>
             <a:ext uri="{91240B29-F687-4f45-9708-019B960494DF}">
-              <a14:hiddenLine xmlns="" xmlns:a14="http://schemas.microsoft.com/office/drawing/2010/main" w="9525">
+              <a14:hiddenLine xmlns:a14="http://schemas.microsoft.com/office/drawing/2010/main" xmlns="" w="9525">
                 <a:solidFill>
                   <a:srgbClr val="000000"/>
                 </a:solidFill>
@@ -26852,7 +26846,7 @@
               </a14:hiddenLine>
             </a:ext>
             <a:ext uri="{FAA26D3D-D897-4be2-8F04-BA451C77F1D7}">
-              <ma14:placeholderFlag xmlns="" xmlns:ma14="http://schemas.microsoft.com/office/mac/drawingml/2011/main" val="1"/>
+              <ma14:placeholderFlag xmlns:ma14="http://schemas.microsoft.com/office/mac/drawingml/2011/main" xmlns="" val="1"/>
             </a:ext>
           </a:extLst>
         </p:spPr>
@@ -27169,14 +27163,14 @@
           <a:noFill/>
           <a:extLst>
             <a:ext uri="{909E8E84-426E-40dd-AFC4-6F175D3DCCD1}">
-              <a14:hiddenFill xmlns="" xmlns:a14="http://schemas.microsoft.com/office/drawing/2010/main">
+              <a14:hiddenFill xmlns:a14="http://schemas.microsoft.com/office/drawing/2010/main" xmlns="">
                 <a:solidFill>
                   <a:srgbClr val="FFFFFF"/>
                 </a:solidFill>
               </a14:hiddenFill>
             </a:ext>
             <a:ext uri="{91240B29-F687-4f45-9708-019B960494DF}">
-              <a14:hiddenLine xmlns="" xmlns:a14="http://schemas.microsoft.com/office/drawing/2010/main" w="9525">
+              <a14:hiddenLine xmlns:a14="http://schemas.microsoft.com/office/drawing/2010/main" xmlns="" w="9525">
                 <a:solidFill>
                   <a:srgbClr val="000000"/>
                 </a:solidFill>
@@ -27296,7 +27290,7 @@
           <a:effectLst/>
           <a:extLst>
             <a:ext uri="{AF507438-7753-43e0-B8FC-AC1667EBCBE1}">
-              <a14:hiddenEffects xmlns="" xmlns:a14="http://schemas.microsoft.com/office/drawing/2010/main">
+              <a14:hiddenEffects xmlns:a14="http://schemas.microsoft.com/office/drawing/2010/main" xmlns="">
                 <a:effectLst>
                   <a:outerShdw blurRad="63500" dist="38099" dir="2700000" algn="ctr" rotWithShape="0">
                     <a:schemeClr val="bg2">
@@ -27449,7 +27443,7 @@
           <a:effectLst/>
           <a:extLst>
             <a:ext uri="{AF507438-7753-43e0-B8FC-AC1667EBCBE1}">
-              <a14:hiddenEffects xmlns="" xmlns:a14="http://schemas.microsoft.com/office/drawing/2010/main">
+              <a14:hiddenEffects xmlns:a14="http://schemas.microsoft.com/office/drawing/2010/main" xmlns="">
                 <a:effectLst>
                   <a:outerShdw blurRad="63500" dist="38099" dir="2700000" algn="ctr" rotWithShape="0">
                     <a:schemeClr val="bg2">
@@ -27540,7 +27534,7 @@
           <a:effectLst/>
           <a:extLst>
             <a:ext uri="{AF507438-7753-43e0-B8FC-AC1667EBCBE1}">
-              <a14:hiddenEffects xmlns="" xmlns:a14="http://schemas.microsoft.com/office/drawing/2010/main">
+              <a14:hiddenEffects xmlns:a14="http://schemas.microsoft.com/office/drawing/2010/main" xmlns="">
                 <a:effectLst>
                   <a:outerShdw blurRad="63500" dist="38099" dir="2700000" algn="ctr" rotWithShape="0">
                     <a:schemeClr val="bg2">
@@ -27631,7 +27625,7 @@
           <a:effectLst/>
           <a:extLst>
             <a:ext uri="{AF507438-7753-43e0-B8FC-AC1667EBCBE1}">
-              <a14:hiddenEffects xmlns="" xmlns:a14="http://schemas.microsoft.com/office/drawing/2010/main">
+              <a14:hiddenEffects xmlns:a14="http://schemas.microsoft.com/office/drawing/2010/main" xmlns="">
                 <a:effectLst>
                   <a:outerShdw blurRad="63500" dist="38099" dir="2700000" algn="ctr" rotWithShape="0">
                     <a:schemeClr val="bg2">
@@ -27722,7 +27716,7 @@
           <a:effectLst/>
           <a:extLst>
             <a:ext uri="{AF507438-7753-43e0-B8FC-AC1667EBCBE1}">
-              <a14:hiddenEffects xmlns="" xmlns:a14="http://schemas.microsoft.com/office/drawing/2010/main">
+              <a14:hiddenEffects xmlns:a14="http://schemas.microsoft.com/office/drawing/2010/main" xmlns="">
                 <a:effectLst>
                   <a:outerShdw blurRad="63500" dist="38099" dir="2700000" algn="ctr" rotWithShape="0">
                     <a:schemeClr val="bg2">
@@ -27813,7 +27807,7 @@
           <a:effectLst/>
           <a:extLst>
             <a:ext uri="{AF507438-7753-43e0-B8FC-AC1667EBCBE1}">
-              <a14:hiddenEffects xmlns="" xmlns:a14="http://schemas.microsoft.com/office/drawing/2010/main">
+              <a14:hiddenEffects xmlns:a14="http://schemas.microsoft.com/office/drawing/2010/main" xmlns="">
                 <a:effectLst>
                   <a:outerShdw blurRad="63500" dist="38099" dir="2700000" algn="ctr" rotWithShape="0">
                     <a:schemeClr val="bg2">
@@ -27905,7 +27899,7 @@
           <a:effectLst/>
           <a:extLst>
             <a:ext uri="{AF507438-7753-43e0-B8FC-AC1667EBCBE1}">
-              <a14:hiddenEffects xmlns="" xmlns:a14="http://schemas.microsoft.com/office/drawing/2010/main">
+              <a14:hiddenEffects xmlns:a14="http://schemas.microsoft.com/office/drawing/2010/main" xmlns="">
                 <a:effectLst>
                   <a:outerShdw blurRad="63500" dist="38099" dir="2700000" algn="ctr" rotWithShape="0">
                     <a:schemeClr val="bg2">
@@ -28056,7 +28050,7 @@
           <a:effectLst/>
           <a:extLst>
             <a:ext uri="{AF507438-7753-43e0-B8FC-AC1667EBCBE1}">
-              <a14:hiddenEffects xmlns="" xmlns:a14="http://schemas.microsoft.com/office/drawing/2010/main">
+              <a14:hiddenEffects xmlns:a14="http://schemas.microsoft.com/office/drawing/2010/main" xmlns="">
                 <a:effectLst>
                   <a:outerShdw blurRad="63500" dist="38099" dir="2700000" algn="ctr" rotWithShape="0">
                     <a:schemeClr val="bg2">
@@ -28147,7 +28141,7 @@
           <a:effectLst/>
           <a:extLst>
             <a:ext uri="{AF507438-7753-43e0-B8FC-AC1667EBCBE1}">
-              <a14:hiddenEffects xmlns="" xmlns:a14="http://schemas.microsoft.com/office/drawing/2010/main">
+              <a14:hiddenEffects xmlns:a14="http://schemas.microsoft.com/office/drawing/2010/main" xmlns="">
                 <a:effectLst>
                   <a:outerShdw blurRad="63500" dist="38099" dir="2700000" algn="ctr" rotWithShape="0">
                     <a:schemeClr val="bg2">
@@ -28234,7 +28228,7 @@
           <a:effectLst/>
           <a:extLst>
             <a:ext uri="{AF507438-7753-43e0-B8FC-AC1667EBCBE1}">
-              <a14:hiddenEffects xmlns="" xmlns:a14="http://schemas.microsoft.com/office/drawing/2010/main">
+              <a14:hiddenEffects xmlns:a14="http://schemas.microsoft.com/office/drawing/2010/main" xmlns="">
                 <a:effectLst>
                   <a:outerShdw blurRad="63500" dist="38099" dir="2700000" algn="ctr" rotWithShape="0">
                     <a:schemeClr val="bg2">
@@ -28323,7 +28317,7 @@
           <a:effectLst/>
           <a:extLst>
             <a:ext uri="{AF507438-7753-43e0-B8FC-AC1667EBCBE1}">
-              <a14:hiddenEffects xmlns="" xmlns:a14="http://schemas.microsoft.com/office/drawing/2010/main">
+              <a14:hiddenEffects xmlns:a14="http://schemas.microsoft.com/office/drawing/2010/main" xmlns="">
                 <a:effectLst>
                   <a:outerShdw blurRad="63500" dist="38099" dir="2700000" algn="ctr" rotWithShape="0">
                     <a:schemeClr val="bg2">
@@ -28371,7 +28365,7 @@
           <a:effectLst/>
           <a:extLst>
             <a:ext uri="{AF507438-7753-43e0-B8FC-AC1667EBCBE1}">
-              <a14:hiddenEffects xmlns="" xmlns:a14="http://schemas.microsoft.com/office/drawing/2010/main">
+              <a14:hiddenEffects xmlns:a14="http://schemas.microsoft.com/office/drawing/2010/main" xmlns="">
                 <a:effectLst>
                   <a:outerShdw blurRad="63500" dist="38099" dir="2700000" algn="ctr" rotWithShape="0">
                     <a:schemeClr val="bg2">
@@ -28422,7 +28416,7 @@
           <a:effectLst/>
           <a:extLst>
             <a:ext uri="{AF507438-7753-43e0-B8FC-AC1667EBCBE1}">
-              <a14:hiddenEffects xmlns="" xmlns:a14="http://schemas.microsoft.com/office/drawing/2010/main">
+              <a14:hiddenEffects xmlns:a14="http://schemas.microsoft.com/office/drawing/2010/main" xmlns="">
                 <a:effectLst>
                   <a:outerShdw blurRad="63500" dist="38099" dir="2700000" algn="ctr" rotWithShape="0">
                     <a:schemeClr val="bg2">
@@ -28472,7 +28466,7 @@
           <a:effectLst/>
           <a:extLst>
             <a:ext uri="{AF507438-7753-43e0-B8FC-AC1667EBCBE1}">
-              <a14:hiddenEffects xmlns="" xmlns:a14="http://schemas.microsoft.com/office/drawing/2010/main">
+              <a14:hiddenEffects xmlns:a14="http://schemas.microsoft.com/office/drawing/2010/main" xmlns="">
                 <a:effectLst>
                   <a:outerShdw blurRad="63500" dist="38099" dir="2700000" algn="ctr" rotWithShape="0">
                     <a:schemeClr val="bg2">
@@ -28522,7 +28516,7 @@
           <a:effectLst/>
           <a:extLst>
             <a:ext uri="{AF507438-7753-43e0-B8FC-AC1667EBCBE1}">
-              <a14:hiddenEffects xmlns="" xmlns:a14="http://schemas.microsoft.com/office/drawing/2010/main">
+              <a14:hiddenEffects xmlns:a14="http://schemas.microsoft.com/office/drawing/2010/main" xmlns="">
                 <a:effectLst>
                   <a:outerShdw blurRad="63500" dist="38099" dir="2700000" algn="ctr" rotWithShape="0">
                     <a:schemeClr val="bg2">
@@ -28573,7 +28567,7 @@
           <a:effectLst/>
           <a:extLst>
             <a:ext uri="{AF507438-7753-43e0-B8FC-AC1667EBCBE1}">
-              <a14:hiddenEffects xmlns="" xmlns:a14="http://schemas.microsoft.com/office/drawing/2010/main">
+              <a14:hiddenEffects xmlns:a14="http://schemas.microsoft.com/office/drawing/2010/main" xmlns="">
                 <a:effectLst>
                   <a:outerShdw blurRad="63500" dist="38099" dir="2700000" algn="ctr" rotWithShape="0">
                     <a:schemeClr val="bg2">
@@ -28624,7 +28618,7 @@
           <a:effectLst/>
           <a:extLst>
             <a:ext uri="{AF507438-7753-43e0-B8FC-AC1667EBCBE1}">
-              <a14:hiddenEffects xmlns="" xmlns:a14="http://schemas.microsoft.com/office/drawing/2010/main">
+              <a14:hiddenEffects xmlns:a14="http://schemas.microsoft.com/office/drawing/2010/main" xmlns="">
                 <a:effectLst>
                   <a:outerShdw blurRad="63500" dist="38099" dir="2700000" algn="ctr" rotWithShape="0">
                     <a:schemeClr val="bg2">
@@ -28672,7 +28666,7 @@
           <a:effectLst/>
           <a:extLst>
             <a:ext uri="{AF507438-7753-43e0-B8FC-AC1667EBCBE1}">
-              <a14:hiddenEffects xmlns="" xmlns:a14="http://schemas.microsoft.com/office/drawing/2010/main">
+              <a14:hiddenEffects xmlns:a14="http://schemas.microsoft.com/office/drawing/2010/main" xmlns="">
                 <a:effectLst>
                   <a:outerShdw blurRad="63500" dist="38099" dir="2700000" algn="ctr" rotWithShape="0">
                     <a:schemeClr val="bg2">
@@ -28759,7 +28753,7 @@
           <a:effectLst/>
           <a:extLst>
             <a:ext uri="{AF507438-7753-43e0-B8FC-AC1667EBCBE1}">
-              <a14:hiddenEffects xmlns="" xmlns:a14="http://schemas.microsoft.com/office/drawing/2010/main">
+              <a14:hiddenEffects xmlns:a14="http://schemas.microsoft.com/office/drawing/2010/main" xmlns="">
                 <a:effectLst>
                   <a:outerShdw blurRad="63500" dist="38099" dir="2700000" algn="ctr" rotWithShape="0">
                     <a:schemeClr val="bg2">
@@ -28848,7 +28842,7 @@
           <a:effectLst/>
           <a:extLst>
             <a:ext uri="{AF507438-7753-43e0-B8FC-AC1667EBCBE1}">
-              <a14:hiddenEffects xmlns="" xmlns:a14="http://schemas.microsoft.com/office/drawing/2010/main">
+              <a14:hiddenEffects xmlns:a14="http://schemas.microsoft.com/office/drawing/2010/main" xmlns="">
                 <a:effectLst>
                   <a:outerShdw blurRad="63500" dist="38099" dir="2700000" algn="ctr" rotWithShape="0">
                     <a:schemeClr val="bg2">
@@ -29288,7 +29282,7 @@
           <a:effectLst/>
           <a:extLst>
             <a:ext uri="{AF507438-7753-43e0-B8FC-AC1667EBCBE1}">
-              <a14:hiddenEffects xmlns="" xmlns:a14="http://schemas.microsoft.com/office/drawing/2010/main">
+              <a14:hiddenEffects xmlns:a14="http://schemas.microsoft.com/office/drawing/2010/main" xmlns="">
                 <a:effectLst>
                   <a:outerShdw blurRad="63500" dist="38099" dir="2700000" algn="ctr" rotWithShape="0">
                     <a:schemeClr val="bg2">
@@ -29426,14 +29420,14 @@
           <a:noFill/>
           <a:extLst>
             <a:ext uri="{909E8E84-426E-40dd-AFC4-6F175D3DCCD1}">
-              <a14:hiddenFill xmlns="" xmlns:a14="http://schemas.microsoft.com/office/drawing/2010/main">
+              <a14:hiddenFill xmlns:a14="http://schemas.microsoft.com/office/drawing/2010/main" xmlns="">
                 <a:solidFill>
                   <a:srgbClr val="FFFFFF"/>
                 </a:solidFill>
               </a14:hiddenFill>
             </a:ext>
             <a:ext uri="{91240B29-F687-4f45-9708-019B960494DF}">
-              <a14:hiddenLine xmlns="" xmlns:a14="http://schemas.microsoft.com/office/drawing/2010/main" w="9525">
+              <a14:hiddenLine xmlns:a14="http://schemas.microsoft.com/office/drawing/2010/main" xmlns="" w="9525">
                 <a:solidFill>
                   <a:srgbClr val="000000"/>
                 </a:solidFill>
@@ -29443,7 +29437,7 @@
               </a14:hiddenLine>
             </a:ext>
             <a:ext uri="{FAA26D3D-D897-4be2-8F04-BA451C77F1D7}">
-              <ma14:placeholderFlag xmlns="" xmlns:ma14="http://schemas.microsoft.com/office/mac/drawingml/2011/main" val="1"/>
+              <ma14:placeholderFlag xmlns:ma14="http://schemas.microsoft.com/office/mac/drawingml/2011/main" xmlns="" val="1"/>
             </a:ext>
           </a:extLst>
         </p:spPr>
@@ -29923,14 +29917,14 @@
           <a:noFill/>
           <a:extLst>
             <a:ext uri="{909E8E84-426E-40dd-AFC4-6F175D3DCCD1}">
-              <a14:hiddenFill xmlns="" xmlns:a14="http://schemas.microsoft.com/office/drawing/2010/main">
+              <a14:hiddenFill xmlns:a14="http://schemas.microsoft.com/office/drawing/2010/main" xmlns="">
                 <a:solidFill>
                   <a:srgbClr val="FFFFFF"/>
                 </a:solidFill>
               </a14:hiddenFill>
             </a:ext>
             <a:ext uri="{91240B29-F687-4f45-9708-019B960494DF}">
-              <a14:hiddenLine xmlns="" xmlns:a14="http://schemas.microsoft.com/office/drawing/2010/main" w="9525">
+              <a14:hiddenLine xmlns:a14="http://schemas.microsoft.com/office/drawing/2010/main" xmlns="" w="9525">
                 <a:solidFill>
                   <a:srgbClr val="000000"/>
                 </a:solidFill>
@@ -29940,7 +29934,7 @@
               </a14:hiddenLine>
             </a:ext>
             <a:ext uri="{FAA26D3D-D897-4be2-8F04-BA451C77F1D7}">
-              <ma14:placeholderFlag xmlns="" xmlns:ma14="http://schemas.microsoft.com/office/mac/drawingml/2011/main" val="1"/>
+              <ma14:placeholderFlag xmlns:ma14="http://schemas.microsoft.com/office/mac/drawingml/2011/main" xmlns="" val="1"/>
             </a:ext>
           </a:extLst>
         </p:spPr>
@@ -30117,15 +30111,7 @@
             </a:r>
             <a:r>
               <a:rPr lang="de-CH"/>
-              <a:t>multilabel instead of </a:t>
-            </a:r>
-            <a:r>
-              <a:rPr lang="de-CH"/>
-              <a:t>multiclass</a:t>
-            </a:r>
-            <a:r>
-              <a:rPr lang="de-CH"/>
-              <a:t>, </a:t>
+              <a:t>multilabel instead of multiclass, </a:t>
             </a:r>
             <a:r>
               <a:rPr lang="de-CH" smtClean="0"/>
@@ -30135,7 +30121,6 @@
               <a:rPr lang="de-CH"/>
               <a:t>up through cross-validation</a:t>
             </a:r>
-            <a:endParaRPr lang="de-CH"/>
           </a:p>
           <a:p>
             <a:pPr marL="285750" indent="-285750">
@@ -30209,14 +30194,14 @@
           <a:noFill/>
           <a:extLst>
             <a:ext uri="{909E8E84-426E-40dd-AFC4-6F175D3DCCD1}">
-              <a14:hiddenFill xmlns="" xmlns:a14="http://schemas.microsoft.com/office/drawing/2010/main">
+              <a14:hiddenFill xmlns:a14="http://schemas.microsoft.com/office/drawing/2010/main" xmlns="">
                 <a:solidFill>
                   <a:srgbClr val="FFFFFF"/>
                 </a:solidFill>
               </a14:hiddenFill>
             </a:ext>
             <a:ext uri="{91240B29-F687-4f45-9708-019B960494DF}">
-              <a14:hiddenLine xmlns="" xmlns:a14="http://schemas.microsoft.com/office/drawing/2010/main" w="9525">
+              <a14:hiddenLine xmlns:a14="http://schemas.microsoft.com/office/drawing/2010/main" xmlns="" w="9525">
                 <a:solidFill>
                   <a:srgbClr val="000000"/>
                 </a:solidFill>
@@ -30226,7 +30211,7 @@
               </a14:hiddenLine>
             </a:ext>
             <a:ext uri="{FAA26D3D-D897-4be2-8F04-BA451C77F1D7}">
-              <ma14:placeholderFlag xmlns="" xmlns:ma14="http://schemas.microsoft.com/office/mac/drawingml/2011/main" val="1"/>
+              <ma14:placeholderFlag xmlns:ma14="http://schemas.microsoft.com/office/mac/drawingml/2011/main" xmlns="" val="1"/>
             </a:ext>
           </a:extLst>
         </p:spPr>
@@ -30316,14 +30301,14 @@
           <a:noFill/>
           <a:extLst>
             <a:ext uri="{909E8E84-426E-40dd-AFC4-6F175D3DCCD1}">
-              <a14:hiddenFill xmlns="" xmlns:a14="http://schemas.microsoft.com/office/drawing/2010/main">
+              <a14:hiddenFill xmlns:a14="http://schemas.microsoft.com/office/drawing/2010/main" xmlns="">
                 <a:solidFill>
                   <a:srgbClr val="FFFFFF"/>
                 </a:solidFill>
               </a14:hiddenFill>
             </a:ext>
             <a:ext uri="{91240B29-F687-4f45-9708-019B960494DF}">
-              <a14:hiddenLine xmlns="" xmlns:a14="http://schemas.microsoft.com/office/drawing/2010/main" w="9525">
+              <a14:hiddenLine xmlns:a14="http://schemas.microsoft.com/office/drawing/2010/main" xmlns="" w="9525">
                 <a:solidFill>
                   <a:srgbClr val="000000"/>
                 </a:solidFill>
@@ -30411,14 +30396,14 @@
           <a:noFill/>
           <a:extLst>
             <a:ext uri="{909E8E84-426E-40dd-AFC4-6F175D3DCCD1}">
-              <a14:hiddenFill xmlns="" xmlns:a14="http://schemas.microsoft.com/office/drawing/2010/main">
+              <a14:hiddenFill xmlns:a14="http://schemas.microsoft.com/office/drawing/2010/main" xmlns="">
                 <a:solidFill>
                   <a:srgbClr val="FFFFFF"/>
                 </a:solidFill>
               </a14:hiddenFill>
             </a:ext>
             <a:ext uri="{91240B29-F687-4f45-9708-019B960494DF}">
-              <a14:hiddenLine xmlns="" xmlns:a14="http://schemas.microsoft.com/office/drawing/2010/main" w="9525">
+              <a14:hiddenLine xmlns:a14="http://schemas.microsoft.com/office/drawing/2010/main" xmlns="" w="9525">
                 <a:solidFill>
                   <a:srgbClr val="000000"/>
                 </a:solidFill>
@@ -30762,7 +30747,7 @@
         <a:effectLst/>
         <a:extLst>
           <a:ext uri="{AF507438-7753-43e0-B8FC-AC1667EBCBE1}">
-            <a14:hiddenEffects xmlns="" xmlns:a14="http://schemas.microsoft.com/office/drawing/2010/main">
+            <a14:hiddenEffects xmlns:a14="http://schemas.microsoft.com/office/drawing/2010/main" xmlns="">
               <a:effectLst>
                 <a:outerShdw blurRad="63500" dist="38099" dir="2700000" algn="ctr" rotWithShape="0">
                   <a:schemeClr val="bg2">
@@ -30840,7 +30825,7 @@
         <a:effectLst/>
         <a:extLst>
           <a:ext uri="{AF507438-7753-43e0-B8FC-AC1667EBCBE1}">
-            <a14:hiddenEffects xmlns="" xmlns:a14="http://schemas.microsoft.com/office/drawing/2010/main">
+            <a14:hiddenEffects xmlns:a14="http://schemas.microsoft.com/office/drawing/2010/main" xmlns="">
               <a:effectLst>
                 <a:outerShdw blurRad="63500" dist="38099" dir="2700000" algn="ctr" rotWithShape="0">
                   <a:schemeClr val="bg2">
